--- a/LectureSlides/06b_IntroductionToBootstrap.pptx
+++ b/LectureSlides/06b_IntroductionToBootstrap.pptx
@@ -1,11 +1,11 @@
 
 <file path=ppt/presentation.xml><?xml version="1.0" encoding="utf-8"?>
-<p:presentation xmlns:a="http://schemas.openxmlformats.org/drawingml/2006/main" xmlns:p="http://schemas.openxmlformats.org/presentationml/2006/main" xmlns:r="http://schemas.openxmlformats.org/officeDocument/2006/relationships" autoCompressPictures="0" saveSubsetFonts="1">
+<p:presentation xmlns:a="http://schemas.openxmlformats.org/drawingml/2006/main" xmlns:r="http://schemas.openxmlformats.org/officeDocument/2006/relationships" xmlns:p="http://schemas.openxmlformats.org/presentationml/2006/main" saveSubsetFonts="1" autoCompressPictures="0">
   <p:sldMasterIdLst>
     <p:sldMasterId id="2147483648" r:id="rId1"/>
   </p:sldMasterIdLst>
   <p:sldIdLst>
-    <p:sldId id="256" r:id="rId2"/>
+    <p:sldId id="299" r:id="rId2"/>
     <p:sldId id="257" r:id="rId3"/>
     <p:sldId id="258" r:id="rId4"/>
     <p:sldId id="259" r:id="rId5"/>
@@ -40,8 +40,8 @@
     <a:defPPr>
       <a:defRPr lang="en-US"/>
     </a:defPPr>
-    <a:lvl1pPr algn="l" defTabSz="457200" eaLnBrk="1" hangingPunct="1" latinLnBrk="0" marL="0" rtl="0">
-      <a:defRPr kern="1200" sz="1800">
+    <a:lvl1pPr marL="0" algn="l" defTabSz="457200" rtl="0" eaLnBrk="1" latinLnBrk="0" hangingPunct="1">
+      <a:defRPr sz="1800" kern="1200">
         <a:solidFill>
           <a:schemeClr val="tx1"/>
         </a:solidFill>
@@ -50,8 +50,8 @@
         <a:cs typeface="+mn-cs"/>
       </a:defRPr>
     </a:lvl1pPr>
-    <a:lvl2pPr algn="l" defTabSz="457200" eaLnBrk="1" hangingPunct="1" latinLnBrk="0" marL="457200" rtl="0">
-      <a:defRPr kern="1200" sz="1800">
+    <a:lvl2pPr marL="457200" algn="l" defTabSz="457200" rtl="0" eaLnBrk="1" latinLnBrk="0" hangingPunct="1">
+      <a:defRPr sz="1800" kern="1200">
         <a:solidFill>
           <a:schemeClr val="tx1"/>
         </a:solidFill>
@@ -60,8 +60,8 @@
         <a:cs typeface="+mn-cs"/>
       </a:defRPr>
     </a:lvl2pPr>
-    <a:lvl3pPr algn="l" defTabSz="457200" eaLnBrk="1" hangingPunct="1" latinLnBrk="0" marL="914400" rtl="0">
-      <a:defRPr kern="1200" sz="1800">
+    <a:lvl3pPr marL="914400" algn="l" defTabSz="457200" rtl="0" eaLnBrk="1" latinLnBrk="0" hangingPunct="1">
+      <a:defRPr sz="1800" kern="1200">
         <a:solidFill>
           <a:schemeClr val="tx1"/>
         </a:solidFill>
@@ -70,8 +70,8 @@
         <a:cs typeface="+mn-cs"/>
       </a:defRPr>
     </a:lvl3pPr>
-    <a:lvl4pPr algn="l" defTabSz="457200" eaLnBrk="1" hangingPunct="1" latinLnBrk="0" marL="1371600" rtl="0">
-      <a:defRPr kern="1200" sz="1800">
+    <a:lvl4pPr marL="1371600" algn="l" defTabSz="457200" rtl="0" eaLnBrk="1" latinLnBrk="0" hangingPunct="1">
+      <a:defRPr sz="1800" kern="1200">
         <a:solidFill>
           <a:schemeClr val="tx1"/>
         </a:solidFill>
@@ -80,8 +80,8 @@
         <a:cs typeface="+mn-cs"/>
       </a:defRPr>
     </a:lvl4pPr>
-    <a:lvl5pPr algn="l" defTabSz="457200" eaLnBrk="1" hangingPunct="1" latinLnBrk="0" marL="1828800" rtl="0">
-      <a:defRPr kern="1200" sz="1800">
+    <a:lvl5pPr marL="1828800" algn="l" defTabSz="457200" rtl="0" eaLnBrk="1" latinLnBrk="0" hangingPunct="1">
+      <a:defRPr sz="1800" kern="1200">
         <a:solidFill>
           <a:schemeClr val="tx1"/>
         </a:solidFill>
@@ -90,8 +90,8 @@
         <a:cs typeface="+mn-cs"/>
       </a:defRPr>
     </a:lvl5pPr>
-    <a:lvl6pPr algn="l" defTabSz="457200" eaLnBrk="1" hangingPunct="1" latinLnBrk="0" marL="2286000" rtl="0">
-      <a:defRPr kern="1200" sz="1800">
+    <a:lvl6pPr marL="2286000" algn="l" defTabSz="457200" rtl="0" eaLnBrk="1" latinLnBrk="0" hangingPunct="1">
+      <a:defRPr sz="1800" kern="1200">
         <a:solidFill>
           <a:schemeClr val="tx1"/>
         </a:solidFill>
@@ -100,8 +100,8 @@
         <a:cs typeface="+mn-cs"/>
       </a:defRPr>
     </a:lvl6pPr>
-    <a:lvl7pPr algn="l" defTabSz="457200" eaLnBrk="1" hangingPunct="1" latinLnBrk="0" marL="2743200" rtl="0">
-      <a:defRPr kern="1200" sz="1800">
+    <a:lvl7pPr marL="2743200" algn="l" defTabSz="457200" rtl="0" eaLnBrk="1" latinLnBrk="0" hangingPunct="1">
+      <a:defRPr sz="1800" kern="1200">
         <a:solidFill>
           <a:schemeClr val="tx1"/>
         </a:solidFill>
@@ -110,8 +110,8 @@
         <a:cs typeface="+mn-cs"/>
       </a:defRPr>
     </a:lvl7pPr>
-    <a:lvl8pPr algn="l" defTabSz="457200" eaLnBrk="1" hangingPunct="1" latinLnBrk="0" marL="3200400" rtl="0">
-      <a:defRPr kern="1200" sz="1800">
+    <a:lvl8pPr marL="3200400" algn="l" defTabSz="457200" rtl="0" eaLnBrk="1" latinLnBrk="0" hangingPunct="1">
+      <a:defRPr sz="1800" kern="1200">
         <a:solidFill>
           <a:schemeClr val="tx1"/>
         </a:solidFill>
@@ -120,8 +120,8 @@
         <a:cs typeface="+mn-cs"/>
       </a:defRPr>
     </a:lvl8pPr>
-    <a:lvl9pPr algn="l" defTabSz="457200" eaLnBrk="1" hangingPunct="1" latinLnBrk="0" marL="3657600" rtl="0">
-      <a:defRPr kern="1200" sz="1800">
+    <a:lvl9pPr marL="3657600" algn="l" defTabSz="457200" rtl="0" eaLnBrk="1" latinLnBrk="0" hangingPunct="1">
+      <a:defRPr sz="1800" kern="1200">
         <a:solidFill>
           <a:schemeClr val="tx1"/>
         </a:solidFill>
@@ -329,7 +329,7 @@
           <a:p>
             <a:fld id="{241EB5C9-1307-BA42-ABA2-0BC069CD8E7F}" type="datetimeFigureOut">
               <a:rPr lang="en-US" smtClean="0"/>
-              <a:t>1/2/22</a:t>
+              <a:t>9/11/2024</a:t>
             </a:fld>
             <a:endParaRPr lang="en-US"/>
           </a:p>
@@ -497,7 +497,7 @@
           <a:p>
             <a:fld id="{241EB5C9-1307-BA42-ABA2-0BC069CD8E7F}" type="datetimeFigureOut">
               <a:rPr lang="en-US" smtClean="0"/>
-              <a:t>1/2/22</a:t>
+              <a:t>9/11/2024</a:t>
             </a:fld>
             <a:endParaRPr lang="en-US"/>
           </a:p>
@@ -675,7 +675,7 @@
           <a:p>
             <a:fld id="{241EB5C9-1307-BA42-ABA2-0BC069CD8E7F}" type="datetimeFigureOut">
               <a:rPr lang="en-US" smtClean="0"/>
-              <a:t>1/2/22</a:t>
+              <a:t>9/11/2024</a:t>
             </a:fld>
             <a:endParaRPr lang="en-US"/>
           </a:p>
@@ -843,7 +843,7 @@
           <a:p>
             <a:fld id="{241EB5C9-1307-BA42-ABA2-0BC069CD8E7F}" type="datetimeFigureOut">
               <a:rPr lang="en-US" smtClean="0"/>
-              <a:t>1/2/22</a:t>
+              <a:t>9/11/2024</a:t>
             </a:fld>
             <a:endParaRPr lang="en-US"/>
           </a:p>
@@ -1088,7 +1088,7 @@
           <a:p>
             <a:fld id="{241EB5C9-1307-BA42-ABA2-0BC069CD8E7F}" type="datetimeFigureOut">
               <a:rPr lang="en-US" smtClean="0"/>
-              <a:t>1/2/22</a:t>
+              <a:t>9/11/2024</a:t>
             </a:fld>
             <a:endParaRPr lang="en-US"/>
           </a:p>
@@ -1373,7 +1373,7 @@
           <a:p>
             <a:fld id="{241EB5C9-1307-BA42-ABA2-0BC069CD8E7F}" type="datetimeFigureOut">
               <a:rPr lang="en-US" smtClean="0"/>
-              <a:t>1/2/22</a:t>
+              <a:t>9/11/2024</a:t>
             </a:fld>
             <a:endParaRPr lang="en-US"/>
           </a:p>
@@ -1792,7 +1792,7 @@
           <a:p>
             <a:fld id="{241EB5C9-1307-BA42-ABA2-0BC069CD8E7F}" type="datetimeFigureOut">
               <a:rPr lang="en-US" smtClean="0"/>
-              <a:t>1/2/22</a:t>
+              <a:t>9/11/2024</a:t>
             </a:fld>
             <a:endParaRPr lang="en-US"/>
           </a:p>
@@ -1909,7 +1909,7 @@
           <a:p>
             <a:fld id="{241EB5C9-1307-BA42-ABA2-0BC069CD8E7F}" type="datetimeFigureOut">
               <a:rPr lang="en-US" smtClean="0"/>
-              <a:t>1/2/22</a:t>
+              <a:t>9/11/2024</a:t>
             </a:fld>
             <a:endParaRPr lang="en-US"/>
           </a:p>
@@ -2004,7 +2004,7 @@
           <a:p>
             <a:fld id="{241EB5C9-1307-BA42-ABA2-0BC069CD8E7F}" type="datetimeFigureOut">
               <a:rPr lang="en-US" smtClean="0"/>
-              <a:t>1/2/22</a:t>
+              <a:t>9/11/2024</a:t>
             </a:fld>
             <a:endParaRPr lang="en-US"/>
           </a:p>
@@ -2279,7 +2279,7 @@
           <a:p>
             <a:fld id="{241EB5C9-1307-BA42-ABA2-0BC069CD8E7F}" type="datetimeFigureOut">
               <a:rPr lang="en-US" smtClean="0"/>
-              <a:t>1/2/22</a:t>
+              <a:t>9/11/2024</a:t>
             </a:fld>
             <a:endParaRPr lang="en-US"/>
           </a:p>
@@ -2531,7 +2531,7 @@
           <a:p>
             <a:fld id="{241EB5C9-1307-BA42-ABA2-0BC069CD8E7F}" type="datetimeFigureOut">
               <a:rPr lang="en-US" smtClean="0"/>
-              <a:t>1/2/22</a:t>
+              <a:t>9/11/2024</a:t>
             </a:fld>
             <a:endParaRPr lang="en-US"/>
           </a:p>
@@ -2593,7 +2593,7 @@
 </file>
 
 <file path=ppt/slideMasters/slideMaster1.xml><?xml version="1.0" encoding="utf-8"?>
-<p:sldMaster xmlns:a="http://schemas.openxmlformats.org/drawingml/2006/main" xmlns:p="http://schemas.openxmlformats.org/presentationml/2006/main" xmlns:r="http://schemas.openxmlformats.org/officeDocument/2006/relationships">
+<p:sldMaster xmlns:a="http://schemas.openxmlformats.org/drawingml/2006/main" xmlns:r="http://schemas.openxmlformats.org/officeDocument/2006/relationships" xmlns:p="http://schemas.openxmlformats.org/presentationml/2006/main">
   <p:cSld>
     <p:bg>
       <p:bgRef idx="1001">
@@ -2634,7 +2634,7 @@
           </a:prstGeom>
         </p:spPr>
         <p:txBody>
-          <a:bodyPr anchor="ctr" bIns="45720" lIns="91440" rIns="91440" rtlCol="0" tIns="45720" vert="horz">
+          <a:bodyPr vert="horz" lIns="91440" tIns="45720" rIns="91440" bIns="45720" rtlCol="0" anchor="ctr">
             <a:normAutofit/>
           </a:bodyPr>
           <a:lstStyle/>
@@ -2653,7 +2653,7 @@
             <a:spLocks noGrp="1"/>
           </p:cNvSpPr>
           <p:nvPr>
-            <p:ph idx="1" type="body"/>
+            <p:ph type="body" idx="1"/>
           </p:nvPr>
         </p:nvSpPr>
         <p:spPr>
@@ -2666,7 +2666,7 @@
           </a:prstGeom>
         </p:spPr>
         <p:txBody>
-          <a:bodyPr bIns="45720" lIns="91440" rIns="91440" rtlCol="0" tIns="45720" vert="horz">
+          <a:bodyPr vert="horz" lIns="91440" tIns="45720" rIns="91440" bIns="45720" rtlCol="0">
             <a:normAutofit/>
           </a:bodyPr>
           <a:lstStyle/>
@@ -2714,7 +2714,7 @@
             <a:spLocks noGrp="1"/>
           </p:cNvSpPr>
           <p:nvPr>
-            <p:ph idx="2" sz="half" type="dt"/>
+            <p:ph type="dt" sz="half" idx="2"/>
           </p:nvPr>
         </p:nvSpPr>
         <p:spPr>
@@ -2727,7 +2727,7 @@
           </a:prstGeom>
         </p:spPr>
         <p:txBody>
-          <a:bodyPr anchor="ctr" bIns="45720" lIns="91440" rIns="91440" rtlCol="0" tIns="45720" vert="horz"/>
+          <a:bodyPr vert="horz" lIns="91440" tIns="45720" rIns="91440" bIns="45720" rtlCol="0" anchor="ctr"/>
           <a:lstStyle>
             <a:lvl1pPr algn="l">
               <a:defRPr sz="900">
@@ -2742,7 +2742,7 @@
           <a:p>
             <a:fld id="{241EB5C9-1307-BA42-ABA2-0BC069CD8E7F}" type="datetimeFigureOut">
               <a:rPr lang="en-US" smtClean="0"/>
-              <a:t>1/2/22</a:t>
+              <a:t>9/11/2024</a:t>
             </a:fld>
             <a:endParaRPr lang="en-US"/>
           </a:p>
@@ -2755,7 +2755,7 @@
             <a:spLocks noGrp="1"/>
           </p:cNvSpPr>
           <p:nvPr>
-            <p:ph idx="3" sz="quarter" type="ftr"/>
+            <p:ph type="ftr" sz="quarter" idx="3"/>
           </p:nvPr>
         </p:nvSpPr>
         <p:spPr>
@@ -2768,7 +2768,7 @@
           </a:prstGeom>
         </p:spPr>
         <p:txBody>
-          <a:bodyPr anchor="ctr" bIns="45720" lIns="91440" rIns="91440" rtlCol="0" tIns="45720" vert="horz"/>
+          <a:bodyPr vert="horz" lIns="91440" tIns="45720" rIns="91440" bIns="45720" rtlCol="0" anchor="ctr"/>
           <a:lstStyle>
             <a:lvl1pPr algn="ctr">
               <a:defRPr sz="900">
@@ -2792,7 +2792,7 @@
             <a:spLocks noGrp="1"/>
           </p:cNvSpPr>
           <p:nvPr>
-            <p:ph idx="4" sz="quarter" type="sldNum"/>
+            <p:ph type="sldNum" sz="quarter" idx="4"/>
           </p:nvPr>
         </p:nvSpPr>
         <p:spPr>
@@ -2805,7 +2805,7 @@
           </a:prstGeom>
         </p:spPr>
         <p:txBody>
-          <a:bodyPr anchor="ctr" bIns="45720" lIns="91440" rIns="91440" rtlCol="0" tIns="45720" vert="horz"/>
+          <a:bodyPr vert="horz" lIns="91440" tIns="45720" rIns="91440" bIns="45720" rtlCol="0" anchor="ctr"/>
           <a:lstStyle>
             <a:lvl1pPr algn="r">
               <a:defRPr sz="900">
@@ -2833,7 +2833,7 @@
       </p:ext>
     </p:extLst>
   </p:cSld>
-  <p:clrMap accent1="accent1" accent2="accent2" accent3="accent3" accent4="accent4" accent5="accent5" accent6="accent6" bg1="lt1" bg2="lt2" folHlink="folHlink" hlink="hlink" tx1="dk1" tx2="dk2"/>
+  <p:clrMap bg1="lt1" tx1="dk1" bg2="lt2" tx2="dk2" accent1="accent1" accent2="accent2" accent3="accent3" accent4="accent4" accent5="accent5" accent6="accent6" hlink="hlink" folHlink="folHlink"/>
   <p:sldLayoutIdLst>
     <p:sldLayoutId id="2147483649" r:id="rId1"/>
     <p:sldLayoutId id="2147483650" r:id="rId2"/>
@@ -2849,12 +2849,12 @@
   </p:sldLayoutIdLst>
   <p:txStyles>
     <p:titleStyle>
-      <a:lvl1pPr algn="ctr" defTabSz="342900" eaLnBrk="1" hangingPunct="1" latinLnBrk="0" rtl="0">
+      <a:lvl1pPr algn="ctr" defTabSz="342900" rtl="0" eaLnBrk="1" latinLnBrk="0" hangingPunct="1">
         <a:spcBef>
           <a:spcPct val="0"/>
         </a:spcBef>
         <a:buNone/>
-        <a:defRPr kern="1200" sz="3300">
+        <a:defRPr sz="3300" kern="1200">
           <a:solidFill>
             <a:schemeClr val="tx1"/>
           </a:solidFill>
@@ -2865,13 +2865,13 @@
       </a:lvl1pPr>
     </p:titleStyle>
     <p:bodyStyle>
-      <a:lvl1pPr algn="l" defTabSz="342900" eaLnBrk="1" hangingPunct="1" indent="-342900" latinLnBrk="0" marL="342900" rtl="0">
+      <a:lvl1pPr marL="342900" indent="-342900" algn="l" defTabSz="342900" rtl="0" eaLnBrk="1" latinLnBrk="0" hangingPunct="1">
         <a:spcBef>
           <a:spcPct val="20000"/>
         </a:spcBef>
         <a:buFont typeface="Arial"/>
         <a:buChar char="•"/>
-        <a:defRPr kern="1200" sz="2400">
+        <a:defRPr sz="2400" kern="1200">
           <a:solidFill>
             <a:schemeClr val="tx1"/>
           </a:solidFill>
@@ -2880,13 +2880,13 @@
           <a:cs typeface="+mn-cs"/>
         </a:defRPr>
       </a:lvl1pPr>
-      <a:lvl2pPr algn="l" defTabSz="342900" eaLnBrk="1" hangingPunct="1" indent="-342900" latinLnBrk="0" marL="685800" rtl="0">
+      <a:lvl2pPr marL="685800" indent="-342900" algn="l" defTabSz="342900" rtl="0" eaLnBrk="1" latinLnBrk="0" hangingPunct="1">
         <a:spcBef>
           <a:spcPct val="20000"/>
         </a:spcBef>
         <a:buFont typeface="Arial"/>
         <a:buChar char="–"/>
-        <a:defRPr kern="1200" sz="2100">
+        <a:defRPr sz="2100" kern="1200">
           <a:solidFill>
             <a:schemeClr val="tx1"/>
           </a:solidFill>
@@ -2895,13 +2895,13 @@
           <a:cs typeface="+mn-cs"/>
         </a:defRPr>
       </a:lvl2pPr>
-      <a:lvl3pPr algn="l" defTabSz="342900" eaLnBrk="1" hangingPunct="1" indent="-342900" latinLnBrk="0" marL="1028700" rtl="0">
+      <a:lvl3pPr marL="1028700" indent="-342900" algn="l" defTabSz="342900" rtl="0" eaLnBrk="1" latinLnBrk="0" hangingPunct="1">
         <a:spcBef>
           <a:spcPct val="20000"/>
         </a:spcBef>
         <a:buFont typeface="Arial"/>
         <a:buChar char="•"/>
-        <a:defRPr kern="1200" sz="1800">
+        <a:defRPr sz="1800" kern="1200">
           <a:solidFill>
             <a:schemeClr val="tx1"/>
           </a:solidFill>
@@ -2910,13 +2910,13 @@
           <a:cs typeface="+mn-cs"/>
         </a:defRPr>
       </a:lvl3pPr>
-      <a:lvl4pPr algn="l" defTabSz="342900" eaLnBrk="1" hangingPunct="1" indent="-342900" latinLnBrk="0" marL="1371600" rtl="0">
+      <a:lvl4pPr marL="1371600" indent="-342900" algn="l" defTabSz="342900" rtl="0" eaLnBrk="1" latinLnBrk="0" hangingPunct="1">
         <a:spcBef>
           <a:spcPct val="20000"/>
         </a:spcBef>
         <a:buFont typeface="Arial"/>
         <a:buChar char="–"/>
-        <a:defRPr kern="1200" sz="1500">
+        <a:defRPr sz="1500" kern="1200">
           <a:solidFill>
             <a:schemeClr val="tx1"/>
           </a:solidFill>
@@ -2925,13 +2925,13 @@
           <a:cs typeface="+mn-cs"/>
         </a:defRPr>
       </a:lvl4pPr>
-      <a:lvl5pPr algn="l" defTabSz="342900" eaLnBrk="1" hangingPunct="1" indent="-342900" latinLnBrk="0" marL="1714500" rtl="0">
+      <a:lvl5pPr marL="1714500" indent="-342900" algn="l" defTabSz="342900" rtl="0" eaLnBrk="1" latinLnBrk="0" hangingPunct="1">
         <a:spcBef>
           <a:spcPct val="20000"/>
         </a:spcBef>
         <a:buFont typeface="Arial"/>
         <a:buChar char="»"/>
-        <a:defRPr kern="1200" sz="1500">
+        <a:defRPr sz="1500" kern="1200">
           <a:solidFill>
             <a:schemeClr val="tx1"/>
           </a:solidFill>
@@ -2940,13 +2940,13 @@
           <a:cs typeface="+mn-cs"/>
         </a:defRPr>
       </a:lvl5pPr>
-      <a:lvl6pPr algn="l" defTabSz="342900" eaLnBrk="1" hangingPunct="1" indent="-342900" latinLnBrk="0" marL="2057400" rtl="0">
+      <a:lvl6pPr marL="2057400" indent="-342900" algn="l" defTabSz="342900" rtl="0" eaLnBrk="1" latinLnBrk="0" hangingPunct="1">
         <a:spcBef>
           <a:spcPct val="20000"/>
         </a:spcBef>
         <a:buFont typeface="Arial"/>
         <a:buChar char="•"/>
-        <a:defRPr kern="1200" sz="1500">
+        <a:defRPr sz="1500" kern="1200">
           <a:solidFill>
             <a:schemeClr val="tx1"/>
           </a:solidFill>
@@ -2955,13 +2955,13 @@
           <a:cs typeface="+mn-cs"/>
         </a:defRPr>
       </a:lvl6pPr>
-      <a:lvl7pPr algn="l" defTabSz="342900" eaLnBrk="1" hangingPunct="1" indent="-342900" latinLnBrk="0" marL="2400300" rtl="0">
+      <a:lvl7pPr marL="2400300" indent="-342900" algn="l" defTabSz="342900" rtl="0" eaLnBrk="1" latinLnBrk="0" hangingPunct="1">
         <a:spcBef>
           <a:spcPct val="20000"/>
         </a:spcBef>
         <a:buFont typeface="Arial"/>
         <a:buChar char="•"/>
-        <a:defRPr kern="1200" sz="1500">
+        <a:defRPr sz="1500" kern="1200">
           <a:solidFill>
             <a:schemeClr val="tx1"/>
           </a:solidFill>
@@ -2970,13 +2970,13 @@
           <a:cs typeface="+mn-cs"/>
         </a:defRPr>
       </a:lvl7pPr>
-      <a:lvl8pPr algn="l" defTabSz="342900" eaLnBrk="1" hangingPunct="1" indent="-342900" latinLnBrk="0" marL="2743200" rtl="0">
+      <a:lvl8pPr marL="2743200" indent="-342900" algn="l" defTabSz="342900" rtl="0" eaLnBrk="1" latinLnBrk="0" hangingPunct="1">
         <a:spcBef>
           <a:spcPct val="20000"/>
         </a:spcBef>
         <a:buFont typeface="Arial"/>
         <a:buChar char="•"/>
-        <a:defRPr kern="1200" sz="1500">
+        <a:defRPr sz="1500" kern="1200">
           <a:solidFill>
             <a:schemeClr val="tx1"/>
           </a:solidFill>
@@ -2985,13 +2985,13 @@
           <a:cs typeface="+mn-cs"/>
         </a:defRPr>
       </a:lvl8pPr>
-      <a:lvl9pPr algn="l" defTabSz="342900" eaLnBrk="1" hangingPunct="1" indent="-342900" latinLnBrk="0" marL="3086100" rtl="0">
+      <a:lvl9pPr marL="3086100" indent="-342900" algn="l" defTabSz="342900" rtl="0" eaLnBrk="1" latinLnBrk="0" hangingPunct="1">
         <a:spcBef>
           <a:spcPct val="20000"/>
         </a:spcBef>
         <a:buFont typeface="Arial"/>
         <a:buChar char="•"/>
-        <a:defRPr kern="1200" sz="1500">
+        <a:defRPr sz="1500" kern="1200">
           <a:solidFill>
             <a:schemeClr val="tx1"/>
           </a:solidFill>
@@ -3005,8 +3005,8 @@
       <a:defPPr>
         <a:defRPr lang="en-US"/>
       </a:defPPr>
-      <a:lvl1pPr algn="l" defTabSz="342900" eaLnBrk="1" hangingPunct="1" latinLnBrk="0" marL="0" rtl="0">
-        <a:defRPr kern="1200" sz="1350">
+      <a:lvl1pPr marL="0" algn="l" defTabSz="342900" rtl="0" eaLnBrk="1" latinLnBrk="0" hangingPunct="1">
+        <a:defRPr sz="1350" kern="1200">
           <a:solidFill>
             <a:schemeClr val="tx1"/>
           </a:solidFill>
@@ -3015,8 +3015,8 @@
           <a:cs typeface="+mn-cs"/>
         </a:defRPr>
       </a:lvl1pPr>
-      <a:lvl2pPr algn="l" defTabSz="342900" eaLnBrk="1" hangingPunct="1" latinLnBrk="0" marL="342900" rtl="0">
-        <a:defRPr kern="1200" sz="1350">
+      <a:lvl2pPr marL="342900" algn="l" defTabSz="342900" rtl="0" eaLnBrk="1" latinLnBrk="0" hangingPunct="1">
+        <a:defRPr sz="1350" kern="1200">
           <a:solidFill>
             <a:schemeClr val="tx1"/>
           </a:solidFill>
@@ -3025,8 +3025,8 @@
           <a:cs typeface="+mn-cs"/>
         </a:defRPr>
       </a:lvl2pPr>
-      <a:lvl3pPr algn="l" defTabSz="342900" eaLnBrk="1" hangingPunct="1" latinLnBrk="0" marL="685800" rtl="0">
-        <a:defRPr kern="1200" sz="1350">
+      <a:lvl3pPr marL="685800" algn="l" defTabSz="342900" rtl="0" eaLnBrk="1" latinLnBrk="0" hangingPunct="1">
+        <a:defRPr sz="1350" kern="1200">
           <a:solidFill>
             <a:schemeClr val="tx1"/>
           </a:solidFill>
@@ -3035,8 +3035,8 @@
           <a:cs typeface="+mn-cs"/>
         </a:defRPr>
       </a:lvl3pPr>
-      <a:lvl4pPr algn="l" defTabSz="342900" eaLnBrk="1" hangingPunct="1" latinLnBrk="0" marL="1028700" rtl="0">
-        <a:defRPr kern="1200" sz="1350">
+      <a:lvl4pPr marL="1028700" algn="l" defTabSz="342900" rtl="0" eaLnBrk="1" latinLnBrk="0" hangingPunct="1">
+        <a:defRPr sz="1350" kern="1200">
           <a:solidFill>
             <a:schemeClr val="tx1"/>
           </a:solidFill>
@@ -3045,8 +3045,8 @@
           <a:cs typeface="+mn-cs"/>
         </a:defRPr>
       </a:lvl4pPr>
-      <a:lvl5pPr algn="l" defTabSz="342900" eaLnBrk="1" hangingPunct="1" latinLnBrk="0" marL="1371600" rtl="0">
-        <a:defRPr kern="1200" sz="1350">
+      <a:lvl5pPr marL="1371600" algn="l" defTabSz="342900" rtl="0" eaLnBrk="1" latinLnBrk="0" hangingPunct="1">
+        <a:defRPr sz="1350" kern="1200">
           <a:solidFill>
             <a:schemeClr val="tx1"/>
           </a:solidFill>
@@ -3055,8 +3055,8 @@
           <a:cs typeface="+mn-cs"/>
         </a:defRPr>
       </a:lvl5pPr>
-      <a:lvl6pPr algn="l" defTabSz="342900" eaLnBrk="1" hangingPunct="1" latinLnBrk="0" marL="1714500" rtl="0">
-        <a:defRPr kern="1200" sz="1350">
+      <a:lvl6pPr marL="1714500" algn="l" defTabSz="342900" rtl="0" eaLnBrk="1" latinLnBrk="0" hangingPunct="1">
+        <a:defRPr sz="1350" kern="1200">
           <a:solidFill>
             <a:schemeClr val="tx1"/>
           </a:solidFill>
@@ -3065,8 +3065,8 @@
           <a:cs typeface="+mn-cs"/>
         </a:defRPr>
       </a:lvl6pPr>
-      <a:lvl7pPr algn="l" defTabSz="342900" eaLnBrk="1" hangingPunct="1" latinLnBrk="0" marL="2057400" rtl="0">
-        <a:defRPr kern="1200" sz="1350">
+      <a:lvl7pPr marL="2057400" algn="l" defTabSz="342900" rtl="0" eaLnBrk="1" latinLnBrk="0" hangingPunct="1">
+        <a:defRPr sz="1350" kern="1200">
           <a:solidFill>
             <a:schemeClr val="tx1"/>
           </a:solidFill>
@@ -3075,8 +3075,8 @@
           <a:cs typeface="+mn-cs"/>
         </a:defRPr>
       </a:lvl7pPr>
-      <a:lvl8pPr algn="l" defTabSz="342900" eaLnBrk="1" hangingPunct="1" latinLnBrk="0" marL="2400300" rtl="0">
-        <a:defRPr kern="1200" sz="1350">
+      <a:lvl8pPr marL="2400300" algn="l" defTabSz="342900" rtl="0" eaLnBrk="1" latinLnBrk="0" hangingPunct="1">
+        <a:defRPr sz="1350" kern="1200">
           <a:solidFill>
             <a:schemeClr val="tx1"/>
           </a:solidFill>
@@ -3085,8 +3085,8 @@
           <a:cs typeface="+mn-cs"/>
         </a:defRPr>
       </a:lvl8pPr>
-      <a:lvl9pPr algn="l" defTabSz="342900" eaLnBrk="1" hangingPunct="1" latinLnBrk="0" marL="2743200" rtl="0">
-        <a:defRPr kern="1200" sz="1350">
+      <a:lvl9pPr marL="2743200" algn="l" defTabSz="342900" rtl="0" eaLnBrk="1" latinLnBrk="0" hangingPunct="1">
+        <a:defRPr sz="1350" kern="1200">
           <a:solidFill>
             <a:schemeClr val="tx1"/>
           </a:solidFill>
@@ -3129,21 +3129,22 @@
         </p:nvSpPr>
         <p:spPr>
           <a:xfrm>
-            <a:off x="685800" y="1597819"/>
-            <a:ext cx="7772400" cy="1102519"/>
+            <a:off x="685800" y="517003"/>
+            <a:ext cx="7772400" cy="1515861"/>
           </a:xfrm>
         </p:spPr>
         <p:txBody>
           <a:bodyPr/>
           <a:lstStyle/>
           <a:p>
-            <a:pPr lvl="0" indent="0" marL="0">
+            <a:pPr marL="0" lvl="0" indent="0">
               <a:buNone/>
             </a:pPr>
             <a:r>
-              <a:rPr/>
+              <a:rPr lang="en-US" dirty="0"/>
               <a:t>Introduction to Nonparametric Bootstrap Methods</a:t>
             </a:r>
+            <a:endParaRPr b="1" dirty="0"/>
           </a:p>
         </p:txBody>
       </p:sp>
@@ -3154,26 +3155,32 @@
             <a:spLocks noGrp="1"/>
           </p:cNvSpPr>
           <p:nvPr>
-            <p:ph idx="1" type="subTitle"/>
+            <p:ph type="subTitle" idx="1"/>
           </p:nvPr>
         </p:nvSpPr>
         <p:spPr>
           <a:xfrm>
-            <a:off x="1371600" y="2914650"/>
-            <a:ext cx="6400800" cy="1314450"/>
+            <a:off x="1371600" y="1878957"/>
+            <a:ext cx="6400800" cy="563301"/>
           </a:xfrm>
         </p:spPr>
         <p:txBody>
-          <a:bodyPr/>
-          <a:lstStyle/>
-          <a:p>
-            <a:pPr lvl="0" indent="0" marL="0">
+          <a:bodyPr>
+            <a:normAutofit fontScale="32500" lnSpcReduction="20000"/>
+          </a:bodyPr>
+          <a:lstStyle/>
+          <a:p>
+            <a:pPr marL="0" lvl="0" indent="0">
               <a:buNone/>
             </a:pPr>
-            <a:br/>
-            <a:br/>
-            <a:r>
-              <a:rPr/>
+            <a:br>
+              <a:rPr dirty="0"/>
+            </a:br>
+            <a:br>
+              <a:rPr dirty="0"/>
+            </a:br>
+            <a:r>
+              <a:rPr sz="5900" b="1" dirty="0"/>
               <a:t>Steve Elston</a:t>
             </a:r>
           </a:p>
@@ -3186,26 +3193,115 @@
             <a:spLocks noGrp="1"/>
           </p:cNvSpPr>
           <p:nvPr>
-            <p:ph idx="10" sz="half" type="dt"/>
-          </p:nvPr>
-        </p:nvSpPr>
-        <p:spPr/>
-        <p:txBody>
-          <a:bodyPr/>
-          <a:lstStyle/>
-          <a:p>
-            <a:pPr lvl="0" indent="0" marL="0">
+            <p:ph type="dt" sz="half" idx="10"/>
+          </p:nvPr>
+        </p:nvSpPr>
+        <p:spPr/>
+        <p:txBody>
+          <a:bodyPr/>
+          <a:lstStyle/>
+          <a:p>
+            <a:pPr marL="0" lvl="0" indent="0">
               <a:buNone/>
             </a:pPr>
             <a:r>
-              <a:rPr/>
-              <a:t>10/09/2023</a:t>
+              <a:t>09/04/2023</a:t>
+            </a:r>
+          </a:p>
+        </p:txBody>
+      </p:sp>
+      <p:pic>
+        <p:nvPicPr>
+          <p:cNvPr id="5" name="Picture 2" descr="Image result for harvard extension school logo">
+            <a:extLst>
+              <a:ext uri="{FF2B5EF4-FFF2-40B4-BE49-F238E27FC236}">
+                <a16:creationId xmlns:a16="http://schemas.microsoft.com/office/drawing/2014/main" id="{4589CD93-89FF-3DF6-420D-DE6D671B6DD7}"/>
+              </a:ext>
+            </a:extLst>
+          </p:cNvPr>
+          <p:cNvPicPr>
+            <a:picLocks noChangeAspect="1" noChangeArrowheads="1"/>
+          </p:cNvPicPr>
+          <p:nvPr/>
+        </p:nvPicPr>
+        <p:blipFill>
+          <a:blip r:embed="rId2">
+            <a:extLst>
+              <a:ext uri="{28A0092B-C50C-407E-A947-70E740481C1C}">
+                <a14:useLocalDpi xmlns:a14="http://schemas.microsoft.com/office/drawing/2010/main" val="0"/>
+              </a:ext>
+            </a:extLst>
+          </a:blip>
+          <a:srcRect/>
+          <a:stretch>
+            <a:fillRect/>
+          </a:stretch>
+        </p:blipFill>
+        <p:spPr bwMode="auto">
+          <a:xfrm>
+            <a:off x="3291067" y="3659436"/>
+            <a:ext cx="2345803" cy="965131"/>
+          </a:xfrm>
+          <a:prstGeom prst="rect">
+            <a:avLst/>
+          </a:prstGeom>
+          <a:noFill/>
+          <a:extLst>
+            <a:ext uri="{909E8E84-426E-40DD-AFC4-6F175D3DCCD1}">
+              <a14:hiddenFill xmlns:a14="http://schemas.microsoft.com/office/drawing/2010/main">
+                <a:solidFill>
+                  <a:srgbClr val="FFFFFF"/>
+                </a:solidFill>
+              </a14:hiddenFill>
+            </a:ext>
+          </a:extLst>
+        </p:spPr>
+      </p:pic>
+      <p:sp>
+        <p:nvSpPr>
+          <p:cNvPr id="6" name="TextBox 5">
+            <a:extLst>
+              <a:ext uri="{FF2B5EF4-FFF2-40B4-BE49-F238E27FC236}">
+                <a16:creationId xmlns:a16="http://schemas.microsoft.com/office/drawing/2014/main" id="{E74191BF-5D24-EFDF-F46A-91EA7CBF856B}"/>
+              </a:ext>
+            </a:extLst>
+          </p:cNvPr>
+          <p:cNvSpPr txBox="1"/>
+          <p:nvPr/>
+        </p:nvSpPr>
+        <p:spPr>
+          <a:xfrm>
+            <a:off x="1805276" y="4705706"/>
+            <a:ext cx="5744633" cy="369332"/>
+          </a:xfrm>
+          <a:prstGeom prst="rect">
+            <a:avLst/>
+          </a:prstGeom>
+          <a:noFill/>
+        </p:spPr>
+        <p:txBody>
+          <a:bodyPr wrap="square" rtlCol="0">
+            <a:spAutoFit/>
+          </a:bodyPr>
+          <a:lstStyle/>
+          <a:p>
+            <a:pPr algn="ctr"/>
+            <a:r>
+              <a:rPr lang="en-US" sz="1100" dirty="0"/>
+              <a:t>Copyright 2018, 2019, 2020, 2021, 2022, 2023 2024, Stephen F Elston. All rights reserved</a:t>
+            </a:r>
+            <a:r>
+              <a:rPr lang="en-US" dirty="0"/>
+              <a:t>.</a:t>
             </a:r>
           </a:p>
         </p:txBody>
       </p:sp>
     </p:spTree>
   </p:cSld>
+  <p:clrMapOvr>
+    <a:masterClrMapping/>
+  </p:clrMapOvr>
 </p:sld>
 </file>
 
@@ -3241,11 +3337,10 @@
           <a:bodyPr/>
           <a:lstStyle/>
           <a:p>
-            <a:pPr lvl="0" indent="0" marL="0">
+            <a:pPr marL="0" lvl="0" indent="0">
               <a:buNone/>
             </a:pPr>
             <a:r>
-              <a:rPr/>
               <a:t>Bootstrap Distribution</a:t>
             </a:r>
           </a:p>
@@ -3266,11 +3361,10 @@
           <a:bodyPr/>
           <a:lstStyle/>
           <a:p>
-            <a:pPr lvl="0" indent="0" marL="0">
+            <a:pPr marL="0" lvl="0" indent="0">
               <a:buNone/>
             </a:pPr>
             <a:r>
-              <a:rPr/>
               <a:t>Rather than repeatedly resample the population, bootstrapping repeatedly resamples an original sample</a:t>
             </a:r>
           </a:p>
@@ -3278,7 +3372,7 @@
       </p:sp>
       <p:pic>
         <p:nvPicPr>
-          <p:cNvPr descr="../images/BootstrapDistribution.png" id="0" name="Picture 1"/>
+          <p:cNvPr id="4" name="Picture 1" descr="../images/BootstrapDistribution.png"/>
           <p:cNvPicPr>
             <a:picLocks noGrp="1" noChangeAspect="1"/>
           </p:cNvPicPr>
@@ -3308,7 +3402,7 @@
       </p:pic>
       <p:sp>
         <p:nvSpPr>
-          <p:cNvPr id="1" name="TextBox 3"/>
+          <p:cNvPr id="5" name="TextBox 3"/>
           <p:cNvSpPr txBox="1"/>
           <p:nvPr/>
         </p:nvSpPr>
@@ -3326,11 +3420,10 @@
           <a:bodyPr/>
           <a:lstStyle/>
           <a:p>
-            <a:pPr lvl="0" indent="0" marL="0" algn="ctr">
+            <a:pPr marL="0" lvl="0" indent="0" algn="ctr">
               <a:buNone/>
             </a:pPr>
             <a:r>
-              <a:rPr/>
               <a:t>Resampling to estiamte the bootstrap distribution of a statistic</a:t>
             </a:r>
           </a:p>
@@ -3338,6 +3431,9 @@
       </p:sp>
     </p:spTree>
   </p:cSld>
+  <p:clrMapOvr>
+    <a:masterClrMapping/>
+  </p:clrMapOvr>
 </p:sld>
 </file>
 
@@ -3373,11 +3469,10 @@
           <a:bodyPr/>
           <a:lstStyle/>
           <a:p>
-            <a:pPr lvl="0" indent="0" marL="0">
+            <a:pPr marL="0" lvl="0" indent="0">
               <a:buNone/>
             </a:pPr>
             <a:r>
-              <a:rPr/>
               <a:t>Overview of the Bootstrap Algorithm</a:t>
             </a:r>
           </a:p>
@@ -3395,23 +3490,23 @@
         </p:nvSpPr>
         <p:spPr/>
         <p:txBody>
-          <a:bodyPr/>
-          <a:lstStyle/>
-          <a:p>
-            <a:pPr lvl="0" indent="0" marL="0">
+          <a:bodyPr>
+            <a:normAutofit fontScale="70000" lnSpcReduction="20000"/>
+          </a:bodyPr>
+          <a:lstStyle/>
+          <a:p>
+            <a:pPr marL="0" lvl="0" indent="0">
               <a:buNone/>
             </a:pPr>
             <a:r>
-              <a:rPr/>
               <a:t>The bootstrap method follows a simple algorithm. Estimates of the point estimate of a statistic are accumulated by these steps:</a:t>
             </a:r>
           </a:p>
           <a:p>
-            <a:pPr lvl="0" indent="-342900" marL="342900">
+            <a:pPr marL="342900" lvl="0" indent="-342900">
               <a:buAutoNum type="arabicPeriod"/>
             </a:pPr>
             <a:r>
-              <a:rPr/>
               <a:t>Randomly </a:t>
             </a:r>
             <a:r>
@@ -3419,7 +3514,6 @@
               <a:t>Bernoulli sample</a:t>
             </a:r>
             <a:r>
-              <a:rPr/>
               <a:t> sample with size n </a:t>
             </a:r>
             <a:r>
@@ -3427,47 +3521,46 @@
               <a:t>with replacement</a:t>
             </a:r>
             <a:r>
-              <a:rPr/>
               <a:t> from an original data sample of n values; Resample is the same size as the original data sample</a:t>
             </a:r>
             <a:br/>
-          </a:p>
-          <a:p>
-            <a:pPr lvl="0" indent="-342900" marL="342900">
+            <a:endParaRPr/>
+          </a:p>
+          <a:p>
+            <a:pPr marL="342900" lvl="0" indent="-342900">
               <a:buAutoNum type="arabicPeriod"/>
             </a:pPr>
             <a:r>
-              <a:rPr/>
               <a:t>Re-compute the statistic with each resample</a:t>
             </a:r>
             <a:br/>
-          </a:p>
-          <a:p>
-            <a:pPr lvl="0" indent="-342900" marL="342900">
+            <a:endParaRPr/>
+          </a:p>
+          <a:p>
+            <a:pPr marL="342900" lvl="0" indent="-342900">
               <a:buAutoNum type="arabicPeriod"/>
             </a:pPr>
             <a:r>
-              <a:rPr/>
               <a:t>Repeat steps 1 and 2 to accumulate the required number of bootstrap samples</a:t>
             </a:r>
             <a:br/>
-          </a:p>
-          <a:p>
-            <a:pPr lvl="0" indent="-342900" marL="342900">
+            <a:endParaRPr/>
+          </a:p>
+          <a:p>
+            <a:pPr marL="342900" lvl="0" indent="-342900">
               <a:buAutoNum type="arabicPeriod"/>
             </a:pPr>
             <a:r>
-              <a:rPr/>
               <a:t>Accumulated bootstrap values form the bootstrap distribution; An estimate of the sample distribution of the statistic</a:t>
             </a:r>
             <a:br/>
-          </a:p>
-          <a:p>
-            <a:pPr lvl="0" indent="-342900" marL="342900">
+            <a:endParaRPr/>
+          </a:p>
+          <a:p>
+            <a:pPr marL="342900" lvl="0" indent="-342900">
               <a:buAutoNum type="arabicPeriod"/>
             </a:pPr>
             <a:r>
-              <a:rPr/>
               <a:t>The mean of the computed statistic values is the bootstrap point estimate of the statistic</a:t>
             </a:r>
           </a:p>
@@ -3475,6 +3568,9 @@
       </p:sp>
     </p:spTree>
   </p:cSld>
+  <p:clrMapOvr>
+    <a:masterClrMapping/>
+  </p:clrMapOvr>
 </p:sld>
 </file>
 
@@ -3510,11 +3606,10 @@
           <a:bodyPr/>
           <a:lstStyle/>
           <a:p>
-            <a:pPr lvl="0" indent="0" marL="0">
+            <a:pPr marL="0" lvl="0" indent="0">
               <a:buNone/>
             </a:pPr>
             <a:r>
-              <a:rPr/>
               <a:t>Overview of the Bootstrap Algorithm</a:t>
             </a:r>
           </a:p>
@@ -3535,39 +3630,34 @@
           <a:bodyPr/>
           <a:lstStyle/>
           <a:p>
-            <a:pPr lvl="0" indent="0" marL="0">
+            <a:pPr marL="0" lvl="0" indent="0">
               <a:buNone/>
             </a:pPr>
             <a:r>
-              <a:rPr/>
               <a:t>Properties of the nonparametric bootstrap</a:t>
             </a:r>
           </a:p>
           <a:p>
             <a:pPr lvl="0"/>
             <a:r>
-              <a:rPr/>
               <a:t>By law of large numbers, bootstrap point estimate converges</a:t>
             </a:r>
           </a:p>
           <a:p>
             <a:pPr lvl="0"/>
             <a:r>
-              <a:rPr/>
               <a:t>Larger number of resamples lower variance of estimate</a:t>
             </a:r>
           </a:p>
           <a:p>
             <a:pPr lvl="0"/>
             <a:r>
-              <a:rPr/>
               <a:t>Efrom and Tibshirani (1993) and Efron and Hasti (2016) recommend using at least 200 bootstrap samples for point estimates</a:t>
             </a:r>
           </a:p>
           <a:p>
             <a:pPr lvl="0"/>
             <a:r>
-              <a:rPr/>
               <a:t>Other authors recommend a larger number (e.g. 1,000-2,000) of resamples given low computer cost</a:t>
             </a:r>
           </a:p>
@@ -3575,6 +3665,9 @@
       </p:sp>
     </p:spTree>
   </p:cSld>
+  <p:clrMapOvr>
+    <a:masterClrMapping/>
+  </p:clrMapOvr>
 </p:sld>
 </file>
 
@@ -3610,11 +3703,10 @@
           <a:bodyPr/>
           <a:lstStyle/>
           <a:p>
-            <a:pPr lvl="0" indent="0" marL="0">
+            <a:pPr marL="0" lvl="0" indent="0">
               <a:buNone/>
             </a:pPr>
             <a:r>
-              <a:rPr/>
               <a:t>Overview of the Bootstrap Algorithm</a:t>
             </a:r>
           </a:p>
@@ -3622,7 +3714,7 @@
       </p:sp>
       <p:pic>
         <p:nvPicPr>
-          <p:cNvPr descr="../images/BootstrapMean.png" id="0" name="Picture 1"/>
+          <p:cNvPr id="3" name="Picture 1" descr="../images/BootstrapMean.png"/>
           <p:cNvPicPr>
             <a:picLocks noGrp="1" noChangeAspect="1"/>
           </p:cNvPicPr>
@@ -3652,7 +3744,7 @@
       </p:pic>
       <p:sp>
         <p:nvSpPr>
-          <p:cNvPr id="1" name="TextBox 3"/>
+          <p:cNvPr id="4" name="TextBox 3"/>
           <p:cNvSpPr txBox="1"/>
           <p:nvPr/>
         </p:nvSpPr>
@@ -3670,11 +3762,10 @@
           <a:bodyPr/>
           <a:lstStyle/>
           <a:p>
-            <a:pPr lvl="0" indent="0" marL="0" algn="ctr">
+            <a:pPr marL="0" lvl="0" indent="0" algn="ctr">
               <a:buNone/>
             </a:pPr>
             <a:r>
-              <a:rPr/>
               <a:t>Outline of bootstrap resampling algorithm to compute mean</a:t>
             </a:r>
           </a:p>
@@ -3682,6 +3773,9 @@
       </p:sp>
     </p:spTree>
   </p:cSld>
+  <p:clrMapOvr>
+    <a:masterClrMapping/>
+  </p:clrMapOvr>
 </p:sld>
 </file>
 
@@ -3717,11 +3811,10 @@
           <a:bodyPr/>
           <a:lstStyle/>
           <a:p>
-            <a:pPr lvl="0" indent="0" marL="0">
+            <a:pPr marL="0" lvl="0" indent="0">
               <a:buNone/>
             </a:pPr>
             <a:r>
-              <a:rPr/>
               <a:t>Example; One Sample Bootstrap</a:t>
             </a:r>
           </a:p>
@@ -3739,14 +3832,15 @@
         </p:nvSpPr>
         <p:spPr/>
         <p:txBody>
-          <a:bodyPr/>
-          <a:lstStyle/>
-          <a:p>
-            <a:pPr lvl="0" indent="0" marL="0">
+          <a:bodyPr>
+            <a:normAutofit fontScale="55000" lnSpcReduction="20000"/>
+          </a:bodyPr>
+          <a:lstStyle/>
+          <a:p>
+            <a:pPr marL="0" lvl="0" indent="0">
               <a:buNone/>
             </a:pPr>
             <a:r>
-              <a:rPr/>
               <a:t>Use sample of standardized scores of highschool students from </a:t>
             </a:r>
             <a:r>
@@ -3782,6 +3876,9 @@
       </p:sp>
     </p:spTree>
   </p:cSld>
+  <p:clrMapOvr>
+    <a:masterClrMapping/>
+  </p:clrMapOvr>
 </p:sld>
 </file>
 
@@ -3822,11 +3919,10 @@
           <a:bodyPr/>
           <a:lstStyle/>
           <a:p>
-            <a:pPr lvl="0" indent="0" marL="0">
+            <a:pPr marL="0" lvl="0" indent="0">
               <a:buNone/>
             </a:pPr>
             <a:r>
-              <a:rPr/>
               <a:t>Example; One Sample Bootstrap</a:t>
             </a:r>
           </a:p>
@@ -3839,19 +3935,18 @@
             <a:spLocks noGrp="1"/>
           </p:cNvSpPr>
           <p:nvPr>
-            <p:ph idx="2" sz="half" type="body"/>
-          </p:nvPr>
-        </p:nvSpPr>
-        <p:spPr/>
-        <p:txBody>
-          <a:bodyPr/>
-          <a:lstStyle/>
-          <a:p>
-            <a:pPr lvl="0" indent="0" marL="0">
+            <p:ph type="body" sz="half" idx="2"/>
+          </p:nvPr>
+        </p:nvSpPr>
+        <p:spPr/>
+        <p:txBody>
+          <a:bodyPr/>
+          <a:lstStyle/>
+          <a:p>
+            <a:pPr marL="0" lvl="0" indent="0">
               <a:buNone/>
             </a:pPr>
             <a:r>
-              <a:rPr/>
               <a:t>Histogram of the math scores</a:t>
             </a:r>
           </a:p>
@@ -3859,7 +3954,7 @@
       </p:sp>
       <p:pic>
         <p:nvPicPr>
-          <p:cNvPr descr="06b_IntroductionToBootstrap_files/figure-pptx/unnamed-chunk-2-1.png" id="0" name="Picture 1"/>
+          <p:cNvPr id="3" name="Picture 1" descr="06b_IntroductionToBootstrap_files/figure-pptx/unnamed-chunk-2-1.png"/>
           <p:cNvPicPr>
             <a:picLocks noGrp="1" noChangeAspect="1"/>
           </p:cNvPicPr>
@@ -3889,6 +3984,9 @@
       </p:pic>
     </p:spTree>
   </p:cSld>
+  <p:clrMapOvr>
+    <a:masterClrMapping/>
+  </p:clrMapOvr>
 </p:sld>
 </file>
 
@@ -3924,11 +4022,10 @@
           <a:bodyPr/>
           <a:lstStyle/>
           <a:p>
-            <a:pPr lvl="0" indent="0" marL="0">
+            <a:pPr marL="0" lvl="0" indent="0">
               <a:buNone/>
             </a:pPr>
             <a:r>
-              <a:rPr/>
               <a:t>Example; One Sample Bootstrap</a:t>
             </a:r>
           </a:p>
@@ -3946,14 +4043,15 @@
         </p:nvSpPr>
         <p:spPr/>
         <p:txBody>
-          <a:bodyPr/>
-          <a:lstStyle/>
-          <a:p>
-            <a:pPr lvl="0" indent="0" marL="0">
+          <a:bodyPr>
+            <a:normAutofit fontScale="55000" lnSpcReduction="20000"/>
+          </a:bodyPr>
+          <a:lstStyle/>
+          <a:p>
+            <a:pPr marL="0" lvl="0" indent="0">
               <a:buNone/>
             </a:pPr>
             <a:r>
-              <a:rPr/>
               <a:t>Function to compute single sample bootstrap estimate of statistic</a:t>
             </a:r>
           </a:p>
@@ -4367,6 +4465,9 @@
       </p:sp>
     </p:spTree>
   </p:cSld>
+  <p:clrMapOvr>
+    <a:masterClrMapping/>
+  </p:clrMapOvr>
 </p:sld>
 </file>
 
@@ -4407,11 +4508,10 @@
           <a:bodyPr/>
           <a:lstStyle/>
           <a:p>
-            <a:pPr lvl="0" indent="0" marL="0">
+            <a:pPr marL="0" lvl="0" indent="0">
               <a:buNone/>
             </a:pPr>
             <a:r>
-              <a:rPr/>
               <a:t>Example; One Sample Bootstrap</a:t>
             </a:r>
           </a:p>
@@ -4424,19 +4524,18 @@
             <a:spLocks noGrp="1"/>
           </p:cNvSpPr>
           <p:nvPr>
-            <p:ph idx="2" sz="half" type="body"/>
-          </p:nvPr>
-        </p:nvSpPr>
-        <p:spPr/>
-        <p:txBody>
-          <a:bodyPr/>
-          <a:lstStyle/>
-          <a:p>
-            <a:pPr lvl="0" indent="0" marL="0">
+            <p:ph type="body" sz="half" idx="2"/>
+          </p:nvPr>
+        </p:nvSpPr>
+        <p:spPr/>
+        <p:txBody>
+          <a:bodyPr/>
+          <a:lstStyle/>
+          <a:p>
+            <a:pPr marL="0" lvl="0" indent="0">
               <a:buNone/>
             </a:pPr>
             <a:r>
-              <a:rPr/>
               <a:t>Distribution of 200 bootstrap samples of mean estimates</a:t>
             </a:r>
           </a:p>
@@ -4455,7 +4554,7 @@
       </p:sp>
       <p:pic>
         <p:nvPicPr>
-          <p:cNvPr descr="06b_IntroductionToBootstrap_files/figure-pptx/unnamed-chunk-4-3.png" id="0" name="Picture 1"/>
+          <p:cNvPr id="3" name="Picture 1" descr="06b_IntroductionToBootstrap_files/figure-pptx/unnamed-chunk-4-3.png"/>
           <p:cNvPicPr>
             <a:picLocks noGrp="1" noChangeAspect="1"/>
           </p:cNvPicPr>
@@ -4485,6 +4584,9 @@
       </p:pic>
     </p:spTree>
   </p:cSld>
+  <p:clrMapOvr>
+    <a:masterClrMapping/>
+  </p:clrMapOvr>
 </p:sld>
 </file>
 
@@ -4520,11 +4622,10 @@
           <a:bodyPr/>
           <a:lstStyle/>
           <a:p>
-            <a:pPr lvl="0" indent="0" marL="0">
+            <a:pPr marL="0" lvl="0" indent="0">
               <a:buNone/>
             </a:pPr>
             <a:r>
-              <a:rPr/>
               <a:t>Bootstrap Confidence Intervals</a:t>
             </a:r>
           </a:p>
@@ -4544,220 +4645,274 @@
             </p:nvSpPr>
             <p:spPr/>
             <p:txBody>
-              <a:bodyPr/>
+              <a:bodyPr>
+                <a:normAutofit fontScale="62500" lnSpcReduction="20000"/>
+              </a:bodyPr>
               <a:lstStyle/>
               <a:p>
-                <a:pPr lvl="0" indent="0" marL="0">
+                <a:pPr marL="0" lvl="0" indent="0">
                   <a:buNone/>
                 </a:pPr>
                 <a:r>
-                  <a:rPr/>
                   <a:t>Distribution of 2000 bootstrap bootstrap confidence intervals?</a:t>
                 </a:r>
               </a:p>
               <a:p>
                 <a:pPr lvl="0"/>
                 <a:r>
-                  <a:rPr/>
                   <a:t>Two sided CI percentile method:</a:t>
                 </a:r>
               </a:p>
               <a:p>
-                <a:pPr lvl="1" indent="-342900" marL="685800">
+                <a:pPr marL="685800" lvl="1" indent="-342900">
                   <a:buAutoNum type="arabicPeriod"/>
                 </a:pPr>
                 <a:r>
-                  <a:rPr/>
                   <a:t>Define confidence level, eg. 95% or </a:t>
                 </a:r>
                 <a14:m>
                   <m:oMath xmlns:m="http://schemas.openxmlformats.org/officeDocument/2006/math">
                     <m:r>
-                      <m:t>α</m:t>
+                      <a:rPr>
+                        <a:latin typeface="Cambria Math" panose="02040503050406030204" pitchFamily="18" charset="0"/>
+                      </a:rPr>
+                      <m:t>𝛼</m:t>
                     </m:r>
                     <m:r>
-                      <m:rPr>
-                        <m:sty m:val="p"/>
-                      </m:rPr>
-                      <m:t>=</m:t>
-                    </m:r>
-                    <m:r>
-                      <m:t>0.05</m:t>
+                      <a:rPr>
+                        <a:latin typeface="Cambria Math" panose="02040503050406030204" pitchFamily="18" charset="0"/>
+                      </a:rPr>
+                      <m:t>=0.05</m:t>
                     </m:r>
                   </m:oMath>
                 </a14:m>
                 <a:br/>
+                <a:endParaRPr/>
               </a:p>
               <a:p>
-                <a:pPr lvl="1" indent="-342900" marL="685800">
+                <a:pPr marL="685800" lvl="1" indent="-342900">
                   <a:buAutoNum type="arabicPeriod"/>
                 </a:pPr>
                 <a:r>
-                  <a:rPr/>
                   <a:t>Order b bootstrap samples, </a:t>
                 </a:r>
                 <a14:m>
                   <m:oMath xmlns:m="http://schemas.openxmlformats.org/officeDocument/2006/math">
                     <m:sSub>
+                      <m:sSubPr>
+                        <m:ctrlPr>
+                          <a:rPr>
+                            <a:latin typeface="Cambria Math" panose="02040503050406030204" pitchFamily="18" charset="0"/>
+                          </a:rPr>
+                        </m:ctrlPr>
+                      </m:sSubPr>
                       <m:e>
                         <m:r>
-                          <m:t>s</m:t>
+                          <a:rPr>
+                            <a:latin typeface="Cambria Math" panose="02040503050406030204" pitchFamily="18" charset="0"/>
+                          </a:rPr>
+                          <m:t>𝑠</m:t>
                         </m:r>
                       </m:e>
                       <m:sub>
                         <m:r>
-                          <m:t>i</m:t>
+                          <a:rPr>
+                            <a:latin typeface="Cambria Math" panose="02040503050406030204" pitchFamily="18" charset="0"/>
+                          </a:rPr>
+                          <m:t>𝑖</m:t>
                         </m:r>
                       </m:sub>
                     </m:sSub>
                   </m:oMath>
                 </a14:m>
                 <a:r>
-                  <a:rPr/>
                   <a:t>, by value</a:t>
                 </a:r>
                 <a:br/>
+                <a:endParaRPr/>
               </a:p>
               <a:p>
-                <a:pPr lvl="1" indent="-342900" marL="685800">
+                <a:pPr marL="685800" lvl="1" indent="-342900">
                   <a:buAutoNum type="arabicPeriod"/>
                 </a:pPr>
                 <a:r>
-                  <a:rPr/>
                   <a:t>Lower CI index; </a:t>
                 </a:r>
                 <a14:m>
                   <m:oMath xmlns:m="http://schemas.openxmlformats.org/officeDocument/2006/math">
                     <m:r>
-                      <m:t>i</m:t>
+                      <a:rPr>
+                        <a:latin typeface="Cambria Math" panose="02040503050406030204" pitchFamily="18" charset="0"/>
+                      </a:rPr>
+                      <m:t>𝑖</m:t>
                     </m:r>
                     <m:r>
-                      <m:rPr>
-                        <m:sty m:val="p"/>
-                      </m:rPr>
+                      <a:rPr>
+                        <a:latin typeface="Cambria Math" panose="02040503050406030204" pitchFamily="18" charset="0"/>
+                      </a:rPr>
                       <m:t>=</m:t>
                     </m:r>
                     <m:r>
-                      <m:t>b</m:t>
+                      <a:rPr>
+                        <a:latin typeface="Cambria Math" panose="02040503050406030204" pitchFamily="18" charset="0"/>
+                      </a:rPr>
+                      <m:t>𝑏</m:t>
                     </m:r>
                     <m:r>
-                      <m:rPr>
-                        <m:sty m:val="p"/>
-                      </m:rPr>
+                      <a:rPr>
+                        <a:latin typeface="Cambria Math" panose="02040503050406030204" pitchFamily="18" charset="0"/>
+                      </a:rPr>
                       <m:t>∗</m:t>
                     </m:r>
                     <m:r>
-                      <m:t>α</m:t>
+                      <a:rPr>
+                        <a:latin typeface="Cambria Math" panose="02040503050406030204" pitchFamily="18" charset="0"/>
+                      </a:rPr>
+                      <m:t>𝛼</m:t>
                     </m:r>
                     <m:r>
-                      <m:rPr>
-                        <m:sty m:val="p"/>
-                      </m:rPr>
-                      <m:t>/</m:t>
-                    </m:r>
-                    <m:r>
-                      <m:t>2</m:t>
+                      <a:rPr>
+                        <a:latin typeface="Cambria Math" panose="02040503050406030204" pitchFamily="18" charset="0"/>
+                      </a:rPr>
+                      <m:t>/2</m:t>
                     </m:r>
                   </m:oMath>
                 </a14:m>
                 <a:br/>
+                <a:endParaRPr/>
               </a:p>
               <a:p>
-                <a:pPr lvl="1" indent="-342900" marL="685800">
+                <a:pPr marL="685800" lvl="1" indent="-342900">
                   <a:buAutoNum type="arabicPeriod"/>
                 </a:pPr>
                 <a:r>
-                  <a:rPr/>
                   <a:t>Upper CI index; </a:t>
                 </a:r>
                 <a14:m>
                   <m:oMath xmlns:m="http://schemas.openxmlformats.org/officeDocument/2006/math">
                     <m:r>
-                      <m:t>i</m:t>
+                      <a:rPr>
+                        <a:latin typeface="Cambria Math" panose="02040503050406030204" pitchFamily="18" charset="0"/>
+                      </a:rPr>
+                      <m:t>𝑖</m:t>
                     </m:r>
                     <m:r>
-                      <m:rPr>
-                        <m:sty m:val="p"/>
-                      </m:rPr>
+                      <a:rPr>
+                        <a:latin typeface="Cambria Math" panose="02040503050406030204" pitchFamily="18" charset="0"/>
+                      </a:rPr>
                       <m:t>=</m:t>
                     </m:r>
                     <m:r>
-                      <m:t>b</m:t>
+                      <a:rPr>
+                        <a:latin typeface="Cambria Math" panose="02040503050406030204" pitchFamily="18" charset="0"/>
+                      </a:rPr>
+                      <m:t>𝑏</m:t>
                     </m:r>
                     <m:r>
-                      <m:rPr>
-                        <m:sty m:val="p"/>
-                      </m:rPr>
+                      <a:rPr>
+                        <a:latin typeface="Cambria Math" panose="02040503050406030204" pitchFamily="18" charset="0"/>
+                      </a:rPr>
                       <m:t>∗</m:t>
                     </m:r>
                     <m:d>
                       <m:dPr>
-                        <m:begChr m:val="("/>
-                        <m:endChr m:val=")"/>
-                        <m:sepChr m:val=""/>
-                        <m:grow/>
+                        <m:ctrlPr>
+                          <a:rPr i="1">
+                            <a:latin typeface="Cambria Math" panose="02040503050406030204" pitchFamily="18" charset="0"/>
+                          </a:rPr>
+                        </m:ctrlPr>
                       </m:dPr>
                       <m:e>
                         <m:r>
-                          <m:t>1</m:t>
+                          <a:rPr>
+                            <a:latin typeface="Cambria Math" panose="02040503050406030204" pitchFamily="18" charset="0"/>
+                          </a:rPr>
+                          <m:t>1−</m:t>
                         </m:r>
                         <m:r>
-                          <m:rPr>
-                            <m:sty m:val="p"/>
-                          </m:rPr>
-                          <m:t>−</m:t>
+                          <a:rPr>
+                            <a:latin typeface="Cambria Math" panose="02040503050406030204" pitchFamily="18" charset="0"/>
+                          </a:rPr>
+                          <m:t>𝛼</m:t>
                         </m:r>
                         <m:r>
-                          <m:t>α</m:t>
-                        </m:r>
-                        <m:r>
-                          <m:rPr>
-                            <m:sty m:val="p"/>
-                          </m:rPr>
-                          <m:t>/</m:t>
-                        </m:r>
-                        <m:r>
-                          <m:t>2</m:t>
+                          <a:rPr>
+                            <a:latin typeface="Cambria Math" panose="02040503050406030204" pitchFamily="18" charset="0"/>
+                          </a:rPr>
+                          <m:t>/2</m:t>
                         </m:r>
                       </m:e>
                     </m:d>
                   </m:oMath>
                 </a14:m>
+                <a:endParaRPr/>
               </a:p>
               <a:p>
                 <a:pPr lvl="0"/>
                 <a:r>
-                  <a:rPr/>
                   <a:t>Percentile method is know to be biased</a:t>
                 </a:r>
               </a:p>
               <a:p>
                 <a:pPr lvl="1"/>
                 <a:r>
-                  <a:rPr/>
                   <a:t>Bias correction methods available</a:t>
                 </a:r>
               </a:p>
               <a:p>
                 <a:pPr lvl="0"/>
                 <a:r>
-                  <a:rPr/>
                   <a:t>Efrom and Tibshirani (1993) and Efron and Hasti (2016) recommend using at least 2,000 bootstrap samples to estimate confidence intervals</a:t>
                 </a:r>
               </a:p>
               <a:p>
                 <a:pPr lvl="0"/>
                 <a:r>
-                  <a:rPr/>
                   <a:t>Other authors recommend a larger number (e.g. 5,000-20,000) of resamples given low computer cost</a:t>
                 </a:r>
               </a:p>
             </p:txBody>
           </p:sp>
         </mc:Choice>
+        <mc:Fallback>
+          <p:sp>
+            <p:nvSpPr>
+              <p:cNvPr id="3" name="Content Placeholder 2"/>
+              <p:cNvSpPr>
+                <a:spLocks noGrp="1" noRot="1" noChangeAspect="1" noMove="1" noResize="1" noEditPoints="1" noAdjustHandles="1" noChangeArrowheads="1" noChangeShapeType="1" noTextEdit="1"/>
+              </p:cNvSpPr>
+              <p:nvPr>
+                <p:ph idx="1"/>
+              </p:nvPr>
+            </p:nvSpPr>
+            <p:spPr>
+              <a:blipFill>
+                <a:blip r:embed="rId2"/>
+                <a:stretch>
+                  <a:fillRect l="-296" t="-1436"/>
+                </a:stretch>
+              </a:blipFill>
+            </p:spPr>
+            <p:txBody>
+              <a:bodyPr/>
+              <a:lstStyle/>
+              <a:p>
+                <a:r>
+                  <a:rPr lang="en-US">
+                    <a:noFill/>
+                  </a:rPr>
+                  <a:t> </a:t>
+                </a:r>
+              </a:p>
+            </p:txBody>
+          </p:sp>
+        </mc:Fallback>
       </mc:AlternateContent>
     </p:spTree>
   </p:cSld>
+  <p:clrMapOvr>
+    <a:masterClrMapping/>
+  </p:clrMapOvr>
 </p:sld>
 </file>
 
@@ -4793,11 +4948,10 @@
           <a:bodyPr/>
           <a:lstStyle/>
           <a:p>
-            <a:pPr lvl="0" indent="0" marL="0">
+            <a:pPr marL="0" lvl="0" indent="0">
               <a:buNone/>
             </a:pPr>
             <a:r>
-              <a:rPr/>
               <a:t>Bootstrap Confidence Intervals</a:t>
             </a:r>
           </a:p>
@@ -4818,32 +4972,28 @@
           <a:bodyPr/>
           <a:lstStyle/>
           <a:p>
-            <a:pPr lvl="0" indent="0" marL="0">
+            <a:pPr marL="0" lvl="0" indent="0">
               <a:buNone/>
             </a:pPr>
             <a:r>
-              <a:rPr/>
               <a:t>Bootstrap confidence intervals are known to be biased!</a:t>
             </a:r>
           </a:p>
           <a:p>
             <a:pPr lvl="0"/>
             <a:r>
-              <a:rPr/>
               <a:t>Often bootstrap CIs are overly optimistic</a:t>
             </a:r>
           </a:p>
           <a:p>
             <a:pPr lvl="0"/>
             <a:r>
-              <a:rPr/>
               <a:t>Bias can be significant for asymmetric distributions</a:t>
             </a:r>
           </a:p>
           <a:p>
             <a:pPr lvl="0"/>
             <a:r>
-              <a:rPr/>
               <a:t>In practice, bias corrections are applied</a:t>
             </a:r>
           </a:p>
@@ -4851,6 +5001,9 @@
       </p:sp>
     </p:spTree>
   </p:cSld>
+  <p:clrMapOvr>
+    <a:masterClrMapping/>
+  </p:clrMapOvr>
 </p:sld>
 </file>
 
@@ -4886,11 +5039,10 @@
           <a:bodyPr/>
           <a:lstStyle/>
           <a:p>
-            <a:pPr lvl="0" indent="0" marL="0">
+            <a:pPr marL="0" lvl="0" indent="0">
               <a:buNone/>
             </a:pPr>
             <a:r>
-              <a:rPr/>
               <a:t>Introduction</a:t>
             </a:r>
           </a:p>
@@ -4908,10 +5060,12 @@
         </p:nvSpPr>
         <p:spPr/>
         <p:txBody>
-          <a:bodyPr/>
-          <a:lstStyle/>
-          <a:p>
-            <a:pPr lvl="0" indent="0" marL="0">
+          <a:bodyPr>
+            <a:normAutofit fontScale="85000" lnSpcReduction="10000"/>
+          </a:bodyPr>
+          <a:lstStyle/>
+          <a:p>
+            <a:pPr marL="0" lvl="0" indent="0">
               <a:buNone/>
             </a:pPr>
             <a:r>
@@ -4925,39 +5079,34 @@
             </a:r>
           </a:p>
           <a:p>
-            <a:pPr lvl="0" indent="0" marL="0">
+            <a:pPr marL="0" lvl="0" indent="0">
               <a:buNone/>
             </a:pPr>
             <a:r>
-              <a:rPr/>
               <a:t>Bootstrap and re-sampling methods are widely applicable statistical methods</a:t>
             </a:r>
           </a:p>
           <a:p>
             <a:pPr lvl="0"/>
             <a:r>
-              <a:rPr/>
               <a:t>Resampling methods are products of the computer age</a:t>
             </a:r>
           </a:p>
           <a:p>
             <a:pPr lvl="0"/>
             <a:r>
-              <a:rPr/>
               <a:t>Use computational resources unimaginable in the early 20th Century</a:t>
             </a:r>
           </a:p>
           <a:p>
             <a:pPr lvl="0"/>
             <a:r>
-              <a:rPr/>
               <a:t>Repeatedly re-sampling the data with nonparametric model relaxes some assumptions of classical statistical methods</a:t>
             </a:r>
           </a:p>
           <a:p>
             <a:pPr lvl="0"/>
             <a:r>
-              <a:rPr/>
               <a:t>Re-sampling methods draw heavily on the law of large number and the central limit theorem</a:t>
             </a:r>
           </a:p>
@@ -4965,6 +5114,9 @@
       </p:sp>
     </p:spTree>
   </p:cSld>
+  <p:clrMapOvr>
+    <a:masterClrMapping/>
+  </p:clrMapOvr>
 </p:sld>
 </file>
 
@@ -5005,11 +5157,10 @@
           <a:bodyPr/>
           <a:lstStyle/>
           <a:p>
-            <a:pPr lvl="0" indent="0" marL="0">
+            <a:pPr marL="0" lvl="0" indent="0">
               <a:buNone/>
             </a:pPr>
             <a:r>
-              <a:rPr/>
               <a:t>Example; One Sample Bootstrap</a:t>
             </a:r>
           </a:p>
@@ -5022,19 +5173,18 @@
             <a:spLocks noGrp="1"/>
           </p:cNvSpPr>
           <p:nvPr>
-            <p:ph idx="2" sz="half" type="body"/>
-          </p:nvPr>
-        </p:nvSpPr>
-        <p:spPr/>
-        <p:txBody>
-          <a:bodyPr/>
-          <a:lstStyle/>
-          <a:p>
-            <a:pPr lvl="0" indent="0" marL="0">
+            <p:ph type="body" sz="half" idx="2"/>
+          </p:nvPr>
+        </p:nvSpPr>
+        <p:spPr/>
+        <p:txBody>
+          <a:bodyPr/>
+          <a:lstStyle/>
+          <a:p>
+            <a:pPr marL="0" lvl="0" indent="0">
               <a:buNone/>
             </a:pPr>
             <a:r>
-              <a:rPr/>
               <a:t>Bootstrap distribution of 2000 of mean estimates with confidence intervals</a:t>
             </a:r>
           </a:p>
@@ -5064,7 +5214,7 @@
       </p:sp>
       <p:pic>
         <p:nvPicPr>
-          <p:cNvPr descr="06b_IntroductionToBootstrap_files/figure-pptx/unnamed-chunk-5-5.png" id="0" name="Picture 1"/>
+          <p:cNvPr id="3" name="Picture 1" descr="06b_IntroductionToBootstrap_files/figure-pptx/unnamed-chunk-5-5.png"/>
           <p:cNvPicPr>
             <a:picLocks noGrp="1" noChangeAspect="1"/>
           </p:cNvPicPr>
@@ -5094,6 +5244,9 @@
       </p:pic>
     </p:spTree>
   </p:cSld>
+  <p:clrMapOvr>
+    <a:masterClrMapping/>
+  </p:clrMapOvr>
 </p:sld>
 </file>
 
@@ -5129,11 +5282,10 @@
           <a:bodyPr/>
           <a:lstStyle/>
           <a:p>
-            <a:pPr lvl="0" indent="0" marL="0">
+            <a:pPr marL="0" lvl="0" indent="0">
               <a:buNone/>
             </a:pPr>
             <a:r>
-              <a:rPr/>
               <a:t>Two Sample Bootstrap</a:t>
             </a:r>
           </a:p>
@@ -5151,35 +5303,33 @@
         </p:nvSpPr>
         <p:spPr/>
         <p:txBody>
-          <a:bodyPr/>
-          <a:lstStyle/>
-          <a:p>
-            <a:pPr lvl="0" indent="0" marL="0">
+          <a:bodyPr>
+            <a:normAutofit fontScale="85000" lnSpcReduction="10000"/>
+          </a:bodyPr>
+          <a:lstStyle/>
+          <a:p>
+            <a:pPr marL="0" lvl="0" indent="0">
               <a:buNone/>
             </a:pPr>
             <a:r>
-              <a:rPr/>
               <a:t>How can we apply the bootstrap algorithm for two-sample statistics?</a:t>
             </a:r>
           </a:p>
           <a:p>
             <a:pPr lvl="0"/>
             <a:r>
-              <a:rPr/>
               <a:t>Example, difference of means of two independently sampled populations</a:t>
             </a:r>
           </a:p>
           <a:p>
             <a:pPr lvl="0"/>
             <a:r>
-              <a:rPr/>
               <a:t>How to generate bootstrap samples?</a:t>
             </a:r>
           </a:p>
           <a:p>
             <a:pPr lvl="0"/>
             <a:r>
-              <a:rPr/>
               <a:t>Can we just sample the concatenation of the two samples?</a:t>
             </a:r>
           </a:p>
@@ -5193,22 +5343,20 @@
           <a:p>
             <a:pPr lvl="1"/>
             <a:r>
-              <a:rPr/>
               <a:t>There is no guarantee of a correct number of resamples for each group</a:t>
             </a:r>
             <a:br/>
+            <a:endParaRPr/>
           </a:p>
           <a:p>
             <a:pPr lvl="1"/>
             <a:r>
-              <a:rPr/>
               <a:t>Imbalanced sampling leads to bias</a:t>
             </a:r>
           </a:p>
           <a:p>
             <a:pPr lvl="0"/>
             <a:r>
-              <a:rPr/>
               <a:t>Must </a:t>
             </a:r>
             <a:r>
@@ -5216,14 +5364,12 @@
               <a:t>independently sample the two groups</a:t>
             </a:r>
             <a:r>
-              <a:rPr/>
               <a:t> or populations</a:t>
             </a:r>
           </a:p>
           <a:p>
             <a:pPr lvl="0"/>
             <a:r>
-              <a:rPr/>
               <a:t>Compute the statistic from the two samples</a:t>
             </a:r>
           </a:p>
@@ -5231,6 +5377,9 @@
       </p:sp>
     </p:spTree>
   </p:cSld>
+  <p:clrMapOvr>
+    <a:masterClrMapping/>
+  </p:clrMapOvr>
 </p:sld>
 </file>
 
@@ -5266,11 +5415,10 @@
           <a:bodyPr/>
           <a:lstStyle/>
           <a:p>
-            <a:pPr lvl="0" indent="0" marL="0">
+            <a:pPr marL="0" lvl="0" indent="0">
               <a:buNone/>
             </a:pPr>
             <a:r>
-              <a:rPr/>
               <a:t>Two Sample Bootstrap</a:t>
             </a:r>
           </a:p>
@@ -5288,23 +5436,23 @@
         </p:nvSpPr>
         <p:spPr/>
         <p:txBody>
-          <a:bodyPr/>
-          <a:lstStyle/>
-          <a:p>
-            <a:pPr lvl="0" indent="0" marL="0">
+          <a:bodyPr>
+            <a:normAutofit fontScale="62500" lnSpcReduction="20000"/>
+          </a:bodyPr>
+          <a:lstStyle/>
+          <a:p>
+            <a:pPr marL="0" lvl="0" indent="0">
               <a:buNone/>
             </a:pPr>
             <a:r>
-              <a:rPr/>
               <a:t>Example: algorithm to compute difference of means:</a:t>
             </a:r>
           </a:p>
           <a:p>
-            <a:pPr lvl="0" indent="-342900" marL="342900">
+            <a:pPr marL="342900" lvl="0" indent="-342900">
               <a:buAutoNum type="arabicPeriod"/>
             </a:pPr>
             <a:r>
-              <a:rPr/>
               <a:t>Independently randomly </a:t>
             </a:r>
             <a:r>
@@ -5312,7 +5460,6 @@
               <a:t>Bernoulli sample</a:t>
             </a:r>
             <a:r>
-              <a:rPr/>
               <a:t> n data </a:t>
             </a:r>
             <a:r>
@@ -5320,47 +5467,46 @@
               <a:t>with replacement</a:t>
             </a:r>
             <a:r>
-              <a:rPr/>
               <a:t> from each original data sample; The number of resamples for each populations is the number of samples for that population</a:t>
             </a:r>
             <a:br/>
-          </a:p>
-          <a:p>
-            <a:pPr lvl="0" indent="-342900" marL="342900">
+            <a:endParaRPr/>
+          </a:p>
+          <a:p>
+            <a:pPr marL="342900" lvl="0" indent="-342900">
               <a:buAutoNum type="arabicPeriod"/>
             </a:pPr>
             <a:r>
-              <a:rPr/>
               <a:t>Compute the two-sample statistic; e.g. difference of means</a:t>
             </a:r>
             <a:br/>
-          </a:p>
-          <a:p>
-            <a:pPr lvl="0" indent="-342900" marL="342900">
+            <a:endParaRPr/>
+          </a:p>
+          <a:p>
+            <a:pPr marL="342900" lvl="0" indent="-342900">
               <a:buAutoNum type="arabicPeriod"/>
             </a:pPr>
             <a:r>
-              <a:rPr/>
               <a:t>Repeat steps 1 and 2 to accumulate the required number of bootstrap samples Accumulated bootstrap values comprise the bootstrap distribution; an estimate of the sample distribution of the statistic</a:t>
             </a:r>
             <a:br/>
-          </a:p>
-          <a:p>
-            <a:pPr lvl="0" indent="-342900" marL="342900">
+            <a:endParaRPr/>
+          </a:p>
+          <a:p>
+            <a:pPr marL="342900" lvl="0" indent="-342900">
               <a:buAutoNum type="arabicPeriod"/>
             </a:pPr>
             <a:r>
-              <a:rPr/>
               <a:t>The mean of the computed statistic values is the bootstrap point estimate of the statistic; e.g. difference of means</a:t>
             </a:r>
             <a:br/>
-          </a:p>
-          <a:p>
-            <a:pPr lvl="0" indent="-342900" marL="342900">
+            <a:endParaRPr/>
+          </a:p>
+          <a:p>
+            <a:pPr marL="342900" lvl="0" indent="-342900">
               <a:buAutoNum type="arabicPeriod"/>
             </a:pPr>
             <a:r>
-              <a:rPr/>
               <a:t>Compute CIs from bootstrap distribution</a:t>
             </a:r>
           </a:p>
@@ -5368,6 +5514,9 @@
       </p:sp>
     </p:spTree>
   </p:cSld>
+  <p:clrMapOvr>
+    <a:masterClrMapping/>
+  </p:clrMapOvr>
 </p:sld>
 </file>
 
@@ -5408,11 +5557,10 @@
           <a:bodyPr/>
           <a:lstStyle/>
           <a:p>
-            <a:pPr lvl="0" indent="0" marL="0">
+            <a:pPr marL="0" lvl="0" indent="0">
               <a:buNone/>
             </a:pPr>
             <a:r>
-              <a:rPr/>
               <a:t>Two Sample Bootstrap</a:t>
             </a:r>
           </a:p>
@@ -5425,19 +5573,18 @@
             <a:spLocks noGrp="1"/>
           </p:cNvSpPr>
           <p:nvPr>
-            <p:ph idx="2" sz="half" type="body"/>
-          </p:nvPr>
-        </p:nvSpPr>
-        <p:spPr/>
-        <p:txBody>
-          <a:bodyPr/>
-          <a:lstStyle/>
-          <a:p>
-            <a:pPr lvl="0" indent="0" marL="0">
+            <p:ph type="body" sz="half" idx="2"/>
+          </p:nvPr>
+        </p:nvSpPr>
+        <p:spPr/>
+        <p:txBody>
+          <a:bodyPr/>
+          <a:lstStyle/>
+          <a:p>
+            <a:pPr marL="0" lvl="0" indent="0">
               <a:buNone/>
             </a:pPr>
             <a:r>
-              <a:rPr/>
               <a:t>Example; find the bootstrap distribution of the difference in math scores between low and middle SES students.</a:t>
             </a:r>
           </a:p>
@@ -5445,7 +5592,7 @@
       </p:sp>
       <p:pic>
         <p:nvPicPr>
-          <p:cNvPr descr="06b_IntroductionToBootstrap_files/figure-pptx/unnamed-chunk-6-7.png" id="0" name="Picture 1"/>
+          <p:cNvPr id="3" name="Picture 1" descr="06b_IntroductionToBootstrap_files/figure-pptx/unnamed-chunk-6-7.png"/>
           <p:cNvPicPr>
             <a:picLocks noGrp="1" noChangeAspect="1"/>
           </p:cNvPicPr>
@@ -5475,6 +5622,9 @@
       </p:pic>
     </p:spTree>
   </p:cSld>
+  <p:clrMapOvr>
+    <a:masterClrMapping/>
+  </p:clrMapOvr>
 </p:sld>
 </file>
 
@@ -5510,11 +5660,10 @@
           <a:bodyPr/>
           <a:lstStyle/>
           <a:p>
-            <a:pPr lvl="0" indent="0" marL="0">
+            <a:pPr marL="0" lvl="0" indent="0">
               <a:buNone/>
             </a:pPr>
             <a:r>
-              <a:rPr/>
               <a:t>Example, Two Sample Bootstrap</a:t>
             </a:r>
           </a:p>
@@ -5532,7 +5681,9 @@
         </p:nvSpPr>
         <p:spPr/>
         <p:txBody>
-          <a:bodyPr/>
+          <a:bodyPr>
+            <a:normAutofit fontScale="40000" lnSpcReduction="20000"/>
+          </a:bodyPr>
           <a:lstStyle/>
           <a:p>
             <a:pPr lvl="0" indent="0">
@@ -6275,6 +6426,9 @@
       </p:sp>
     </p:spTree>
   </p:cSld>
+  <p:clrMapOvr>
+    <a:masterClrMapping/>
+  </p:clrMapOvr>
 </p:sld>
 </file>
 
@@ -6315,11 +6469,10 @@
           <a:bodyPr/>
           <a:lstStyle/>
           <a:p>
-            <a:pPr lvl="0" indent="0" marL="0">
+            <a:pPr marL="0" lvl="0" indent="0">
               <a:buNone/>
             </a:pPr>
             <a:r>
-              <a:rPr/>
               <a:t>Example, Two Sample Bootstrap</a:t>
             </a:r>
           </a:p>
@@ -6332,19 +6485,18 @@
             <a:spLocks noGrp="1"/>
           </p:cNvSpPr>
           <p:nvPr>
-            <p:ph idx="2" sz="half" type="body"/>
-          </p:nvPr>
-        </p:nvSpPr>
-        <p:spPr/>
-        <p:txBody>
-          <a:bodyPr/>
-          <a:lstStyle/>
-          <a:p>
-            <a:pPr lvl="0" indent="0" marL="0">
+            <p:ph type="body" sz="half" idx="2"/>
+          </p:nvPr>
+        </p:nvSpPr>
+        <p:spPr/>
+        <p:txBody>
+          <a:bodyPr/>
+          <a:lstStyle/>
+          <a:p>
+            <a:pPr marL="0" lvl="0" indent="0">
               <a:buNone/>
             </a:pPr>
             <a:r>
-              <a:rPr/>
               <a:t>Compute and display the bootstrap distribution of the difference of student scores</a:t>
             </a:r>
           </a:p>
@@ -6374,7 +6526,7 @@
       </p:sp>
       <p:pic>
         <p:nvPicPr>
-          <p:cNvPr descr="06b_IntroductionToBootstrap_files/figure-pptx/unnamed-chunk-8-9.png" id="0" name="Picture 1"/>
+          <p:cNvPr id="3" name="Picture 1" descr="06b_IntroductionToBootstrap_files/figure-pptx/unnamed-chunk-8-9.png"/>
           <p:cNvPicPr>
             <a:picLocks noGrp="1" noChangeAspect="1"/>
           </p:cNvPicPr>
@@ -6404,6 +6556,9 @@
       </p:pic>
     </p:spTree>
   </p:cSld>
+  <p:clrMapOvr>
+    <a:masterClrMapping/>
+  </p:clrMapOvr>
 </p:sld>
 </file>
 
@@ -6439,11 +6594,10 @@
           <a:bodyPr/>
           <a:lstStyle/>
           <a:p>
-            <a:pPr lvl="0" indent="0" marL="0">
+            <a:pPr marL="0" lvl="0" indent="0">
               <a:buNone/>
             </a:pPr>
             <a:r>
-              <a:rPr/>
               <a:t>Summary</a:t>
             </a:r>
           </a:p>
@@ -6461,28 +6615,27 @@
         </p:nvSpPr>
         <p:spPr/>
         <p:txBody>
-          <a:bodyPr/>
-          <a:lstStyle/>
-          <a:p>
-            <a:pPr lvl="0" indent="0" marL="0">
+          <a:bodyPr>
+            <a:normAutofit fontScale="85000" lnSpcReduction="10000"/>
+          </a:bodyPr>
+          <a:lstStyle/>
+          <a:p>
+            <a:pPr marL="0" lvl="0" indent="0">
               <a:buNone/>
             </a:pPr>
             <a:r>
-              <a:rPr/>
               <a:t>Bootstrap estimation is widely useful and requires minimal assumption</a:t>
             </a:r>
           </a:p>
           <a:p>
             <a:pPr lvl="0"/>
             <a:r>
-              <a:rPr/>
               <a:t>Bootstrap distribution is comprised of values of the statistic computed from bootstrap resamples of the original observations (data sample)</a:t>
             </a:r>
           </a:p>
           <a:p>
             <a:pPr lvl="0"/>
             <a:r>
-              <a:rPr/>
               <a:t>Computing bootstrap distribution requires </a:t>
             </a:r>
             <a:r>
@@ -6493,14 +6646,12 @@
           <a:p>
             <a:pPr lvl="1"/>
             <a:r>
-              <a:rPr/>
               <a:t>Bootstrap resampling substitutes computer power for paper and pencil statistician power</a:t>
             </a:r>
           </a:p>
           <a:p>
             <a:pPr lvl="0"/>
             <a:r>
-              <a:rPr/>
               <a:t>Bootstrap resampling estimates the </a:t>
             </a:r>
             <a:r>
@@ -6508,22 +6659,20 @@
               <a:t>bootstrap distribution</a:t>
             </a:r>
             <a:r>
-              <a:rPr/>
               <a:t> of a statistic</a:t>
             </a:r>
           </a:p>
           <a:p>
             <a:pPr lvl="1"/>
             <a:r>
-              <a:rPr/>
               <a:t>Compute mostly likely point estimate of the statistic, or bootstrap estimate</a:t>
             </a:r>
             <a:br/>
+            <a:endParaRPr/>
           </a:p>
           <a:p>
             <a:pPr lvl="1"/>
             <a:r>
-              <a:rPr/>
               <a:t>The bootstrap confidence interval is computed from the bootstrap distribution</a:t>
             </a:r>
           </a:p>
@@ -6531,6 +6680,9 @@
       </p:sp>
     </p:spTree>
   </p:cSld>
+  <p:clrMapOvr>
+    <a:masterClrMapping/>
+  </p:clrMapOvr>
 </p:sld>
 </file>
 
@@ -6566,11 +6718,10 @@
           <a:bodyPr/>
           <a:lstStyle/>
           <a:p>
-            <a:pPr lvl="0" indent="0" marL="0">
+            <a:pPr marL="0" lvl="0" indent="0">
               <a:buNone/>
             </a:pPr>
             <a:r>
-              <a:rPr/>
               <a:t>Summary</a:t>
             </a:r>
           </a:p>
@@ -6591,53 +6742,46 @@
           <a:bodyPr/>
           <a:lstStyle/>
           <a:p>
-            <a:pPr lvl="0" indent="0" marL="0">
+            <a:pPr marL="0" lvl="0" indent="0">
               <a:buNone/>
             </a:pPr>
             <a:r>
-              <a:rPr/>
               <a:t>There are several variations of the basi nonparametric bootstrap algorithm</a:t>
             </a:r>
           </a:p>
           <a:p>
             <a:pPr lvl="0"/>
             <a:r>
-              <a:rPr/>
               <a:t>One sample bootstrap</a:t>
             </a:r>
           </a:p>
           <a:p>
             <a:pPr lvl="1"/>
             <a:r>
-              <a:rPr/>
               <a:t>Inference on single populations</a:t>
             </a:r>
           </a:p>
           <a:p>
             <a:pPr lvl="0"/>
             <a:r>
-              <a:rPr/>
               <a:t>Two sample bootstrap</a:t>
             </a:r>
           </a:p>
           <a:p>
             <a:pPr lvl="1"/>
             <a:r>
-              <a:rPr/>
               <a:t>Inference on different populations</a:t>
             </a:r>
           </a:p>
           <a:p>
             <a:pPr lvl="0"/>
             <a:r>
-              <a:rPr/>
               <a:t>Special cases</a:t>
             </a:r>
           </a:p>
           <a:p>
             <a:pPr lvl="1"/>
             <a:r>
-              <a:rPr/>
               <a:t>Correlation coefficients - part of your assignment</a:t>
             </a:r>
           </a:p>
@@ -6645,6 +6789,9 @@
       </p:sp>
     </p:spTree>
   </p:cSld>
+  <p:clrMapOvr>
+    <a:masterClrMapping/>
+  </p:clrMapOvr>
 </p:sld>
 </file>
 
@@ -6680,11 +6827,10 @@
           <a:bodyPr/>
           <a:lstStyle/>
           <a:p>
-            <a:pPr lvl="0" indent="0" marL="0">
+            <a:pPr marL="0" lvl="0" indent="0">
               <a:buNone/>
             </a:pPr>
             <a:r>
-              <a:rPr/>
               <a:t>Summary</a:t>
             </a:r>
           </a:p>
@@ -6704,36 +6850,35 @@
             </p:nvSpPr>
             <p:spPr/>
             <p:txBody>
-              <a:bodyPr/>
+              <a:bodyPr>
+                <a:normAutofit fontScale="70000" lnSpcReduction="20000"/>
+              </a:bodyPr>
               <a:lstStyle/>
               <a:p>
-                <a:pPr lvl="0" indent="0" marL="0">
+                <a:pPr marL="0" lvl="0" indent="0">
                   <a:buNone/>
                 </a:pPr>
                 <a:r>
-                  <a:rPr/>
                   <a:t>Re-sampling methods are general and powerful but, there is no magic involved! There are pitfalls!</a:t>
                 </a:r>
               </a:p>
               <a:p>
                 <a:pPr lvl="0"/>
                 <a:r>
-                  <a:rPr/>
                   <a:t>If a sample is biased, the resampled statistic estimate based on that sample will be biased</a:t>
                 </a:r>
               </a:p>
               <a:p>
                 <a:pPr lvl="1"/>
                 <a:r>
-                  <a:rPr/>
                   <a:t>Results can be no better than the sample you start with</a:t>
                 </a:r>
                 <a:br/>
+                <a:endParaRPr/>
               </a:p>
               <a:p>
                 <a:pPr lvl="1"/>
                 <a:r>
-                  <a:rPr/>
                   <a:t>Example; the bootstrap estimate of mean is the unbiased sample estimate, </a:t>
                 </a:r>
                 <a14:m>
@@ -6741,62 +6886,106 @@
                     <m:acc>
                       <m:accPr>
                         <m:chr m:val="‾"/>
+                        <m:ctrlPr>
+                          <a:rPr>
+                            <a:latin typeface="Cambria Math" panose="02040503050406030204" pitchFamily="18" charset="0"/>
+                          </a:rPr>
+                        </m:ctrlPr>
                       </m:accPr>
                       <m:e>
                         <m:r>
-                          <m:t>x</m:t>
+                          <a:rPr>
+                            <a:latin typeface="Cambria Math" panose="02040503050406030204" pitchFamily="18" charset="0"/>
+                          </a:rPr>
+                          <m:t>𝑥</m:t>
                         </m:r>
                       </m:e>
                     </m:acc>
                   </m:oMath>
                 </a14:m>
                 <a:r>
-                  <a:rPr/>
                   <a:t>, not the population parameter, </a:t>
                 </a:r>
                 <a14:m>
                   <m:oMath xmlns:m="http://schemas.openxmlformats.org/officeDocument/2006/math">
                     <m:r>
-                      <m:t>μ</m:t>
+                      <a:rPr>
+                        <a:latin typeface="Cambria Math" panose="02040503050406030204" pitchFamily="18" charset="0"/>
+                      </a:rPr>
+                      <m:t>𝜇</m:t>
                     </m:r>
                   </m:oMath>
                 </a14:m>
+                <a:endParaRPr/>
               </a:p>
               <a:p>
                 <a:pPr lvl="0"/>
                 <a:r>
-                  <a:rPr/>
                   <a:t>The sample variance and Cis can be no better than the sample distribution allows</a:t>
                 </a:r>
               </a:p>
               <a:p>
                 <a:pPr lvl="1"/>
                 <a:r>
-                  <a:rPr/>
                   <a:t>Be suspicious of overly optimistic confidence intervals</a:t>
                 </a:r>
                 <a:br/>
+                <a:endParaRPr/>
               </a:p>
               <a:p>
                 <a:pPr lvl="1"/>
                 <a:r>
-                  <a:rPr/>
                   <a:t>CIs can be optimistically biased</a:t>
                 </a:r>
               </a:p>
               <a:p>
                 <a:pPr lvl="0"/>
                 <a:r>
-                  <a:rPr/>
                   <a:t>Are computationally intensive, but often highly parallelizable</a:t>
                 </a:r>
               </a:p>
             </p:txBody>
           </p:sp>
         </mc:Choice>
+        <mc:Fallback>
+          <p:sp>
+            <p:nvSpPr>
+              <p:cNvPr id="3" name="Content Placeholder 2"/>
+              <p:cNvSpPr>
+                <a:spLocks noGrp="1" noRot="1" noChangeAspect="1" noMove="1" noResize="1" noEditPoints="1" noAdjustHandles="1" noChangeArrowheads="1" noChangeShapeType="1" noTextEdit="1"/>
+              </p:cNvSpPr>
+              <p:nvPr>
+                <p:ph idx="1"/>
+              </p:nvPr>
+            </p:nvSpPr>
+            <p:spPr>
+              <a:blipFill>
+                <a:blip r:embed="rId2"/>
+                <a:stretch>
+                  <a:fillRect l="-444" t="-1975"/>
+                </a:stretch>
+              </a:blipFill>
+            </p:spPr>
+            <p:txBody>
+              <a:bodyPr/>
+              <a:lstStyle/>
+              <a:p>
+                <a:r>
+                  <a:rPr lang="en-US">
+                    <a:noFill/>
+                  </a:rPr>
+                  <a:t> </a:t>
+                </a:r>
+              </a:p>
+            </p:txBody>
+          </p:sp>
+        </mc:Fallback>
       </mc:AlternateContent>
     </p:spTree>
   </p:cSld>
+  <p:clrMapOvr>
+    <a:masterClrMapping/>
+  </p:clrMapOvr>
 </p:sld>
 </file>
 
@@ -6832,11 +7021,10 @@
           <a:bodyPr/>
           <a:lstStyle/>
           <a:p>
-            <a:pPr lvl="0" indent="0" marL="0">
+            <a:pPr marL="0" lvl="0" indent="0">
               <a:buNone/>
             </a:pPr>
             <a:r>
-              <a:rPr/>
               <a:t>Types of Resampling Methods</a:t>
             </a:r>
           </a:p>
@@ -6854,14 +7042,15 @@
         </p:nvSpPr>
         <p:spPr/>
         <p:txBody>
-          <a:bodyPr/>
-          <a:lstStyle/>
-          <a:p>
-            <a:pPr lvl="0" indent="0" marL="0">
+          <a:bodyPr>
+            <a:normAutofit fontScale="55000" lnSpcReduction="20000"/>
+          </a:bodyPr>
+          <a:lstStyle/>
+          <a:p>
+            <a:pPr marL="0" lvl="0" indent="0">
               <a:buNone/>
             </a:pPr>
             <a:r>
-              <a:rPr/>
               <a:t>Commonly used re-sampling methods include:</a:t>
             </a:r>
           </a:p>
@@ -6872,22 +7061,20 @@
               <a:t>Randomization or Permutation methods:</a:t>
             </a:r>
             <a:r>
-              <a:rPr/>
               <a:t> aka exact tests</a:t>
             </a:r>
           </a:p>
           <a:p>
             <a:pPr lvl="1"/>
             <a:r>
-              <a:rPr/>
               <a:t>Have a long history; e.g. Fisher’s exact test (1922)</a:t>
             </a:r>
             <a:br/>
+            <a:endParaRPr/>
           </a:p>
           <a:p>
             <a:pPr lvl="1"/>
             <a:r>
-              <a:rPr/>
               <a:t>Practical approximate algorithms for larger data sets in computer era</a:t>
             </a:r>
           </a:p>
@@ -6898,30 +7085,28 @@
               <a:t>Cross validation:</a:t>
             </a:r>
             <a:r>
-              <a:rPr/>
               <a:t> resample into multiple folds without replacement</a:t>
             </a:r>
           </a:p>
           <a:p>
             <a:pPr lvl="1"/>
             <a:r>
-              <a:rPr/>
               <a:t>Leave n out method</a:t>
             </a:r>
             <a:br/>
+            <a:endParaRPr/>
           </a:p>
           <a:p>
             <a:pPr lvl="1"/>
             <a:r>
-              <a:rPr/>
               <a:t>Has origins in the 1950s</a:t>
             </a:r>
             <a:br/>
+            <a:endParaRPr/>
           </a:p>
           <a:p>
             <a:pPr lvl="1"/>
             <a:r>
-              <a:rPr/>
               <a:t>Widely used to evaluate machine learning (ML) models</a:t>
             </a:r>
           </a:p>
@@ -6932,29 +7117,26 @@
               <a:t>Jackknife:</a:t>
             </a:r>
             <a:r>
-              <a:rPr/>
               <a:t> leave one out re-sampling</a:t>
             </a:r>
           </a:p>
           <a:p>
             <a:pPr lvl="1"/>
             <a:r>
-              <a:rPr/>
               <a:t>Leave one out method</a:t>
             </a:r>
           </a:p>
           <a:p>
             <a:pPr lvl="1"/>
             <a:r>
-              <a:rPr/>
               <a:t>Early general purpose resampling method</a:t>
             </a:r>
             <a:br/>
+            <a:endParaRPr/>
           </a:p>
           <a:p>
             <a:pPr lvl="1"/>
             <a:r>
-              <a:rPr/>
               <a:t>Has origins in the 1950s</a:t>
             </a:r>
           </a:p>
@@ -6965,14 +7147,12 @@
               <a:t>Nonparametric Bootstrap:</a:t>
             </a:r>
             <a:r>
-              <a:rPr/>
               <a:t> resample with equivalent size and replacement - our focus here</a:t>
             </a:r>
           </a:p>
           <a:p>
             <a:pPr lvl="1"/>
             <a:r>
-              <a:rPr/>
               <a:t>Published by Prof Brad Efron in 1979</a:t>
             </a:r>
           </a:p>
@@ -6980,6 +7160,9 @@
       </p:sp>
     </p:spTree>
   </p:cSld>
+  <p:clrMapOvr>
+    <a:masterClrMapping/>
+  </p:clrMapOvr>
 </p:sld>
 </file>
 
@@ -7015,11 +7198,10 @@
           <a:bodyPr/>
           <a:lstStyle/>
           <a:p>
-            <a:pPr lvl="0" indent="0" marL="0">
+            <a:pPr marL="0" lvl="0" indent="0">
               <a:buNone/>
             </a:pPr>
             <a:r>
-              <a:rPr/>
               <a:t>Nonparametric vs. Parametric Statistical Model</a:t>
             </a:r>
           </a:p>
@@ -7037,14 +7219,15 @@
         </p:nvSpPr>
         <p:spPr/>
         <p:txBody>
-          <a:bodyPr/>
-          <a:lstStyle/>
-          <a:p>
-            <a:pPr lvl="0" indent="0" marL="0">
+          <a:bodyPr>
+            <a:normAutofit fontScale="92500" lnSpcReduction="20000"/>
+          </a:bodyPr>
+          <a:lstStyle/>
+          <a:p>
+            <a:pPr marL="0" lvl="0" indent="0">
               <a:buNone/>
             </a:pPr>
             <a:r>
-              <a:rPr/>
               <a:t>Many familiar statistic models are </a:t>
             </a:r>
             <a:r>
@@ -7052,7 +7235,6 @@
               <a:t>parametric</a:t>
             </a:r>
             <a:r>
-              <a:rPr/>
               <a:t>, being based on a assumed </a:t>
             </a:r>
             <a:r>
@@ -7063,51 +7245,46 @@
           <a:p>
             <a:pPr lvl="0"/>
             <a:r>
-              <a:rPr/>
               <a:t>Likelihood models based on a parametric distributions</a:t>
             </a:r>
           </a:p>
           <a:p>
             <a:pPr lvl="0"/>
             <a:r>
-              <a:rPr/>
               <a:t>Parametric models have low variance estimates for statistics</a:t>
             </a:r>
           </a:p>
           <a:p>
             <a:pPr lvl="1"/>
             <a:r>
-              <a:rPr/>
               <a:t>But susceptible to poor choice of likelihood model</a:t>
             </a:r>
           </a:p>
           <a:p>
             <a:pPr lvl="0"/>
             <a:r>
-              <a:rPr/>
               <a:t>Example, least-squares error model uses a Normal likelihood</a:t>
             </a:r>
           </a:p>
           <a:p>
             <a:pPr lvl="1"/>
             <a:r>
-              <a:rPr/>
               <a:t>Parameters which must be estimated</a:t>
             </a:r>
             <a:br/>
+            <a:endParaRPr/>
           </a:p>
           <a:p>
             <a:pPr lvl="1"/>
             <a:r>
-              <a:rPr/>
               <a:t>Location and scale in one-dimension</a:t>
             </a:r>
             <a:br/>
+            <a:endParaRPr/>
           </a:p>
           <a:p>
             <a:pPr lvl="1"/>
             <a:r>
-              <a:rPr/>
               <a:t>Betas and covariance in higher dimensions</a:t>
             </a:r>
           </a:p>
@@ -7115,6 +7292,9 @@
       </p:sp>
     </p:spTree>
   </p:cSld>
+  <p:clrMapOvr>
+    <a:masterClrMapping/>
+  </p:clrMapOvr>
 </p:sld>
 </file>
 
@@ -7150,11 +7330,10 @@
           <a:bodyPr/>
           <a:lstStyle/>
           <a:p>
-            <a:pPr lvl="0" indent="0" marL="0">
+            <a:pPr marL="0" lvl="0" indent="0">
               <a:buNone/>
             </a:pPr>
             <a:r>
-              <a:rPr/>
               <a:t>Nonparametric vs. Parametric Statistical Model</a:t>
             </a:r>
           </a:p>
@@ -7172,10 +7351,12 @@
         </p:nvSpPr>
         <p:spPr/>
         <p:txBody>
-          <a:bodyPr/>
-          <a:lstStyle/>
-          <a:p>
-            <a:pPr lvl="0" indent="0" marL="0">
+          <a:bodyPr>
+            <a:normAutofit fontScale="62500" lnSpcReduction="20000"/>
+          </a:bodyPr>
+          <a:lstStyle/>
+          <a:p>
+            <a:pPr marL="0" lvl="0" indent="0">
               <a:buNone/>
             </a:pPr>
             <a:r>
@@ -7183,14 +7364,12 @@
               <a:t>Nonparametric model</a:t>
             </a:r>
             <a:r>
-              <a:rPr/>
               <a:t> not based on a parametric likelihood</a:t>
             </a:r>
           </a:p>
           <a:p>
             <a:pPr lvl="0"/>
             <a:r>
-              <a:rPr/>
               <a:t>Use an </a:t>
             </a:r>
             <a:r>
@@ -7198,74 +7377,68 @@
               <a:t>empirical distribution</a:t>
             </a:r>
             <a:r>
-              <a:rPr/>
               <a:t> estimated from observations</a:t>
             </a:r>
           </a:p>
           <a:p>
             <a:pPr lvl="1"/>
             <a:r>
-              <a:rPr/>
               <a:t>No likelihood model assumptions</a:t>
             </a:r>
           </a:p>
           <a:p>
             <a:pPr lvl="0"/>
             <a:r>
-              <a:rPr/>
               <a:t>Statistical properties estimated from this empirical distribution</a:t>
             </a:r>
           </a:p>
           <a:p>
             <a:pPr lvl="1"/>
             <a:r>
-              <a:rPr/>
               <a:t>Potentially high variance estimates</a:t>
             </a:r>
             <a:br/>
+            <a:endParaRPr/>
           </a:p>
           <a:p>
             <a:pPr lvl="1"/>
             <a:r>
-              <a:rPr/>
               <a:t>Need sufficient sample size</a:t>
             </a:r>
             <a:br/>
+            <a:endParaRPr/>
           </a:p>
           <a:p>
             <a:pPr lvl="1"/>
             <a:r>
-              <a:rPr/>
               <a:t>Example, mean and variance estimates</a:t>
             </a:r>
           </a:p>
           <a:p>
             <a:pPr lvl="0"/>
             <a:r>
-              <a:rPr/>
               <a:t>Examples of nonparametric statistical estimators:</a:t>
             </a:r>
           </a:p>
           <a:p>
             <a:pPr lvl="1"/>
             <a:r>
-              <a:rPr/>
               <a:t>Permutation tests</a:t>
             </a:r>
             <a:br/>
+            <a:endParaRPr/>
           </a:p>
           <a:p>
             <a:pPr lvl="1"/>
             <a:r>
-              <a:rPr/>
               <a:t>Jackknife estimates</a:t>
             </a:r>
             <a:br/>
+            <a:endParaRPr/>
           </a:p>
           <a:p>
             <a:pPr lvl="1"/>
             <a:r>
-              <a:rPr/>
               <a:t>Nonparametric bootstrap</a:t>
             </a:r>
           </a:p>
@@ -7273,6 +7446,9 @@
       </p:sp>
     </p:spTree>
   </p:cSld>
+  <p:clrMapOvr>
+    <a:masterClrMapping/>
+  </p:clrMapOvr>
 </p:sld>
 </file>
 
@@ -7305,14 +7481,15 @@
         </p:nvSpPr>
         <p:spPr/>
         <p:txBody>
-          <a:bodyPr/>
-          <a:lstStyle/>
-          <a:p>
-            <a:pPr lvl="0" indent="0" marL="0">
+          <a:bodyPr>
+            <a:normAutofit fontScale="90000"/>
+          </a:bodyPr>
+          <a:lstStyle/>
+          <a:p>
+            <a:pPr marL="0" lvl="0" indent="0">
               <a:buNone/>
             </a:pPr>
             <a:r>
-              <a:rPr/>
               <a:t>General Characteristics of Nonparametric Resampling Methods</a:t>
             </a:r>
           </a:p>
@@ -7330,42 +7507,39 @@
         </p:nvSpPr>
         <p:spPr/>
         <p:txBody>
-          <a:bodyPr/>
-          <a:lstStyle/>
-          <a:p>
-            <a:pPr lvl="0" indent="0" marL="0">
+          <a:bodyPr>
+            <a:normAutofit fontScale="92500"/>
+          </a:bodyPr>
+          <a:lstStyle/>
+          <a:p>
+            <a:pPr marL="0" lvl="0" indent="0">
               <a:buNone/>
             </a:pPr>
             <a:r>
-              <a:rPr/>
               <a:t>General characteristics of nonparametric resampling methods include</a:t>
             </a:r>
           </a:p>
           <a:p>
             <a:pPr lvl="0"/>
             <a:r>
-              <a:rPr/>
               <a:t>Allow computation of statistics from data samples for statistics with continuous derivatives</a:t>
             </a:r>
           </a:p>
           <a:p>
             <a:pPr lvl="0"/>
             <a:r>
-              <a:rPr/>
               <a:t>Repeatedly compute statistics from multiple resamples of dataset</a:t>
             </a:r>
           </a:p>
           <a:p>
             <a:pPr lvl="0"/>
             <a:r>
-              <a:rPr/>
               <a:t>The result converges to the sample distribution of the statistic being computed</a:t>
             </a:r>
           </a:p>
           <a:p>
             <a:pPr lvl="0"/>
             <a:r>
-              <a:rPr/>
               <a:t>Make minimal distributional assumptions, when compared to classical frequentist statistics</a:t>
             </a:r>
           </a:p>
@@ -7373,6 +7547,9 @@
       </p:sp>
     </p:spTree>
   </p:cSld>
+  <p:clrMapOvr>
+    <a:masterClrMapping/>
+  </p:clrMapOvr>
 </p:sld>
 </file>
 
@@ -7408,11 +7585,10 @@
           <a:bodyPr/>
           <a:lstStyle/>
           <a:p>
-            <a:pPr lvl="0" indent="0" marL="0">
+            <a:pPr marL="0" lvl="0" indent="0">
               <a:buNone/>
             </a:pPr>
             <a:r>
-              <a:rPr/>
               <a:t>Pitfalls of Resampling Methods</a:t>
             </a:r>
           </a:p>
@@ -7432,36 +7608,35 @@
             </p:nvSpPr>
             <p:spPr/>
             <p:txBody>
-              <a:bodyPr/>
+              <a:bodyPr>
+                <a:normAutofit fontScale="70000" lnSpcReduction="20000"/>
+              </a:bodyPr>
               <a:lstStyle/>
               <a:p>
-                <a:pPr lvl="0" indent="0" marL="0">
+                <a:pPr marL="0" lvl="0" indent="0">
                   <a:buNone/>
                 </a:pPr>
                 <a:r>
-                  <a:rPr/>
                   <a:t>Re-sampling methods are general and powerful but, there is no magic involved! There are pitfalls!</a:t>
                 </a:r>
               </a:p>
               <a:p>
                 <a:pPr lvl="0"/>
                 <a:r>
-                  <a:rPr/>
                   <a:t>If a sample is biased, the resampled statistic estimate based on that sample will be biased</a:t>
                 </a:r>
               </a:p>
               <a:p>
                 <a:pPr lvl="1"/>
                 <a:r>
-                  <a:rPr/>
                   <a:t>Results can be no better than the sample you start with</a:t>
                 </a:r>
                 <a:br/>
+                <a:endParaRPr/>
               </a:p>
               <a:p>
                 <a:pPr lvl="1"/>
                 <a:r>
-                  <a:rPr/>
                   <a:t>Example; the bootstrap estimate of mean is a sample estimate, </a:t>
                 </a:r>
                 <a14:m>
@@ -7469,70 +7644,114 @@
                     <m:acc>
                       <m:accPr>
                         <m:chr m:val="‾"/>
+                        <m:ctrlPr>
+                          <a:rPr>
+                            <a:latin typeface="Cambria Math" panose="02040503050406030204" pitchFamily="18" charset="0"/>
+                          </a:rPr>
+                        </m:ctrlPr>
                       </m:accPr>
                       <m:e>
                         <m:r>
-                          <m:t>x</m:t>
+                          <a:rPr>
+                            <a:latin typeface="Cambria Math" panose="02040503050406030204" pitchFamily="18" charset="0"/>
+                          </a:rPr>
+                          <m:t>𝑥</m:t>
                         </m:r>
                       </m:e>
                     </m:acc>
                   </m:oMath>
                 </a14:m>
                 <a:r>
-                  <a:rPr/>
                   <a:t>, not the population parameter, </a:t>
                 </a:r>
                 <a14:m>
                   <m:oMath xmlns:m="http://schemas.openxmlformats.org/officeDocument/2006/math">
                     <m:r>
-                      <m:t>μ</m:t>
+                      <a:rPr>
+                        <a:latin typeface="Cambria Math" panose="02040503050406030204" pitchFamily="18" charset="0"/>
+                      </a:rPr>
+                      <m:t>𝜇</m:t>
                     </m:r>
                   </m:oMath>
                 </a14:m>
+                <a:endParaRPr/>
               </a:p>
               <a:p>
                 <a:pPr lvl="0"/>
                 <a:r>
-                  <a:rPr/>
                   <a:t>The sample variance and CIs can be no better than the sample distribution allows</a:t>
                 </a:r>
               </a:p>
               <a:p>
                 <a:pPr lvl="1"/>
                 <a:r>
-                  <a:rPr/>
                   <a:t>Often higher variance than parametric models</a:t>
                 </a:r>
                 <a:br/>
+                <a:endParaRPr/>
               </a:p>
               <a:p>
                 <a:pPr lvl="1"/>
                 <a:r>
-                  <a:rPr/>
                   <a:t>Be suspicious of overly optimistic confidence intervals</a:t>
                 </a:r>
                 <a:br/>
+                <a:endParaRPr/>
               </a:p>
               <a:p>
                 <a:pPr lvl="1"/>
                 <a:r>
-                  <a:rPr/>
                   <a:t>CIs can be optimistically biased</a:t>
                 </a:r>
               </a:p>
               <a:p>
                 <a:pPr lvl="0"/>
                 <a:r>
-                  <a:rPr/>
                   <a:t>Are computationally intensive, but often highly parallelizable</a:t>
                 </a:r>
               </a:p>
             </p:txBody>
           </p:sp>
         </mc:Choice>
+        <mc:Fallback>
+          <p:sp>
+            <p:nvSpPr>
+              <p:cNvPr id="3" name="Content Placeholder 2"/>
+              <p:cNvSpPr>
+                <a:spLocks noGrp="1" noRot="1" noChangeAspect="1" noMove="1" noResize="1" noEditPoints="1" noAdjustHandles="1" noChangeArrowheads="1" noChangeShapeType="1" noTextEdit="1"/>
+              </p:cNvSpPr>
+              <p:nvPr>
+                <p:ph idx="1"/>
+              </p:nvPr>
+            </p:nvSpPr>
+            <p:spPr>
+              <a:blipFill>
+                <a:blip r:embed="rId2"/>
+                <a:stretch>
+                  <a:fillRect l="-444" t="-1975" b="-1795"/>
+                </a:stretch>
+              </a:blipFill>
+            </p:spPr>
+            <p:txBody>
+              <a:bodyPr/>
+              <a:lstStyle/>
+              <a:p>
+                <a:r>
+                  <a:rPr lang="en-US">
+                    <a:noFill/>
+                  </a:rPr>
+                  <a:t> </a:t>
+                </a:r>
+              </a:p>
+            </p:txBody>
+          </p:sp>
+        </mc:Fallback>
       </mc:AlternateContent>
     </p:spTree>
   </p:cSld>
+  <p:clrMapOvr>
+    <a:masterClrMapping/>
+  </p:clrMapOvr>
 </p:sld>
 </file>
 
@@ -7568,11 +7787,10 @@
           <a:bodyPr/>
           <a:lstStyle/>
           <a:p>
-            <a:pPr lvl="0" indent="0" marL="0">
+            <a:pPr marL="0" lvl="0" indent="0">
               <a:buNone/>
             </a:pPr>
             <a:r>
-              <a:rPr/>
               <a:t>Point Estimates vs. Distribution Estimates</a:t>
             </a:r>
           </a:p>
@@ -7590,50 +7808,47 @@
         </p:nvSpPr>
         <p:spPr/>
         <p:txBody>
-          <a:bodyPr/>
-          <a:lstStyle/>
-          <a:p>
-            <a:pPr lvl="0" indent="0" marL="0">
+          <a:bodyPr>
+            <a:normAutofit fontScale="92500" lnSpcReduction="10000"/>
+          </a:bodyPr>
+          <a:lstStyle/>
+          <a:p>
+            <a:pPr marL="0" lvl="0" indent="0">
               <a:buNone/>
             </a:pPr>
             <a:r>
-              <a:rPr/>
               <a:t>The goal of frequentist statistics is to compute a point estimate and confidence interval</a:t>
             </a:r>
           </a:p>
           <a:p>
             <a:pPr lvl="0"/>
             <a:r>
-              <a:rPr/>
               <a:t>Point estimate is the single most likely value for a statistic</a:t>
             </a:r>
           </a:p>
           <a:p>
             <a:pPr lvl="1"/>
             <a:r>
-              <a:rPr/>
               <a:t>Confidence interval expresses the uncertainty of the point estimate</a:t>
             </a:r>
           </a:p>
           <a:p>
             <a:pPr lvl="0"/>
             <a:r>
-              <a:rPr/>
               <a:t>Parametric confidence interval based on the properties of some assumed probability distribution</a:t>
             </a:r>
           </a:p>
           <a:p>
             <a:pPr lvl="1"/>
             <a:r>
-              <a:rPr/>
               <a:t>Are there alternatives to this classical frequentist approach?</a:t>
             </a:r>
             <a:br/>
+            <a:endParaRPr/>
           </a:p>
           <a:p>
             <a:pPr lvl="1"/>
             <a:r>
-              <a:rPr/>
               <a:t>Here we focus on bootstrap methods which do not require explicit probability model</a:t>
             </a:r>
           </a:p>
@@ -7641,6 +7856,9 @@
       </p:sp>
     </p:spTree>
   </p:cSld>
+  <p:clrMapOvr>
+    <a:masterClrMapping/>
+  </p:clrMapOvr>
 </p:sld>
 </file>
 
@@ -7676,11 +7894,10 @@
           <a:bodyPr/>
           <a:lstStyle/>
           <a:p>
-            <a:pPr lvl="0" indent="0" marL="0">
+            <a:pPr marL="0" lvl="0" indent="0">
               <a:buNone/>
             </a:pPr>
             <a:r>
-              <a:rPr/>
               <a:t>Bootstrap Distribution</a:t>
             </a:r>
           </a:p>
@@ -7698,28 +7915,27 @@
         </p:nvSpPr>
         <p:spPr/>
         <p:txBody>
-          <a:bodyPr/>
-          <a:lstStyle/>
-          <a:p>
-            <a:pPr lvl="0" indent="0" marL="0">
+          <a:bodyPr>
+            <a:normAutofit fontScale="85000" lnSpcReduction="20000"/>
+          </a:bodyPr>
+          <a:lstStyle/>
+          <a:p>
+            <a:pPr marL="0" lvl="0" indent="0">
               <a:buNone/>
             </a:pPr>
             <a:r>
-              <a:rPr/>
               <a:t>Rather than computing a point estimate directly, bootstrap methods compute a bootstrap distribution of a statistic</a:t>
             </a:r>
           </a:p>
           <a:p>
             <a:pPr lvl="0"/>
             <a:r>
-              <a:rPr/>
               <a:t>Bootstrap distribution is comprised of values of the statistic computed from bootstrap resamples of the original observations (data sample)</a:t>
             </a:r>
           </a:p>
           <a:p>
             <a:pPr lvl="0"/>
             <a:r>
-              <a:rPr/>
               <a:t>Computing bootstrap distribution requires </a:t>
             </a:r>
             <a:r>
@@ -7730,14 +7946,12 @@
           <a:p>
             <a:pPr lvl="1"/>
             <a:r>
-              <a:rPr/>
               <a:t>Bootstrap resampling substitutes computer power for paper and pencil statistician power</a:t>
             </a:r>
           </a:p>
           <a:p>
             <a:pPr lvl="0"/>
             <a:r>
-              <a:rPr/>
               <a:t>Bootstrap resampling estimates the </a:t>
             </a:r>
             <a:r>
@@ -7745,22 +7959,20 @@
               <a:t>bootstrap distribution</a:t>
             </a:r>
             <a:r>
-              <a:rPr/>
               <a:t> of a statistic</a:t>
             </a:r>
           </a:p>
           <a:p>
             <a:pPr lvl="1"/>
             <a:r>
-              <a:rPr/>
               <a:t>Compute mostly likely point estimate of the statistic, or bootstrap estimate</a:t>
             </a:r>
             <a:br/>
+            <a:endParaRPr/>
           </a:p>
           <a:p>
             <a:pPr lvl="1"/>
             <a:r>
-              <a:rPr/>
               <a:t>The bootstrap confidence interval is computed from the bootstrap distribution</a:t>
             </a:r>
           </a:p>
@@ -7768,6 +7980,9 @@
       </p:sp>
     </p:spTree>
   </p:cSld>
+  <p:clrMapOvr>
+    <a:masterClrMapping/>
+  </p:clrMapOvr>
 </p:sld>
 </file>
 
@@ -8089,265 +8304,4 @@
   </a:objectDefaults>
   <a:extraClrSchemeLst/>
 </a:theme>
-</file>
-
-<file path=ppt/theme/theme2.xml><?xml version="1.0" encoding="utf-8"?>
-<a:theme xmlns:a="http://schemas.openxmlformats.org/drawingml/2006/main" name="Office Theme">
-  <a:themeElements>
-    <a:clrScheme name="Office">
-      <a:dk1>
-        <a:sysClr val="windowText" lastClr="000000"/>
-      </a:dk1>
-      <a:lt1>
-        <a:sysClr val="window" lastClr="FFFFFF"/>
-      </a:lt1>
-      <a:dk2>
-        <a:srgbClr val="44546A"/>
-      </a:dk2>
-      <a:lt2>
-        <a:srgbClr val="E7E6E6"/>
-      </a:lt2>
-      <a:accent1>
-        <a:srgbClr val="5B9BD5"/>
-      </a:accent1>
-      <a:accent2>
-        <a:srgbClr val="ED7D31"/>
-      </a:accent2>
-      <a:accent3>
-        <a:srgbClr val="A5A5A5"/>
-      </a:accent3>
-      <a:accent4>
-        <a:srgbClr val="FFC000"/>
-      </a:accent4>
-      <a:accent5>
-        <a:srgbClr val="4472C4"/>
-      </a:accent5>
-      <a:accent6>
-        <a:srgbClr val="70AD47"/>
-      </a:accent6>
-      <a:hlink>
-        <a:srgbClr val="0563C1"/>
-      </a:hlink>
-      <a:folHlink>
-        <a:srgbClr val="954F72"/>
-      </a:folHlink>
-    </a:clrScheme>
-    <a:fontScheme name="Office">
-      <a:majorFont>
-        <a:latin typeface="Calibri Light" panose="020F0302020204030204"/>
-        <a:ea typeface=""/>
-        <a:cs typeface=""/>
-        <a:font script="Jpan" typeface="ＭＳ Ｐゴシック"/>
-        <a:font script="Hang" typeface="맑은 고딕"/>
-        <a:font script="Hans" typeface="宋体"/>
-        <a:font script="Hant" typeface="新細明體"/>
-        <a:font script="Arab" typeface="Times New Roman"/>
-        <a:font script="Hebr" typeface="Times New Roman"/>
-        <a:font script="Thai" typeface="Angsana New"/>
-        <a:font script="Ethi" typeface="Nyala"/>
-        <a:font script="Beng" typeface="Vrinda"/>
-        <a:font script="Gujr" typeface="Shruti"/>
-        <a:font script="Khmr" typeface="MoolBoran"/>
-        <a:font script="Knda" typeface="Tunga"/>
-        <a:font script="Guru" typeface="Raavi"/>
-        <a:font script="Cans" typeface="Euphemia"/>
-        <a:font script="Cher" typeface="Plantagenet Cherokee"/>
-        <a:font script="Yiii" typeface="Microsoft Yi Baiti"/>
-        <a:font script="Tibt" typeface="Microsoft Himalaya"/>
-        <a:font script="Thaa" typeface="MV Boli"/>
-        <a:font script="Deva" typeface="Mangal"/>
-        <a:font script="Telu" typeface="Gautami"/>
-        <a:font script="Taml" typeface="Latha"/>
-        <a:font script="Syrc" typeface="Estrangelo Edessa"/>
-        <a:font script="Orya" typeface="Kalinga"/>
-        <a:font script="Mlym" typeface="Kartika"/>
-        <a:font script="Laoo" typeface="DokChampa"/>
-        <a:font script="Sinh" typeface="Iskoola Pota"/>
-        <a:font script="Mong" typeface="Mongolian Baiti"/>
-        <a:font script="Viet" typeface="Times New Roman"/>
-        <a:font script="Uigh" typeface="Microsoft Uighur"/>
-        <a:font script="Geor" typeface="Sylfaen"/>
-      </a:majorFont>
-      <a:minorFont>
-        <a:latin typeface="Calibri" panose="020F0502020204030204"/>
-        <a:ea typeface=""/>
-        <a:cs typeface=""/>
-        <a:font script="Jpan" typeface="ＭＳ Ｐゴシック"/>
-        <a:font script="Hang" typeface="맑은 고딕"/>
-        <a:font script="Hans" typeface="宋体"/>
-        <a:font script="Hant" typeface="新細明體"/>
-        <a:font script="Arab" typeface="Arial"/>
-        <a:font script="Hebr" typeface="Arial"/>
-        <a:font script="Thai" typeface="Cordia New"/>
-        <a:font script="Ethi" typeface="Nyala"/>
-        <a:font script="Beng" typeface="Vrinda"/>
-        <a:font script="Gujr" typeface="Shruti"/>
-        <a:font script="Khmr" typeface="DaunPenh"/>
-        <a:font script="Knda" typeface="Tunga"/>
-        <a:font script="Guru" typeface="Raavi"/>
-        <a:font script="Cans" typeface="Euphemia"/>
-        <a:font script="Cher" typeface="Plantagenet Cherokee"/>
-        <a:font script="Yiii" typeface="Microsoft Yi Baiti"/>
-        <a:font script="Tibt" typeface="Microsoft Himalaya"/>
-        <a:font script="Thaa" typeface="MV Boli"/>
-        <a:font script="Deva" typeface="Mangal"/>
-        <a:font script="Telu" typeface="Gautami"/>
-        <a:font script="Taml" typeface="Latha"/>
-        <a:font script="Syrc" typeface="Estrangelo Edessa"/>
-        <a:font script="Orya" typeface="Kalinga"/>
-        <a:font script="Mlym" typeface="Kartika"/>
-        <a:font script="Laoo" typeface="DokChampa"/>
-        <a:font script="Sinh" typeface="Iskoola Pota"/>
-        <a:font script="Mong" typeface="Mongolian Baiti"/>
-        <a:font script="Viet" typeface="Arial"/>
-        <a:font script="Uigh" typeface="Microsoft Uighur"/>
-        <a:font script="Geor" typeface="Sylfaen"/>
-      </a:minorFont>
-    </a:fontScheme>
-    <a:fmtScheme name="Office">
-      <a:fillStyleLst>
-        <a:solidFill>
-          <a:schemeClr val="phClr"/>
-        </a:solidFill>
-        <a:gradFill rotWithShape="1">
-          <a:gsLst>
-            <a:gs pos="0">
-              <a:schemeClr val="phClr">
-                <a:lumMod val="110000"/>
-                <a:satMod val="105000"/>
-                <a:tint val="67000"/>
-              </a:schemeClr>
-            </a:gs>
-            <a:gs pos="50000">
-              <a:schemeClr val="phClr">
-                <a:lumMod val="105000"/>
-                <a:satMod val="103000"/>
-                <a:tint val="73000"/>
-              </a:schemeClr>
-            </a:gs>
-            <a:gs pos="100000">
-              <a:schemeClr val="phClr">
-                <a:lumMod val="105000"/>
-                <a:satMod val="109000"/>
-                <a:tint val="81000"/>
-              </a:schemeClr>
-            </a:gs>
-          </a:gsLst>
-          <a:lin ang="5400000" scaled="0"/>
-        </a:gradFill>
-        <a:gradFill rotWithShape="1">
-          <a:gsLst>
-            <a:gs pos="0">
-              <a:schemeClr val="phClr">
-                <a:satMod val="103000"/>
-                <a:lumMod val="102000"/>
-                <a:tint val="94000"/>
-              </a:schemeClr>
-            </a:gs>
-            <a:gs pos="50000">
-              <a:schemeClr val="phClr">
-                <a:satMod val="110000"/>
-                <a:lumMod val="100000"/>
-                <a:shade val="100000"/>
-              </a:schemeClr>
-            </a:gs>
-            <a:gs pos="100000">
-              <a:schemeClr val="phClr">
-                <a:lumMod val="99000"/>
-                <a:satMod val="120000"/>
-                <a:shade val="78000"/>
-              </a:schemeClr>
-            </a:gs>
-          </a:gsLst>
-          <a:lin ang="5400000" scaled="0"/>
-        </a:gradFill>
-      </a:fillStyleLst>
-      <a:lnStyleLst>
-        <a:ln w="6350" cap="flat" cmpd="sng" algn="ctr">
-          <a:solidFill>
-            <a:schemeClr val="phClr"/>
-          </a:solidFill>
-          <a:prstDash val="solid"/>
-          <a:miter lim="800000"/>
-        </a:ln>
-        <a:ln w="12700" cap="flat" cmpd="sng" algn="ctr">
-          <a:solidFill>
-            <a:schemeClr val="phClr"/>
-          </a:solidFill>
-          <a:prstDash val="solid"/>
-          <a:miter lim="800000"/>
-        </a:ln>
-        <a:ln w="19050" cap="flat" cmpd="sng" algn="ctr">
-          <a:solidFill>
-            <a:schemeClr val="phClr"/>
-          </a:solidFill>
-          <a:prstDash val="solid"/>
-          <a:miter lim="800000"/>
-        </a:ln>
-      </a:lnStyleLst>
-      <a:effectStyleLst>
-        <a:effectStyle>
-          <a:effectLst/>
-        </a:effectStyle>
-        <a:effectStyle>
-          <a:effectLst/>
-        </a:effectStyle>
-        <a:effectStyle>
-          <a:effectLst>
-            <a:outerShdw blurRad="57150" dist="19050" dir="5400000" algn="ctr" rotWithShape="0">
-              <a:srgbClr val="000000">
-                <a:alpha val="63000"/>
-              </a:srgbClr>
-            </a:outerShdw>
-          </a:effectLst>
-        </a:effectStyle>
-      </a:effectStyleLst>
-      <a:bgFillStyleLst>
-        <a:solidFill>
-          <a:schemeClr val="phClr"/>
-        </a:solidFill>
-        <a:solidFill>
-          <a:schemeClr val="phClr">
-            <a:tint val="95000"/>
-            <a:satMod val="170000"/>
-          </a:schemeClr>
-        </a:solidFill>
-        <a:gradFill rotWithShape="1">
-          <a:gsLst>
-            <a:gs pos="0">
-              <a:schemeClr val="phClr">
-                <a:tint val="93000"/>
-                <a:satMod val="150000"/>
-                <a:shade val="98000"/>
-                <a:lumMod val="102000"/>
-              </a:schemeClr>
-            </a:gs>
-            <a:gs pos="50000">
-              <a:schemeClr val="phClr">
-                <a:tint val="98000"/>
-                <a:satMod val="130000"/>
-                <a:shade val="90000"/>
-                <a:lumMod val="103000"/>
-              </a:schemeClr>
-            </a:gs>
-            <a:gs pos="100000">
-              <a:schemeClr val="phClr">
-                <a:shade val="63000"/>
-                <a:satMod val="120000"/>
-              </a:schemeClr>
-            </a:gs>
-          </a:gsLst>
-          <a:lin ang="5400000" scaled="0"/>
-        </a:gradFill>
-      </a:bgFillStyleLst>
-    </a:fmtScheme>
-  </a:themeElements>
-  <a:objectDefaults/>
-  <a:extraClrSchemeLst/>
-  <a:extLst>
-    <a:ext uri="{05A4C25C-085E-4340-85A3-A5531E510DB2}">
-      <thm15:themeFamily xmlns:thm15="http://schemas.microsoft.com/office/thememl/2012/main" name="Office Theme" id="{62F939B6-93AF-4DB8-9C6B-D6C7DFDC589F}" vid="{4A3C46E8-61CC-4603-A589-7422A47A8E4A}"/>
-    </a:ext>
-  </a:extLst>
-</a:theme>
 </file>
--- a/LectureSlides/06b_IntroductionToBootstrap.pptx
+++ b/LectureSlides/06b_IntroductionToBootstrap.pptx
@@ -3356,15 +3356,23 @@
             <p:ph idx="1"/>
           </p:nvPr>
         </p:nvSpPr>
-        <p:spPr/>
-        <p:txBody>
-          <a:bodyPr/>
+        <p:spPr>
+          <a:xfrm>
+            <a:off x="457200" y="1149784"/>
+            <a:ext cx="8229600" cy="632278"/>
+          </a:xfrm>
+        </p:spPr>
+        <p:txBody>
+          <a:bodyPr>
+            <a:normAutofit fontScale="85000" lnSpcReduction="20000"/>
+          </a:bodyPr>
           <a:lstStyle/>
           <a:p>
             <a:pPr marL="0" lvl="0" indent="0">
               <a:buNone/>
             </a:pPr>
             <a:r>
+              <a:rPr dirty="0"/>
               <a:t>Rather than repeatedly resample the population, bootstrapping repeatedly resamples an original sample</a:t>
             </a:r>
           </a:p>
@@ -3386,8 +3394,8 @@
         </p:blipFill>
         <p:spPr bwMode="auto">
           <a:xfrm>
-            <a:off x="1943100" y="1193800"/>
-            <a:ext cx="5257800" cy="2882900"/>
+            <a:off x="1848756" y="1782062"/>
+            <a:ext cx="5568043" cy="3053009"/>
           </a:xfrm>
           <a:prstGeom prst="rect">
             <a:avLst/>
@@ -3408,8 +3416,8 @@
         </p:nvSpPr>
         <p:spPr>
           <a:xfrm>
-            <a:off x="457200" y="4076700"/>
-            <a:ext cx="8229600" cy="508000"/>
+            <a:off x="1848756" y="4807856"/>
+            <a:ext cx="6143171" cy="292949"/>
           </a:xfrm>
           <a:prstGeom prst="rect">
             <a:avLst/>
@@ -3424,7 +3432,8 @@
               <a:buNone/>
             </a:pPr>
             <a:r>
-              <a:t>Resampling to estiamte the bootstrap distribution of a statistic</a:t>
+              <a:rPr dirty="0"/>
+              <a:t>Resampling to estimate the bootstrap distribution of a statistic</a:t>
             </a:r>
           </a:p>
         </p:txBody>
@@ -3491,7 +3500,7 @@
         <p:spPr/>
         <p:txBody>
           <a:bodyPr>
-            <a:normAutofit fontScale="70000" lnSpcReduction="20000"/>
+            <a:normAutofit fontScale="85000" lnSpcReduction="20000"/>
           </a:bodyPr>
           <a:lstStyle/>
           <a:p>
@@ -3499,7 +3508,16 @@
               <a:buNone/>
             </a:pPr>
             <a:r>
-              <a:t>The bootstrap method follows a simple algorithm. Estimates of the point estimate of a statistic are accumulated by these steps:</a:t>
+              <a:rPr dirty="0"/>
+              <a:t>The bootstrap method follows a simple algorithm</a:t>
+            </a:r>
+            <a:r>
+              <a:rPr lang="en-US" dirty="0"/>
+              <a:t> for</a:t>
+            </a:r>
+            <a:r>
+              <a:rPr dirty="0"/>
+              <a:t> the point estimate of a statistic accumulated by these steps:</a:t>
             </a:r>
           </a:p>
           <a:p>
@@ -3507,60 +3525,92 @@
               <a:buAutoNum type="arabicPeriod"/>
             </a:pPr>
             <a:r>
+              <a:rPr dirty="0"/>
               <a:t>Randomly </a:t>
             </a:r>
             <a:r>
-              <a:rPr b="1"/>
+              <a:rPr b="1" dirty="0"/>
               <a:t>Bernoulli sample</a:t>
             </a:r>
             <a:r>
-              <a:t> sample with size n </a:t>
-            </a:r>
-            <a:r>
-              <a:rPr b="1"/>
+              <a:rPr dirty="0"/>
+              <a:t> with size n </a:t>
+            </a:r>
+            <a:r>
+              <a:rPr b="1" dirty="0"/>
               <a:t>with replacement</a:t>
             </a:r>
             <a:r>
-              <a:t> from an original data sample of n values; Resample is the same size as the original data sample</a:t>
-            </a:r>
-            <a:br/>
-            <a:endParaRPr/>
+              <a:rPr dirty="0"/>
+              <a:t> from an original data sample of n values</a:t>
+            </a:r>
+            <a:endParaRPr lang="en-US" dirty="0"/>
+          </a:p>
+          <a:p>
+            <a:pPr lvl="1"/>
+            <a:r>
+              <a:rPr b="1" dirty="0"/>
+              <a:t>Resample is the same size </a:t>
+            </a:r>
+            <a:r>
+              <a:rPr dirty="0"/>
+              <a:t>as the original data sample</a:t>
+            </a:r>
+            <a:r>
+              <a:rPr lang="en-US" dirty="0"/>
+              <a:t>!</a:t>
+            </a:r>
+            <a:endParaRPr dirty="0"/>
           </a:p>
           <a:p>
             <a:pPr marL="342900" lvl="0" indent="-342900">
               <a:buAutoNum type="arabicPeriod"/>
             </a:pPr>
             <a:r>
-              <a:t>Re-compute the statistic with each resample</a:t>
-            </a:r>
-            <a:br/>
-            <a:endParaRPr/>
+              <a:rPr dirty="0"/>
+              <a:t>Re-compute the statistic </a:t>
+            </a:r>
+            <a:r>
+              <a:rPr lang="en-US" dirty="0"/>
+              <a:t>from</a:t>
+            </a:r>
+            <a:r>
+              <a:rPr dirty="0"/>
+              <a:t> each resample</a:t>
+            </a:r>
           </a:p>
           <a:p>
             <a:pPr marL="342900" lvl="0" indent="-342900">
               <a:buAutoNum type="arabicPeriod"/>
             </a:pPr>
             <a:r>
+              <a:rPr dirty="0"/>
               <a:t>Repeat steps 1 and 2 to accumulate the required number of bootstrap samples</a:t>
             </a:r>
-            <a:br/>
-            <a:endParaRPr/>
           </a:p>
           <a:p>
             <a:pPr marL="342900" lvl="0" indent="-342900">
               <a:buAutoNum type="arabicPeriod"/>
             </a:pPr>
             <a:r>
-              <a:t>Accumulated bootstrap values form the bootstrap distribution; An estimate of the sample distribution of the statistic</a:t>
-            </a:r>
-            <a:br/>
-            <a:endParaRPr/>
+              <a:rPr dirty="0"/>
+              <a:t>Accumulated bootstrap values form the bootstrap distribution</a:t>
+            </a:r>
+            <a:endParaRPr lang="en-US" dirty="0"/>
+          </a:p>
+          <a:p>
+            <a:pPr lvl="1"/>
+            <a:r>
+              <a:rPr dirty="0"/>
+              <a:t>An estimate of the sample distribution of the statistic</a:t>
+            </a:r>
           </a:p>
           <a:p>
             <a:pPr marL="342900" lvl="0" indent="-342900">
               <a:buAutoNum type="arabicPeriod"/>
             </a:pPr>
             <a:r>
+              <a:rPr dirty="0"/>
               <a:t>The mean of the computed statistic values is the bootstrap point estimate of the statistic</a:t>
             </a:r>
           </a:p>
@@ -3634,31 +3684,68 @@
               <a:buNone/>
             </a:pPr>
             <a:r>
+              <a:rPr dirty="0"/>
               <a:t>Properties of the nonparametric bootstrap</a:t>
             </a:r>
           </a:p>
           <a:p>
             <a:pPr lvl="0"/>
             <a:r>
+              <a:rPr dirty="0"/>
               <a:t>By law of large numbers, bootstrap point estimate converges</a:t>
             </a:r>
           </a:p>
           <a:p>
             <a:pPr lvl="0"/>
             <a:r>
+              <a:rPr dirty="0"/>
               <a:t>Larger number of resamples lower variance of estimate</a:t>
             </a:r>
           </a:p>
           <a:p>
             <a:pPr lvl="0"/>
             <a:r>
-              <a:t>Efrom and Tibshirani (1993) and Efron and Hasti (2016) recommend using at least 200 bootstrap samples for point estimates</a:t>
+              <a:rPr dirty="0" err="1"/>
+              <a:t>Efrom</a:t>
+            </a:r>
+            <a:r>
+              <a:rPr dirty="0"/>
+              <a:t> and </a:t>
+            </a:r>
+            <a:r>
+              <a:rPr dirty="0" err="1"/>
+              <a:t>Tibshirani</a:t>
+            </a:r>
+            <a:r>
+              <a:rPr dirty="0"/>
+              <a:t> (1993) and Efron and </a:t>
+            </a:r>
+            <a:r>
+              <a:rPr dirty="0" err="1"/>
+              <a:t>Hasti</a:t>
+            </a:r>
+            <a:r>
+              <a:rPr dirty="0"/>
+              <a:t> (2016) recommend using at least 200 bootstrap samples for point estimates</a:t>
             </a:r>
           </a:p>
           <a:p>
             <a:pPr lvl="0"/>
             <a:r>
-              <a:t>Other authors recommend a larger number (e.g. 1,000-2,000) of resamples given low computer cost</a:t>
+              <a:rPr lang="en-US" dirty="0"/>
+              <a:t>More recently</a:t>
+            </a:r>
+            <a:r>
+              <a:rPr dirty="0"/>
+              <a:t> authors recommend a larger number (e.g. 1,000-</a:t>
+            </a:r>
+            <a:r>
+              <a:rPr lang="en-US" dirty="0"/>
+              <a:t>10</a:t>
+            </a:r>
+            <a:r>
+              <a:rPr dirty="0"/>
+              <a:t>,000) of resamples given low computer cost</a:t>
             </a:r>
           </a:p>
         </p:txBody>
@@ -3728,8 +3815,8 @@
         </p:blipFill>
         <p:spPr bwMode="auto">
           <a:xfrm>
-            <a:off x="1562100" y="1193800"/>
-            <a:ext cx="6007100" cy="2882900"/>
+            <a:off x="665842" y="1044437"/>
+            <a:ext cx="7603672" cy="3649120"/>
           </a:xfrm>
           <a:prstGeom prst="rect">
             <a:avLst/>
@@ -3750,7 +3837,7 @@
         </p:nvSpPr>
         <p:spPr>
           <a:xfrm>
-            <a:off x="457200" y="4076700"/>
+            <a:off x="595086" y="4635500"/>
             <a:ext cx="8229600" cy="508000"/>
           </a:xfrm>
           <a:prstGeom prst="rect">
@@ -3766,6 +3853,7 @@
               <a:buNone/>
             </a:pPr>
             <a:r>
+              <a:rPr dirty="0"/>
               <a:t>Outline of bootstrap resampling algorithm to compute mean</a:t>
             </a:r>
           </a:p>
@@ -3815,6 +3903,7 @@
               <a:buNone/>
             </a:pPr>
             <a:r>
+              <a:rPr dirty="0"/>
               <a:t>Example; One Sample Bootstrap</a:t>
             </a:r>
           </a:p>
@@ -3830,10 +3919,15 @@
             <p:ph idx="1"/>
           </p:nvPr>
         </p:nvSpPr>
-        <p:spPr/>
+        <p:spPr>
+          <a:xfrm>
+            <a:off x="457199" y="1200150"/>
+            <a:ext cx="8581571" cy="3487964"/>
+          </a:xfrm>
+        </p:spPr>
         <p:txBody>
           <a:bodyPr>
-            <a:normAutofit fontScale="55000" lnSpcReduction="20000"/>
+            <a:noAutofit/>
           </a:bodyPr>
           <a:lstStyle/>
           <a:p>
@@ -3841,25 +3935,57 @@
               <a:buNone/>
             </a:pPr>
             <a:r>
-              <a:t>Use sample of standardized scores of highschool students from </a:t>
-            </a:r>
-            <a:r>
-              <a:rPr>
-                <a:hlinkClick r:id="rId2"/>
-              </a:rPr>
-              <a:t>UCLA Statistical Consulting</a:t>
-            </a:r>
-          </a:p>
-          <a:p>
-            <a:pPr lvl="0" indent="0">
-              <a:buNone/>
-            </a:pPr>
-            <a:r>
-              <a:rPr>
-                <a:latin typeface="Courier"/>
-              </a:rPr>
-              <a:t>##      female  race  ses  schtyp  prog  read  write  math  science  socst
-## id                                                                     
+              <a:rPr sz="1600" dirty="0"/>
+              <a:t>Use sample of standardized scores of high school students from UCLA Statistical Consulting</a:t>
+            </a:r>
+            <a:r>
+              <a:rPr sz="1400" dirty="0">
+                <a:latin typeface="Courier"/>
+              </a:rPr>
+              <a:t>
+## id </a:t>
+            </a:r>
+            <a:r>
+              <a:rPr lang="en-US" sz="1400" dirty="0">
+                <a:latin typeface="Courier"/>
+              </a:rPr>
+              <a:t>   female  race  </a:t>
+            </a:r>
+            <a:r>
+              <a:rPr lang="en-US" sz="1400" dirty="0" err="1">
+                <a:latin typeface="Courier"/>
+              </a:rPr>
+              <a:t>ses</a:t>
+            </a:r>
+            <a:r>
+              <a:rPr lang="en-US" sz="1400" dirty="0">
+                <a:latin typeface="Courier"/>
+              </a:rPr>
+              <a:t>  </a:t>
+            </a:r>
+            <a:r>
+              <a:rPr lang="en-US" sz="1400" dirty="0" err="1">
+                <a:latin typeface="Courier"/>
+              </a:rPr>
+              <a:t>schtyp</a:t>
+            </a:r>
+            <a:r>
+              <a:rPr lang="en-US" sz="1400" dirty="0">
+                <a:latin typeface="Courier"/>
+              </a:rPr>
+              <a:t>  prog  read  write  math  science  </a:t>
+            </a:r>
+            <a:r>
+              <a:rPr lang="en-US" sz="1400" dirty="0" err="1">
+                <a:latin typeface="Courier"/>
+              </a:rPr>
+              <a:t>socst</a:t>
+            </a:r>
+            <a:r>
+              <a:rPr sz="1400" dirty="0">
+                <a:latin typeface="Courier"/>
+              </a:rPr>
+              <a:t>                                                                
 ## 70        0     4    1       1     1    57     52    41       47     57
 ## 121       1     4    2       1     3    68     59    53       63     61
 ## 86        0     4    3       1     1    44     33    54       58     31
@@ -4631,8 +4757,8 @@
           </a:p>
         </p:txBody>
       </p:sp>
-      <mc:AlternateContent xmlns:mc="http://schemas.openxmlformats.org/markup-compatibility/2006">
-        <mc:Choice xmlns:a14="http://schemas.microsoft.com/office/drawing/2010/main" Requires="a14">
+      <mc:AlternateContent xmlns:mc="http://schemas.openxmlformats.org/markup-compatibility/2006" xmlns:a14="http://schemas.microsoft.com/office/drawing/2010/main">
+        <mc:Choice Requires="a14">
           <p:sp>
             <p:nvSpPr>
               <p:cNvPr id="3" name="Content Placeholder 2"/>
@@ -4701,7 +4827,7 @@
                     <m:sSub>
                       <m:sSubPr>
                         <m:ctrlPr>
-                          <a:rPr>
+                          <a:rPr i="1">
                             <a:latin typeface="Cambria Math" panose="02040503050406030204" pitchFamily="18" charset="0"/>
                           </a:rPr>
                         </m:ctrlPr>
@@ -4874,7 +5000,7 @@
             </p:txBody>
           </p:sp>
         </mc:Choice>
-        <mc:Fallback>
+        <mc:Fallback xmlns="">
           <p:sp>
             <p:nvSpPr>
               <p:cNvPr id="3" name="Content Placeholder 2"/>
@@ -5061,7 +5187,7 @@
         <p:spPr/>
         <p:txBody>
           <a:bodyPr>
-            <a:normAutofit fontScale="85000" lnSpcReduction="10000"/>
+            <a:normAutofit fontScale="92500" lnSpcReduction="20000"/>
           </a:bodyPr>
           <a:lstStyle/>
           <a:p>
@@ -5069,12 +5195,14 @@
               <a:buNone/>
             </a:pPr>
             <a:r>
-              <a:rPr i="1"/>
+              <a:rPr i="1" dirty="0"/>
               <a:t>“There were others who had forced their way to the top from the lowest rung by the aid of their bootstraps.”</a:t>
             </a:r>
-            <a:br/>
-            <a:r>
-              <a:rPr i="1"/>
+            <a:br>
+              <a:rPr dirty="0"/>
+            </a:br>
+            <a:r>
+              <a:rPr i="1" dirty="0"/>
               <a:t>James Joyce, ‘Ulysses’ 1922</a:t>
             </a:r>
           </a:p>
@@ -5083,30 +5211,43 @@
               <a:buNone/>
             </a:pPr>
             <a:r>
+              <a:rPr dirty="0"/>
               <a:t>Bootstrap and re-sampling methods are widely applicable statistical methods</a:t>
             </a:r>
           </a:p>
           <a:p>
             <a:pPr lvl="0"/>
             <a:r>
+              <a:rPr dirty="0"/>
               <a:t>Resampling methods are products of the computer age</a:t>
             </a:r>
           </a:p>
           <a:p>
             <a:pPr lvl="0"/>
             <a:r>
-              <a:t>Use computational resources unimaginable in the early 20th Century</a:t>
+              <a:rPr dirty="0"/>
+              <a:t>Use computational resources un</a:t>
+            </a:r>
+            <a:r>
+              <a:rPr lang="en-US" dirty="0"/>
+              <a:t>availa</a:t>
+            </a:r>
+            <a:r>
+              <a:rPr dirty="0"/>
+              <a:t>ble in the early 20th Century</a:t>
             </a:r>
           </a:p>
           <a:p>
             <a:pPr lvl="0"/>
             <a:r>
+              <a:rPr dirty="0"/>
               <a:t>Repeatedly re-sampling the data with nonparametric model relaxes some assumptions of classical statistical methods</a:t>
             </a:r>
           </a:p>
           <a:p>
             <a:pPr lvl="0"/>
             <a:r>
+              <a:rPr dirty="0"/>
               <a:t>Re-sampling methods draw heavily on the law of large number and the central limit theorem</a:t>
             </a:r>
           </a:p>
@@ -6836,8 +6977,8 @@
           </a:p>
         </p:txBody>
       </p:sp>
-      <mc:AlternateContent xmlns:mc="http://schemas.openxmlformats.org/markup-compatibility/2006">
-        <mc:Choice xmlns:a14="http://schemas.microsoft.com/office/drawing/2010/main" Requires="a14">
+      <mc:AlternateContent xmlns:mc="http://schemas.openxmlformats.org/markup-compatibility/2006" xmlns:a14="http://schemas.microsoft.com/office/drawing/2010/main">
+        <mc:Choice Requires="a14">
           <p:sp>
             <p:nvSpPr>
               <p:cNvPr id="3" name="Content Placeholder 2"/>
@@ -6887,7 +7028,7 @@
                       <m:accPr>
                         <m:chr m:val="‾"/>
                         <m:ctrlPr>
-                          <a:rPr>
+                          <a:rPr i="1">
                             <a:latin typeface="Cambria Math" panose="02040503050406030204" pitchFamily="18" charset="0"/>
                           </a:rPr>
                         </m:ctrlPr>
@@ -6947,7 +7088,7 @@
             </p:txBody>
           </p:sp>
         </mc:Choice>
-        <mc:Fallback>
+        <mc:Fallback xmlns="">
           <p:sp>
             <p:nvSpPr>
               <p:cNvPr id="3" name="Content Placeholder 2"/>
@@ -7040,10 +7181,15 @@
             <p:ph idx="1"/>
           </p:nvPr>
         </p:nvSpPr>
-        <p:spPr/>
+        <p:spPr>
+          <a:xfrm>
+            <a:off x="457200" y="1139371"/>
+            <a:ext cx="8229600" cy="3715658"/>
+          </a:xfrm>
+        </p:spPr>
         <p:txBody>
           <a:bodyPr>
-            <a:normAutofit fontScale="55000" lnSpcReduction="20000"/>
+            <a:normAutofit fontScale="70000" lnSpcReduction="20000"/>
           </a:bodyPr>
           <a:lstStyle/>
           <a:p>
@@ -7051,108 +7197,114 @@
               <a:buNone/>
             </a:pPr>
             <a:r>
+              <a:rPr dirty="0"/>
               <a:t>Commonly used re-sampling methods include:</a:t>
             </a:r>
           </a:p>
           <a:p>
             <a:pPr lvl="0"/>
             <a:r>
-              <a:rPr b="1"/>
+              <a:rPr b="1" dirty="0"/>
               <a:t>Randomization or Permutation methods:</a:t>
             </a:r>
             <a:r>
+              <a:rPr dirty="0"/>
               <a:t> aka exact tests</a:t>
             </a:r>
           </a:p>
           <a:p>
             <a:pPr lvl="1"/>
             <a:r>
+              <a:rPr dirty="0"/>
               <a:t>Have a long history; e.g. Fisher’s exact test (1922)</a:t>
             </a:r>
-            <a:br/>
-            <a:endParaRPr/>
           </a:p>
           <a:p>
             <a:pPr lvl="1"/>
             <a:r>
+              <a:rPr dirty="0"/>
               <a:t>Practical approximate algorithms for larger data sets in computer era</a:t>
             </a:r>
           </a:p>
           <a:p>
             <a:pPr lvl="0"/>
             <a:r>
-              <a:rPr b="1"/>
+              <a:rPr b="1" dirty="0"/>
               <a:t>Cross validation:</a:t>
             </a:r>
             <a:r>
+              <a:rPr dirty="0"/>
               <a:t> resample into multiple folds without replacement</a:t>
             </a:r>
           </a:p>
           <a:p>
             <a:pPr lvl="1"/>
             <a:r>
+              <a:rPr dirty="0"/>
               <a:t>Leave n out method</a:t>
             </a:r>
-            <a:br/>
-            <a:endParaRPr/>
           </a:p>
           <a:p>
             <a:pPr lvl="1"/>
             <a:r>
+              <a:rPr dirty="0"/>
               <a:t>Has origins in the 1950s</a:t>
             </a:r>
-            <a:br/>
-            <a:endParaRPr/>
           </a:p>
           <a:p>
             <a:pPr lvl="1"/>
             <a:r>
+              <a:rPr dirty="0"/>
               <a:t>Widely used to evaluate machine learning (ML) models</a:t>
             </a:r>
           </a:p>
           <a:p>
             <a:pPr lvl="0"/>
             <a:r>
-              <a:rPr b="1"/>
+              <a:rPr b="1" dirty="0"/>
               <a:t>Jackknife:</a:t>
             </a:r>
             <a:r>
+              <a:rPr dirty="0"/>
               <a:t> leave one out re-sampling</a:t>
             </a:r>
           </a:p>
           <a:p>
             <a:pPr lvl="1"/>
             <a:r>
+              <a:rPr dirty="0"/>
               <a:t>Leave one out method</a:t>
             </a:r>
           </a:p>
           <a:p>
             <a:pPr lvl="1"/>
             <a:r>
+              <a:rPr dirty="0"/>
               <a:t>Early general purpose resampling method</a:t>
             </a:r>
-            <a:br/>
-            <a:endParaRPr/>
           </a:p>
           <a:p>
             <a:pPr lvl="1"/>
             <a:r>
+              <a:rPr dirty="0"/>
               <a:t>Has origins in the 1950s</a:t>
             </a:r>
           </a:p>
           <a:p>
             <a:pPr lvl="0"/>
             <a:r>
-              <a:rPr b="1"/>
+              <a:rPr b="1" dirty="0"/>
               <a:t>Nonparametric Bootstrap:</a:t>
             </a:r>
             <a:r>
+              <a:rPr dirty="0"/>
               <a:t> resample with equivalent size and replacement - our focus here</a:t>
             </a:r>
           </a:p>
           <a:p>
             <a:pPr lvl="1"/>
             <a:r>
+              <a:rPr dirty="0"/>
               <a:t>Published by Prof Brad Efron in 1979</a:t>
             </a:r>
           </a:p>
@@ -7220,7 +7372,7 @@
         <p:spPr/>
         <p:txBody>
           <a:bodyPr>
-            <a:normAutofit fontScale="92500" lnSpcReduction="20000"/>
+            <a:normAutofit lnSpcReduction="10000"/>
           </a:bodyPr>
           <a:lstStyle/>
           <a:p>
@@ -7228,63 +7380,68 @@
               <a:buNone/>
             </a:pPr>
             <a:r>
+              <a:rPr dirty="0"/>
               <a:t>Many familiar statistic models are </a:t>
             </a:r>
             <a:r>
-              <a:rPr b="1"/>
+              <a:rPr b="1" dirty="0"/>
               <a:t>parametric</a:t>
             </a:r>
             <a:r>
+              <a:rPr dirty="0"/>
               <a:t>, being based on a assumed </a:t>
             </a:r>
             <a:r>
-              <a:rPr b="1"/>
+              <a:rPr b="1" dirty="0"/>
               <a:t>likelihood</a:t>
             </a:r>
           </a:p>
           <a:p>
             <a:pPr lvl="0"/>
             <a:r>
+              <a:rPr dirty="0"/>
               <a:t>Likelihood models based on a parametric distributions</a:t>
             </a:r>
           </a:p>
           <a:p>
             <a:pPr lvl="0"/>
             <a:r>
+              <a:rPr dirty="0"/>
               <a:t>Parametric models have low variance estimates for statistics</a:t>
             </a:r>
           </a:p>
           <a:p>
             <a:pPr lvl="1"/>
             <a:r>
+              <a:rPr dirty="0"/>
               <a:t>But susceptible to poor choice of likelihood model</a:t>
             </a:r>
           </a:p>
           <a:p>
             <a:pPr lvl="0"/>
             <a:r>
+              <a:rPr dirty="0"/>
               <a:t>Example, least-squares error model uses a Normal likelihood</a:t>
             </a:r>
           </a:p>
           <a:p>
             <a:pPr lvl="1"/>
             <a:r>
+              <a:rPr dirty="0"/>
               <a:t>Parameters which must be estimated</a:t>
             </a:r>
-            <a:br/>
-            <a:endParaRPr/>
           </a:p>
           <a:p>
             <a:pPr lvl="1"/>
             <a:r>
+              <a:rPr dirty="0"/>
               <a:t>Location and scale in one-dimension</a:t>
             </a:r>
-            <a:br/>
-            <a:endParaRPr/>
           </a:p>
           <a:p>
             <a:pPr lvl="1"/>
             <a:r>
+              <a:rPr dirty="0"/>
               <a:t>Betas and covariance in higher dimensions</a:t>
             </a:r>
           </a:p>
@@ -7352,7 +7509,7 @@
         <p:spPr/>
         <p:txBody>
           <a:bodyPr>
-            <a:normAutofit fontScale="62500" lnSpcReduction="20000"/>
+            <a:normAutofit fontScale="85000" lnSpcReduction="20000"/>
           </a:bodyPr>
           <a:lstStyle/>
           <a:p>
@@ -7360,85 +7517,89 @@
               <a:buNone/>
             </a:pPr>
             <a:r>
-              <a:rPr b="1"/>
+              <a:rPr b="1" dirty="0"/>
               <a:t>Nonparametric model</a:t>
             </a:r>
             <a:r>
+              <a:rPr dirty="0"/>
               <a:t> not based on a parametric likelihood</a:t>
             </a:r>
           </a:p>
           <a:p>
             <a:pPr lvl="0"/>
             <a:r>
+              <a:rPr dirty="0"/>
               <a:t>Use an </a:t>
             </a:r>
             <a:r>
-              <a:rPr b="1"/>
+              <a:rPr b="1" dirty="0"/>
               <a:t>empirical distribution</a:t>
             </a:r>
             <a:r>
+              <a:rPr dirty="0"/>
               <a:t> estimated from observations</a:t>
             </a:r>
           </a:p>
           <a:p>
             <a:pPr lvl="1"/>
             <a:r>
+              <a:rPr dirty="0"/>
               <a:t>No likelihood model assumptions</a:t>
             </a:r>
           </a:p>
           <a:p>
             <a:pPr lvl="0"/>
             <a:r>
-              <a:t>Statistical properties estimated from this empirical distribution</a:t>
+              <a:rPr dirty="0"/>
+              <a:t>Statistical properties estimated from empirical distribution</a:t>
             </a:r>
           </a:p>
           <a:p>
             <a:pPr lvl="1"/>
             <a:r>
+              <a:rPr dirty="0"/>
               <a:t>Potentially high variance estimates</a:t>
             </a:r>
-            <a:br/>
-            <a:endParaRPr/>
           </a:p>
           <a:p>
             <a:pPr lvl="1"/>
             <a:r>
+              <a:rPr dirty="0"/>
               <a:t>Need sufficient sample size</a:t>
             </a:r>
-            <a:br/>
-            <a:endParaRPr/>
           </a:p>
           <a:p>
             <a:pPr lvl="1"/>
             <a:r>
+              <a:rPr dirty="0"/>
               <a:t>Example, mean and variance estimates</a:t>
             </a:r>
           </a:p>
           <a:p>
             <a:pPr lvl="0"/>
             <a:r>
+              <a:rPr dirty="0"/>
               <a:t>Examples of nonparametric statistical estimators:</a:t>
             </a:r>
           </a:p>
           <a:p>
             <a:pPr lvl="1"/>
             <a:r>
+              <a:rPr dirty="0"/>
               <a:t>Permutation tests</a:t>
             </a:r>
-            <a:br/>
-            <a:endParaRPr/>
           </a:p>
           <a:p>
             <a:pPr lvl="1"/>
             <a:r>
+              <a:rPr dirty="0"/>
               <a:t>Jackknife estimates</a:t>
             </a:r>
-            <a:br/>
-            <a:endParaRPr/>
           </a:p>
           <a:p>
             <a:pPr lvl="1"/>
             <a:r>
+              <a:rPr dirty="0"/>
               <a:t>Nonparametric bootstrap</a:t>
             </a:r>
           </a:p>
@@ -7606,10 +7767,15 @@
                 <p:ph idx="1"/>
               </p:nvPr>
             </p:nvSpPr>
-            <p:spPr/>
+            <p:spPr>
+              <a:xfrm>
+                <a:off x="457200" y="1200150"/>
+                <a:ext cx="8229600" cy="3691163"/>
+              </a:xfrm>
+            </p:spPr>
             <p:txBody>
               <a:bodyPr>
-                <a:normAutofit fontScale="70000" lnSpcReduction="20000"/>
+                <a:normAutofit fontScale="85000" lnSpcReduction="20000"/>
               </a:bodyPr>
               <a:lstStyle/>
               <a:p>
@@ -7617,27 +7783,37 @@
                   <a:buNone/>
                 </a:pPr>
                 <a:r>
+                  <a:rPr dirty="0"/>
                   <a:t>Re-sampling methods are general and powerful but, there is no magic involved! There are pitfalls!</a:t>
                 </a:r>
               </a:p>
               <a:p>
                 <a:pPr lvl="0"/>
                 <a:r>
+                  <a:rPr dirty="0"/>
                   <a:t>If a sample is biased, the resampled statistic estimate based on that sample will be biased</a:t>
                 </a:r>
               </a:p>
               <a:p>
                 <a:pPr lvl="1"/>
                 <a:r>
+                  <a:rPr dirty="0"/>
                   <a:t>Results can be no better than the sample you start with</a:t>
                 </a:r>
-                <a:br/>
-                <a:endParaRPr/>
               </a:p>
               <a:p>
                 <a:pPr lvl="1"/>
                 <a:r>
-                  <a:t>Example; the bootstrap estimate of mean is a sample estimate, </a:t>
+                  <a:rPr dirty="0"/>
+                  <a:t>Example; the bootstrap estimate of mean is </a:t>
+                </a:r>
+                <a:r>
+                  <a:rPr lang="en-US" dirty="0"/>
+                  <a:t>the</a:t>
+                </a:r>
+                <a:r>
+                  <a:rPr dirty="0"/>
+                  <a:t> sample estimate, </a:t>
                 </a:r>
                 <a14:m>
                   <m:oMath xmlns:m="http://schemas.openxmlformats.org/officeDocument/2006/math">
@@ -7645,7 +7821,7 @@
                       <m:accPr>
                         <m:chr m:val="‾"/>
                         <m:ctrlPr>
-                          <a:rPr>
+                          <a:rPr i="1">
                             <a:latin typeface="Cambria Math" panose="02040503050406030204" pitchFamily="18" charset="0"/>
                           </a:rPr>
                         </m:ctrlPr>
@@ -7662,6 +7838,7 @@
                   </m:oMath>
                 </a14:m>
                 <a:r>
+                  <a:rPr dirty="0"/>
                   <a:t>, not the population parameter, </a:t>
                 </a:r>
                 <a14:m>
@@ -7674,39 +7851,40 @@
                     </m:r>
                   </m:oMath>
                 </a14:m>
-                <a:endParaRPr/>
+                <a:endParaRPr dirty="0"/>
               </a:p>
               <a:p>
                 <a:pPr lvl="0"/>
                 <a:r>
+                  <a:rPr dirty="0"/>
                   <a:t>The sample variance and CIs can be no better than the sample distribution allows</a:t>
                 </a:r>
               </a:p>
               <a:p>
                 <a:pPr lvl="1"/>
                 <a:r>
+                  <a:rPr dirty="0"/>
                   <a:t>Often higher variance than parametric models</a:t>
                 </a:r>
-                <a:br/>
-                <a:endParaRPr/>
               </a:p>
               <a:p>
                 <a:pPr lvl="1"/>
                 <a:r>
+                  <a:rPr dirty="0"/>
                   <a:t>Be suspicious of overly optimistic confidence intervals</a:t>
                 </a:r>
-                <a:br/>
-                <a:endParaRPr/>
               </a:p>
               <a:p>
                 <a:pPr lvl="1"/>
                 <a:r>
+                  <a:rPr dirty="0"/>
                   <a:t>CIs can be optimistically biased</a:t>
                 </a:r>
               </a:p>
               <a:p>
                 <a:pPr lvl="0"/>
                 <a:r>
+                  <a:rPr dirty="0"/>
                   <a:t>Are computationally intensive, but often highly parallelizable</a:t>
                 </a:r>
               </a:p>
@@ -7725,10 +7903,14 @@
               </p:nvPr>
             </p:nvSpPr>
             <p:spPr>
+              <a:xfrm>
+                <a:off x="457200" y="1200150"/>
+                <a:ext cx="8229600" cy="3691163"/>
+              </a:xfrm>
               <a:blipFill>
                 <a:blip r:embed="rId2"/>
                 <a:stretch>
-                  <a:fillRect l="-444" t="-1975" b="-1795"/>
+                  <a:fillRect l="-741" t="-2479" r="-963"/>
                 </a:stretch>
               </a:blipFill>
             </p:spPr>
@@ -7809,7 +7991,7 @@
         <p:spPr/>
         <p:txBody>
           <a:bodyPr>
-            <a:normAutofit fontScale="92500" lnSpcReduction="10000"/>
+            <a:normAutofit lnSpcReduction="10000"/>
           </a:bodyPr>
           <a:lstStyle/>
           <a:p>
@@ -7817,38 +7999,42 @@
               <a:buNone/>
             </a:pPr>
             <a:r>
+              <a:rPr dirty="0"/>
               <a:t>The goal of frequentist statistics is to compute a point estimate and confidence interval</a:t>
             </a:r>
           </a:p>
           <a:p>
             <a:pPr lvl="0"/>
             <a:r>
+              <a:rPr dirty="0"/>
               <a:t>Point estimate is the single most likely value for a statistic</a:t>
             </a:r>
           </a:p>
           <a:p>
             <a:pPr lvl="1"/>
             <a:r>
+              <a:rPr dirty="0"/>
               <a:t>Confidence interval expresses the uncertainty of the point estimate</a:t>
             </a:r>
           </a:p>
           <a:p>
             <a:pPr lvl="0"/>
             <a:r>
+              <a:rPr dirty="0"/>
               <a:t>Parametric confidence interval based on the properties of some assumed probability distribution</a:t>
             </a:r>
           </a:p>
           <a:p>
             <a:pPr lvl="1"/>
             <a:r>
+              <a:rPr dirty="0"/>
               <a:t>Are there alternatives to this classical frequentist approach?</a:t>
             </a:r>
-            <a:br/>
-            <a:endParaRPr/>
           </a:p>
           <a:p>
             <a:pPr lvl="1"/>
             <a:r>
+              <a:rPr dirty="0"/>
               <a:t>Here we focus on bootstrap methods which do not require explicit probability model</a:t>
             </a:r>
           </a:p>
@@ -7913,10 +8099,15 @@
             <p:ph idx="1"/>
           </p:nvPr>
         </p:nvSpPr>
-        <p:spPr/>
+        <p:spPr>
+          <a:xfrm>
+            <a:off x="457200" y="1200150"/>
+            <a:ext cx="8229600" cy="3560535"/>
+          </a:xfrm>
+        </p:spPr>
         <p:txBody>
           <a:bodyPr>
-            <a:normAutofit fontScale="85000" lnSpcReduction="20000"/>
+            <a:normAutofit fontScale="85000" lnSpcReduction="10000"/>
           </a:bodyPr>
           <a:lstStyle/>
           <a:p>
@@ -7924,55 +8115,61 @@
               <a:buNone/>
             </a:pPr>
             <a:r>
+              <a:rPr dirty="0"/>
               <a:t>Rather than computing a point estimate directly, bootstrap methods compute a bootstrap distribution of a statistic</a:t>
             </a:r>
           </a:p>
           <a:p>
             <a:pPr lvl="0"/>
             <a:r>
+              <a:rPr dirty="0"/>
               <a:t>Bootstrap distribution is comprised of values of the statistic computed from bootstrap resamples of the original observations (data sample)</a:t>
             </a:r>
           </a:p>
           <a:p>
             <a:pPr lvl="0"/>
             <a:r>
+              <a:rPr dirty="0"/>
               <a:t>Computing bootstrap distribution requires </a:t>
             </a:r>
             <a:r>
-              <a:rPr b="1"/>
+              <a:rPr b="1" dirty="0"/>
               <a:t>no assumptions about population distribution!</a:t>
             </a:r>
           </a:p>
           <a:p>
             <a:pPr lvl="1"/>
             <a:r>
+              <a:rPr dirty="0"/>
               <a:t>Bootstrap resampling substitutes computer power for paper and pencil statistician power</a:t>
             </a:r>
           </a:p>
           <a:p>
             <a:pPr lvl="0"/>
             <a:r>
+              <a:rPr dirty="0"/>
               <a:t>Bootstrap resampling estimates the </a:t>
             </a:r>
             <a:r>
-              <a:rPr b="1"/>
+              <a:rPr b="1" dirty="0"/>
               <a:t>bootstrap distribution</a:t>
             </a:r>
             <a:r>
+              <a:rPr dirty="0"/>
               <a:t> of a statistic</a:t>
             </a:r>
           </a:p>
           <a:p>
             <a:pPr lvl="1"/>
             <a:r>
+              <a:rPr dirty="0"/>
               <a:t>Compute mostly likely point estimate of the statistic, or bootstrap estimate</a:t>
             </a:r>
-            <a:br/>
-            <a:endParaRPr/>
           </a:p>
           <a:p>
             <a:pPr lvl="1"/>
             <a:r>
+              <a:rPr dirty="0"/>
               <a:t>The bootstrap confidence interval is computed from the bootstrap distribution</a:t>
             </a:r>
           </a:p>

--- a/LectureSlides/06b_IntroductionToBootstrap.pptx
+++ b/LectureSlides/06b_IntroductionToBootstrap.pptx
@@ -4,6 +4,9 @@
   <p:sldMasterIdLst>
     <p:sldMasterId id="2147483648" r:id="rId1"/>
   </p:sldMasterIdLst>
+  <p:notesMasterIdLst>
+    <p:notesMasterId r:id="rId30"/>
+  </p:notesMasterIdLst>
   <p:sldIdLst>
     <p:sldId id="299" r:id="rId2"/>
     <p:sldId id="257" r:id="rId3"/>
@@ -16,8 +19,8 @@
     <p:sldId id="264" r:id="rId10"/>
     <p:sldId id="265" r:id="rId11"/>
     <p:sldId id="266" r:id="rId12"/>
-    <p:sldId id="267" r:id="rId13"/>
-    <p:sldId id="268" r:id="rId14"/>
+    <p:sldId id="256" r:id="rId13"/>
+    <p:sldId id="267" r:id="rId14"/>
     <p:sldId id="269" r:id="rId15"/>
     <p:sldId id="270" r:id="rId16"/>
     <p:sldId id="271" r:id="rId17"/>
@@ -150,6 +153,442 @@
 </p:presentation>
 </file>
 
+<file path=ppt/notesMasters/notesMaster1.xml><?xml version="1.0" encoding="utf-8"?>
+<p:notesMaster xmlns:a="http://schemas.openxmlformats.org/drawingml/2006/main" xmlns:r="http://schemas.openxmlformats.org/officeDocument/2006/relationships" xmlns:p="http://schemas.openxmlformats.org/presentationml/2006/main">
+  <p:cSld>
+    <p:bg>
+      <p:bgRef idx="1001">
+        <a:schemeClr val="bg1"/>
+      </p:bgRef>
+    </p:bg>
+    <p:spTree>
+      <p:nvGrpSpPr>
+        <p:cNvPr id="1" name=""/>
+        <p:cNvGrpSpPr/>
+        <p:nvPr/>
+      </p:nvGrpSpPr>
+      <p:grpSpPr>
+        <a:xfrm>
+          <a:off x="0" y="0"/>
+          <a:ext cx="0" cy="0"/>
+          <a:chOff x="0" y="0"/>
+          <a:chExt cx="0" cy="0"/>
+        </a:xfrm>
+      </p:grpSpPr>
+      <p:sp>
+        <p:nvSpPr>
+          <p:cNvPr id="2" name="Header Placeholder 1"/>
+          <p:cNvSpPr>
+            <a:spLocks noGrp="1"/>
+          </p:cNvSpPr>
+          <p:nvPr>
+            <p:ph type="hdr" sz="quarter"/>
+          </p:nvPr>
+        </p:nvSpPr>
+        <p:spPr>
+          <a:xfrm>
+            <a:off x="0" y="0"/>
+            <a:ext cx="2971800" cy="458788"/>
+          </a:xfrm>
+          <a:prstGeom prst="rect">
+            <a:avLst/>
+          </a:prstGeom>
+        </p:spPr>
+        <p:txBody>
+          <a:bodyPr vert="horz" lIns="91440" tIns="45720" rIns="91440" bIns="45720" rtlCol="0"/>
+          <a:lstStyle>
+            <a:lvl1pPr algn="l">
+              <a:defRPr sz="1200"/>
+            </a:lvl1pPr>
+          </a:lstStyle>
+          <a:p>
+            <a:endParaRPr lang="en-US"/>
+          </a:p>
+        </p:txBody>
+      </p:sp>
+      <p:sp>
+        <p:nvSpPr>
+          <p:cNvPr id="3" name="Date Placeholder 2"/>
+          <p:cNvSpPr>
+            <a:spLocks noGrp="1"/>
+          </p:cNvSpPr>
+          <p:nvPr>
+            <p:ph type="dt" idx="1"/>
+          </p:nvPr>
+        </p:nvSpPr>
+        <p:spPr>
+          <a:xfrm>
+            <a:off x="3884613" y="0"/>
+            <a:ext cx="2971800" cy="458788"/>
+          </a:xfrm>
+          <a:prstGeom prst="rect">
+            <a:avLst/>
+          </a:prstGeom>
+        </p:spPr>
+        <p:txBody>
+          <a:bodyPr vert="horz" lIns="91440" tIns="45720" rIns="91440" bIns="45720" rtlCol="0"/>
+          <a:lstStyle>
+            <a:lvl1pPr algn="r">
+              <a:defRPr sz="1200"/>
+            </a:lvl1pPr>
+          </a:lstStyle>
+          <a:p>
+            <a:fld id="{04109FAC-1BEC-4087-B676-5D9DDF25C61E}" type="datetimeFigureOut">
+              <a:rPr lang="en-US" smtClean="0"/>
+              <a:t>9/15/2024</a:t>
+            </a:fld>
+            <a:endParaRPr lang="en-US"/>
+          </a:p>
+        </p:txBody>
+      </p:sp>
+      <p:sp>
+        <p:nvSpPr>
+          <p:cNvPr id="4" name="Slide Image Placeholder 3"/>
+          <p:cNvSpPr>
+            <a:spLocks noGrp="1" noRot="1" noChangeAspect="1"/>
+          </p:cNvSpPr>
+          <p:nvPr>
+            <p:ph type="sldImg" idx="2"/>
+          </p:nvPr>
+        </p:nvSpPr>
+        <p:spPr>
+          <a:xfrm>
+            <a:off x="685800" y="1143000"/>
+            <a:ext cx="5486400" cy="3086100"/>
+          </a:xfrm>
+          <a:prstGeom prst="rect">
+            <a:avLst/>
+          </a:prstGeom>
+          <a:noFill/>
+          <a:ln w="12700">
+            <a:solidFill>
+              <a:prstClr val="black"/>
+            </a:solidFill>
+          </a:ln>
+        </p:spPr>
+        <p:txBody>
+          <a:bodyPr vert="horz" lIns="91440" tIns="45720" rIns="91440" bIns="45720" rtlCol="0" anchor="ctr"/>
+          <a:lstStyle/>
+          <a:p>
+            <a:endParaRPr lang="en-US"/>
+          </a:p>
+        </p:txBody>
+      </p:sp>
+      <p:sp>
+        <p:nvSpPr>
+          <p:cNvPr id="5" name="Notes Placeholder 4"/>
+          <p:cNvSpPr>
+            <a:spLocks noGrp="1"/>
+          </p:cNvSpPr>
+          <p:nvPr>
+            <p:ph type="body" sz="quarter" idx="3"/>
+          </p:nvPr>
+        </p:nvSpPr>
+        <p:spPr>
+          <a:xfrm>
+            <a:off x="685800" y="4400550"/>
+            <a:ext cx="5486400" cy="3600450"/>
+          </a:xfrm>
+          <a:prstGeom prst="rect">
+            <a:avLst/>
+          </a:prstGeom>
+        </p:spPr>
+        <p:txBody>
+          <a:bodyPr vert="horz" lIns="91440" tIns="45720" rIns="91440" bIns="45720" rtlCol="0"/>
+          <a:lstStyle/>
+          <a:p>
+            <a:pPr lvl="0"/>
+            <a:r>
+              <a:rPr lang="en-US"/>
+              <a:t>Click to edit Master text styles</a:t>
+            </a:r>
+          </a:p>
+          <a:p>
+            <a:pPr lvl="1"/>
+            <a:r>
+              <a:rPr lang="en-US"/>
+              <a:t>Second level</a:t>
+            </a:r>
+          </a:p>
+          <a:p>
+            <a:pPr lvl="2"/>
+            <a:r>
+              <a:rPr lang="en-US"/>
+              <a:t>Third level</a:t>
+            </a:r>
+          </a:p>
+          <a:p>
+            <a:pPr lvl="3"/>
+            <a:r>
+              <a:rPr lang="en-US"/>
+              <a:t>Fourth level</a:t>
+            </a:r>
+          </a:p>
+          <a:p>
+            <a:pPr lvl="4"/>
+            <a:r>
+              <a:rPr lang="en-US"/>
+              <a:t>Fifth level</a:t>
+            </a:r>
+          </a:p>
+        </p:txBody>
+      </p:sp>
+      <p:sp>
+        <p:nvSpPr>
+          <p:cNvPr id="6" name="Footer Placeholder 5"/>
+          <p:cNvSpPr>
+            <a:spLocks noGrp="1"/>
+          </p:cNvSpPr>
+          <p:nvPr>
+            <p:ph type="ftr" sz="quarter" idx="4"/>
+          </p:nvPr>
+        </p:nvSpPr>
+        <p:spPr>
+          <a:xfrm>
+            <a:off x="0" y="8685213"/>
+            <a:ext cx="2971800" cy="458787"/>
+          </a:xfrm>
+          <a:prstGeom prst="rect">
+            <a:avLst/>
+          </a:prstGeom>
+        </p:spPr>
+        <p:txBody>
+          <a:bodyPr vert="horz" lIns="91440" tIns="45720" rIns="91440" bIns="45720" rtlCol="0" anchor="b"/>
+          <a:lstStyle>
+            <a:lvl1pPr algn="l">
+              <a:defRPr sz="1200"/>
+            </a:lvl1pPr>
+          </a:lstStyle>
+          <a:p>
+            <a:endParaRPr lang="en-US"/>
+          </a:p>
+        </p:txBody>
+      </p:sp>
+      <p:sp>
+        <p:nvSpPr>
+          <p:cNvPr id="7" name="Slide Number Placeholder 6"/>
+          <p:cNvSpPr>
+            <a:spLocks noGrp="1"/>
+          </p:cNvSpPr>
+          <p:nvPr>
+            <p:ph type="sldNum" sz="quarter" idx="5"/>
+          </p:nvPr>
+        </p:nvSpPr>
+        <p:spPr>
+          <a:xfrm>
+            <a:off x="3884613" y="8685213"/>
+            <a:ext cx="2971800" cy="458787"/>
+          </a:xfrm>
+          <a:prstGeom prst="rect">
+            <a:avLst/>
+          </a:prstGeom>
+        </p:spPr>
+        <p:txBody>
+          <a:bodyPr vert="horz" lIns="91440" tIns="45720" rIns="91440" bIns="45720" rtlCol="0" anchor="b"/>
+          <a:lstStyle>
+            <a:lvl1pPr algn="r">
+              <a:defRPr sz="1200"/>
+            </a:lvl1pPr>
+          </a:lstStyle>
+          <a:p>
+            <a:fld id="{C190234C-2B15-41C7-8B44-0762390C23D2}" type="slidenum">
+              <a:rPr lang="en-US" smtClean="0"/>
+              <a:t>‹#›</a:t>
+            </a:fld>
+            <a:endParaRPr lang="en-US"/>
+          </a:p>
+        </p:txBody>
+      </p:sp>
+    </p:spTree>
+    <p:extLst>
+      <p:ext uri="{BB962C8B-B14F-4D97-AF65-F5344CB8AC3E}">
+        <p14:creationId xmlns:p14="http://schemas.microsoft.com/office/powerpoint/2010/main" val="1975880001"/>
+      </p:ext>
+    </p:extLst>
+  </p:cSld>
+  <p:clrMap bg1="lt1" tx1="dk1" bg2="lt2" tx2="dk2" accent1="accent1" accent2="accent2" accent3="accent3" accent4="accent4" accent5="accent5" accent6="accent6" hlink="hlink" folHlink="folHlink"/>
+  <p:notesStyle>
+    <a:lvl1pPr marL="0" algn="l" defTabSz="914400" rtl="0" eaLnBrk="1" latinLnBrk="0" hangingPunct="1">
+      <a:defRPr sz="1200" kern="1200">
+        <a:solidFill>
+          <a:schemeClr val="tx1"/>
+        </a:solidFill>
+        <a:latin typeface="+mn-lt"/>
+        <a:ea typeface="+mn-ea"/>
+        <a:cs typeface="+mn-cs"/>
+      </a:defRPr>
+    </a:lvl1pPr>
+    <a:lvl2pPr marL="457200" algn="l" defTabSz="914400" rtl="0" eaLnBrk="1" latinLnBrk="0" hangingPunct="1">
+      <a:defRPr sz="1200" kern="1200">
+        <a:solidFill>
+          <a:schemeClr val="tx1"/>
+        </a:solidFill>
+        <a:latin typeface="+mn-lt"/>
+        <a:ea typeface="+mn-ea"/>
+        <a:cs typeface="+mn-cs"/>
+      </a:defRPr>
+    </a:lvl2pPr>
+    <a:lvl3pPr marL="914400" algn="l" defTabSz="914400" rtl="0" eaLnBrk="1" latinLnBrk="0" hangingPunct="1">
+      <a:defRPr sz="1200" kern="1200">
+        <a:solidFill>
+          <a:schemeClr val="tx1"/>
+        </a:solidFill>
+        <a:latin typeface="+mn-lt"/>
+        <a:ea typeface="+mn-ea"/>
+        <a:cs typeface="+mn-cs"/>
+      </a:defRPr>
+    </a:lvl3pPr>
+    <a:lvl4pPr marL="1371600" algn="l" defTabSz="914400" rtl="0" eaLnBrk="1" latinLnBrk="0" hangingPunct="1">
+      <a:defRPr sz="1200" kern="1200">
+        <a:solidFill>
+          <a:schemeClr val="tx1"/>
+        </a:solidFill>
+        <a:latin typeface="+mn-lt"/>
+        <a:ea typeface="+mn-ea"/>
+        <a:cs typeface="+mn-cs"/>
+      </a:defRPr>
+    </a:lvl4pPr>
+    <a:lvl5pPr marL="1828800" algn="l" defTabSz="914400" rtl="0" eaLnBrk="1" latinLnBrk="0" hangingPunct="1">
+      <a:defRPr sz="1200" kern="1200">
+        <a:solidFill>
+          <a:schemeClr val="tx1"/>
+        </a:solidFill>
+        <a:latin typeface="+mn-lt"/>
+        <a:ea typeface="+mn-ea"/>
+        <a:cs typeface="+mn-cs"/>
+      </a:defRPr>
+    </a:lvl5pPr>
+    <a:lvl6pPr marL="2286000" algn="l" defTabSz="914400" rtl="0" eaLnBrk="1" latinLnBrk="0" hangingPunct="1">
+      <a:defRPr sz="1200" kern="1200">
+        <a:solidFill>
+          <a:schemeClr val="tx1"/>
+        </a:solidFill>
+        <a:latin typeface="+mn-lt"/>
+        <a:ea typeface="+mn-ea"/>
+        <a:cs typeface="+mn-cs"/>
+      </a:defRPr>
+    </a:lvl6pPr>
+    <a:lvl7pPr marL="2743200" algn="l" defTabSz="914400" rtl="0" eaLnBrk="1" latinLnBrk="0" hangingPunct="1">
+      <a:defRPr sz="1200" kern="1200">
+        <a:solidFill>
+          <a:schemeClr val="tx1"/>
+        </a:solidFill>
+        <a:latin typeface="+mn-lt"/>
+        <a:ea typeface="+mn-ea"/>
+        <a:cs typeface="+mn-cs"/>
+      </a:defRPr>
+    </a:lvl7pPr>
+    <a:lvl8pPr marL="3200400" algn="l" defTabSz="914400" rtl="0" eaLnBrk="1" latinLnBrk="0" hangingPunct="1">
+      <a:defRPr sz="1200" kern="1200">
+        <a:solidFill>
+          <a:schemeClr val="tx1"/>
+        </a:solidFill>
+        <a:latin typeface="+mn-lt"/>
+        <a:ea typeface="+mn-ea"/>
+        <a:cs typeface="+mn-cs"/>
+      </a:defRPr>
+    </a:lvl8pPr>
+    <a:lvl9pPr marL="3657600" algn="l" defTabSz="914400" rtl="0" eaLnBrk="1" latinLnBrk="0" hangingPunct="1">
+      <a:defRPr sz="1200" kern="1200">
+        <a:solidFill>
+          <a:schemeClr val="tx1"/>
+        </a:solidFill>
+        <a:latin typeface="+mn-lt"/>
+        <a:ea typeface="+mn-ea"/>
+        <a:cs typeface="+mn-cs"/>
+      </a:defRPr>
+    </a:lvl9pPr>
+  </p:notesStyle>
+</p:notesMaster>
+</file>
+
+<file path=ppt/notesSlides/notesSlide1.xml><?xml version="1.0" encoding="utf-8"?>
+<p:notes xmlns:a="http://schemas.openxmlformats.org/drawingml/2006/main" xmlns:r="http://schemas.openxmlformats.org/officeDocument/2006/relationships" xmlns:p="http://schemas.openxmlformats.org/presentationml/2006/main">
+  <p:cSld>
+    <p:spTree>
+      <p:nvGrpSpPr>
+        <p:cNvPr id="1" name=""/>
+        <p:cNvGrpSpPr/>
+        <p:nvPr/>
+      </p:nvGrpSpPr>
+      <p:grpSpPr>
+        <a:xfrm>
+          <a:off x="0" y="0"/>
+          <a:ext cx="0" cy="0"/>
+          <a:chOff x="0" y="0"/>
+          <a:chExt cx="0" cy="0"/>
+        </a:xfrm>
+      </p:grpSpPr>
+      <p:sp>
+        <p:nvSpPr>
+          <p:cNvPr id="2" name="Slide Image Placeholder 1"/>
+          <p:cNvSpPr>
+            <a:spLocks noGrp="1" noRot="1" noChangeAspect="1"/>
+          </p:cNvSpPr>
+          <p:nvPr>
+            <p:ph type="sldImg"/>
+          </p:nvPr>
+        </p:nvSpPr>
+        <p:spPr/>
+      </p:sp>
+      <p:sp>
+        <p:nvSpPr>
+          <p:cNvPr id="3" name="Notes Placeholder 2"/>
+          <p:cNvSpPr>
+            <a:spLocks noGrp="1"/>
+          </p:cNvSpPr>
+          <p:nvPr>
+            <p:ph type="body" idx="1"/>
+          </p:nvPr>
+        </p:nvSpPr>
+        <p:spPr/>
+        <p:txBody>
+          <a:bodyPr/>
+          <a:lstStyle/>
+          <a:p>
+            <a:r>
+              <a:rPr lang="en-US" dirty="0"/>
+              <a:t>0</a:t>
+            </a:r>
+          </a:p>
+        </p:txBody>
+      </p:sp>
+      <p:sp>
+        <p:nvSpPr>
+          <p:cNvPr id="4" name="Slide Number Placeholder 3"/>
+          <p:cNvSpPr>
+            <a:spLocks noGrp="1"/>
+          </p:cNvSpPr>
+          <p:nvPr>
+            <p:ph type="sldNum" sz="quarter" idx="5"/>
+          </p:nvPr>
+        </p:nvSpPr>
+        <p:spPr/>
+        <p:txBody>
+          <a:bodyPr/>
+          <a:lstStyle/>
+          <a:p>
+            <a:fld id="{C190234C-2B15-41C7-8B44-0762390C23D2}" type="slidenum">
+              <a:rPr lang="en-US" smtClean="0"/>
+              <a:t>17</a:t>
+            </a:fld>
+            <a:endParaRPr lang="en-US"/>
+          </a:p>
+        </p:txBody>
+      </p:sp>
+    </p:spTree>
+    <p:extLst>
+      <p:ext uri="{BB962C8B-B14F-4D97-AF65-F5344CB8AC3E}">
+        <p14:creationId xmlns:p14="http://schemas.microsoft.com/office/powerpoint/2010/main" val="1290478481"/>
+      </p:ext>
+    </p:extLst>
+  </p:cSld>
+  <p:clrMapOvr>
+    <a:masterClrMapping/>
+  </p:clrMapOvr>
+</p:notes>
+</file>
+
 <file path=ppt/slideLayouts/slideLayout1.xml><?xml version="1.0" encoding="utf-8"?>
 <p:sldLayout xmlns:a="http://schemas.openxmlformats.org/drawingml/2006/main" xmlns:r="http://schemas.openxmlformats.org/officeDocument/2006/relationships" xmlns:p="http://schemas.openxmlformats.org/presentationml/2006/main" type="title" preserve="1">
   <p:cSld name="Title Slide">
@@ -329,7 +768,7 @@
           <a:p>
             <a:fld id="{241EB5C9-1307-BA42-ABA2-0BC069CD8E7F}" type="datetimeFigureOut">
               <a:rPr lang="en-US" smtClean="0"/>
-              <a:t>9/11/2024</a:t>
+              <a:t>9/15/2024</a:t>
             </a:fld>
             <a:endParaRPr lang="en-US"/>
           </a:p>
@@ -497,7 +936,7 @@
           <a:p>
             <a:fld id="{241EB5C9-1307-BA42-ABA2-0BC069CD8E7F}" type="datetimeFigureOut">
               <a:rPr lang="en-US" smtClean="0"/>
-              <a:t>9/11/2024</a:t>
+              <a:t>9/15/2024</a:t>
             </a:fld>
             <a:endParaRPr lang="en-US"/>
           </a:p>
@@ -675,7 +1114,7 @@
           <a:p>
             <a:fld id="{241EB5C9-1307-BA42-ABA2-0BC069CD8E7F}" type="datetimeFigureOut">
               <a:rPr lang="en-US" smtClean="0"/>
-              <a:t>9/11/2024</a:t>
+              <a:t>9/15/2024</a:t>
             </a:fld>
             <a:endParaRPr lang="en-US"/>
           </a:p>
@@ -843,7 +1282,7 @@
           <a:p>
             <a:fld id="{241EB5C9-1307-BA42-ABA2-0BC069CD8E7F}" type="datetimeFigureOut">
               <a:rPr lang="en-US" smtClean="0"/>
-              <a:t>9/11/2024</a:t>
+              <a:t>9/15/2024</a:t>
             </a:fld>
             <a:endParaRPr lang="en-US"/>
           </a:p>
@@ -1088,7 +1527,7 @@
           <a:p>
             <a:fld id="{241EB5C9-1307-BA42-ABA2-0BC069CD8E7F}" type="datetimeFigureOut">
               <a:rPr lang="en-US" smtClean="0"/>
-              <a:t>9/11/2024</a:t>
+              <a:t>9/15/2024</a:t>
             </a:fld>
             <a:endParaRPr lang="en-US"/>
           </a:p>
@@ -1373,7 +1812,7 @@
           <a:p>
             <a:fld id="{241EB5C9-1307-BA42-ABA2-0BC069CD8E7F}" type="datetimeFigureOut">
               <a:rPr lang="en-US" smtClean="0"/>
-              <a:t>9/11/2024</a:t>
+              <a:t>9/15/2024</a:t>
             </a:fld>
             <a:endParaRPr lang="en-US"/>
           </a:p>
@@ -1792,7 +2231,7 @@
           <a:p>
             <a:fld id="{241EB5C9-1307-BA42-ABA2-0BC069CD8E7F}" type="datetimeFigureOut">
               <a:rPr lang="en-US" smtClean="0"/>
-              <a:t>9/11/2024</a:t>
+              <a:t>9/15/2024</a:t>
             </a:fld>
             <a:endParaRPr lang="en-US"/>
           </a:p>
@@ -1909,7 +2348,7 @@
           <a:p>
             <a:fld id="{241EB5C9-1307-BA42-ABA2-0BC069CD8E7F}" type="datetimeFigureOut">
               <a:rPr lang="en-US" smtClean="0"/>
-              <a:t>9/11/2024</a:t>
+              <a:t>9/15/2024</a:t>
             </a:fld>
             <a:endParaRPr lang="en-US"/>
           </a:p>
@@ -2004,7 +2443,7 @@
           <a:p>
             <a:fld id="{241EB5C9-1307-BA42-ABA2-0BC069CD8E7F}" type="datetimeFigureOut">
               <a:rPr lang="en-US" smtClean="0"/>
-              <a:t>9/11/2024</a:t>
+              <a:t>9/15/2024</a:t>
             </a:fld>
             <a:endParaRPr lang="en-US"/>
           </a:p>
@@ -2279,7 +2718,7 @@
           <a:p>
             <a:fld id="{241EB5C9-1307-BA42-ABA2-0BC069CD8E7F}" type="datetimeFigureOut">
               <a:rPr lang="en-US" smtClean="0"/>
-              <a:t>9/11/2024</a:t>
+              <a:t>9/15/2024</a:t>
             </a:fld>
             <a:endParaRPr lang="en-US"/>
           </a:p>
@@ -2531,7 +2970,7 @@
           <a:p>
             <a:fld id="{241EB5C9-1307-BA42-ABA2-0BC069CD8E7F}" type="datetimeFigureOut">
               <a:rPr lang="en-US" smtClean="0"/>
-              <a:t>9/11/2024</a:t>
+              <a:t>9/15/2024</a:t>
             </a:fld>
             <a:endParaRPr lang="en-US"/>
           </a:p>
@@ -2742,7 +3181,7 @@
           <a:p>
             <a:fld id="{241EB5C9-1307-BA42-ABA2-0BC069CD8E7F}" type="datetimeFigureOut">
               <a:rPr lang="en-US" smtClean="0"/>
-              <a:t>9/11/2024</a:t>
+              <a:t>9/15/2024</a:t>
             </a:fld>
             <a:endParaRPr lang="en-US"/>
           </a:p>
@@ -3433,7 +3872,15 @@
             </a:pPr>
             <a:r>
               <a:rPr dirty="0"/>
-              <a:t>Resampling to estimate the bootstrap distribution of a statistic</a:t>
+              <a:t>Resampling estimate</a:t>
+            </a:r>
+            <a:r>
+              <a:rPr lang="en-US" dirty="0"/>
+              <a:t>s</a:t>
+            </a:r>
+            <a:r>
+              <a:rPr dirty="0"/>
+              <a:t> the bootstrap distribution of a statistic</a:t>
             </a:r>
           </a:p>
         </p:txBody>
@@ -3482,7 +3929,12 @@
               <a:buNone/>
             </a:pPr>
             <a:r>
-              <a:t>Overview of the Bootstrap Algorithm</a:t>
+              <a:rPr lang="en-US" dirty="0"/>
+              <a:t>One Sample </a:t>
+            </a:r>
+            <a:r>
+              <a:rPr dirty="0"/>
+              <a:t>Bootstrap Algorithm</a:t>
             </a:r>
           </a:p>
         </p:txBody>
@@ -3500,7 +3952,7 @@
         <p:spPr/>
         <p:txBody>
           <a:bodyPr>
-            <a:normAutofit fontScale="85000" lnSpcReduction="20000"/>
+            <a:normAutofit fontScale="92500"/>
           </a:bodyPr>
           <a:lstStyle/>
           <a:p>
@@ -3508,16 +3960,20 @@
               <a:buNone/>
             </a:pPr>
             <a:r>
+              <a:rPr lang="en-US" dirty="0"/>
+              <a:t>The bootstrap distribution is </a:t>
+            </a:r>
+            <a:r>
               <a:rPr dirty="0"/>
-              <a:t>The bootstrap method follows a simple algorithm</a:t>
+              <a:t>accumulated</a:t>
             </a:r>
             <a:r>
               <a:rPr lang="en-US" dirty="0"/>
-              <a:t> for</a:t>
+              <a:t> by this simple algorithm</a:t>
             </a:r>
             <a:r>
               <a:rPr dirty="0"/>
-              <a:t> the point estimate of a statistic accumulated by these steps:</a:t>
+              <a:t>:</a:t>
             </a:r>
           </a:p>
           <a:p>
@@ -3525,50 +3981,54 @@
               <a:buAutoNum type="arabicPeriod"/>
             </a:pPr>
             <a:r>
-              <a:rPr dirty="0"/>
-              <a:t>Randomly </a:t>
+              <a:rPr lang="en-US" dirty="0"/>
+              <a:t>From the n original observations, </a:t>
             </a:r>
             <a:r>
               <a:rPr b="1" dirty="0"/>
               <a:t>Bernoulli sample</a:t>
             </a:r>
             <a:r>
+              <a:rPr lang="en-US" b="1" dirty="0"/>
+              <a:t> with replacement</a:t>
+            </a:r>
+            <a:r>
               <a:rPr dirty="0"/>
-              <a:t> with size n </a:t>
-            </a:r>
+              <a:t> </a:t>
+            </a:r>
+            <a:r>
+              <a:rPr lang="en-US" dirty="0"/>
+              <a:t>sample </a:t>
+            </a:r>
+            <a:r>
+              <a:rPr dirty="0"/>
+              <a:t>size n</a:t>
+            </a:r>
+            <a:endParaRPr lang="en-US" dirty="0"/>
+          </a:p>
+          <a:p>
+            <a:pPr lvl="1"/>
             <a:r>
               <a:rPr b="1" dirty="0"/>
-              <a:t>with replacement</a:t>
-            </a:r>
-            <a:r>
-              <a:rPr dirty="0"/>
-              <a:t> from an original data sample of n values</a:t>
-            </a:r>
-            <a:endParaRPr lang="en-US" dirty="0"/>
-          </a:p>
-          <a:p>
-            <a:pPr lvl="1"/>
-            <a:r>
-              <a:rPr b="1" dirty="0"/>
-              <a:t>Resample is the same size </a:t>
-            </a:r>
-            <a:r>
-              <a:rPr dirty="0"/>
-              <a:t>as the original data sample</a:t>
-            </a:r>
-            <a:r>
-              <a:rPr lang="en-US" dirty="0"/>
+              <a:t>Resample is the same size as the original data sample</a:t>
+            </a:r>
+            <a:r>
+              <a:rPr lang="en-US" b="1" dirty="0"/>
               <a:t>!</a:t>
             </a:r>
-            <a:endParaRPr dirty="0"/>
+            <a:endParaRPr b="1" dirty="0"/>
           </a:p>
           <a:p>
             <a:pPr marL="342900" lvl="0" indent="-342900">
               <a:buAutoNum type="arabicPeriod"/>
             </a:pPr>
             <a:r>
+              <a:rPr lang="en-US" dirty="0"/>
+              <a:t>C</a:t>
+            </a:r>
+            <a:r>
               <a:rPr dirty="0"/>
-              <a:t>Re-compute the statistic </a:t>
+              <a:t>ompute the statistic </a:t>
             </a:r>
             <a:r>
               <a:rPr lang="en-US" dirty="0"/>
@@ -3576,7 +4036,15 @@
             </a:r>
             <a:r>
               <a:rPr dirty="0"/>
-              <a:t> each resample</a:t>
+              <a:t> </a:t>
+            </a:r>
+            <a:r>
+              <a:rPr lang="en-US" dirty="0"/>
+              <a:t>the</a:t>
+            </a:r>
+            <a:r>
+              <a:rPr dirty="0"/>
+              <a:t> resample</a:t>
             </a:r>
           </a:p>
           <a:p>
@@ -3594,24 +4062,15 @@
             </a:pPr>
             <a:r>
               <a:rPr dirty="0"/>
-              <a:t>Accumulated bootstrap values form the bootstrap distribution</a:t>
-            </a:r>
-            <a:endParaRPr lang="en-US" dirty="0"/>
-          </a:p>
-          <a:p>
-            <a:pPr lvl="1"/>
+              <a:t>The mean of the </a:t>
+            </a:r>
+            <a:r>
+              <a:rPr lang="en-US" dirty="0"/>
+              <a:t>bootstrap distribution</a:t>
+            </a:r>
             <a:r>
               <a:rPr dirty="0"/>
-              <a:t>An estimate of the sample distribution of the statistic</a:t>
-            </a:r>
-          </a:p>
-          <a:p>
-            <a:pPr marL="342900" lvl="0" indent="-342900">
-              <a:buAutoNum type="arabicPeriod"/>
-            </a:pPr>
-            <a:r>
-              <a:rPr dirty="0"/>
-              <a:t>The mean of the computed statistic values is the bootstrap point estimate of the statistic</a:t>
+              <a:t> is the bootstrap point estimate of the statistic</a:t>
             </a:r>
           </a:p>
         </p:txBody>
@@ -3643,114 +4102,4791 @@
       </p:grpSpPr>
       <p:sp>
         <p:nvSpPr>
-          <p:cNvPr id="2" name="Title 1"/>
-          <p:cNvSpPr>
-            <a:spLocks noGrp="1"/>
+          <p:cNvPr id="13" name="Rectangle 12">
+            <a:extLst>
+              <a:ext uri="{FF2B5EF4-FFF2-40B4-BE49-F238E27FC236}">
+                <a16:creationId xmlns:a16="http://schemas.microsoft.com/office/drawing/2014/main" id="{3D0B258A-9C65-4552-A7FC-F35801AA52B7}"/>
+              </a:ext>
+            </a:extLst>
+          </p:cNvPr>
+          <p:cNvSpPr/>
+          <p:nvPr/>
+        </p:nvSpPr>
+        <p:spPr>
+          <a:xfrm>
+            <a:off x="6427470" y="715010"/>
+            <a:ext cx="358140" cy="262890"/>
+          </a:xfrm>
+          <a:prstGeom prst="rect">
+            <a:avLst/>
+          </a:prstGeom>
+          <a:noFill/>
+          <a:ln w="19050">
+            <a:solidFill>
+              <a:schemeClr val="tx1"/>
+            </a:solidFill>
+          </a:ln>
+        </p:spPr>
+        <p:style>
+          <a:lnRef idx="2">
+            <a:schemeClr val="accent1">
+              <a:shade val="50000"/>
+            </a:schemeClr>
+          </a:lnRef>
+          <a:fillRef idx="1">
+            <a:schemeClr val="accent1"/>
+          </a:fillRef>
+          <a:effectRef idx="0">
+            <a:schemeClr val="accent1"/>
+          </a:effectRef>
+          <a:fontRef idx="minor">
+            <a:schemeClr val="lt1"/>
+          </a:fontRef>
+        </p:style>
+        <p:txBody>
+          <a:bodyPr rtlCol="0" anchor="ctr"/>
+          <a:lstStyle/>
+          <a:p>
+            <a:pPr algn="ctr"/>
+            <a:r>
+              <a:rPr lang="en-US" sz="1350" dirty="0">
+                <a:solidFill>
+                  <a:schemeClr val="tx1"/>
+                </a:solidFill>
+              </a:rPr>
+              <a:t>10</a:t>
+            </a:r>
+          </a:p>
+        </p:txBody>
+      </p:sp>
+      <p:sp>
+        <p:nvSpPr>
+          <p:cNvPr id="14" name="Rectangle 13">
+            <a:extLst>
+              <a:ext uri="{FF2B5EF4-FFF2-40B4-BE49-F238E27FC236}">
+                <a16:creationId xmlns:a16="http://schemas.microsoft.com/office/drawing/2014/main" id="{3A11ACB8-4BBD-42CD-AE23-B486F34B9532}"/>
+              </a:ext>
+            </a:extLst>
+          </p:cNvPr>
+          <p:cNvSpPr/>
+          <p:nvPr/>
+        </p:nvSpPr>
+        <p:spPr>
+          <a:xfrm>
+            <a:off x="3272790" y="715010"/>
+            <a:ext cx="350520" cy="262890"/>
+          </a:xfrm>
+          <a:prstGeom prst="rect">
+            <a:avLst/>
+          </a:prstGeom>
+          <a:noFill/>
+          <a:ln w="19050">
+            <a:solidFill>
+              <a:schemeClr val="tx1"/>
+            </a:solidFill>
+          </a:ln>
+        </p:spPr>
+        <p:style>
+          <a:lnRef idx="2">
+            <a:schemeClr val="accent1">
+              <a:shade val="50000"/>
+            </a:schemeClr>
+          </a:lnRef>
+          <a:fillRef idx="1">
+            <a:schemeClr val="accent1"/>
+          </a:fillRef>
+          <a:effectRef idx="0">
+            <a:schemeClr val="accent1"/>
+          </a:effectRef>
+          <a:fontRef idx="minor">
+            <a:schemeClr val="lt1"/>
+          </a:fontRef>
+        </p:style>
+        <p:txBody>
+          <a:bodyPr rtlCol="0" anchor="ctr"/>
+          <a:lstStyle/>
+          <a:p>
+            <a:pPr algn="ctr"/>
+            <a:r>
+              <a:rPr lang="en-US" sz="1350" dirty="0">
+                <a:solidFill>
+                  <a:schemeClr val="tx1"/>
+                </a:solidFill>
+              </a:rPr>
+              <a:t>1</a:t>
+            </a:r>
+          </a:p>
+        </p:txBody>
+      </p:sp>
+      <p:sp>
+        <p:nvSpPr>
+          <p:cNvPr id="15" name="Rectangle 14">
+            <a:extLst>
+              <a:ext uri="{FF2B5EF4-FFF2-40B4-BE49-F238E27FC236}">
+                <a16:creationId xmlns:a16="http://schemas.microsoft.com/office/drawing/2014/main" id="{77635CB6-C66D-41D6-9A5C-C8A719C5FE7B}"/>
+              </a:ext>
+            </a:extLst>
+          </p:cNvPr>
+          <p:cNvSpPr/>
+          <p:nvPr/>
+        </p:nvSpPr>
+        <p:spPr>
+          <a:xfrm>
+            <a:off x="3623310" y="715010"/>
+            <a:ext cx="350520" cy="262890"/>
+          </a:xfrm>
+          <a:prstGeom prst="rect">
+            <a:avLst/>
+          </a:prstGeom>
+          <a:noFill/>
+          <a:ln w="19050">
+            <a:solidFill>
+              <a:schemeClr val="tx1"/>
+            </a:solidFill>
+          </a:ln>
+        </p:spPr>
+        <p:style>
+          <a:lnRef idx="2">
+            <a:schemeClr val="accent1">
+              <a:shade val="50000"/>
+            </a:schemeClr>
+          </a:lnRef>
+          <a:fillRef idx="1">
+            <a:schemeClr val="accent1"/>
+          </a:fillRef>
+          <a:effectRef idx="0">
+            <a:schemeClr val="accent1"/>
+          </a:effectRef>
+          <a:fontRef idx="minor">
+            <a:schemeClr val="lt1"/>
+          </a:fontRef>
+        </p:style>
+        <p:txBody>
+          <a:bodyPr rtlCol="0" anchor="ctr"/>
+          <a:lstStyle/>
+          <a:p>
+            <a:pPr algn="ctr"/>
+            <a:r>
+              <a:rPr lang="en-US" sz="1350" dirty="0">
+                <a:solidFill>
+                  <a:schemeClr val="tx1"/>
+                </a:solidFill>
+              </a:rPr>
+              <a:t>2</a:t>
+            </a:r>
+          </a:p>
+        </p:txBody>
+      </p:sp>
+      <p:sp>
+        <p:nvSpPr>
+          <p:cNvPr id="16" name="Rectangle 15">
+            <a:extLst>
+              <a:ext uri="{FF2B5EF4-FFF2-40B4-BE49-F238E27FC236}">
+                <a16:creationId xmlns:a16="http://schemas.microsoft.com/office/drawing/2014/main" id="{6D119053-C88B-403C-B6B7-214BC7C96AC3}"/>
+              </a:ext>
+            </a:extLst>
+          </p:cNvPr>
+          <p:cNvSpPr/>
+          <p:nvPr/>
+        </p:nvSpPr>
+        <p:spPr>
+          <a:xfrm>
+            <a:off x="3973830" y="715010"/>
+            <a:ext cx="350520" cy="262890"/>
+          </a:xfrm>
+          <a:prstGeom prst="rect">
+            <a:avLst/>
+          </a:prstGeom>
+          <a:noFill/>
+          <a:ln w="19050">
+            <a:solidFill>
+              <a:schemeClr val="tx1"/>
+            </a:solidFill>
+          </a:ln>
+        </p:spPr>
+        <p:style>
+          <a:lnRef idx="2">
+            <a:schemeClr val="accent1">
+              <a:shade val="50000"/>
+            </a:schemeClr>
+          </a:lnRef>
+          <a:fillRef idx="1">
+            <a:schemeClr val="accent1"/>
+          </a:fillRef>
+          <a:effectRef idx="0">
+            <a:schemeClr val="accent1"/>
+          </a:effectRef>
+          <a:fontRef idx="minor">
+            <a:schemeClr val="lt1"/>
+          </a:fontRef>
+        </p:style>
+        <p:txBody>
+          <a:bodyPr rtlCol="0" anchor="ctr"/>
+          <a:lstStyle/>
+          <a:p>
+            <a:pPr algn="ctr"/>
+            <a:r>
+              <a:rPr lang="en-US" sz="1350" dirty="0">
+                <a:solidFill>
+                  <a:schemeClr val="tx1"/>
+                </a:solidFill>
+              </a:rPr>
+              <a:t>3</a:t>
+            </a:r>
+          </a:p>
+        </p:txBody>
+      </p:sp>
+      <p:sp>
+        <p:nvSpPr>
+          <p:cNvPr id="17" name="Rectangle 16">
+            <a:extLst>
+              <a:ext uri="{FF2B5EF4-FFF2-40B4-BE49-F238E27FC236}">
+                <a16:creationId xmlns:a16="http://schemas.microsoft.com/office/drawing/2014/main" id="{A041DE35-10EA-415D-9EE6-FE4523A8CD65}"/>
+              </a:ext>
+            </a:extLst>
+          </p:cNvPr>
+          <p:cNvSpPr/>
+          <p:nvPr/>
+        </p:nvSpPr>
+        <p:spPr>
+          <a:xfrm>
+            <a:off x="4324350" y="715010"/>
+            <a:ext cx="350520" cy="262890"/>
+          </a:xfrm>
+          <a:prstGeom prst="rect">
+            <a:avLst/>
+          </a:prstGeom>
+          <a:noFill/>
+          <a:ln w="19050">
+            <a:solidFill>
+              <a:schemeClr val="tx1"/>
+            </a:solidFill>
+          </a:ln>
+        </p:spPr>
+        <p:style>
+          <a:lnRef idx="2">
+            <a:schemeClr val="accent1">
+              <a:shade val="50000"/>
+            </a:schemeClr>
+          </a:lnRef>
+          <a:fillRef idx="1">
+            <a:schemeClr val="accent1"/>
+          </a:fillRef>
+          <a:effectRef idx="0">
+            <a:schemeClr val="accent1"/>
+          </a:effectRef>
+          <a:fontRef idx="minor">
+            <a:schemeClr val="lt1"/>
+          </a:fontRef>
+        </p:style>
+        <p:txBody>
+          <a:bodyPr rtlCol="0" anchor="ctr"/>
+          <a:lstStyle/>
+          <a:p>
+            <a:pPr algn="ctr"/>
+            <a:r>
+              <a:rPr lang="en-US" sz="1350" dirty="0">
+                <a:solidFill>
+                  <a:schemeClr val="tx1"/>
+                </a:solidFill>
+              </a:rPr>
+              <a:t>4</a:t>
+            </a:r>
+          </a:p>
+        </p:txBody>
+      </p:sp>
+      <p:sp>
+        <p:nvSpPr>
+          <p:cNvPr id="18" name="Rectangle 17">
+            <a:extLst>
+              <a:ext uri="{FF2B5EF4-FFF2-40B4-BE49-F238E27FC236}">
+                <a16:creationId xmlns:a16="http://schemas.microsoft.com/office/drawing/2014/main" id="{2B2AE916-A022-45BD-940A-0E09E65A0837}"/>
+              </a:ext>
+            </a:extLst>
+          </p:cNvPr>
+          <p:cNvSpPr/>
+          <p:nvPr/>
+        </p:nvSpPr>
+        <p:spPr>
+          <a:xfrm>
+            <a:off x="4674870" y="715010"/>
+            <a:ext cx="350520" cy="262890"/>
+          </a:xfrm>
+          <a:prstGeom prst="rect">
+            <a:avLst/>
+          </a:prstGeom>
+          <a:noFill/>
+          <a:ln w="19050">
+            <a:solidFill>
+              <a:schemeClr val="tx1"/>
+            </a:solidFill>
+          </a:ln>
+        </p:spPr>
+        <p:style>
+          <a:lnRef idx="2">
+            <a:schemeClr val="accent1">
+              <a:shade val="50000"/>
+            </a:schemeClr>
+          </a:lnRef>
+          <a:fillRef idx="1">
+            <a:schemeClr val="accent1"/>
+          </a:fillRef>
+          <a:effectRef idx="0">
+            <a:schemeClr val="accent1"/>
+          </a:effectRef>
+          <a:fontRef idx="minor">
+            <a:schemeClr val="lt1"/>
+          </a:fontRef>
+        </p:style>
+        <p:txBody>
+          <a:bodyPr rtlCol="0" anchor="ctr"/>
+          <a:lstStyle/>
+          <a:p>
+            <a:pPr algn="ctr"/>
+            <a:r>
+              <a:rPr lang="en-US" sz="1350" dirty="0">
+                <a:solidFill>
+                  <a:schemeClr val="tx1"/>
+                </a:solidFill>
+              </a:rPr>
+              <a:t>5</a:t>
+            </a:r>
+          </a:p>
+        </p:txBody>
+      </p:sp>
+      <p:sp>
+        <p:nvSpPr>
+          <p:cNvPr id="19" name="Rectangle 18">
+            <a:extLst>
+              <a:ext uri="{FF2B5EF4-FFF2-40B4-BE49-F238E27FC236}">
+                <a16:creationId xmlns:a16="http://schemas.microsoft.com/office/drawing/2014/main" id="{61CA27E7-5B7D-4FD5-88FC-99C7B30FA308}"/>
+              </a:ext>
+            </a:extLst>
+          </p:cNvPr>
+          <p:cNvSpPr/>
+          <p:nvPr/>
+        </p:nvSpPr>
+        <p:spPr>
+          <a:xfrm>
+            <a:off x="5025390" y="715010"/>
+            <a:ext cx="350520" cy="262890"/>
+          </a:xfrm>
+          <a:prstGeom prst="rect">
+            <a:avLst/>
+          </a:prstGeom>
+          <a:noFill/>
+          <a:ln w="19050">
+            <a:solidFill>
+              <a:schemeClr val="tx1"/>
+            </a:solidFill>
+          </a:ln>
+        </p:spPr>
+        <p:style>
+          <a:lnRef idx="2">
+            <a:schemeClr val="accent1">
+              <a:shade val="50000"/>
+            </a:schemeClr>
+          </a:lnRef>
+          <a:fillRef idx="1">
+            <a:schemeClr val="accent1"/>
+          </a:fillRef>
+          <a:effectRef idx="0">
+            <a:schemeClr val="accent1"/>
+          </a:effectRef>
+          <a:fontRef idx="minor">
+            <a:schemeClr val="lt1"/>
+          </a:fontRef>
+        </p:style>
+        <p:txBody>
+          <a:bodyPr rtlCol="0" anchor="ctr"/>
+          <a:lstStyle/>
+          <a:p>
+            <a:pPr algn="ctr"/>
+            <a:r>
+              <a:rPr lang="en-US" sz="1350" dirty="0">
+                <a:solidFill>
+                  <a:schemeClr val="tx1"/>
+                </a:solidFill>
+              </a:rPr>
+              <a:t>6</a:t>
+            </a:r>
+          </a:p>
+        </p:txBody>
+      </p:sp>
+      <p:sp>
+        <p:nvSpPr>
+          <p:cNvPr id="20" name="Rectangle 19">
+            <a:extLst>
+              <a:ext uri="{FF2B5EF4-FFF2-40B4-BE49-F238E27FC236}">
+                <a16:creationId xmlns:a16="http://schemas.microsoft.com/office/drawing/2014/main" id="{70400B7B-1A9F-4E83-83AA-053A67F1372A}"/>
+              </a:ext>
+            </a:extLst>
+          </p:cNvPr>
+          <p:cNvSpPr/>
+          <p:nvPr/>
+        </p:nvSpPr>
+        <p:spPr>
+          <a:xfrm>
+            <a:off x="5375910" y="715010"/>
+            <a:ext cx="350520" cy="262890"/>
+          </a:xfrm>
+          <a:prstGeom prst="rect">
+            <a:avLst/>
+          </a:prstGeom>
+          <a:noFill/>
+          <a:ln w="19050">
+            <a:solidFill>
+              <a:schemeClr val="tx1"/>
+            </a:solidFill>
+          </a:ln>
+        </p:spPr>
+        <p:style>
+          <a:lnRef idx="2">
+            <a:schemeClr val="accent1">
+              <a:shade val="50000"/>
+            </a:schemeClr>
+          </a:lnRef>
+          <a:fillRef idx="1">
+            <a:schemeClr val="accent1"/>
+          </a:fillRef>
+          <a:effectRef idx="0">
+            <a:schemeClr val="accent1"/>
+          </a:effectRef>
+          <a:fontRef idx="minor">
+            <a:schemeClr val="lt1"/>
+          </a:fontRef>
+        </p:style>
+        <p:txBody>
+          <a:bodyPr rtlCol="0" anchor="ctr"/>
+          <a:lstStyle/>
+          <a:p>
+            <a:pPr algn="ctr"/>
+            <a:r>
+              <a:rPr lang="en-US" sz="1350" dirty="0">
+                <a:solidFill>
+                  <a:schemeClr val="tx1"/>
+                </a:solidFill>
+              </a:rPr>
+              <a:t>7</a:t>
+            </a:r>
+          </a:p>
+        </p:txBody>
+      </p:sp>
+      <p:sp>
+        <p:nvSpPr>
+          <p:cNvPr id="21" name="Rectangle 20">
+            <a:extLst>
+              <a:ext uri="{FF2B5EF4-FFF2-40B4-BE49-F238E27FC236}">
+                <a16:creationId xmlns:a16="http://schemas.microsoft.com/office/drawing/2014/main" id="{916D4A64-9A7D-444E-B202-218C576A42D5}"/>
+              </a:ext>
+            </a:extLst>
+          </p:cNvPr>
+          <p:cNvSpPr/>
+          <p:nvPr/>
+        </p:nvSpPr>
+        <p:spPr>
+          <a:xfrm>
+            <a:off x="5726430" y="715010"/>
+            <a:ext cx="350520" cy="262890"/>
+          </a:xfrm>
+          <a:prstGeom prst="rect">
+            <a:avLst/>
+          </a:prstGeom>
+          <a:noFill/>
+          <a:ln w="19050">
+            <a:solidFill>
+              <a:schemeClr val="tx1"/>
+            </a:solidFill>
+          </a:ln>
+        </p:spPr>
+        <p:style>
+          <a:lnRef idx="2">
+            <a:schemeClr val="accent1">
+              <a:shade val="50000"/>
+            </a:schemeClr>
+          </a:lnRef>
+          <a:fillRef idx="1">
+            <a:schemeClr val="accent1"/>
+          </a:fillRef>
+          <a:effectRef idx="0">
+            <a:schemeClr val="accent1"/>
+          </a:effectRef>
+          <a:fontRef idx="minor">
+            <a:schemeClr val="lt1"/>
+          </a:fontRef>
+        </p:style>
+        <p:txBody>
+          <a:bodyPr rtlCol="0" anchor="ctr"/>
+          <a:lstStyle/>
+          <a:p>
+            <a:pPr algn="ctr"/>
+            <a:r>
+              <a:rPr lang="en-US" sz="1350" dirty="0">
+                <a:solidFill>
+                  <a:schemeClr val="tx1"/>
+                </a:solidFill>
+              </a:rPr>
+              <a:t>8</a:t>
+            </a:r>
+          </a:p>
+        </p:txBody>
+      </p:sp>
+      <p:sp>
+        <p:nvSpPr>
+          <p:cNvPr id="22" name="Rectangle 21">
+            <a:extLst>
+              <a:ext uri="{FF2B5EF4-FFF2-40B4-BE49-F238E27FC236}">
+                <a16:creationId xmlns:a16="http://schemas.microsoft.com/office/drawing/2014/main" id="{555703B9-FB5C-4A03-8FA9-D4FB73A115CA}"/>
+              </a:ext>
+            </a:extLst>
+          </p:cNvPr>
+          <p:cNvSpPr/>
+          <p:nvPr/>
+        </p:nvSpPr>
+        <p:spPr>
+          <a:xfrm>
+            <a:off x="6076950" y="715010"/>
+            <a:ext cx="350520" cy="262890"/>
+          </a:xfrm>
+          <a:prstGeom prst="rect">
+            <a:avLst/>
+          </a:prstGeom>
+          <a:noFill/>
+          <a:ln w="19050">
+            <a:solidFill>
+              <a:schemeClr val="tx1"/>
+            </a:solidFill>
+          </a:ln>
+        </p:spPr>
+        <p:style>
+          <a:lnRef idx="2">
+            <a:schemeClr val="accent1">
+              <a:shade val="50000"/>
+            </a:schemeClr>
+          </a:lnRef>
+          <a:fillRef idx="1">
+            <a:schemeClr val="accent1"/>
+          </a:fillRef>
+          <a:effectRef idx="0">
+            <a:schemeClr val="accent1"/>
+          </a:effectRef>
+          <a:fontRef idx="minor">
+            <a:schemeClr val="lt1"/>
+          </a:fontRef>
+        </p:style>
+        <p:txBody>
+          <a:bodyPr rtlCol="0" anchor="ctr"/>
+          <a:lstStyle/>
+          <a:p>
+            <a:pPr algn="ctr"/>
+            <a:r>
+              <a:rPr lang="en-US" sz="1350" dirty="0">
+                <a:solidFill>
+                  <a:schemeClr val="tx1"/>
+                </a:solidFill>
+              </a:rPr>
+              <a:t>9</a:t>
+            </a:r>
+          </a:p>
+        </p:txBody>
+      </p:sp>
+      <p:sp>
+        <p:nvSpPr>
+          <p:cNvPr id="23" name="Rectangle 22">
+            <a:extLst>
+              <a:ext uri="{FF2B5EF4-FFF2-40B4-BE49-F238E27FC236}">
+                <a16:creationId xmlns:a16="http://schemas.microsoft.com/office/drawing/2014/main" id="{03A5B78C-A979-49DC-9910-6E9DD08B766C}"/>
+              </a:ext>
+            </a:extLst>
+          </p:cNvPr>
+          <p:cNvSpPr/>
+          <p:nvPr/>
+        </p:nvSpPr>
+        <p:spPr>
+          <a:xfrm>
+            <a:off x="6431280" y="1309370"/>
+            <a:ext cx="350520" cy="262890"/>
+          </a:xfrm>
+          <a:prstGeom prst="rect">
+            <a:avLst/>
+          </a:prstGeom>
+          <a:noFill/>
+          <a:ln w="19050">
+            <a:solidFill>
+              <a:schemeClr val="tx1"/>
+            </a:solidFill>
+          </a:ln>
+        </p:spPr>
+        <p:style>
+          <a:lnRef idx="2">
+            <a:schemeClr val="accent1">
+              <a:shade val="50000"/>
+            </a:schemeClr>
+          </a:lnRef>
+          <a:fillRef idx="1">
+            <a:schemeClr val="accent1"/>
+          </a:fillRef>
+          <a:effectRef idx="0">
+            <a:schemeClr val="accent1"/>
+          </a:effectRef>
+          <a:fontRef idx="minor">
+            <a:schemeClr val="lt1"/>
+          </a:fontRef>
+        </p:style>
+        <p:txBody>
+          <a:bodyPr rtlCol="0" anchor="ctr"/>
+          <a:lstStyle/>
+          <a:p>
+            <a:pPr algn="ctr"/>
+            <a:r>
+              <a:rPr lang="en-US" sz="1350" dirty="0">
+                <a:solidFill>
+                  <a:schemeClr val="tx1"/>
+                </a:solidFill>
+              </a:rPr>
+              <a:t>1</a:t>
+            </a:r>
+          </a:p>
+        </p:txBody>
+      </p:sp>
+      <p:sp>
+        <p:nvSpPr>
+          <p:cNvPr id="24" name="Rectangle 23">
+            <a:extLst>
+              <a:ext uri="{FF2B5EF4-FFF2-40B4-BE49-F238E27FC236}">
+                <a16:creationId xmlns:a16="http://schemas.microsoft.com/office/drawing/2014/main" id="{3E30C1F5-BC60-4158-BAC4-4CA93202E435}"/>
+              </a:ext>
+            </a:extLst>
+          </p:cNvPr>
+          <p:cNvSpPr/>
+          <p:nvPr/>
+        </p:nvSpPr>
+        <p:spPr>
+          <a:xfrm>
+            <a:off x="3276600" y="1309370"/>
+            <a:ext cx="350520" cy="262890"/>
+          </a:xfrm>
+          <a:prstGeom prst="rect">
+            <a:avLst/>
+          </a:prstGeom>
+          <a:noFill/>
+          <a:ln w="19050">
+            <a:solidFill>
+              <a:schemeClr val="tx1"/>
+            </a:solidFill>
+          </a:ln>
+        </p:spPr>
+        <p:style>
+          <a:lnRef idx="2">
+            <a:schemeClr val="accent1">
+              <a:shade val="50000"/>
+            </a:schemeClr>
+          </a:lnRef>
+          <a:fillRef idx="1">
+            <a:schemeClr val="accent1"/>
+          </a:fillRef>
+          <a:effectRef idx="0">
+            <a:schemeClr val="accent1"/>
+          </a:effectRef>
+          <a:fontRef idx="minor">
+            <a:schemeClr val="lt1"/>
+          </a:fontRef>
+        </p:style>
+        <p:txBody>
+          <a:bodyPr rtlCol="0" anchor="ctr"/>
+          <a:lstStyle/>
+          <a:p>
+            <a:pPr algn="ctr"/>
+            <a:r>
+              <a:rPr lang="en-US" sz="1350" dirty="0">
+                <a:solidFill>
+                  <a:schemeClr val="tx1"/>
+                </a:solidFill>
+              </a:rPr>
+              <a:t>8</a:t>
+            </a:r>
+          </a:p>
+        </p:txBody>
+      </p:sp>
+      <p:sp>
+        <p:nvSpPr>
+          <p:cNvPr id="25" name="Rectangle 24">
+            <a:extLst>
+              <a:ext uri="{FF2B5EF4-FFF2-40B4-BE49-F238E27FC236}">
+                <a16:creationId xmlns:a16="http://schemas.microsoft.com/office/drawing/2014/main" id="{6B1F84E6-9E93-42B8-A2D9-CA0CD2CEE513}"/>
+              </a:ext>
+            </a:extLst>
+          </p:cNvPr>
+          <p:cNvSpPr/>
+          <p:nvPr/>
+        </p:nvSpPr>
+        <p:spPr>
+          <a:xfrm>
+            <a:off x="3627120" y="1309370"/>
+            <a:ext cx="350520" cy="262890"/>
+          </a:xfrm>
+          <a:prstGeom prst="rect">
+            <a:avLst/>
+          </a:prstGeom>
+          <a:noFill/>
+          <a:ln w="19050">
+            <a:solidFill>
+              <a:schemeClr val="tx1"/>
+            </a:solidFill>
+          </a:ln>
+        </p:spPr>
+        <p:style>
+          <a:lnRef idx="2">
+            <a:schemeClr val="accent1">
+              <a:shade val="50000"/>
+            </a:schemeClr>
+          </a:lnRef>
+          <a:fillRef idx="1">
+            <a:schemeClr val="accent1"/>
+          </a:fillRef>
+          <a:effectRef idx="0">
+            <a:schemeClr val="accent1"/>
+          </a:effectRef>
+          <a:fontRef idx="minor">
+            <a:schemeClr val="lt1"/>
+          </a:fontRef>
+        </p:style>
+        <p:txBody>
+          <a:bodyPr rtlCol="0" anchor="ctr"/>
+          <a:lstStyle/>
+          <a:p>
+            <a:pPr algn="ctr"/>
+            <a:r>
+              <a:rPr lang="en-US" sz="1350" dirty="0">
+                <a:solidFill>
+                  <a:schemeClr val="tx1"/>
+                </a:solidFill>
+              </a:rPr>
+              <a:t>7</a:t>
+            </a:r>
+          </a:p>
+        </p:txBody>
+      </p:sp>
+      <p:sp>
+        <p:nvSpPr>
+          <p:cNvPr id="26" name="Rectangle 25">
+            <a:extLst>
+              <a:ext uri="{FF2B5EF4-FFF2-40B4-BE49-F238E27FC236}">
+                <a16:creationId xmlns:a16="http://schemas.microsoft.com/office/drawing/2014/main" id="{8A815593-695A-411A-832C-0C217918F4DF}"/>
+              </a:ext>
+            </a:extLst>
+          </p:cNvPr>
+          <p:cNvSpPr/>
+          <p:nvPr/>
+        </p:nvSpPr>
+        <p:spPr>
+          <a:xfrm>
+            <a:off x="3977640" y="1309370"/>
+            <a:ext cx="350520" cy="262890"/>
+          </a:xfrm>
+          <a:prstGeom prst="rect">
+            <a:avLst/>
+          </a:prstGeom>
+          <a:noFill/>
+          <a:ln w="19050">
+            <a:solidFill>
+              <a:schemeClr val="tx1"/>
+            </a:solidFill>
+          </a:ln>
+        </p:spPr>
+        <p:style>
+          <a:lnRef idx="2">
+            <a:schemeClr val="accent1">
+              <a:shade val="50000"/>
+            </a:schemeClr>
+          </a:lnRef>
+          <a:fillRef idx="1">
+            <a:schemeClr val="accent1"/>
+          </a:fillRef>
+          <a:effectRef idx="0">
+            <a:schemeClr val="accent1"/>
+          </a:effectRef>
+          <a:fontRef idx="minor">
+            <a:schemeClr val="lt1"/>
+          </a:fontRef>
+        </p:style>
+        <p:txBody>
+          <a:bodyPr rtlCol="0" anchor="ctr"/>
+          <a:lstStyle/>
+          <a:p>
+            <a:pPr algn="ctr"/>
+            <a:r>
+              <a:rPr lang="en-US" sz="1350" dirty="0">
+                <a:solidFill>
+                  <a:schemeClr val="tx1"/>
+                </a:solidFill>
+              </a:rPr>
+              <a:t>4</a:t>
+            </a:r>
+          </a:p>
+        </p:txBody>
+      </p:sp>
+      <p:sp>
+        <p:nvSpPr>
+          <p:cNvPr id="27" name="Rectangle 26">
+            <a:extLst>
+              <a:ext uri="{FF2B5EF4-FFF2-40B4-BE49-F238E27FC236}">
+                <a16:creationId xmlns:a16="http://schemas.microsoft.com/office/drawing/2014/main" id="{5384F1C4-41CD-4110-BC1C-85D363EDE975}"/>
+              </a:ext>
+            </a:extLst>
+          </p:cNvPr>
+          <p:cNvSpPr/>
+          <p:nvPr/>
+        </p:nvSpPr>
+        <p:spPr>
+          <a:xfrm>
+            <a:off x="4328160" y="1309370"/>
+            <a:ext cx="350520" cy="262890"/>
+          </a:xfrm>
+          <a:prstGeom prst="rect">
+            <a:avLst/>
+          </a:prstGeom>
+          <a:noFill/>
+          <a:ln w="19050">
+            <a:solidFill>
+              <a:schemeClr val="tx1"/>
+            </a:solidFill>
+          </a:ln>
+        </p:spPr>
+        <p:style>
+          <a:lnRef idx="2">
+            <a:schemeClr val="accent1">
+              <a:shade val="50000"/>
+            </a:schemeClr>
+          </a:lnRef>
+          <a:fillRef idx="1">
+            <a:schemeClr val="accent1"/>
+          </a:fillRef>
+          <a:effectRef idx="0">
+            <a:schemeClr val="accent1"/>
+          </a:effectRef>
+          <a:fontRef idx="minor">
+            <a:schemeClr val="lt1"/>
+          </a:fontRef>
+        </p:style>
+        <p:txBody>
+          <a:bodyPr rtlCol="0" anchor="ctr"/>
+          <a:lstStyle/>
+          <a:p>
+            <a:pPr algn="ctr"/>
+            <a:r>
+              <a:rPr lang="en-US" sz="1350" dirty="0">
+                <a:solidFill>
+                  <a:schemeClr val="tx1"/>
+                </a:solidFill>
+              </a:rPr>
+              <a:t>7</a:t>
+            </a:r>
+          </a:p>
+        </p:txBody>
+      </p:sp>
+      <p:sp>
+        <p:nvSpPr>
+          <p:cNvPr id="28" name="Rectangle 27">
+            <a:extLst>
+              <a:ext uri="{FF2B5EF4-FFF2-40B4-BE49-F238E27FC236}">
+                <a16:creationId xmlns:a16="http://schemas.microsoft.com/office/drawing/2014/main" id="{359B55EA-85A2-4BFC-9685-F122B7266600}"/>
+              </a:ext>
+            </a:extLst>
+          </p:cNvPr>
+          <p:cNvSpPr/>
+          <p:nvPr/>
+        </p:nvSpPr>
+        <p:spPr>
+          <a:xfrm>
+            <a:off x="4678680" y="1309370"/>
+            <a:ext cx="350520" cy="262890"/>
+          </a:xfrm>
+          <a:prstGeom prst="rect">
+            <a:avLst/>
+          </a:prstGeom>
+          <a:noFill/>
+          <a:ln w="19050">
+            <a:solidFill>
+              <a:schemeClr val="tx1"/>
+            </a:solidFill>
+          </a:ln>
+        </p:spPr>
+        <p:style>
+          <a:lnRef idx="2">
+            <a:schemeClr val="accent1">
+              <a:shade val="50000"/>
+            </a:schemeClr>
+          </a:lnRef>
+          <a:fillRef idx="1">
+            <a:schemeClr val="accent1"/>
+          </a:fillRef>
+          <a:effectRef idx="0">
+            <a:schemeClr val="accent1"/>
+          </a:effectRef>
+          <a:fontRef idx="minor">
+            <a:schemeClr val="lt1"/>
+          </a:fontRef>
+        </p:style>
+        <p:txBody>
+          <a:bodyPr rtlCol="0" anchor="ctr"/>
+          <a:lstStyle/>
+          <a:p>
+            <a:pPr algn="ctr"/>
+            <a:r>
+              <a:rPr lang="en-US" sz="1350" dirty="0">
+                <a:solidFill>
+                  <a:schemeClr val="tx1"/>
+                </a:solidFill>
+              </a:rPr>
+              <a:t>1</a:t>
+            </a:r>
+          </a:p>
+        </p:txBody>
+      </p:sp>
+      <p:sp>
+        <p:nvSpPr>
+          <p:cNvPr id="29" name="Rectangle 28">
+            <a:extLst>
+              <a:ext uri="{FF2B5EF4-FFF2-40B4-BE49-F238E27FC236}">
+                <a16:creationId xmlns:a16="http://schemas.microsoft.com/office/drawing/2014/main" id="{561B735A-8DE7-4971-A415-22BFFCDA3BDD}"/>
+              </a:ext>
+            </a:extLst>
+          </p:cNvPr>
+          <p:cNvSpPr/>
+          <p:nvPr/>
+        </p:nvSpPr>
+        <p:spPr>
+          <a:xfrm>
+            <a:off x="5029200" y="1309370"/>
+            <a:ext cx="350520" cy="262890"/>
+          </a:xfrm>
+          <a:prstGeom prst="rect">
+            <a:avLst/>
+          </a:prstGeom>
+          <a:noFill/>
+          <a:ln w="19050">
+            <a:solidFill>
+              <a:schemeClr val="tx1"/>
+            </a:solidFill>
+          </a:ln>
+        </p:spPr>
+        <p:style>
+          <a:lnRef idx="2">
+            <a:schemeClr val="accent1">
+              <a:shade val="50000"/>
+            </a:schemeClr>
+          </a:lnRef>
+          <a:fillRef idx="1">
+            <a:schemeClr val="accent1"/>
+          </a:fillRef>
+          <a:effectRef idx="0">
+            <a:schemeClr val="accent1"/>
+          </a:effectRef>
+          <a:fontRef idx="minor">
+            <a:schemeClr val="lt1"/>
+          </a:fontRef>
+        </p:style>
+        <p:txBody>
+          <a:bodyPr rtlCol="0" anchor="ctr"/>
+          <a:lstStyle/>
+          <a:p>
+            <a:pPr algn="ctr"/>
+            <a:r>
+              <a:rPr lang="en-US" sz="1350" dirty="0">
+                <a:solidFill>
+                  <a:schemeClr val="tx1"/>
+                </a:solidFill>
+              </a:rPr>
+              <a:t>1</a:t>
+            </a:r>
+          </a:p>
+        </p:txBody>
+      </p:sp>
+      <p:sp>
+        <p:nvSpPr>
+          <p:cNvPr id="30" name="Rectangle 29">
+            <a:extLst>
+              <a:ext uri="{FF2B5EF4-FFF2-40B4-BE49-F238E27FC236}">
+                <a16:creationId xmlns:a16="http://schemas.microsoft.com/office/drawing/2014/main" id="{8D0554A8-72EB-4F1F-875C-384A68DC7B18}"/>
+              </a:ext>
+            </a:extLst>
+          </p:cNvPr>
+          <p:cNvSpPr/>
+          <p:nvPr/>
+        </p:nvSpPr>
+        <p:spPr>
+          <a:xfrm>
+            <a:off x="5379720" y="1309370"/>
+            <a:ext cx="350520" cy="262890"/>
+          </a:xfrm>
+          <a:prstGeom prst="rect">
+            <a:avLst/>
+          </a:prstGeom>
+          <a:noFill/>
+          <a:ln w="19050">
+            <a:solidFill>
+              <a:schemeClr val="tx1"/>
+            </a:solidFill>
+          </a:ln>
+        </p:spPr>
+        <p:style>
+          <a:lnRef idx="2">
+            <a:schemeClr val="accent1">
+              <a:shade val="50000"/>
+            </a:schemeClr>
+          </a:lnRef>
+          <a:fillRef idx="1">
+            <a:schemeClr val="accent1"/>
+          </a:fillRef>
+          <a:effectRef idx="0">
+            <a:schemeClr val="accent1"/>
+          </a:effectRef>
+          <a:fontRef idx="minor">
+            <a:schemeClr val="lt1"/>
+          </a:fontRef>
+        </p:style>
+        <p:txBody>
+          <a:bodyPr rtlCol="0" anchor="ctr"/>
+          <a:lstStyle/>
+          <a:p>
+            <a:pPr algn="ctr"/>
+            <a:r>
+              <a:rPr lang="en-US" sz="1350" dirty="0">
+                <a:solidFill>
+                  <a:schemeClr val="tx1"/>
+                </a:solidFill>
+              </a:rPr>
+              <a:t>3</a:t>
+            </a:r>
+          </a:p>
+        </p:txBody>
+      </p:sp>
+      <p:sp>
+        <p:nvSpPr>
+          <p:cNvPr id="31" name="Rectangle 30">
+            <a:extLst>
+              <a:ext uri="{FF2B5EF4-FFF2-40B4-BE49-F238E27FC236}">
+                <a16:creationId xmlns:a16="http://schemas.microsoft.com/office/drawing/2014/main" id="{4189C693-0C0D-4B31-A154-4DBC163E1D79}"/>
+              </a:ext>
+            </a:extLst>
+          </p:cNvPr>
+          <p:cNvSpPr/>
+          <p:nvPr/>
+        </p:nvSpPr>
+        <p:spPr>
+          <a:xfrm>
+            <a:off x="5730240" y="1309370"/>
+            <a:ext cx="350520" cy="262890"/>
+          </a:xfrm>
+          <a:prstGeom prst="rect">
+            <a:avLst/>
+          </a:prstGeom>
+          <a:noFill/>
+          <a:ln w="19050">
+            <a:solidFill>
+              <a:schemeClr val="tx1"/>
+            </a:solidFill>
+          </a:ln>
+        </p:spPr>
+        <p:style>
+          <a:lnRef idx="2">
+            <a:schemeClr val="accent1">
+              <a:shade val="50000"/>
+            </a:schemeClr>
+          </a:lnRef>
+          <a:fillRef idx="1">
+            <a:schemeClr val="accent1"/>
+          </a:fillRef>
+          <a:effectRef idx="0">
+            <a:schemeClr val="accent1"/>
+          </a:effectRef>
+          <a:fontRef idx="minor">
+            <a:schemeClr val="lt1"/>
+          </a:fontRef>
+        </p:style>
+        <p:txBody>
+          <a:bodyPr rtlCol="0" anchor="ctr"/>
+          <a:lstStyle/>
+          <a:p>
+            <a:pPr algn="ctr"/>
+            <a:r>
+              <a:rPr lang="en-US" sz="1350" dirty="0">
+                <a:solidFill>
+                  <a:schemeClr val="tx1"/>
+                </a:solidFill>
+              </a:rPr>
+              <a:t>2</a:t>
+            </a:r>
+          </a:p>
+        </p:txBody>
+      </p:sp>
+      <p:sp>
+        <p:nvSpPr>
+          <p:cNvPr id="32" name="Rectangle 31">
+            <a:extLst>
+              <a:ext uri="{FF2B5EF4-FFF2-40B4-BE49-F238E27FC236}">
+                <a16:creationId xmlns:a16="http://schemas.microsoft.com/office/drawing/2014/main" id="{9B34E348-75E5-4387-84B4-C92119FD56CC}"/>
+              </a:ext>
+            </a:extLst>
+          </p:cNvPr>
+          <p:cNvSpPr/>
+          <p:nvPr/>
+        </p:nvSpPr>
+        <p:spPr>
+          <a:xfrm>
+            <a:off x="6080760" y="1309370"/>
+            <a:ext cx="350520" cy="262890"/>
+          </a:xfrm>
+          <a:prstGeom prst="rect">
+            <a:avLst/>
+          </a:prstGeom>
+          <a:noFill/>
+          <a:ln w="19050">
+            <a:solidFill>
+              <a:schemeClr val="tx1"/>
+            </a:solidFill>
+          </a:ln>
+        </p:spPr>
+        <p:style>
+          <a:lnRef idx="2">
+            <a:schemeClr val="accent1">
+              <a:shade val="50000"/>
+            </a:schemeClr>
+          </a:lnRef>
+          <a:fillRef idx="1">
+            <a:schemeClr val="accent1"/>
+          </a:fillRef>
+          <a:effectRef idx="0">
+            <a:schemeClr val="accent1"/>
+          </a:effectRef>
+          <a:fontRef idx="minor">
+            <a:schemeClr val="lt1"/>
+          </a:fontRef>
+        </p:style>
+        <p:txBody>
+          <a:bodyPr rtlCol="0" anchor="ctr"/>
+          <a:lstStyle/>
+          <a:p>
+            <a:pPr algn="ctr"/>
+            <a:r>
+              <a:rPr lang="en-US" sz="1350" dirty="0">
+                <a:solidFill>
+                  <a:schemeClr val="tx1"/>
+                </a:solidFill>
+              </a:rPr>
+              <a:t>8</a:t>
+            </a:r>
+          </a:p>
+        </p:txBody>
+      </p:sp>
+      <p:sp>
+        <p:nvSpPr>
+          <p:cNvPr id="33" name="Rectangle 32">
+            <a:extLst>
+              <a:ext uri="{FF2B5EF4-FFF2-40B4-BE49-F238E27FC236}">
+                <a16:creationId xmlns:a16="http://schemas.microsoft.com/office/drawing/2014/main" id="{26B2448E-4EE8-4D49-8865-C9D2F172E71A}"/>
+              </a:ext>
+            </a:extLst>
+          </p:cNvPr>
+          <p:cNvSpPr/>
+          <p:nvPr/>
+        </p:nvSpPr>
+        <p:spPr>
+          <a:xfrm>
+            <a:off x="6435090" y="1903730"/>
+            <a:ext cx="350520" cy="262890"/>
+          </a:xfrm>
+          <a:prstGeom prst="rect">
+            <a:avLst/>
+          </a:prstGeom>
+          <a:noFill/>
+          <a:ln w="19050">
+            <a:solidFill>
+              <a:schemeClr val="tx1"/>
+            </a:solidFill>
+          </a:ln>
+        </p:spPr>
+        <p:style>
+          <a:lnRef idx="2">
+            <a:schemeClr val="accent1">
+              <a:shade val="50000"/>
+            </a:schemeClr>
+          </a:lnRef>
+          <a:fillRef idx="1">
+            <a:schemeClr val="accent1"/>
+          </a:fillRef>
+          <a:effectRef idx="0">
+            <a:schemeClr val="accent1"/>
+          </a:effectRef>
+          <a:fontRef idx="minor">
+            <a:schemeClr val="lt1"/>
+          </a:fontRef>
+        </p:style>
+        <p:txBody>
+          <a:bodyPr rtlCol="0" anchor="ctr"/>
+          <a:lstStyle/>
+          <a:p>
+            <a:pPr algn="ctr"/>
+            <a:r>
+              <a:rPr lang="en-US" sz="1350" dirty="0">
+                <a:solidFill>
+                  <a:schemeClr val="tx1"/>
+                </a:solidFill>
+              </a:rPr>
+              <a:t>1</a:t>
+            </a:r>
+          </a:p>
+        </p:txBody>
+      </p:sp>
+      <p:sp>
+        <p:nvSpPr>
+          <p:cNvPr id="34" name="Rectangle 33">
+            <a:extLst>
+              <a:ext uri="{FF2B5EF4-FFF2-40B4-BE49-F238E27FC236}">
+                <a16:creationId xmlns:a16="http://schemas.microsoft.com/office/drawing/2014/main" id="{6028B385-D56B-4A12-85ED-3368D96B109C}"/>
+              </a:ext>
+            </a:extLst>
+          </p:cNvPr>
+          <p:cNvSpPr/>
+          <p:nvPr/>
+        </p:nvSpPr>
+        <p:spPr>
+          <a:xfrm>
+            <a:off x="3280410" y="1903730"/>
+            <a:ext cx="350520" cy="262890"/>
+          </a:xfrm>
+          <a:prstGeom prst="rect">
+            <a:avLst/>
+          </a:prstGeom>
+          <a:noFill/>
+          <a:ln w="19050">
+            <a:solidFill>
+              <a:schemeClr val="tx1"/>
+            </a:solidFill>
+          </a:ln>
+        </p:spPr>
+        <p:style>
+          <a:lnRef idx="2">
+            <a:schemeClr val="accent1">
+              <a:shade val="50000"/>
+            </a:schemeClr>
+          </a:lnRef>
+          <a:fillRef idx="1">
+            <a:schemeClr val="accent1"/>
+          </a:fillRef>
+          <a:effectRef idx="0">
+            <a:schemeClr val="accent1"/>
+          </a:effectRef>
+          <a:fontRef idx="minor">
+            <a:schemeClr val="lt1"/>
+          </a:fontRef>
+        </p:style>
+        <p:txBody>
+          <a:bodyPr rtlCol="0" anchor="ctr"/>
+          <a:lstStyle/>
+          <a:p>
+            <a:pPr algn="ctr"/>
+            <a:r>
+              <a:rPr lang="en-US" sz="1350" dirty="0">
+                <a:solidFill>
+                  <a:schemeClr val="tx1"/>
+                </a:solidFill>
+              </a:rPr>
+              <a:t>9</a:t>
+            </a:r>
+          </a:p>
+        </p:txBody>
+      </p:sp>
+      <p:sp>
+        <p:nvSpPr>
+          <p:cNvPr id="35" name="Rectangle 34">
+            <a:extLst>
+              <a:ext uri="{FF2B5EF4-FFF2-40B4-BE49-F238E27FC236}">
+                <a16:creationId xmlns:a16="http://schemas.microsoft.com/office/drawing/2014/main" id="{01F2E6A6-CE74-4ED7-9C00-9C12DCCD64F8}"/>
+              </a:ext>
+            </a:extLst>
+          </p:cNvPr>
+          <p:cNvSpPr/>
+          <p:nvPr/>
+        </p:nvSpPr>
+        <p:spPr>
+          <a:xfrm>
+            <a:off x="3630930" y="1903730"/>
+            <a:ext cx="350520" cy="262890"/>
+          </a:xfrm>
+          <a:prstGeom prst="rect">
+            <a:avLst/>
+          </a:prstGeom>
+          <a:noFill/>
+          <a:ln w="19050">
+            <a:solidFill>
+              <a:schemeClr val="tx1"/>
+            </a:solidFill>
+          </a:ln>
+        </p:spPr>
+        <p:style>
+          <a:lnRef idx="2">
+            <a:schemeClr val="accent1">
+              <a:shade val="50000"/>
+            </a:schemeClr>
+          </a:lnRef>
+          <a:fillRef idx="1">
+            <a:schemeClr val="accent1"/>
+          </a:fillRef>
+          <a:effectRef idx="0">
+            <a:schemeClr val="accent1"/>
+          </a:effectRef>
+          <a:fontRef idx="minor">
+            <a:schemeClr val="lt1"/>
+          </a:fontRef>
+        </p:style>
+        <p:txBody>
+          <a:bodyPr rtlCol="0" anchor="ctr"/>
+          <a:lstStyle/>
+          <a:p>
+            <a:pPr algn="ctr"/>
+            <a:r>
+              <a:rPr lang="en-US" sz="1350" dirty="0">
+                <a:solidFill>
+                  <a:schemeClr val="tx1"/>
+                </a:solidFill>
+              </a:rPr>
+              <a:t>6</a:t>
+            </a:r>
+          </a:p>
+        </p:txBody>
+      </p:sp>
+      <p:sp>
+        <p:nvSpPr>
+          <p:cNvPr id="36" name="Rectangle 35">
+            <a:extLst>
+              <a:ext uri="{FF2B5EF4-FFF2-40B4-BE49-F238E27FC236}">
+                <a16:creationId xmlns:a16="http://schemas.microsoft.com/office/drawing/2014/main" id="{98B1C684-DBC9-4688-93F0-D500CCA5FC59}"/>
+              </a:ext>
+            </a:extLst>
+          </p:cNvPr>
+          <p:cNvSpPr/>
+          <p:nvPr/>
+        </p:nvSpPr>
+        <p:spPr>
+          <a:xfrm>
+            <a:off x="3981450" y="1903730"/>
+            <a:ext cx="350520" cy="262890"/>
+          </a:xfrm>
+          <a:prstGeom prst="rect">
+            <a:avLst/>
+          </a:prstGeom>
+          <a:noFill/>
+          <a:ln w="19050">
+            <a:solidFill>
+              <a:schemeClr val="tx1"/>
+            </a:solidFill>
+          </a:ln>
+        </p:spPr>
+        <p:style>
+          <a:lnRef idx="2">
+            <a:schemeClr val="accent1">
+              <a:shade val="50000"/>
+            </a:schemeClr>
+          </a:lnRef>
+          <a:fillRef idx="1">
+            <a:schemeClr val="accent1"/>
+          </a:fillRef>
+          <a:effectRef idx="0">
+            <a:schemeClr val="accent1"/>
+          </a:effectRef>
+          <a:fontRef idx="minor">
+            <a:schemeClr val="lt1"/>
+          </a:fontRef>
+        </p:style>
+        <p:txBody>
+          <a:bodyPr rtlCol="0" anchor="ctr"/>
+          <a:lstStyle/>
+          <a:p>
+            <a:pPr algn="ctr"/>
+            <a:r>
+              <a:rPr lang="en-US" sz="1350" dirty="0">
+                <a:solidFill>
+                  <a:schemeClr val="tx1"/>
+                </a:solidFill>
+              </a:rPr>
+              <a:t>2</a:t>
+            </a:r>
+          </a:p>
+        </p:txBody>
+      </p:sp>
+      <p:sp>
+        <p:nvSpPr>
+          <p:cNvPr id="37" name="Rectangle 36">
+            <a:extLst>
+              <a:ext uri="{FF2B5EF4-FFF2-40B4-BE49-F238E27FC236}">
+                <a16:creationId xmlns:a16="http://schemas.microsoft.com/office/drawing/2014/main" id="{AA4EA758-3DF4-4331-B39A-4A52086A9939}"/>
+              </a:ext>
+            </a:extLst>
+          </p:cNvPr>
+          <p:cNvSpPr/>
+          <p:nvPr/>
+        </p:nvSpPr>
+        <p:spPr>
+          <a:xfrm>
+            <a:off x="4331970" y="1903730"/>
+            <a:ext cx="350520" cy="262890"/>
+          </a:xfrm>
+          <a:prstGeom prst="rect">
+            <a:avLst/>
+          </a:prstGeom>
+          <a:noFill/>
+          <a:ln w="19050">
+            <a:solidFill>
+              <a:schemeClr val="tx1"/>
+            </a:solidFill>
+          </a:ln>
+        </p:spPr>
+        <p:style>
+          <a:lnRef idx="2">
+            <a:schemeClr val="accent1">
+              <a:shade val="50000"/>
+            </a:schemeClr>
+          </a:lnRef>
+          <a:fillRef idx="1">
+            <a:schemeClr val="accent1"/>
+          </a:fillRef>
+          <a:effectRef idx="0">
+            <a:schemeClr val="accent1"/>
+          </a:effectRef>
+          <a:fontRef idx="minor">
+            <a:schemeClr val="lt1"/>
+          </a:fontRef>
+        </p:style>
+        <p:txBody>
+          <a:bodyPr rtlCol="0" anchor="ctr"/>
+          <a:lstStyle/>
+          <a:p>
+            <a:pPr algn="ctr"/>
+            <a:r>
+              <a:rPr lang="en-US" sz="1350" dirty="0">
+                <a:solidFill>
+                  <a:schemeClr val="tx1"/>
+                </a:solidFill>
+              </a:rPr>
+              <a:t>4</a:t>
+            </a:r>
+          </a:p>
+        </p:txBody>
+      </p:sp>
+      <p:sp>
+        <p:nvSpPr>
+          <p:cNvPr id="38" name="Rectangle 37">
+            <a:extLst>
+              <a:ext uri="{FF2B5EF4-FFF2-40B4-BE49-F238E27FC236}">
+                <a16:creationId xmlns:a16="http://schemas.microsoft.com/office/drawing/2014/main" id="{5B582C3C-C9E6-4196-B0F6-8564DAD14F8A}"/>
+              </a:ext>
+            </a:extLst>
+          </p:cNvPr>
+          <p:cNvSpPr/>
+          <p:nvPr/>
+        </p:nvSpPr>
+        <p:spPr>
+          <a:xfrm>
+            <a:off x="4682490" y="1903730"/>
+            <a:ext cx="350520" cy="262890"/>
+          </a:xfrm>
+          <a:prstGeom prst="rect">
+            <a:avLst/>
+          </a:prstGeom>
+          <a:noFill/>
+          <a:ln w="19050">
+            <a:solidFill>
+              <a:schemeClr val="tx1"/>
+            </a:solidFill>
+          </a:ln>
+        </p:spPr>
+        <p:style>
+          <a:lnRef idx="2">
+            <a:schemeClr val="accent1">
+              <a:shade val="50000"/>
+            </a:schemeClr>
+          </a:lnRef>
+          <a:fillRef idx="1">
+            <a:schemeClr val="accent1"/>
+          </a:fillRef>
+          <a:effectRef idx="0">
+            <a:schemeClr val="accent1"/>
+          </a:effectRef>
+          <a:fontRef idx="minor">
+            <a:schemeClr val="lt1"/>
+          </a:fontRef>
+        </p:style>
+        <p:txBody>
+          <a:bodyPr rtlCol="0" anchor="ctr"/>
+          <a:lstStyle/>
+          <a:p>
+            <a:pPr algn="ctr"/>
+            <a:r>
+              <a:rPr lang="en-US" sz="1350" dirty="0">
+                <a:solidFill>
+                  <a:schemeClr val="tx1"/>
+                </a:solidFill>
+              </a:rPr>
+              <a:t>7</a:t>
+            </a:r>
+          </a:p>
+        </p:txBody>
+      </p:sp>
+      <p:sp>
+        <p:nvSpPr>
+          <p:cNvPr id="39" name="Rectangle 38">
+            <a:extLst>
+              <a:ext uri="{FF2B5EF4-FFF2-40B4-BE49-F238E27FC236}">
+                <a16:creationId xmlns:a16="http://schemas.microsoft.com/office/drawing/2014/main" id="{8A2157F1-8F20-4AEC-989A-BFCC4A9AF95E}"/>
+              </a:ext>
+            </a:extLst>
+          </p:cNvPr>
+          <p:cNvSpPr/>
+          <p:nvPr/>
+        </p:nvSpPr>
+        <p:spPr>
+          <a:xfrm>
+            <a:off x="5033010" y="1903730"/>
+            <a:ext cx="350520" cy="262890"/>
+          </a:xfrm>
+          <a:prstGeom prst="rect">
+            <a:avLst/>
+          </a:prstGeom>
+          <a:noFill/>
+          <a:ln w="19050">
+            <a:solidFill>
+              <a:schemeClr val="tx1"/>
+            </a:solidFill>
+          </a:ln>
+        </p:spPr>
+        <p:style>
+          <a:lnRef idx="2">
+            <a:schemeClr val="accent1">
+              <a:shade val="50000"/>
+            </a:schemeClr>
+          </a:lnRef>
+          <a:fillRef idx="1">
+            <a:schemeClr val="accent1"/>
+          </a:fillRef>
+          <a:effectRef idx="0">
+            <a:schemeClr val="accent1"/>
+          </a:effectRef>
+          <a:fontRef idx="minor">
+            <a:schemeClr val="lt1"/>
+          </a:fontRef>
+        </p:style>
+        <p:txBody>
+          <a:bodyPr rtlCol="0" anchor="ctr"/>
+          <a:lstStyle/>
+          <a:p>
+            <a:pPr algn="ctr"/>
+            <a:r>
+              <a:rPr lang="en-US" sz="1350" dirty="0">
+                <a:solidFill>
+                  <a:schemeClr val="tx1"/>
+                </a:solidFill>
+              </a:rPr>
+              <a:t>5</a:t>
+            </a:r>
+          </a:p>
+        </p:txBody>
+      </p:sp>
+      <p:sp>
+        <p:nvSpPr>
+          <p:cNvPr id="40" name="Rectangle 39">
+            <a:extLst>
+              <a:ext uri="{FF2B5EF4-FFF2-40B4-BE49-F238E27FC236}">
+                <a16:creationId xmlns:a16="http://schemas.microsoft.com/office/drawing/2014/main" id="{D91D1051-6111-4A55-B64A-A01CC1E5B15B}"/>
+              </a:ext>
+            </a:extLst>
+          </p:cNvPr>
+          <p:cNvSpPr/>
+          <p:nvPr/>
+        </p:nvSpPr>
+        <p:spPr>
+          <a:xfrm>
+            <a:off x="5383530" y="1903730"/>
+            <a:ext cx="350520" cy="262890"/>
+          </a:xfrm>
+          <a:prstGeom prst="rect">
+            <a:avLst/>
+          </a:prstGeom>
+          <a:noFill/>
+          <a:ln w="19050">
+            <a:solidFill>
+              <a:schemeClr val="tx1"/>
+            </a:solidFill>
+          </a:ln>
+        </p:spPr>
+        <p:style>
+          <a:lnRef idx="2">
+            <a:schemeClr val="accent1">
+              <a:shade val="50000"/>
+            </a:schemeClr>
+          </a:lnRef>
+          <a:fillRef idx="1">
+            <a:schemeClr val="accent1"/>
+          </a:fillRef>
+          <a:effectRef idx="0">
+            <a:schemeClr val="accent1"/>
+          </a:effectRef>
+          <a:fontRef idx="minor">
+            <a:schemeClr val="lt1"/>
+          </a:fontRef>
+        </p:style>
+        <p:txBody>
+          <a:bodyPr rtlCol="0" anchor="ctr"/>
+          <a:lstStyle/>
+          <a:p>
+            <a:pPr algn="ctr"/>
+            <a:r>
+              <a:rPr lang="en-US" sz="1350" dirty="0">
+                <a:solidFill>
+                  <a:schemeClr val="tx1"/>
+                </a:solidFill>
+              </a:rPr>
+              <a:t>3</a:t>
+            </a:r>
+          </a:p>
+        </p:txBody>
+      </p:sp>
+      <p:sp>
+        <p:nvSpPr>
+          <p:cNvPr id="41" name="Rectangle 40">
+            <a:extLst>
+              <a:ext uri="{FF2B5EF4-FFF2-40B4-BE49-F238E27FC236}">
+                <a16:creationId xmlns:a16="http://schemas.microsoft.com/office/drawing/2014/main" id="{E6E5913E-2B6B-40C7-8DFD-D988F72F4BCD}"/>
+              </a:ext>
+            </a:extLst>
+          </p:cNvPr>
+          <p:cNvSpPr/>
+          <p:nvPr/>
+        </p:nvSpPr>
+        <p:spPr>
+          <a:xfrm>
+            <a:off x="5734050" y="1903730"/>
+            <a:ext cx="350520" cy="262890"/>
+          </a:xfrm>
+          <a:prstGeom prst="rect">
+            <a:avLst/>
+          </a:prstGeom>
+          <a:noFill/>
+          <a:ln w="19050">
+            <a:solidFill>
+              <a:schemeClr val="tx1"/>
+            </a:solidFill>
+          </a:ln>
+        </p:spPr>
+        <p:style>
+          <a:lnRef idx="2">
+            <a:schemeClr val="accent1">
+              <a:shade val="50000"/>
+            </a:schemeClr>
+          </a:lnRef>
+          <a:fillRef idx="1">
+            <a:schemeClr val="accent1"/>
+          </a:fillRef>
+          <a:effectRef idx="0">
+            <a:schemeClr val="accent1"/>
+          </a:effectRef>
+          <a:fontRef idx="minor">
+            <a:schemeClr val="lt1"/>
+          </a:fontRef>
+        </p:style>
+        <p:txBody>
+          <a:bodyPr rtlCol="0" anchor="ctr"/>
+          <a:lstStyle/>
+          <a:p>
+            <a:pPr algn="ctr"/>
+            <a:r>
+              <a:rPr lang="en-US" sz="1350" dirty="0">
+                <a:solidFill>
+                  <a:schemeClr val="tx1"/>
+                </a:solidFill>
+              </a:rPr>
+              <a:t>2</a:t>
+            </a:r>
+          </a:p>
+        </p:txBody>
+      </p:sp>
+      <p:sp>
+        <p:nvSpPr>
+          <p:cNvPr id="42" name="Rectangle 41">
+            <a:extLst>
+              <a:ext uri="{FF2B5EF4-FFF2-40B4-BE49-F238E27FC236}">
+                <a16:creationId xmlns:a16="http://schemas.microsoft.com/office/drawing/2014/main" id="{3700CA6C-C5A7-4CB1-8631-E74CB5A83F89}"/>
+              </a:ext>
+            </a:extLst>
+          </p:cNvPr>
+          <p:cNvSpPr/>
+          <p:nvPr/>
+        </p:nvSpPr>
+        <p:spPr>
+          <a:xfrm>
+            <a:off x="6084570" y="1903730"/>
+            <a:ext cx="350520" cy="262890"/>
+          </a:xfrm>
+          <a:prstGeom prst="rect">
+            <a:avLst/>
+          </a:prstGeom>
+          <a:noFill/>
+          <a:ln w="19050">
+            <a:solidFill>
+              <a:schemeClr val="tx1"/>
+            </a:solidFill>
+          </a:ln>
+        </p:spPr>
+        <p:style>
+          <a:lnRef idx="2">
+            <a:schemeClr val="accent1">
+              <a:shade val="50000"/>
+            </a:schemeClr>
+          </a:lnRef>
+          <a:fillRef idx="1">
+            <a:schemeClr val="accent1"/>
+          </a:fillRef>
+          <a:effectRef idx="0">
+            <a:schemeClr val="accent1"/>
+          </a:effectRef>
+          <a:fontRef idx="minor">
+            <a:schemeClr val="lt1"/>
+          </a:fontRef>
+        </p:style>
+        <p:txBody>
+          <a:bodyPr rtlCol="0" anchor="ctr"/>
+          <a:lstStyle/>
+          <a:p>
+            <a:pPr algn="ctr"/>
+            <a:r>
+              <a:rPr lang="en-US" sz="1350" dirty="0">
+                <a:solidFill>
+                  <a:schemeClr val="tx1"/>
+                </a:solidFill>
+              </a:rPr>
+              <a:t>1</a:t>
+            </a:r>
+          </a:p>
+        </p:txBody>
+      </p:sp>
+      <p:sp>
+        <p:nvSpPr>
+          <p:cNvPr id="43" name="Rectangle 42">
+            <a:extLst>
+              <a:ext uri="{FF2B5EF4-FFF2-40B4-BE49-F238E27FC236}">
+                <a16:creationId xmlns:a16="http://schemas.microsoft.com/office/drawing/2014/main" id="{8806A1D4-544F-4051-97E5-5FC2321AEADA}"/>
+              </a:ext>
+            </a:extLst>
+          </p:cNvPr>
+          <p:cNvSpPr/>
+          <p:nvPr/>
+        </p:nvSpPr>
+        <p:spPr>
+          <a:xfrm>
+            <a:off x="6438900" y="2498090"/>
+            <a:ext cx="350520" cy="262890"/>
+          </a:xfrm>
+          <a:prstGeom prst="rect">
+            <a:avLst/>
+          </a:prstGeom>
+          <a:noFill/>
+          <a:ln w="19050">
+            <a:solidFill>
+              <a:schemeClr val="tx1"/>
+            </a:solidFill>
+          </a:ln>
+        </p:spPr>
+        <p:style>
+          <a:lnRef idx="2">
+            <a:schemeClr val="accent1">
+              <a:shade val="50000"/>
+            </a:schemeClr>
+          </a:lnRef>
+          <a:fillRef idx="1">
+            <a:schemeClr val="accent1"/>
+          </a:fillRef>
+          <a:effectRef idx="0">
+            <a:schemeClr val="accent1"/>
+          </a:effectRef>
+          <a:fontRef idx="minor">
+            <a:schemeClr val="lt1"/>
+          </a:fontRef>
+        </p:style>
+        <p:txBody>
+          <a:bodyPr rtlCol="0" anchor="ctr"/>
+          <a:lstStyle/>
+          <a:p>
+            <a:pPr algn="ctr"/>
+            <a:r>
+              <a:rPr lang="en-US" sz="1350" dirty="0">
+                <a:solidFill>
+                  <a:schemeClr val="tx1"/>
+                </a:solidFill>
+              </a:rPr>
+              <a:t>3</a:t>
+            </a:r>
+          </a:p>
+        </p:txBody>
+      </p:sp>
+      <p:sp>
+        <p:nvSpPr>
+          <p:cNvPr id="44" name="Rectangle 43">
+            <a:extLst>
+              <a:ext uri="{FF2B5EF4-FFF2-40B4-BE49-F238E27FC236}">
+                <a16:creationId xmlns:a16="http://schemas.microsoft.com/office/drawing/2014/main" id="{1C11D59B-3F05-4D21-88E9-8C7CE78B5B57}"/>
+              </a:ext>
+            </a:extLst>
+          </p:cNvPr>
+          <p:cNvSpPr/>
+          <p:nvPr/>
+        </p:nvSpPr>
+        <p:spPr>
+          <a:xfrm>
+            <a:off x="3284220" y="2498090"/>
+            <a:ext cx="350520" cy="262890"/>
+          </a:xfrm>
+          <a:prstGeom prst="rect">
+            <a:avLst/>
+          </a:prstGeom>
+          <a:noFill/>
+          <a:ln w="19050">
+            <a:solidFill>
+              <a:schemeClr val="tx1"/>
+            </a:solidFill>
+          </a:ln>
+        </p:spPr>
+        <p:style>
+          <a:lnRef idx="2">
+            <a:schemeClr val="accent1">
+              <a:shade val="50000"/>
+            </a:schemeClr>
+          </a:lnRef>
+          <a:fillRef idx="1">
+            <a:schemeClr val="accent1"/>
+          </a:fillRef>
+          <a:effectRef idx="0">
+            <a:schemeClr val="accent1"/>
+          </a:effectRef>
+          <a:fontRef idx="minor">
+            <a:schemeClr val="lt1"/>
+          </a:fontRef>
+        </p:style>
+        <p:txBody>
+          <a:bodyPr rtlCol="0" anchor="ctr"/>
+          <a:lstStyle/>
+          <a:p>
+            <a:pPr algn="ctr"/>
+            <a:r>
+              <a:rPr lang="en-US" sz="1350" dirty="0">
+                <a:solidFill>
+                  <a:schemeClr val="tx1"/>
+                </a:solidFill>
+              </a:rPr>
+              <a:t>2</a:t>
+            </a:r>
+          </a:p>
+        </p:txBody>
+      </p:sp>
+      <p:sp>
+        <p:nvSpPr>
+          <p:cNvPr id="45" name="Rectangle 44">
+            <a:extLst>
+              <a:ext uri="{FF2B5EF4-FFF2-40B4-BE49-F238E27FC236}">
+                <a16:creationId xmlns:a16="http://schemas.microsoft.com/office/drawing/2014/main" id="{F0B96A8A-880B-4759-A679-094A94D3D0B7}"/>
+              </a:ext>
+            </a:extLst>
+          </p:cNvPr>
+          <p:cNvSpPr/>
+          <p:nvPr/>
+        </p:nvSpPr>
+        <p:spPr>
+          <a:xfrm>
+            <a:off x="3634740" y="2498090"/>
+            <a:ext cx="350520" cy="262890"/>
+          </a:xfrm>
+          <a:prstGeom prst="rect">
+            <a:avLst/>
+          </a:prstGeom>
+          <a:noFill/>
+          <a:ln w="19050">
+            <a:solidFill>
+              <a:schemeClr val="tx1"/>
+            </a:solidFill>
+          </a:ln>
+        </p:spPr>
+        <p:style>
+          <a:lnRef idx="2">
+            <a:schemeClr val="accent1">
+              <a:shade val="50000"/>
+            </a:schemeClr>
+          </a:lnRef>
+          <a:fillRef idx="1">
+            <a:schemeClr val="accent1"/>
+          </a:fillRef>
+          <a:effectRef idx="0">
+            <a:schemeClr val="accent1"/>
+          </a:effectRef>
+          <a:fontRef idx="minor">
+            <a:schemeClr val="lt1"/>
+          </a:fontRef>
+        </p:style>
+        <p:txBody>
+          <a:bodyPr rtlCol="0" anchor="ctr"/>
+          <a:lstStyle/>
+          <a:p>
+            <a:pPr algn="ctr"/>
+            <a:r>
+              <a:rPr lang="en-US" sz="1350" dirty="0">
+                <a:solidFill>
+                  <a:schemeClr val="tx1"/>
+                </a:solidFill>
+              </a:rPr>
+              <a:t>4</a:t>
+            </a:r>
+          </a:p>
+        </p:txBody>
+      </p:sp>
+      <p:sp>
+        <p:nvSpPr>
+          <p:cNvPr id="46" name="Rectangle 45">
+            <a:extLst>
+              <a:ext uri="{FF2B5EF4-FFF2-40B4-BE49-F238E27FC236}">
+                <a16:creationId xmlns:a16="http://schemas.microsoft.com/office/drawing/2014/main" id="{B37D22A9-1B74-493A-8EBB-279C7E56CC71}"/>
+              </a:ext>
+            </a:extLst>
+          </p:cNvPr>
+          <p:cNvSpPr/>
+          <p:nvPr/>
+        </p:nvSpPr>
+        <p:spPr>
+          <a:xfrm>
+            <a:off x="3985260" y="2498090"/>
+            <a:ext cx="350520" cy="262890"/>
+          </a:xfrm>
+          <a:prstGeom prst="rect">
+            <a:avLst/>
+          </a:prstGeom>
+          <a:noFill/>
+          <a:ln w="19050">
+            <a:solidFill>
+              <a:schemeClr val="tx1"/>
+            </a:solidFill>
+          </a:ln>
+        </p:spPr>
+        <p:style>
+          <a:lnRef idx="2">
+            <a:schemeClr val="accent1">
+              <a:shade val="50000"/>
+            </a:schemeClr>
+          </a:lnRef>
+          <a:fillRef idx="1">
+            <a:schemeClr val="accent1"/>
+          </a:fillRef>
+          <a:effectRef idx="0">
+            <a:schemeClr val="accent1"/>
+          </a:effectRef>
+          <a:fontRef idx="minor">
+            <a:schemeClr val="lt1"/>
+          </a:fontRef>
+        </p:style>
+        <p:txBody>
+          <a:bodyPr rtlCol="0" anchor="ctr"/>
+          <a:lstStyle/>
+          <a:p>
+            <a:pPr algn="ctr"/>
+            <a:r>
+              <a:rPr lang="en-US" sz="1350" dirty="0">
+                <a:solidFill>
+                  <a:schemeClr val="tx1"/>
+                </a:solidFill>
+              </a:rPr>
+              <a:t>6</a:t>
+            </a:r>
+          </a:p>
+        </p:txBody>
+      </p:sp>
+      <p:sp>
+        <p:nvSpPr>
+          <p:cNvPr id="47" name="Rectangle 46">
+            <a:extLst>
+              <a:ext uri="{FF2B5EF4-FFF2-40B4-BE49-F238E27FC236}">
+                <a16:creationId xmlns:a16="http://schemas.microsoft.com/office/drawing/2014/main" id="{BEED5D9B-B302-4CDF-9343-0FA9EC923F2C}"/>
+              </a:ext>
+            </a:extLst>
+          </p:cNvPr>
+          <p:cNvSpPr/>
+          <p:nvPr/>
+        </p:nvSpPr>
+        <p:spPr>
+          <a:xfrm>
+            <a:off x="4335780" y="2498090"/>
+            <a:ext cx="350520" cy="262890"/>
+          </a:xfrm>
+          <a:prstGeom prst="rect">
+            <a:avLst/>
+          </a:prstGeom>
+          <a:noFill/>
+          <a:ln w="19050">
+            <a:solidFill>
+              <a:schemeClr val="tx1"/>
+            </a:solidFill>
+          </a:ln>
+        </p:spPr>
+        <p:style>
+          <a:lnRef idx="2">
+            <a:schemeClr val="accent1">
+              <a:shade val="50000"/>
+            </a:schemeClr>
+          </a:lnRef>
+          <a:fillRef idx="1">
+            <a:schemeClr val="accent1"/>
+          </a:fillRef>
+          <a:effectRef idx="0">
+            <a:schemeClr val="accent1"/>
+          </a:effectRef>
+          <a:fontRef idx="minor">
+            <a:schemeClr val="lt1"/>
+          </a:fontRef>
+        </p:style>
+        <p:txBody>
+          <a:bodyPr rtlCol="0" anchor="ctr"/>
+          <a:lstStyle/>
+          <a:p>
+            <a:pPr algn="ctr"/>
+            <a:r>
+              <a:rPr lang="en-US" sz="1350" dirty="0">
+                <a:solidFill>
+                  <a:schemeClr val="tx1"/>
+                </a:solidFill>
+              </a:rPr>
+              <a:t>9</a:t>
+            </a:r>
+          </a:p>
+        </p:txBody>
+      </p:sp>
+      <p:sp>
+        <p:nvSpPr>
+          <p:cNvPr id="48" name="Rectangle 47">
+            <a:extLst>
+              <a:ext uri="{FF2B5EF4-FFF2-40B4-BE49-F238E27FC236}">
+                <a16:creationId xmlns:a16="http://schemas.microsoft.com/office/drawing/2014/main" id="{7C6C8B99-5774-4C65-AFE0-07C287B423C3}"/>
+              </a:ext>
+            </a:extLst>
+          </p:cNvPr>
+          <p:cNvSpPr/>
+          <p:nvPr/>
+        </p:nvSpPr>
+        <p:spPr>
+          <a:xfrm>
+            <a:off x="4668110" y="2498090"/>
+            <a:ext cx="368710" cy="262890"/>
+          </a:xfrm>
+          <a:prstGeom prst="rect">
+            <a:avLst/>
+          </a:prstGeom>
+          <a:noFill/>
+          <a:ln w="19050">
+            <a:solidFill>
+              <a:schemeClr val="tx1"/>
+            </a:solidFill>
+          </a:ln>
+        </p:spPr>
+        <p:style>
+          <a:lnRef idx="2">
+            <a:schemeClr val="accent1">
+              <a:shade val="50000"/>
+            </a:schemeClr>
+          </a:lnRef>
+          <a:fillRef idx="1">
+            <a:schemeClr val="accent1"/>
+          </a:fillRef>
+          <a:effectRef idx="0">
+            <a:schemeClr val="accent1"/>
+          </a:effectRef>
+          <a:fontRef idx="minor">
+            <a:schemeClr val="lt1"/>
+          </a:fontRef>
+        </p:style>
+        <p:txBody>
+          <a:bodyPr rtlCol="0" anchor="ctr"/>
+          <a:lstStyle/>
+          <a:p>
+            <a:pPr algn="ctr"/>
+            <a:r>
+              <a:rPr lang="en-US" sz="1350" dirty="0">
+                <a:solidFill>
+                  <a:schemeClr val="tx1"/>
+                </a:solidFill>
+              </a:rPr>
+              <a:t>10</a:t>
+            </a:r>
+          </a:p>
+        </p:txBody>
+      </p:sp>
+      <p:sp>
+        <p:nvSpPr>
+          <p:cNvPr id="49" name="Rectangle 48">
+            <a:extLst>
+              <a:ext uri="{FF2B5EF4-FFF2-40B4-BE49-F238E27FC236}">
+                <a16:creationId xmlns:a16="http://schemas.microsoft.com/office/drawing/2014/main" id="{07B02F84-6C93-43B7-816E-5F660567874C}"/>
+              </a:ext>
+            </a:extLst>
+          </p:cNvPr>
+          <p:cNvSpPr/>
+          <p:nvPr/>
+        </p:nvSpPr>
+        <p:spPr>
+          <a:xfrm>
+            <a:off x="5025390" y="2498090"/>
+            <a:ext cx="380140" cy="262890"/>
+          </a:xfrm>
+          <a:prstGeom prst="rect">
+            <a:avLst/>
+          </a:prstGeom>
+          <a:noFill/>
+          <a:ln w="19050">
+            <a:solidFill>
+              <a:schemeClr val="tx1"/>
+            </a:solidFill>
+          </a:ln>
+        </p:spPr>
+        <p:style>
+          <a:lnRef idx="2">
+            <a:schemeClr val="accent1">
+              <a:shade val="50000"/>
+            </a:schemeClr>
+          </a:lnRef>
+          <a:fillRef idx="1">
+            <a:schemeClr val="accent1"/>
+          </a:fillRef>
+          <a:effectRef idx="0">
+            <a:schemeClr val="accent1"/>
+          </a:effectRef>
+          <a:fontRef idx="minor">
+            <a:schemeClr val="lt1"/>
+          </a:fontRef>
+        </p:style>
+        <p:txBody>
+          <a:bodyPr rtlCol="0" anchor="ctr"/>
+          <a:lstStyle/>
+          <a:p>
+            <a:pPr algn="ctr"/>
+            <a:r>
+              <a:rPr lang="en-US" sz="1350" dirty="0">
+                <a:solidFill>
+                  <a:schemeClr val="tx1"/>
+                </a:solidFill>
+              </a:rPr>
+              <a:t>10</a:t>
+            </a:r>
+          </a:p>
+        </p:txBody>
+      </p:sp>
+      <p:sp>
+        <p:nvSpPr>
+          <p:cNvPr id="50" name="Rectangle 49">
+            <a:extLst>
+              <a:ext uri="{FF2B5EF4-FFF2-40B4-BE49-F238E27FC236}">
+                <a16:creationId xmlns:a16="http://schemas.microsoft.com/office/drawing/2014/main" id="{BEC2358D-73EA-424C-82C8-E54BAE672955}"/>
+              </a:ext>
+            </a:extLst>
+          </p:cNvPr>
+          <p:cNvSpPr/>
+          <p:nvPr/>
+        </p:nvSpPr>
+        <p:spPr>
+          <a:xfrm>
+            <a:off x="5387340" y="2498090"/>
+            <a:ext cx="350520" cy="262890"/>
+          </a:xfrm>
+          <a:prstGeom prst="rect">
+            <a:avLst/>
+          </a:prstGeom>
+          <a:noFill/>
+          <a:ln w="19050">
+            <a:solidFill>
+              <a:schemeClr val="tx1"/>
+            </a:solidFill>
+          </a:ln>
+        </p:spPr>
+        <p:style>
+          <a:lnRef idx="2">
+            <a:schemeClr val="accent1">
+              <a:shade val="50000"/>
+            </a:schemeClr>
+          </a:lnRef>
+          <a:fillRef idx="1">
+            <a:schemeClr val="accent1"/>
+          </a:fillRef>
+          <a:effectRef idx="0">
+            <a:schemeClr val="accent1"/>
+          </a:effectRef>
+          <a:fontRef idx="minor">
+            <a:schemeClr val="lt1"/>
+          </a:fontRef>
+        </p:style>
+        <p:txBody>
+          <a:bodyPr rtlCol="0" anchor="ctr"/>
+          <a:lstStyle/>
+          <a:p>
+            <a:pPr algn="ctr"/>
+            <a:r>
+              <a:rPr lang="en-US" sz="1350" dirty="0">
+                <a:solidFill>
+                  <a:schemeClr val="tx1"/>
+                </a:solidFill>
+              </a:rPr>
+              <a:t>7</a:t>
+            </a:r>
+          </a:p>
+        </p:txBody>
+      </p:sp>
+      <p:sp>
+        <p:nvSpPr>
+          <p:cNvPr id="51" name="Rectangle 50">
+            <a:extLst>
+              <a:ext uri="{FF2B5EF4-FFF2-40B4-BE49-F238E27FC236}">
+                <a16:creationId xmlns:a16="http://schemas.microsoft.com/office/drawing/2014/main" id="{9B6C419A-68A4-4C11-A8FD-7134C42FC221}"/>
+              </a:ext>
+            </a:extLst>
+          </p:cNvPr>
+          <p:cNvSpPr/>
+          <p:nvPr/>
+        </p:nvSpPr>
+        <p:spPr>
+          <a:xfrm>
+            <a:off x="5737860" y="2498090"/>
+            <a:ext cx="350520" cy="262890"/>
+          </a:xfrm>
+          <a:prstGeom prst="rect">
+            <a:avLst/>
+          </a:prstGeom>
+          <a:noFill/>
+          <a:ln w="19050">
+            <a:solidFill>
+              <a:schemeClr val="tx1"/>
+            </a:solidFill>
+          </a:ln>
+        </p:spPr>
+        <p:style>
+          <a:lnRef idx="2">
+            <a:schemeClr val="accent1">
+              <a:shade val="50000"/>
+            </a:schemeClr>
+          </a:lnRef>
+          <a:fillRef idx="1">
+            <a:schemeClr val="accent1"/>
+          </a:fillRef>
+          <a:effectRef idx="0">
+            <a:schemeClr val="accent1"/>
+          </a:effectRef>
+          <a:fontRef idx="minor">
+            <a:schemeClr val="lt1"/>
+          </a:fontRef>
+        </p:style>
+        <p:txBody>
+          <a:bodyPr rtlCol="0" anchor="ctr"/>
+          <a:lstStyle/>
+          <a:p>
+            <a:pPr algn="ctr"/>
+            <a:r>
+              <a:rPr lang="en-US" sz="1350" dirty="0">
+                <a:solidFill>
+                  <a:schemeClr val="tx1"/>
+                </a:solidFill>
+              </a:rPr>
+              <a:t>2</a:t>
+            </a:r>
+          </a:p>
+        </p:txBody>
+      </p:sp>
+      <p:sp>
+        <p:nvSpPr>
+          <p:cNvPr id="52" name="Rectangle 51">
+            <a:extLst>
+              <a:ext uri="{FF2B5EF4-FFF2-40B4-BE49-F238E27FC236}">
+                <a16:creationId xmlns:a16="http://schemas.microsoft.com/office/drawing/2014/main" id="{2D61859E-556B-438E-A1CA-FCC1F8B07E85}"/>
+              </a:ext>
+            </a:extLst>
+          </p:cNvPr>
+          <p:cNvSpPr/>
+          <p:nvPr/>
+        </p:nvSpPr>
+        <p:spPr>
+          <a:xfrm>
+            <a:off x="6088380" y="2498090"/>
+            <a:ext cx="350520" cy="262890"/>
+          </a:xfrm>
+          <a:prstGeom prst="rect">
+            <a:avLst/>
+          </a:prstGeom>
+          <a:noFill/>
+          <a:ln w="19050">
+            <a:solidFill>
+              <a:schemeClr val="tx1"/>
+            </a:solidFill>
+          </a:ln>
+        </p:spPr>
+        <p:style>
+          <a:lnRef idx="2">
+            <a:schemeClr val="accent1">
+              <a:shade val="50000"/>
+            </a:schemeClr>
+          </a:lnRef>
+          <a:fillRef idx="1">
+            <a:schemeClr val="accent1"/>
+          </a:fillRef>
+          <a:effectRef idx="0">
+            <a:schemeClr val="accent1"/>
+          </a:effectRef>
+          <a:fontRef idx="minor">
+            <a:schemeClr val="lt1"/>
+          </a:fontRef>
+        </p:style>
+        <p:txBody>
+          <a:bodyPr rtlCol="0" anchor="ctr"/>
+          <a:lstStyle/>
+          <a:p>
+            <a:pPr algn="ctr"/>
+            <a:r>
+              <a:rPr lang="en-US" sz="1350" dirty="0">
+                <a:solidFill>
+                  <a:schemeClr val="tx1"/>
+                </a:solidFill>
+              </a:rPr>
+              <a:t>1</a:t>
+            </a:r>
+          </a:p>
+        </p:txBody>
+      </p:sp>
+      <p:sp>
+        <p:nvSpPr>
+          <p:cNvPr id="53" name="Rectangle 52">
+            <a:extLst>
+              <a:ext uri="{FF2B5EF4-FFF2-40B4-BE49-F238E27FC236}">
+                <a16:creationId xmlns:a16="http://schemas.microsoft.com/office/drawing/2014/main" id="{8BC149A9-A923-47DA-B5F8-2F9B27A49507}"/>
+              </a:ext>
+            </a:extLst>
+          </p:cNvPr>
+          <p:cNvSpPr/>
+          <p:nvPr/>
+        </p:nvSpPr>
+        <p:spPr>
+          <a:xfrm>
+            <a:off x="6435090" y="3522980"/>
+            <a:ext cx="350520" cy="262890"/>
+          </a:xfrm>
+          <a:prstGeom prst="rect">
+            <a:avLst/>
+          </a:prstGeom>
+          <a:noFill/>
+          <a:ln w="19050">
+            <a:solidFill>
+              <a:schemeClr val="tx1"/>
+            </a:solidFill>
+          </a:ln>
+        </p:spPr>
+        <p:style>
+          <a:lnRef idx="2">
+            <a:schemeClr val="accent1">
+              <a:shade val="50000"/>
+            </a:schemeClr>
+          </a:lnRef>
+          <a:fillRef idx="1">
+            <a:schemeClr val="accent1"/>
+          </a:fillRef>
+          <a:effectRef idx="0">
+            <a:schemeClr val="accent1"/>
+          </a:effectRef>
+          <a:fontRef idx="minor">
+            <a:schemeClr val="lt1"/>
+          </a:fontRef>
+        </p:style>
+        <p:txBody>
+          <a:bodyPr rtlCol="0" anchor="ctr"/>
+          <a:lstStyle/>
+          <a:p>
+            <a:pPr algn="ctr"/>
+            <a:r>
+              <a:rPr lang="en-US" sz="1350" dirty="0">
+                <a:solidFill>
+                  <a:schemeClr val="tx1"/>
+                </a:solidFill>
+              </a:rPr>
+              <a:t>8</a:t>
+            </a:r>
+          </a:p>
+        </p:txBody>
+      </p:sp>
+      <p:sp>
+        <p:nvSpPr>
+          <p:cNvPr id="54" name="Rectangle 53">
+            <a:extLst>
+              <a:ext uri="{FF2B5EF4-FFF2-40B4-BE49-F238E27FC236}">
+                <a16:creationId xmlns:a16="http://schemas.microsoft.com/office/drawing/2014/main" id="{1CA9430A-B28B-4ACA-A1BB-9F5791D6FA16}"/>
+              </a:ext>
+            </a:extLst>
+          </p:cNvPr>
+          <p:cNvSpPr/>
+          <p:nvPr/>
+        </p:nvSpPr>
+        <p:spPr>
+          <a:xfrm>
+            <a:off x="3280409" y="3522980"/>
+            <a:ext cx="366395" cy="262890"/>
+          </a:xfrm>
+          <a:prstGeom prst="rect">
+            <a:avLst/>
+          </a:prstGeom>
+          <a:noFill/>
+          <a:ln w="19050">
+            <a:solidFill>
+              <a:schemeClr val="tx1"/>
+            </a:solidFill>
+          </a:ln>
+        </p:spPr>
+        <p:style>
+          <a:lnRef idx="2">
+            <a:schemeClr val="accent1">
+              <a:shade val="50000"/>
+            </a:schemeClr>
+          </a:lnRef>
+          <a:fillRef idx="1">
+            <a:schemeClr val="accent1"/>
+          </a:fillRef>
+          <a:effectRef idx="0">
+            <a:schemeClr val="accent1"/>
+          </a:effectRef>
+          <a:fontRef idx="minor">
+            <a:schemeClr val="lt1"/>
+          </a:fontRef>
+        </p:style>
+        <p:txBody>
+          <a:bodyPr rtlCol="0" anchor="ctr"/>
+          <a:lstStyle/>
+          <a:p>
+            <a:pPr algn="ctr"/>
+            <a:r>
+              <a:rPr lang="en-US" sz="1350" dirty="0">
+                <a:solidFill>
+                  <a:schemeClr val="tx1"/>
+                </a:solidFill>
+              </a:rPr>
+              <a:t>10</a:t>
+            </a:r>
+          </a:p>
+        </p:txBody>
+      </p:sp>
+      <p:sp>
+        <p:nvSpPr>
+          <p:cNvPr id="55" name="Rectangle 54">
+            <a:extLst>
+              <a:ext uri="{FF2B5EF4-FFF2-40B4-BE49-F238E27FC236}">
+                <a16:creationId xmlns:a16="http://schemas.microsoft.com/office/drawing/2014/main" id="{8B60E113-1E09-4010-AE73-7FD057113A4B}"/>
+              </a:ext>
+            </a:extLst>
+          </p:cNvPr>
+          <p:cNvSpPr/>
+          <p:nvPr/>
+        </p:nvSpPr>
+        <p:spPr>
+          <a:xfrm>
+            <a:off x="3630930" y="3522980"/>
+            <a:ext cx="350520" cy="262890"/>
+          </a:xfrm>
+          <a:prstGeom prst="rect">
+            <a:avLst/>
+          </a:prstGeom>
+          <a:noFill/>
+          <a:ln w="19050">
+            <a:solidFill>
+              <a:schemeClr val="tx1"/>
+            </a:solidFill>
+          </a:ln>
+        </p:spPr>
+        <p:style>
+          <a:lnRef idx="2">
+            <a:schemeClr val="accent1">
+              <a:shade val="50000"/>
+            </a:schemeClr>
+          </a:lnRef>
+          <a:fillRef idx="1">
+            <a:schemeClr val="accent1"/>
+          </a:fillRef>
+          <a:effectRef idx="0">
+            <a:schemeClr val="accent1"/>
+          </a:effectRef>
+          <a:fontRef idx="minor">
+            <a:schemeClr val="lt1"/>
+          </a:fontRef>
+        </p:style>
+        <p:txBody>
+          <a:bodyPr rtlCol="0" anchor="ctr"/>
+          <a:lstStyle/>
+          <a:p>
+            <a:pPr algn="ctr"/>
+            <a:r>
+              <a:rPr lang="en-US" sz="1350" dirty="0">
+                <a:solidFill>
+                  <a:schemeClr val="tx1"/>
+                </a:solidFill>
+              </a:rPr>
+              <a:t>4</a:t>
+            </a:r>
+          </a:p>
+        </p:txBody>
+      </p:sp>
+      <p:sp>
+        <p:nvSpPr>
+          <p:cNvPr id="56" name="Rectangle 55">
+            <a:extLst>
+              <a:ext uri="{FF2B5EF4-FFF2-40B4-BE49-F238E27FC236}">
+                <a16:creationId xmlns:a16="http://schemas.microsoft.com/office/drawing/2014/main" id="{1D937FFE-4DDD-4BA1-B0D2-462444F3DAD2}"/>
+              </a:ext>
+            </a:extLst>
+          </p:cNvPr>
+          <p:cNvSpPr/>
+          <p:nvPr/>
+        </p:nvSpPr>
+        <p:spPr>
+          <a:xfrm>
+            <a:off x="3981450" y="3522980"/>
+            <a:ext cx="350520" cy="262890"/>
+          </a:xfrm>
+          <a:prstGeom prst="rect">
+            <a:avLst/>
+          </a:prstGeom>
+          <a:noFill/>
+          <a:ln w="19050">
+            <a:solidFill>
+              <a:schemeClr val="tx1"/>
+            </a:solidFill>
+          </a:ln>
+        </p:spPr>
+        <p:style>
+          <a:lnRef idx="2">
+            <a:schemeClr val="accent1">
+              <a:shade val="50000"/>
+            </a:schemeClr>
+          </a:lnRef>
+          <a:fillRef idx="1">
+            <a:schemeClr val="accent1"/>
+          </a:fillRef>
+          <a:effectRef idx="0">
+            <a:schemeClr val="accent1"/>
+          </a:effectRef>
+          <a:fontRef idx="minor">
+            <a:schemeClr val="lt1"/>
+          </a:fontRef>
+        </p:style>
+        <p:txBody>
+          <a:bodyPr rtlCol="0" anchor="ctr"/>
+          <a:lstStyle/>
+          <a:p>
+            <a:pPr algn="ctr"/>
+            <a:r>
+              <a:rPr lang="en-US" sz="1350" dirty="0">
+                <a:solidFill>
+                  <a:schemeClr val="tx1"/>
+                </a:solidFill>
+              </a:rPr>
+              <a:t>1</a:t>
+            </a:r>
+          </a:p>
+        </p:txBody>
+      </p:sp>
+      <p:sp>
+        <p:nvSpPr>
+          <p:cNvPr id="57" name="Rectangle 56">
+            <a:extLst>
+              <a:ext uri="{FF2B5EF4-FFF2-40B4-BE49-F238E27FC236}">
+                <a16:creationId xmlns:a16="http://schemas.microsoft.com/office/drawing/2014/main" id="{1CF5EE00-40C5-4082-A4C1-9A1011E7B9AA}"/>
+              </a:ext>
+            </a:extLst>
+          </p:cNvPr>
+          <p:cNvSpPr/>
+          <p:nvPr/>
+        </p:nvSpPr>
+        <p:spPr>
+          <a:xfrm>
+            <a:off x="4331970" y="3522980"/>
+            <a:ext cx="350520" cy="262890"/>
+          </a:xfrm>
+          <a:prstGeom prst="rect">
+            <a:avLst/>
+          </a:prstGeom>
+          <a:noFill/>
+          <a:ln w="19050">
+            <a:solidFill>
+              <a:schemeClr val="tx1"/>
+            </a:solidFill>
+          </a:ln>
+        </p:spPr>
+        <p:style>
+          <a:lnRef idx="2">
+            <a:schemeClr val="accent1">
+              <a:shade val="50000"/>
+            </a:schemeClr>
+          </a:lnRef>
+          <a:fillRef idx="1">
+            <a:schemeClr val="accent1"/>
+          </a:fillRef>
+          <a:effectRef idx="0">
+            <a:schemeClr val="accent1"/>
+          </a:effectRef>
+          <a:fontRef idx="minor">
+            <a:schemeClr val="lt1"/>
+          </a:fontRef>
+        </p:style>
+        <p:txBody>
+          <a:bodyPr rtlCol="0" anchor="ctr"/>
+          <a:lstStyle/>
+          <a:p>
+            <a:pPr algn="ctr"/>
+            <a:r>
+              <a:rPr lang="en-US" sz="1350" dirty="0">
+                <a:solidFill>
+                  <a:schemeClr val="tx1"/>
+                </a:solidFill>
+              </a:rPr>
+              <a:t>9</a:t>
+            </a:r>
+          </a:p>
+        </p:txBody>
+      </p:sp>
+      <p:sp>
+        <p:nvSpPr>
+          <p:cNvPr id="58" name="Rectangle 57">
+            <a:extLst>
+              <a:ext uri="{FF2B5EF4-FFF2-40B4-BE49-F238E27FC236}">
+                <a16:creationId xmlns:a16="http://schemas.microsoft.com/office/drawing/2014/main" id="{52DFD25C-8333-4191-8C07-AC89DB565A45}"/>
+              </a:ext>
+            </a:extLst>
+          </p:cNvPr>
+          <p:cNvSpPr/>
+          <p:nvPr/>
+        </p:nvSpPr>
+        <p:spPr>
+          <a:xfrm>
+            <a:off x="4682490" y="3522980"/>
+            <a:ext cx="350520" cy="262890"/>
+          </a:xfrm>
+          <a:prstGeom prst="rect">
+            <a:avLst/>
+          </a:prstGeom>
+          <a:noFill/>
+          <a:ln w="19050">
+            <a:solidFill>
+              <a:schemeClr val="tx1"/>
+            </a:solidFill>
+          </a:ln>
+        </p:spPr>
+        <p:style>
+          <a:lnRef idx="2">
+            <a:schemeClr val="accent1">
+              <a:shade val="50000"/>
+            </a:schemeClr>
+          </a:lnRef>
+          <a:fillRef idx="1">
+            <a:schemeClr val="accent1"/>
+          </a:fillRef>
+          <a:effectRef idx="0">
+            <a:schemeClr val="accent1"/>
+          </a:effectRef>
+          <a:fontRef idx="minor">
+            <a:schemeClr val="lt1"/>
+          </a:fontRef>
+        </p:style>
+        <p:txBody>
+          <a:bodyPr rtlCol="0" anchor="ctr"/>
+          <a:lstStyle/>
+          <a:p>
+            <a:pPr algn="ctr"/>
+            <a:r>
+              <a:rPr lang="en-US" sz="1350" dirty="0">
+                <a:solidFill>
+                  <a:schemeClr val="tx1"/>
+                </a:solidFill>
+              </a:rPr>
+              <a:t>7</a:t>
+            </a:r>
+          </a:p>
+        </p:txBody>
+      </p:sp>
+      <p:sp>
+        <p:nvSpPr>
+          <p:cNvPr id="59" name="Rectangle 58">
+            <a:extLst>
+              <a:ext uri="{FF2B5EF4-FFF2-40B4-BE49-F238E27FC236}">
+                <a16:creationId xmlns:a16="http://schemas.microsoft.com/office/drawing/2014/main" id="{918A65E0-F0B8-47D2-B9B5-F729159D91A6}"/>
+              </a:ext>
+            </a:extLst>
+          </p:cNvPr>
+          <p:cNvSpPr/>
+          <p:nvPr/>
+        </p:nvSpPr>
+        <p:spPr>
+          <a:xfrm>
+            <a:off x="5033010" y="3522980"/>
+            <a:ext cx="350520" cy="262890"/>
+          </a:xfrm>
+          <a:prstGeom prst="rect">
+            <a:avLst/>
+          </a:prstGeom>
+          <a:noFill/>
+          <a:ln w="19050">
+            <a:solidFill>
+              <a:schemeClr val="tx1"/>
+            </a:solidFill>
+          </a:ln>
+        </p:spPr>
+        <p:style>
+          <a:lnRef idx="2">
+            <a:schemeClr val="accent1">
+              <a:shade val="50000"/>
+            </a:schemeClr>
+          </a:lnRef>
+          <a:fillRef idx="1">
+            <a:schemeClr val="accent1"/>
+          </a:fillRef>
+          <a:effectRef idx="0">
+            <a:schemeClr val="accent1"/>
+          </a:effectRef>
+          <a:fontRef idx="minor">
+            <a:schemeClr val="lt1"/>
+          </a:fontRef>
+        </p:style>
+        <p:txBody>
+          <a:bodyPr rtlCol="0" anchor="ctr"/>
+          <a:lstStyle/>
+          <a:p>
+            <a:pPr algn="ctr"/>
+            <a:r>
+              <a:rPr lang="en-US" sz="1350" dirty="0">
+                <a:solidFill>
+                  <a:schemeClr val="tx1"/>
+                </a:solidFill>
+              </a:rPr>
+              <a:t>3</a:t>
+            </a:r>
+          </a:p>
+        </p:txBody>
+      </p:sp>
+      <p:sp>
+        <p:nvSpPr>
+          <p:cNvPr id="60" name="Rectangle 59">
+            <a:extLst>
+              <a:ext uri="{FF2B5EF4-FFF2-40B4-BE49-F238E27FC236}">
+                <a16:creationId xmlns:a16="http://schemas.microsoft.com/office/drawing/2014/main" id="{4E19E278-0BFD-43AE-939C-CB314A8BDA79}"/>
+              </a:ext>
+            </a:extLst>
+          </p:cNvPr>
+          <p:cNvSpPr/>
+          <p:nvPr/>
+        </p:nvSpPr>
+        <p:spPr>
+          <a:xfrm>
+            <a:off x="5383530" y="3522980"/>
+            <a:ext cx="350520" cy="262890"/>
+          </a:xfrm>
+          <a:prstGeom prst="rect">
+            <a:avLst/>
+          </a:prstGeom>
+          <a:noFill/>
+          <a:ln w="19050">
+            <a:solidFill>
+              <a:schemeClr val="tx1"/>
+            </a:solidFill>
+          </a:ln>
+        </p:spPr>
+        <p:style>
+          <a:lnRef idx="2">
+            <a:schemeClr val="accent1">
+              <a:shade val="50000"/>
+            </a:schemeClr>
+          </a:lnRef>
+          <a:fillRef idx="1">
+            <a:schemeClr val="accent1"/>
+          </a:fillRef>
+          <a:effectRef idx="0">
+            <a:schemeClr val="accent1"/>
+          </a:effectRef>
+          <a:fontRef idx="minor">
+            <a:schemeClr val="lt1"/>
+          </a:fontRef>
+        </p:style>
+        <p:txBody>
+          <a:bodyPr rtlCol="0" anchor="ctr"/>
+          <a:lstStyle/>
+          <a:p>
+            <a:pPr algn="ctr"/>
+            <a:r>
+              <a:rPr lang="en-US" sz="1350" dirty="0">
+                <a:solidFill>
+                  <a:schemeClr val="tx1"/>
+                </a:solidFill>
+              </a:rPr>
+              <a:t>3</a:t>
+            </a:r>
+          </a:p>
+        </p:txBody>
+      </p:sp>
+      <p:sp>
+        <p:nvSpPr>
+          <p:cNvPr id="61" name="Rectangle 60">
+            <a:extLst>
+              <a:ext uri="{FF2B5EF4-FFF2-40B4-BE49-F238E27FC236}">
+                <a16:creationId xmlns:a16="http://schemas.microsoft.com/office/drawing/2014/main" id="{79AAE566-3BA5-475C-AC14-5B4B53923598}"/>
+              </a:ext>
+            </a:extLst>
+          </p:cNvPr>
+          <p:cNvSpPr/>
+          <p:nvPr/>
+        </p:nvSpPr>
+        <p:spPr>
+          <a:xfrm>
+            <a:off x="5734050" y="3522980"/>
+            <a:ext cx="350520" cy="262890"/>
+          </a:xfrm>
+          <a:prstGeom prst="rect">
+            <a:avLst/>
+          </a:prstGeom>
+          <a:noFill/>
+          <a:ln w="19050">
+            <a:solidFill>
+              <a:schemeClr val="tx1"/>
+            </a:solidFill>
+          </a:ln>
+        </p:spPr>
+        <p:style>
+          <a:lnRef idx="2">
+            <a:schemeClr val="accent1">
+              <a:shade val="50000"/>
+            </a:schemeClr>
+          </a:lnRef>
+          <a:fillRef idx="1">
+            <a:schemeClr val="accent1"/>
+          </a:fillRef>
+          <a:effectRef idx="0">
+            <a:schemeClr val="accent1"/>
+          </a:effectRef>
+          <a:fontRef idx="minor">
+            <a:schemeClr val="lt1"/>
+          </a:fontRef>
+        </p:style>
+        <p:txBody>
+          <a:bodyPr rtlCol="0" anchor="ctr"/>
+          <a:lstStyle/>
+          <a:p>
+            <a:pPr algn="ctr"/>
+            <a:r>
+              <a:rPr lang="en-US" sz="1350" dirty="0">
+                <a:solidFill>
+                  <a:schemeClr val="tx1"/>
+                </a:solidFill>
+              </a:rPr>
+              <a:t>2</a:t>
+            </a:r>
+          </a:p>
+        </p:txBody>
+      </p:sp>
+      <p:sp>
+        <p:nvSpPr>
+          <p:cNvPr id="62" name="Rectangle 61">
+            <a:extLst>
+              <a:ext uri="{FF2B5EF4-FFF2-40B4-BE49-F238E27FC236}">
+                <a16:creationId xmlns:a16="http://schemas.microsoft.com/office/drawing/2014/main" id="{E6281C10-BBDE-4F79-8A8B-B7891C060486}"/>
+              </a:ext>
+            </a:extLst>
+          </p:cNvPr>
+          <p:cNvSpPr/>
+          <p:nvPr/>
+        </p:nvSpPr>
+        <p:spPr>
+          <a:xfrm>
+            <a:off x="6076950" y="3522980"/>
+            <a:ext cx="358140" cy="262890"/>
+          </a:xfrm>
+          <a:prstGeom prst="rect">
+            <a:avLst/>
+          </a:prstGeom>
+          <a:noFill/>
+          <a:ln w="19050">
+            <a:solidFill>
+              <a:schemeClr val="tx1"/>
+            </a:solidFill>
+          </a:ln>
+        </p:spPr>
+        <p:style>
+          <a:lnRef idx="2">
+            <a:schemeClr val="accent1">
+              <a:shade val="50000"/>
+            </a:schemeClr>
+          </a:lnRef>
+          <a:fillRef idx="1">
+            <a:schemeClr val="accent1"/>
+          </a:fillRef>
+          <a:effectRef idx="0">
+            <a:schemeClr val="accent1"/>
+          </a:effectRef>
+          <a:fontRef idx="minor">
+            <a:schemeClr val="lt1"/>
+          </a:fontRef>
+        </p:style>
+        <p:txBody>
+          <a:bodyPr rtlCol="0" anchor="ctr"/>
+          <a:lstStyle/>
+          <a:p>
+            <a:pPr algn="ctr"/>
+            <a:r>
+              <a:rPr lang="en-US" sz="1350" dirty="0">
+                <a:solidFill>
+                  <a:schemeClr val="tx1"/>
+                </a:solidFill>
+              </a:rPr>
+              <a:t>10</a:t>
+            </a:r>
+          </a:p>
+        </p:txBody>
+      </p:sp>
+      <p:sp>
+        <p:nvSpPr>
+          <p:cNvPr id="63" name="TextBox 62">
+            <a:extLst>
+              <a:ext uri="{FF2B5EF4-FFF2-40B4-BE49-F238E27FC236}">
+                <a16:creationId xmlns:a16="http://schemas.microsoft.com/office/drawing/2014/main" id="{982E8152-59F7-4CB7-9CC4-961C9A01A668}"/>
+              </a:ext>
+            </a:extLst>
+          </p:cNvPr>
+          <p:cNvSpPr txBox="1"/>
+          <p:nvPr/>
+        </p:nvSpPr>
+        <p:spPr>
+          <a:xfrm>
+            <a:off x="7075172" y="715010"/>
+            <a:ext cx="1044574" cy="507831"/>
+          </a:xfrm>
+          <a:prstGeom prst="rect">
+            <a:avLst/>
+          </a:prstGeom>
+          <a:noFill/>
+        </p:spPr>
+        <p:txBody>
+          <a:bodyPr wrap="square" rtlCol="0">
+            <a:spAutoFit/>
+          </a:bodyPr>
+          <a:lstStyle/>
+          <a:p>
+            <a:r>
+              <a:rPr lang="en-US" sz="1350" b="1" dirty="0"/>
+              <a:t>Data sample</a:t>
+            </a:r>
+          </a:p>
+        </p:txBody>
+      </p:sp>
+      <mc:AlternateContent xmlns:mc="http://schemas.openxmlformats.org/markup-compatibility/2006" xmlns:a14="http://schemas.microsoft.com/office/drawing/2010/main">
+        <mc:Choice Requires="a14">
+          <p:sp>
+            <p:nvSpPr>
+              <p:cNvPr id="65" name="TextBox 64">
+                <a:extLst>
+                  <a:ext uri="{FF2B5EF4-FFF2-40B4-BE49-F238E27FC236}">
+                    <a16:creationId xmlns:a16="http://schemas.microsoft.com/office/drawing/2014/main" id="{AB22AD04-9D80-4711-A446-93F9FC4E54EB}"/>
+                  </a:ext>
+                </a:extLst>
+              </p:cNvPr>
+              <p:cNvSpPr txBox="1"/>
+              <p:nvPr/>
+            </p:nvSpPr>
+            <p:spPr>
+              <a:xfrm>
+                <a:off x="6789420" y="1295261"/>
+                <a:ext cx="848721" cy="300082"/>
+              </a:xfrm>
+              <a:prstGeom prst="rect">
+                <a:avLst/>
+              </a:prstGeom>
+              <a:noFill/>
+            </p:spPr>
+            <p:txBody>
+              <a:bodyPr wrap="square" rtlCol="0">
+                <a:spAutoFit/>
+              </a:bodyPr>
+              <a:lstStyle/>
+              <a:p>
+                <a14:m>
+                  <m:oMath xmlns:m="http://schemas.openxmlformats.org/officeDocument/2006/math">
+                    <m:groupChr>
+                      <m:groupChrPr>
+                        <m:chr m:val="→"/>
+                        <m:vertJc m:val="bot"/>
+                        <m:ctrlPr>
+                          <a:rPr lang="en-US" sz="1350" b="1" i="1">
+                            <a:latin typeface="Cambria Math" panose="02040503050406030204" pitchFamily="18" charset="0"/>
+                          </a:rPr>
+                        </m:ctrlPr>
+                      </m:groupChrPr>
+                      <m:e>
+                        <m:r>
+                          <m:rPr>
+                            <m:brk m:alnAt="2"/>
+                          </m:rPr>
+                          <a:rPr lang="en-US" sz="1350" b="1" i="1">
+                            <a:latin typeface="Cambria Math" panose="02040503050406030204" pitchFamily="18" charset="0"/>
+                          </a:rPr>
+                          <m:t> </m:t>
+                        </m:r>
+                      </m:e>
+                    </m:groupChr>
+                  </m:oMath>
+                </a14:m>
+                <a:r>
+                  <a:rPr lang="en-US" sz="1350" b="1" dirty="0"/>
+                  <a:t> </a:t>
+                </a:r>
+                <a14:m>
+                  <m:oMath xmlns:m="http://schemas.openxmlformats.org/officeDocument/2006/math">
+                    <m:sSub>
+                      <m:sSubPr>
+                        <m:ctrlPr>
+                          <a:rPr lang="en-US" sz="1350" b="1" i="1" dirty="0">
+                            <a:latin typeface="Cambria Math" panose="02040503050406030204" pitchFamily="18" charset="0"/>
+                          </a:rPr>
+                        </m:ctrlPr>
+                      </m:sSubPr>
+                      <m:e>
+                        <m:acc>
+                          <m:accPr>
+                            <m:chr m:val="̅"/>
+                            <m:ctrlPr>
+                              <a:rPr lang="en-US" sz="1350" b="1" i="1" dirty="0">
+                                <a:latin typeface="Cambria Math" panose="02040503050406030204" pitchFamily="18" charset="0"/>
+                              </a:rPr>
+                            </m:ctrlPr>
+                          </m:accPr>
+                          <m:e>
+                            <m:r>
+                              <a:rPr lang="en-US" sz="1350" b="1" i="1" dirty="0">
+                                <a:latin typeface="Cambria Math" panose="02040503050406030204" pitchFamily="18" charset="0"/>
+                              </a:rPr>
+                              <m:t>𝒙</m:t>
+                            </m:r>
+                          </m:e>
+                        </m:acc>
+                      </m:e>
+                      <m:sub>
+                        <m:r>
+                          <a:rPr lang="en-US" sz="1350" b="1" i="1" dirty="0">
+                            <a:latin typeface="Cambria Math" panose="02040503050406030204" pitchFamily="18" charset="0"/>
+                          </a:rPr>
+                          <m:t>𝟏</m:t>
+                        </m:r>
+                      </m:sub>
+                    </m:sSub>
+                  </m:oMath>
+                </a14:m>
+                <a:endParaRPr lang="en-US" sz="1350" b="1" dirty="0"/>
+              </a:p>
+            </p:txBody>
+          </p:sp>
+        </mc:Choice>
+        <mc:Fallback xmlns="">
+          <p:sp>
+            <p:nvSpPr>
+              <p:cNvPr id="65" name="TextBox 64">
+                <a:extLst>
+                  <a:ext uri="{FF2B5EF4-FFF2-40B4-BE49-F238E27FC236}">
+                    <a16:creationId xmlns:a16="http://schemas.microsoft.com/office/drawing/2014/main" id="{AB22AD04-9D80-4711-A446-93F9FC4E54EB}"/>
+                  </a:ext>
+                </a:extLst>
+              </p:cNvPr>
+              <p:cNvSpPr txBox="1">
+                <a:spLocks noRot="1" noChangeAspect="1" noMove="1" noResize="1" noEditPoints="1" noAdjustHandles="1" noChangeArrowheads="1" noChangeShapeType="1" noTextEdit="1"/>
+              </p:cNvSpPr>
+              <p:nvPr/>
+            </p:nvSpPr>
+            <p:spPr>
+              <a:xfrm>
+                <a:off x="6789420" y="1295261"/>
+                <a:ext cx="848721" cy="300082"/>
+              </a:xfrm>
+              <a:prstGeom prst="rect">
+                <a:avLst/>
+              </a:prstGeom>
+              <a:blipFill>
+                <a:blip r:embed="rId2"/>
+                <a:stretch>
+                  <a:fillRect l="-7194" t="-22000" b="-48000"/>
+                </a:stretch>
+              </a:blipFill>
+            </p:spPr>
+            <p:txBody>
+              <a:bodyPr/>
+              <a:lstStyle/>
+              <a:p>
+                <a:r>
+                  <a:rPr lang="en-US">
+                    <a:noFill/>
+                  </a:rPr>
+                  <a:t> </a:t>
+                </a:r>
+              </a:p>
+            </p:txBody>
+          </p:sp>
+        </mc:Fallback>
+      </mc:AlternateContent>
+      <mc:AlternateContent xmlns:mc="http://schemas.openxmlformats.org/markup-compatibility/2006" xmlns:a14="http://schemas.microsoft.com/office/drawing/2010/main">
+        <mc:Choice Requires="a14">
+          <p:sp>
+            <p:nvSpPr>
+              <p:cNvPr id="66" name="TextBox 65">
+                <a:extLst>
+                  <a:ext uri="{FF2B5EF4-FFF2-40B4-BE49-F238E27FC236}">
+                    <a16:creationId xmlns:a16="http://schemas.microsoft.com/office/drawing/2014/main" id="{6E7B1244-E8EA-4E83-A6A2-482E4B36BB00}"/>
+                  </a:ext>
+                </a:extLst>
+              </p:cNvPr>
+              <p:cNvSpPr txBox="1"/>
+              <p:nvPr/>
+            </p:nvSpPr>
+            <p:spPr>
+              <a:xfrm>
+                <a:off x="6835861" y="1903730"/>
+                <a:ext cx="773345" cy="300082"/>
+              </a:xfrm>
+              <a:prstGeom prst="rect">
+                <a:avLst/>
+              </a:prstGeom>
+              <a:noFill/>
+            </p:spPr>
+            <p:txBody>
+              <a:bodyPr wrap="square" rtlCol="0">
+                <a:spAutoFit/>
+              </a:bodyPr>
+              <a:lstStyle/>
+              <a:p>
+                <a14:m>
+                  <m:oMath xmlns:m="http://schemas.openxmlformats.org/officeDocument/2006/math">
+                    <m:groupChr>
+                      <m:groupChrPr>
+                        <m:chr m:val="→"/>
+                        <m:vertJc m:val="bot"/>
+                        <m:ctrlPr>
+                          <a:rPr lang="en-US" sz="1350" b="1" i="1">
+                            <a:latin typeface="Cambria Math" panose="02040503050406030204" pitchFamily="18" charset="0"/>
+                          </a:rPr>
+                        </m:ctrlPr>
+                      </m:groupChrPr>
+                      <m:e>
+                        <m:r>
+                          <m:rPr>
+                            <m:brk m:alnAt="2"/>
+                          </m:rPr>
+                          <a:rPr lang="en-US" sz="1350" b="1" i="1">
+                            <a:latin typeface="Cambria Math" panose="02040503050406030204" pitchFamily="18" charset="0"/>
+                          </a:rPr>
+                          <m:t> </m:t>
+                        </m:r>
+                      </m:e>
+                    </m:groupChr>
+                  </m:oMath>
+                </a14:m>
+                <a:r>
+                  <a:rPr lang="en-US" sz="1350" b="1" dirty="0"/>
+                  <a:t> </a:t>
+                </a:r>
+                <a14:m>
+                  <m:oMath xmlns:m="http://schemas.openxmlformats.org/officeDocument/2006/math">
+                    <m:sSub>
+                      <m:sSubPr>
+                        <m:ctrlPr>
+                          <a:rPr lang="en-US" sz="1350" b="1" i="1" dirty="0">
+                            <a:latin typeface="Cambria Math" panose="02040503050406030204" pitchFamily="18" charset="0"/>
+                          </a:rPr>
+                        </m:ctrlPr>
+                      </m:sSubPr>
+                      <m:e>
+                        <m:acc>
+                          <m:accPr>
+                            <m:chr m:val="̅"/>
+                            <m:ctrlPr>
+                              <a:rPr lang="en-US" sz="1350" b="1" i="1" dirty="0">
+                                <a:latin typeface="Cambria Math" panose="02040503050406030204" pitchFamily="18" charset="0"/>
+                              </a:rPr>
+                            </m:ctrlPr>
+                          </m:accPr>
+                          <m:e>
+                            <m:r>
+                              <a:rPr lang="en-US" sz="1350" b="1" i="1" dirty="0">
+                                <a:latin typeface="Cambria Math" panose="02040503050406030204" pitchFamily="18" charset="0"/>
+                              </a:rPr>
+                              <m:t>𝒙</m:t>
+                            </m:r>
+                          </m:e>
+                        </m:acc>
+                      </m:e>
+                      <m:sub>
+                        <m:r>
+                          <a:rPr lang="en-US" sz="1350" b="1" i="1" dirty="0">
+                            <a:latin typeface="Cambria Math" panose="02040503050406030204" pitchFamily="18" charset="0"/>
+                          </a:rPr>
+                          <m:t>𝟐</m:t>
+                        </m:r>
+                      </m:sub>
+                    </m:sSub>
+                  </m:oMath>
+                </a14:m>
+                <a:endParaRPr lang="en-US" sz="1350" b="1" dirty="0"/>
+              </a:p>
+            </p:txBody>
+          </p:sp>
+        </mc:Choice>
+        <mc:Fallback xmlns="">
+          <p:sp>
+            <p:nvSpPr>
+              <p:cNvPr id="66" name="TextBox 65">
+                <a:extLst>
+                  <a:ext uri="{FF2B5EF4-FFF2-40B4-BE49-F238E27FC236}">
+                    <a16:creationId xmlns:a16="http://schemas.microsoft.com/office/drawing/2014/main" id="{6E7B1244-E8EA-4E83-A6A2-482E4B36BB00}"/>
+                  </a:ext>
+                </a:extLst>
+              </p:cNvPr>
+              <p:cNvSpPr txBox="1">
+                <a:spLocks noRot="1" noChangeAspect="1" noMove="1" noResize="1" noEditPoints="1" noAdjustHandles="1" noChangeArrowheads="1" noChangeShapeType="1" noTextEdit="1"/>
+              </p:cNvSpPr>
+              <p:nvPr/>
+            </p:nvSpPr>
+            <p:spPr>
+              <a:xfrm>
+                <a:off x="6835861" y="1903730"/>
+                <a:ext cx="773345" cy="300082"/>
+              </a:xfrm>
+              <a:prstGeom prst="rect">
+                <a:avLst/>
+              </a:prstGeom>
+              <a:blipFill>
+                <a:blip r:embed="rId3"/>
+                <a:stretch>
+                  <a:fillRect l="-7087" t="-22000" b="-48000"/>
+                </a:stretch>
+              </a:blipFill>
+            </p:spPr>
+            <p:txBody>
+              <a:bodyPr/>
+              <a:lstStyle/>
+              <a:p>
+                <a:r>
+                  <a:rPr lang="en-US">
+                    <a:noFill/>
+                  </a:rPr>
+                  <a:t> </a:t>
+                </a:r>
+              </a:p>
+            </p:txBody>
+          </p:sp>
+        </mc:Fallback>
+      </mc:AlternateContent>
+      <mc:AlternateContent xmlns:mc="http://schemas.openxmlformats.org/markup-compatibility/2006" xmlns:a14="http://schemas.microsoft.com/office/drawing/2010/main">
+        <mc:Choice Requires="a14">
+          <p:sp>
+            <p:nvSpPr>
+              <p:cNvPr id="67" name="TextBox 66">
+                <a:extLst>
+                  <a:ext uri="{FF2B5EF4-FFF2-40B4-BE49-F238E27FC236}">
+                    <a16:creationId xmlns:a16="http://schemas.microsoft.com/office/drawing/2014/main" id="{8616BD90-8884-4E86-A135-B4371B12ADD2}"/>
+                  </a:ext>
+                </a:extLst>
+              </p:cNvPr>
+              <p:cNvSpPr txBox="1"/>
+              <p:nvPr/>
+            </p:nvSpPr>
+            <p:spPr>
+              <a:xfrm>
+                <a:off x="6789420" y="2482850"/>
+                <a:ext cx="848721" cy="300082"/>
+              </a:xfrm>
+              <a:prstGeom prst="rect">
+                <a:avLst/>
+              </a:prstGeom>
+              <a:noFill/>
+            </p:spPr>
+            <p:txBody>
+              <a:bodyPr wrap="square" rtlCol="0">
+                <a:spAutoFit/>
+              </a:bodyPr>
+              <a:lstStyle/>
+              <a:p>
+                <a14:m>
+                  <m:oMath xmlns:m="http://schemas.openxmlformats.org/officeDocument/2006/math">
+                    <m:groupChr>
+                      <m:groupChrPr>
+                        <m:chr m:val="→"/>
+                        <m:vertJc m:val="bot"/>
+                        <m:ctrlPr>
+                          <a:rPr lang="en-US" sz="1350" b="1" i="1">
+                            <a:latin typeface="Cambria Math" panose="02040503050406030204" pitchFamily="18" charset="0"/>
+                          </a:rPr>
+                        </m:ctrlPr>
+                      </m:groupChrPr>
+                      <m:e>
+                        <m:r>
+                          <m:rPr>
+                            <m:brk m:alnAt="2"/>
+                          </m:rPr>
+                          <a:rPr lang="en-US" sz="1350" b="1" i="1">
+                            <a:latin typeface="Cambria Math" panose="02040503050406030204" pitchFamily="18" charset="0"/>
+                          </a:rPr>
+                          <m:t> </m:t>
+                        </m:r>
+                      </m:e>
+                    </m:groupChr>
+                  </m:oMath>
+                </a14:m>
+                <a:r>
+                  <a:rPr lang="en-US" sz="1350" b="1" dirty="0"/>
+                  <a:t> </a:t>
+                </a:r>
+                <a14:m>
+                  <m:oMath xmlns:m="http://schemas.openxmlformats.org/officeDocument/2006/math">
+                    <m:sSub>
+                      <m:sSubPr>
+                        <m:ctrlPr>
+                          <a:rPr lang="en-US" sz="1350" b="1" i="1" dirty="0">
+                            <a:latin typeface="Cambria Math" panose="02040503050406030204" pitchFamily="18" charset="0"/>
+                          </a:rPr>
+                        </m:ctrlPr>
+                      </m:sSubPr>
+                      <m:e>
+                        <m:acc>
+                          <m:accPr>
+                            <m:chr m:val="̅"/>
+                            <m:ctrlPr>
+                              <a:rPr lang="en-US" sz="1350" b="1" i="1" dirty="0">
+                                <a:latin typeface="Cambria Math" panose="02040503050406030204" pitchFamily="18" charset="0"/>
+                              </a:rPr>
+                            </m:ctrlPr>
+                          </m:accPr>
+                          <m:e>
+                            <m:r>
+                              <a:rPr lang="en-US" sz="1350" b="1" i="1" dirty="0">
+                                <a:latin typeface="Cambria Math" panose="02040503050406030204" pitchFamily="18" charset="0"/>
+                              </a:rPr>
+                              <m:t>𝒙</m:t>
+                            </m:r>
+                          </m:e>
+                        </m:acc>
+                      </m:e>
+                      <m:sub>
+                        <m:r>
+                          <a:rPr lang="en-US" sz="1350" b="1" i="1" dirty="0">
+                            <a:latin typeface="Cambria Math" panose="02040503050406030204" pitchFamily="18" charset="0"/>
+                          </a:rPr>
+                          <m:t>𝟑</m:t>
+                        </m:r>
+                      </m:sub>
+                    </m:sSub>
+                  </m:oMath>
+                </a14:m>
+                <a:endParaRPr lang="en-US" sz="1350" b="1" dirty="0"/>
+              </a:p>
+            </p:txBody>
+          </p:sp>
+        </mc:Choice>
+        <mc:Fallback xmlns="">
+          <p:sp>
+            <p:nvSpPr>
+              <p:cNvPr id="67" name="TextBox 66">
+                <a:extLst>
+                  <a:ext uri="{FF2B5EF4-FFF2-40B4-BE49-F238E27FC236}">
+                    <a16:creationId xmlns:a16="http://schemas.microsoft.com/office/drawing/2014/main" id="{8616BD90-8884-4E86-A135-B4371B12ADD2}"/>
+                  </a:ext>
+                </a:extLst>
+              </p:cNvPr>
+              <p:cNvSpPr txBox="1">
+                <a:spLocks noRot="1" noChangeAspect="1" noMove="1" noResize="1" noEditPoints="1" noAdjustHandles="1" noChangeArrowheads="1" noChangeShapeType="1" noTextEdit="1"/>
+              </p:cNvSpPr>
+              <p:nvPr/>
+            </p:nvSpPr>
+            <p:spPr>
+              <a:xfrm>
+                <a:off x="6789420" y="2482850"/>
+                <a:ext cx="848721" cy="300082"/>
+              </a:xfrm>
+              <a:prstGeom prst="rect">
+                <a:avLst/>
+              </a:prstGeom>
+              <a:blipFill>
+                <a:blip r:embed="rId4"/>
+                <a:stretch>
+                  <a:fillRect l="-7194" t="-22000" b="-48000"/>
+                </a:stretch>
+              </a:blipFill>
+            </p:spPr>
+            <p:txBody>
+              <a:bodyPr/>
+              <a:lstStyle/>
+              <a:p>
+                <a:r>
+                  <a:rPr lang="en-US">
+                    <a:noFill/>
+                  </a:rPr>
+                  <a:t> </a:t>
+                </a:r>
+              </a:p>
+            </p:txBody>
+          </p:sp>
+        </mc:Fallback>
+      </mc:AlternateContent>
+      <mc:AlternateContent xmlns:mc="http://schemas.openxmlformats.org/markup-compatibility/2006" xmlns:a14="http://schemas.microsoft.com/office/drawing/2010/main">
+        <mc:Choice Requires="a14">
+          <p:sp>
+            <p:nvSpPr>
+              <p:cNvPr id="68" name="TextBox 67">
+                <a:extLst>
+                  <a:ext uri="{FF2B5EF4-FFF2-40B4-BE49-F238E27FC236}">
+                    <a16:creationId xmlns:a16="http://schemas.microsoft.com/office/drawing/2014/main" id="{22FCDB9B-A6BC-4E7E-A92F-D99DC7E49E98}"/>
+                  </a:ext>
+                </a:extLst>
+              </p:cNvPr>
+              <p:cNvSpPr txBox="1"/>
+              <p:nvPr/>
+            </p:nvSpPr>
+            <p:spPr>
+              <a:xfrm>
+                <a:off x="6817082" y="3508871"/>
+                <a:ext cx="792124" cy="300082"/>
+              </a:xfrm>
+              <a:prstGeom prst="rect">
+                <a:avLst/>
+              </a:prstGeom>
+              <a:noFill/>
+            </p:spPr>
+            <p:txBody>
+              <a:bodyPr wrap="square" rtlCol="0">
+                <a:spAutoFit/>
+              </a:bodyPr>
+              <a:lstStyle/>
+              <a:p>
+                <a14:m>
+                  <m:oMath xmlns:m="http://schemas.openxmlformats.org/officeDocument/2006/math">
+                    <m:groupChr>
+                      <m:groupChrPr>
+                        <m:chr m:val="→"/>
+                        <m:vertJc m:val="bot"/>
+                        <m:ctrlPr>
+                          <a:rPr lang="en-US" sz="1350" b="1" i="1">
+                            <a:latin typeface="Cambria Math" panose="02040503050406030204" pitchFamily="18" charset="0"/>
+                          </a:rPr>
+                        </m:ctrlPr>
+                      </m:groupChrPr>
+                      <m:e>
+                        <m:r>
+                          <m:rPr>
+                            <m:brk m:alnAt="2"/>
+                          </m:rPr>
+                          <a:rPr lang="en-US" sz="1350" b="1" i="1">
+                            <a:latin typeface="Cambria Math" panose="02040503050406030204" pitchFamily="18" charset="0"/>
+                          </a:rPr>
+                          <m:t> </m:t>
+                        </m:r>
+                      </m:e>
+                    </m:groupChr>
+                  </m:oMath>
+                </a14:m>
+                <a:r>
+                  <a:rPr lang="en-US" sz="1350" b="1" dirty="0"/>
+                  <a:t> </a:t>
+                </a:r>
+                <a14:m>
+                  <m:oMath xmlns:m="http://schemas.openxmlformats.org/officeDocument/2006/math">
+                    <m:sSub>
+                      <m:sSubPr>
+                        <m:ctrlPr>
+                          <a:rPr lang="en-US" sz="1350" b="1" i="1" dirty="0">
+                            <a:latin typeface="Cambria Math" panose="02040503050406030204" pitchFamily="18" charset="0"/>
+                          </a:rPr>
+                        </m:ctrlPr>
+                      </m:sSubPr>
+                      <m:e>
+                        <m:acc>
+                          <m:accPr>
+                            <m:chr m:val="̅"/>
+                            <m:ctrlPr>
+                              <a:rPr lang="en-US" sz="1350" b="1" i="1" dirty="0">
+                                <a:latin typeface="Cambria Math" panose="02040503050406030204" pitchFamily="18" charset="0"/>
+                              </a:rPr>
+                            </m:ctrlPr>
+                          </m:accPr>
+                          <m:e>
+                            <m:r>
+                              <a:rPr lang="en-US" sz="1350" b="1" i="1" dirty="0">
+                                <a:latin typeface="Cambria Math" panose="02040503050406030204" pitchFamily="18" charset="0"/>
+                              </a:rPr>
+                              <m:t>𝒙</m:t>
+                            </m:r>
+                          </m:e>
+                        </m:acc>
+                      </m:e>
+                      <m:sub>
+                        <m:r>
+                          <a:rPr lang="en-US" sz="1350" b="1" i="1" dirty="0">
+                            <a:latin typeface="Cambria Math" panose="02040503050406030204" pitchFamily="18" charset="0"/>
+                          </a:rPr>
+                          <m:t>𝒃</m:t>
+                        </m:r>
+                      </m:sub>
+                    </m:sSub>
+                  </m:oMath>
+                </a14:m>
+                <a:endParaRPr lang="en-US" sz="1350" b="1" dirty="0"/>
+              </a:p>
+            </p:txBody>
+          </p:sp>
+        </mc:Choice>
+        <mc:Fallback xmlns="">
+          <p:sp>
+            <p:nvSpPr>
+              <p:cNvPr id="68" name="TextBox 67">
+                <a:extLst>
+                  <a:ext uri="{FF2B5EF4-FFF2-40B4-BE49-F238E27FC236}">
+                    <a16:creationId xmlns:a16="http://schemas.microsoft.com/office/drawing/2014/main" id="{22FCDB9B-A6BC-4E7E-A92F-D99DC7E49E98}"/>
+                  </a:ext>
+                </a:extLst>
+              </p:cNvPr>
+              <p:cNvSpPr txBox="1">
+                <a:spLocks noRot="1" noChangeAspect="1" noMove="1" noResize="1" noEditPoints="1" noAdjustHandles="1" noChangeArrowheads="1" noChangeShapeType="1" noTextEdit="1"/>
+              </p:cNvSpPr>
+              <p:nvPr/>
+            </p:nvSpPr>
+            <p:spPr>
+              <a:xfrm>
+                <a:off x="6817082" y="3508871"/>
+                <a:ext cx="792124" cy="300082"/>
+              </a:xfrm>
+              <a:prstGeom prst="rect">
+                <a:avLst/>
+              </a:prstGeom>
+              <a:blipFill>
+                <a:blip r:embed="rId5"/>
+                <a:stretch>
+                  <a:fillRect l="-6923" t="-22449" b="-51020"/>
+                </a:stretch>
+              </a:blipFill>
+            </p:spPr>
+            <p:txBody>
+              <a:bodyPr/>
+              <a:lstStyle/>
+              <a:p>
+                <a:r>
+                  <a:rPr lang="en-US">
+                    <a:noFill/>
+                  </a:rPr>
+                  <a:t> </a:t>
+                </a:r>
+              </a:p>
+            </p:txBody>
+          </p:sp>
+        </mc:Fallback>
+      </mc:AlternateContent>
+      <mc:AlternateContent xmlns:mc="http://schemas.openxmlformats.org/markup-compatibility/2006" xmlns:a14="http://schemas.microsoft.com/office/drawing/2010/main">
+        <mc:Choice Requires="a14">
+          <p:sp>
+            <p:nvSpPr>
+              <p:cNvPr id="69" name="TextBox 68">
+                <a:extLst>
+                  <a:ext uri="{FF2B5EF4-FFF2-40B4-BE49-F238E27FC236}">
+                    <a16:creationId xmlns:a16="http://schemas.microsoft.com/office/drawing/2014/main" id="{268D568D-04F8-4887-93B1-0001DB744903}"/>
+                  </a:ext>
+                </a:extLst>
+              </p:cNvPr>
+              <p:cNvSpPr txBox="1"/>
+              <p:nvPr/>
+            </p:nvSpPr>
+            <p:spPr>
+              <a:xfrm>
+                <a:off x="4873624" y="3912152"/>
+                <a:ext cx="1493520" cy="826508"/>
+              </a:xfrm>
+              <a:prstGeom prst="rect">
+                <a:avLst/>
+              </a:prstGeom>
+              <a:noFill/>
+            </p:spPr>
+            <p:txBody>
+              <a:bodyPr wrap="square" rtlCol="0">
+                <a:spAutoFit/>
+              </a:bodyPr>
+              <a:lstStyle/>
+              <a:p>
+                <a:pPr/>
+                <a14:m>
+                  <m:oMathPara xmlns:m="http://schemas.openxmlformats.org/officeDocument/2006/math">
+                    <m:oMathParaPr>
+                      <m:jc m:val="centerGroup"/>
+                    </m:oMathParaPr>
+                    <m:oMath xmlns:m="http://schemas.openxmlformats.org/officeDocument/2006/math">
+                      <m:sSub>
+                        <m:sSubPr>
+                          <m:ctrlPr>
+                            <a:rPr lang="en-US" sz="1600" b="1" i="1" dirty="0">
+                              <a:latin typeface="Cambria Math" panose="02040503050406030204" pitchFamily="18" charset="0"/>
+                            </a:rPr>
+                          </m:ctrlPr>
+                        </m:sSubPr>
+                        <m:e>
+                          <m:acc>
+                            <m:accPr>
+                              <m:chr m:val="̅"/>
+                              <m:ctrlPr>
+                                <a:rPr lang="en-US" sz="1600" b="1" i="1" dirty="0">
+                                  <a:latin typeface="Cambria Math" panose="02040503050406030204" pitchFamily="18" charset="0"/>
+                                </a:rPr>
+                              </m:ctrlPr>
+                            </m:accPr>
+                            <m:e>
+                              <m:r>
+                                <a:rPr lang="en-US" sz="1600" b="1" i="1" dirty="0">
+                                  <a:latin typeface="Cambria Math" panose="02040503050406030204" pitchFamily="18" charset="0"/>
+                                </a:rPr>
+                                <m:t>𝒙</m:t>
+                              </m:r>
+                            </m:e>
+                          </m:acc>
+                          <m:r>
+                            <a:rPr lang="en-US" sz="1600" b="1" i="1" dirty="0">
+                              <a:latin typeface="Cambria Math" panose="02040503050406030204" pitchFamily="18" charset="0"/>
+                            </a:rPr>
+                            <m:t>= </m:t>
+                          </m:r>
+                          <m:f>
+                            <m:fPr>
+                              <m:ctrlPr>
+                                <a:rPr lang="en-US" sz="1600" b="1" i="1" dirty="0">
+                                  <a:latin typeface="Cambria Math" panose="02040503050406030204" pitchFamily="18" charset="0"/>
+                                </a:rPr>
+                              </m:ctrlPr>
+                            </m:fPr>
+                            <m:num>
+                              <m:r>
+                                <a:rPr lang="en-US" sz="1600" b="1" i="1" dirty="0">
+                                  <a:latin typeface="Cambria Math" panose="02040503050406030204" pitchFamily="18" charset="0"/>
+                                </a:rPr>
+                                <m:t>𝟏</m:t>
+                              </m:r>
+                              <m:r>
+                                <a:rPr lang="en-US" sz="1600" b="1" i="1" dirty="0">
+                                  <a:latin typeface="Cambria Math" panose="02040503050406030204" pitchFamily="18" charset="0"/>
+                                </a:rPr>
+                                <m:t> </m:t>
+                              </m:r>
+                            </m:num>
+                            <m:den>
+                              <m:r>
+                                <a:rPr lang="en-US" sz="1600" b="1" i="1" dirty="0">
+                                  <a:latin typeface="Cambria Math" panose="02040503050406030204" pitchFamily="18" charset="0"/>
+                                </a:rPr>
+                                <m:t>𝒃</m:t>
+                              </m:r>
+                            </m:den>
+                          </m:f>
+                          <m:r>
+                            <a:rPr lang="en-US" sz="1600" b="1" i="1" dirty="0">
+                              <a:latin typeface="Cambria Math" panose="02040503050406030204" pitchFamily="18" charset="0"/>
+                            </a:rPr>
+                            <m:t> </m:t>
+                          </m:r>
+                          <m:nary>
+                            <m:naryPr>
+                              <m:chr m:val="∑"/>
+                              <m:ctrlPr>
+                                <a:rPr lang="en-US" sz="1600" b="1" i="1" dirty="0">
+                                  <a:latin typeface="Cambria Math" panose="02040503050406030204" pitchFamily="18" charset="0"/>
+                                </a:rPr>
+                              </m:ctrlPr>
+                            </m:naryPr>
+                            <m:sub>
+                              <m:r>
+                                <a:rPr lang="en-US" sz="1600" b="1" i="1" dirty="0">
+                                  <a:latin typeface="Cambria Math" panose="02040503050406030204" pitchFamily="18" charset="0"/>
+                                </a:rPr>
+                                <m:t>𝒊</m:t>
+                              </m:r>
+                              <m:r>
+                                <a:rPr lang="en-US" sz="1600" b="1" i="1" dirty="0">
+                                  <a:latin typeface="Cambria Math" panose="02040503050406030204" pitchFamily="18" charset="0"/>
+                                </a:rPr>
+                                <m:t>=</m:t>
+                              </m:r>
+                              <m:r>
+                                <a:rPr lang="en-US" sz="1600" b="1" i="1" dirty="0">
+                                  <a:latin typeface="Cambria Math" panose="02040503050406030204" pitchFamily="18" charset="0"/>
+                                </a:rPr>
+                                <m:t>𝟏</m:t>
+                              </m:r>
+                            </m:sub>
+                            <m:sup>
+                              <m:r>
+                                <a:rPr lang="en-US" sz="1600" b="1" i="1" dirty="0">
+                                  <a:latin typeface="Cambria Math" panose="02040503050406030204" pitchFamily="18" charset="0"/>
+                                </a:rPr>
+                                <m:t>𝒃</m:t>
+                              </m:r>
+                            </m:sup>
+                            <m:e>
+                              <m:sSub>
+                                <m:sSubPr>
+                                  <m:ctrlPr>
+                                    <a:rPr lang="en-US" sz="1600" b="1" i="1" dirty="0">
+                                      <a:latin typeface="Cambria Math" panose="02040503050406030204" pitchFamily="18" charset="0"/>
+                                    </a:rPr>
+                                  </m:ctrlPr>
+                                </m:sSubPr>
+                                <m:e>
+                                  <m:acc>
+                                    <m:accPr>
+                                      <m:chr m:val="̅"/>
+                                      <m:ctrlPr>
+                                        <a:rPr lang="en-US" sz="1600" b="1" i="1" dirty="0">
+                                          <a:latin typeface="Cambria Math" panose="02040503050406030204" pitchFamily="18" charset="0"/>
+                                        </a:rPr>
+                                      </m:ctrlPr>
+                                    </m:accPr>
+                                    <m:e>
+                                      <m:r>
+                                        <a:rPr lang="en-US" sz="1600" b="1" i="1" dirty="0">
+                                          <a:latin typeface="Cambria Math" panose="02040503050406030204" pitchFamily="18" charset="0"/>
+                                        </a:rPr>
+                                        <m:t>𝒙</m:t>
+                                      </m:r>
+                                    </m:e>
+                                  </m:acc>
+                                </m:e>
+                                <m:sub>
+                                  <m:r>
+                                    <a:rPr lang="en-US" sz="1600" b="1" i="1" dirty="0">
+                                      <a:latin typeface="Cambria Math" panose="02040503050406030204" pitchFamily="18" charset="0"/>
+                                    </a:rPr>
+                                    <m:t>𝒊</m:t>
+                                  </m:r>
+                                </m:sub>
+                              </m:sSub>
+                            </m:e>
+                          </m:nary>
+                        </m:e>
+                        <m:sub>
+                          <m:r>
+                            <a:rPr lang="en-US" sz="1600" b="1" i="1" dirty="0">
+                              <a:latin typeface="Cambria Math" panose="02040503050406030204" pitchFamily="18" charset="0"/>
+                            </a:rPr>
+                            <m:t> </m:t>
+                          </m:r>
+                        </m:sub>
+                      </m:sSub>
+                    </m:oMath>
+                  </m:oMathPara>
+                </a14:m>
+                <a:endParaRPr lang="en-US" sz="1600" b="1" dirty="0"/>
+              </a:p>
+            </p:txBody>
+          </p:sp>
+        </mc:Choice>
+        <mc:Fallback xmlns="">
+          <p:sp>
+            <p:nvSpPr>
+              <p:cNvPr id="69" name="TextBox 68">
+                <a:extLst>
+                  <a:ext uri="{FF2B5EF4-FFF2-40B4-BE49-F238E27FC236}">
+                    <a16:creationId xmlns:a16="http://schemas.microsoft.com/office/drawing/2014/main" id="{268D568D-04F8-4887-93B1-0001DB744903}"/>
+                  </a:ext>
+                </a:extLst>
+              </p:cNvPr>
+              <p:cNvSpPr txBox="1">
+                <a:spLocks noRot="1" noChangeAspect="1" noMove="1" noResize="1" noEditPoints="1" noAdjustHandles="1" noChangeArrowheads="1" noChangeShapeType="1" noTextEdit="1"/>
+              </p:cNvSpPr>
+              <p:nvPr/>
+            </p:nvSpPr>
+            <p:spPr>
+              <a:xfrm>
+                <a:off x="4873624" y="3912152"/>
+                <a:ext cx="1493520" cy="826508"/>
+              </a:xfrm>
+              <a:prstGeom prst="rect">
+                <a:avLst/>
+              </a:prstGeom>
+              <a:blipFill>
+                <a:blip r:embed="rId6"/>
+                <a:stretch>
+                  <a:fillRect/>
+                </a:stretch>
+              </a:blipFill>
+            </p:spPr>
+            <p:txBody>
+              <a:bodyPr/>
+              <a:lstStyle/>
+              <a:p>
+                <a:r>
+                  <a:rPr lang="en-US">
+                    <a:noFill/>
+                  </a:rPr>
+                  <a:t> </a:t>
+                </a:r>
+              </a:p>
+            </p:txBody>
+          </p:sp>
+        </mc:Fallback>
+      </mc:AlternateContent>
+      <p:sp>
+        <p:nvSpPr>
+          <p:cNvPr id="5" name="Freeform: Shape 4">
+            <a:extLst>
+              <a:ext uri="{FF2B5EF4-FFF2-40B4-BE49-F238E27FC236}">
+                <a16:creationId xmlns:a16="http://schemas.microsoft.com/office/drawing/2014/main" id="{970896E1-7002-463C-BAC6-16B2746AD944}"/>
+              </a:ext>
+            </a:extLst>
+          </p:cNvPr>
+          <p:cNvSpPr/>
+          <p:nvPr/>
+        </p:nvSpPr>
+        <p:spPr>
+          <a:xfrm>
+            <a:off x="1690011" y="852171"/>
+            <a:ext cx="1606274" cy="2813050"/>
+          </a:xfrm>
+          <a:custGeom>
+            <a:avLst/>
+            <a:gdLst>
+              <a:gd name="connsiteX0" fmla="*/ 2108679 w 2117146"/>
+              <a:gd name="connsiteY0" fmla="*/ 0 h 3750733"/>
+              <a:gd name="connsiteX1" fmla="*/ 694746 w 2117146"/>
+              <a:gd name="connsiteY1" fmla="*/ 173567 h 3750733"/>
+              <a:gd name="connsiteX2" fmla="*/ 123246 w 2117146"/>
+              <a:gd name="connsiteY2" fmla="*/ 715433 h 3750733"/>
+              <a:gd name="connsiteX3" fmla="*/ 55512 w 2117146"/>
+              <a:gd name="connsiteY3" fmla="*/ 3031067 h 3750733"/>
+              <a:gd name="connsiteX4" fmla="*/ 787879 w 2117146"/>
+              <a:gd name="connsiteY4" fmla="*/ 3585633 h 3750733"/>
+              <a:gd name="connsiteX5" fmla="*/ 2117146 w 2117146"/>
+              <a:gd name="connsiteY5" fmla="*/ 3750733 h 3750733"/>
+            </a:gdLst>
+            <a:ahLst/>
+            <a:cxnLst>
+              <a:cxn ang="0">
+                <a:pos x="connsiteX0" y="connsiteY0"/>
+              </a:cxn>
+              <a:cxn ang="0">
+                <a:pos x="connsiteX1" y="connsiteY1"/>
+              </a:cxn>
+              <a:cxn ang="0">
+                <a:pos x="connsiteX2" y="connsiteY2"/>
+              </a:cxn>
+              <a:cxn ang="0">
+                <a:pos x="connsiteX3" y="connsiteY3"/>
+              </a:cxn>
+              <a:cxn ang="0">
+                <a:pos x="connsiteX4" y="connsiteY4"/>
+              </a:cxn>
+              <a:cxn ang="0">
+                <a:pos x="connsiteX5" y="connsiteY5"/>
+              </a:cxn>
+            </a:cxnLst>
+            <a:rect l="l" t="t" r="r" b="b"/>
+            <a:pathLst>
+              <a:path w="2117146" h="3750733">
+                <a:moveTo>
+                  <a:pt x="2108679" y="0"/>
+                </a:moveTo>
+                <a:cubicBezTo>
+                  <a:pt x="1567165" y="27164"/>
+                  <a:pt x="1025651" y="54328"/>
+                  <a:pt x="694746" y="173567"/>
+                </a:cubicBezTo>
+                <a:cubicBezTo>
+                  <a:pt x="363841" y="292806"/>
+                  <a:pt x="229785" y="239183"/>
+                  <a:pt x="123246" y="715433"/>
+                </a:cubicBezTo>
+                <a:cubicBezTo>
+                  <a:pt x="16707" y="1191683"/>
+                  <a:pt x="-55260" y="2552700"/>
+                  <a:pt x="55512" y="3031067"/>
+                </a:cubicBezTo>
+                <a:cubicBezTo>
+                  <a:pt x="166284" y="3509434"/>
+                  <a:pt x="444273" y="3465689"/>
+                  <a:pt x="787879" y="3585633"/>
+                </a:cubicBezTo>
+                <a:cubicBezTo>
+                  <a:pt x="1131485" y="3705577"/>
+                  <a:pt x="1624315" y="3728155"/>
+                  <a:pt x="2117146" y="3750733"/>
+                </a:cubicBezTo>
+              </a:path>
+            </a:pathLst>
+          </a:custGeom>
+          <a:noFill/>
+          <a:ln w="31750">
+            <a:tailEnd type="triangle"/>
+          </a:ln>
+        </p:spPr>
+        <p:style>
+          <a:lnRef idx="2">
+            <a:schemeClr val="accent1">
+              <a:shade val="50000"/>
+            </a:schemeClr>
+          </a:lnRef>
+          <a:fillRef idx="1">
+            <a:schemeClr val="accent1"/>
+          </a:fillRef>
+          <a:effectRef idx="0">
+            <a:schemeClr val="accent1"/>
+          </a:effectRef>
+          <a:fontRef idx="minor">
+            <a:schemeClr val="lt1"/>
+          </a:fontRef>
+        </p:style>
+        <p:txBody>
+          <a:bodyPr rtlCol="0" anchor="ctr"/>
+          <a:lstStyle/>
+          <a:p>
+            <a:pPr algn="ctr"/>
+            <a:endParaRPr lang="en-US" sz="1350"/>
+          </a:p>
+        </p:txBody>
+      </p:sp>
+      <p:sp>
+        <p:nvSpPr>
+          <p:cNvPr id="64" name="Freeform: Shape 63">
+            <a:extLst>
+              <a:ext uri="{FF2B5EF4-FFF2-40B4-BE49-F238E27FC236}">
+                <a16:creationId xmlns:a16="http://schemas.microsoft.com/office/drawing/2014/main" id="{0A28B02F-B08D-40A4-80E0-EDE473EE4AF3}"/>
+              </a:ext>
+            </a:extLst>
+          </p:cNvPr>
+          <p:cNvSpPr/>
+          <p:nvPr/>
+        </p:nvSpPr>
+        <p:spPr>
+          <a:xfrm>
+            <a:off x="2106931" y="855980"/>
+            <a:ext cx="1162685" cy="1786890"/>
+          </a:xfrm>
+          <a:custGeom>
+            <a:avLst/>
+            <a:gdLst>
+              <a:gd name="connsiteX0" fmla="*/ 2108679 w 2117146"/>
+              <a:gd name="connsiteY0" fmla="*/ 0 h 3750733"/>
+              <a:gd name="connsiteX1" fmla="*/ 694746 w 2117146"/>
+              <a:gd name="connsiteY1" fmla="*/ 173567 h 3750733"/>
+              <a:gd name="connsiteX2" fmla="*/ 123246 w 2117146"/>
+              <a:gd name="connsiteY2" fmla="*/ 715433 h 3750733"/>
+              <a:gd name="connsiteX3" fmla="*/ 55512 w 2117146"/>
+              <a:gd name="connsiteY3" fmla="*/ 3031067 h 3750733"/>
+              <a:gd name="connsiteX4" fmla="*/ 787879 w 2117146"/>
+              <a:gd name="connsiteY4" fmla="*/ 3585633 h 3750733"/>
+              <a:gd name="connsiteX5" fmla="*/ 2117146 w 2117146"/>
+              <a:gd name="connsiteY5" fmla="*/ 3750733 h 3750733"/>
+            </a:gdLst>
+            <a:ahLst/>
+            <a:cxnLst>
+              <a:cxn ang="0">
+                <a:pos x="connsiteX0" y="connsiteY0"/>
+              </a:cxn>
+              <a:cxn ang="0">
+                <a:pos x="connsiteX1" y="connsiteY1"/>
+              </a:cxn>
+              <a:cxn ang="0">
+                <a:pos x="connsiteX2" y="connsiteY2"/>
+              </a:cxn>
+              <a:cxn ang="0">
+                <a:pos x="connsiteX3" y="connsiteY3"/>
+              </a:cxn>
+              <a:cxn ang="0">
+                <a:pos x="connsiteX4" y="connsiteY4"/>
+              </a:cxn>
+              <a:cxn ang="0">
+                <a:pos x="connsiteX5" y="connsiteY5"/>
+              </a:cxn>
+            </a:cxnLst>
+            <a:rect l="l" t="t" r="r" b="b"/>
+            <a:pathLst>
+              <a:path w="2117146" h="3750733">
+                <a:moveTo>
+                  <a:pt x="2108679" y="0"/>
+                </a:moveTo>
+                <a:cubicBezTo>
+                  <a:pt x="1567165" y="27164"/>
+                  <a:pt x="1025651" y="54328"/>
+                  <a:pt x="694746" y="173567"/>
+                </a:cubicBezTo>
+                <a:cubicBezTo>
+                  <a:pt x="363841" y="292806"/>
+                  <a:pt x="229785" y="239183"/>
+                  <a:pt x="123246" y="715433"/>
+                </a:cubicBezTo>
+                <a:cubicBezTo>
+                  <a:pt x="16707" y="1191683"/>
+                  <a:pt x="-55260" y="2552700"/>
+                  <a:pt x="55512" y="3031067"/>
+                </a:cubicBezTo>
+                <a:cubicBezTo>
+                  <a:pt x="166284" y="3509434"/>
+                  <a:pt x="444273" y="3465689"/>
+                  <a:pt x="787879" y="3585633"/>
+                </a:cubicBezTo>
+                <a:cubicBezTo>
+                  <a:pt x="1131485" y="3705577"/>
+                  <a:pt x="1624315" y="3728155"/>
+                  <a:pt x="2117146" y="3750733"/>
+                </a:cubicBezTo>
+              </a:path>
+            </a:pathLst>
+          </a:custGeom>
+          <a:noFill/>
+          <a:ln w="31750">
+            <a:tailEnd type="triangle"/>
+          </a:ln>
+        </p:spPr>
+        <p:style>
+          <a:lnRef idx="2">
+            <a:schemeClr val="accent1">
+              <a:shade val="50000"/>
+            </a:schemeClr>
+          </a:lnRef>
+          <a:fillRef idx="1">
+            <a:schemeClr val="accent1"/>
+          </a:fillRef>
+          <a:effectRef idx="0">
+            <a:schemeClr val="accent1"/>
+          </a:effectRef>
+          <a:fontRef idx="minor">
+            <a:schemeClr val="lt1"/>
+          </a:fontRef>
+        </p:style>
+        <p:txBody>
+          <a:bodyPr rtlCol="0" anchor="ctr"/>
+          <a:lstStyle/>
+          <a:p>
+            <a:pPr algn="ctr"/>
+            <a:endParaRPr lang="en-US" sz="1350"/>
+          </a:p>
+        </p:txBody>
+      </p:sp>
+      <p:sp>
+        <p:nvSpPr>
+          <p:cNvPr id="70" name="Freeform: Shape 69">
+            <a:extLst>
+              <a:ext uri="{FF2B5EF4-FFF2-40B4-BE49-F238E27FC236}">
+                <a16:creationId xmlns:a16="http://schemas.microsoft.com/office/drawing/2014/main" id="{4E106079-7E28-47A4-9677-BCC2B349DC33}"/>
+              </a:ext>
+            </a:extLst>
+          </p:cNvPr>
+          <p:cNvSpPr/>
+          <p:nvPr/>
+        </p:nvSpPr>
+        <p:spPr>
+          <a:xfrm>
+            <a:off x="2433076" y="855980"/>
+            <a:ext cx="847334" cy="1173480"/>
+          </a:xfrm>
+          <a:custGeom>
+            <a:avLst/>
+            <a:gdLst>
+              <a:gd name="connsiteX0" fmla="*/ 2108679 w 2117146"/>
+              <a:gd name="connsiteY0" fmla="*/ 0 h 3750733"/>
+              <a:gd name="connsiteX1" fmla="*/ 694746 w 2117146"/>
+              <a:gd name="connsiteY1" fmla="*/ 173567 h 3750733"/>
+              <a:gd name="connsiteX2" fmla="*/ 123246 w 2117146"/>
+              <a:gd name="connsiteY2" fmla="*/ 715433 h 3750733"/>
+              <a:gd name="connsiteX3" fmla="*/ 55512 w 2117146"/>
+              <a:gd name="connsiteY3" fmla="*/ 3031067 h 3750733"/>
+              <a:gd name="connsiteX4" fmla="*/ 787879 w 2117146"/>
+              <a:gd name="connsiteY4" fmla="*/ 3585633 h 3750733"/>
+              <a:gd name="connsiteX5" fmla="*/ 2117146 w 2117146"/>
+              <a:gd name="connsiteY5" fmla="*/ 3750733 h 3750733"/>
+            </a:gdLst>
+            <a:ahLst/>
+            <a:cxnLst>
+              <a:cxn ang="0">
+                <a:pos x="connsiteX0" y="connsiteY0"/>
+              </a:cxn>
+              <a:cxn ang="0">
+                <a:pos x="connsiteX1" y="connsiteY1"/>
+              </a:cxn>
+              <a:cxn ang="0">
+                <a:pos x="connsiteX2" y="connsiteY2"/>
+              </a:cxn>
+              <a:cxn ang="0">
+                <a:pos x="connsiteX3" y="connsiteY3"/>
+              </a:cxn>
+              <a:cxn ang="0">
+                <a:pos x="connsiteX4" y="connsiteY4"/>
+              </a:cxn>
+              <a:cxn ang="0">
+                <a:pos x="connsiteX5" y="connsiteY5"/>
+              </a:cxn>
+            </a:cxnLst>
+            <a:rect l="l" t="t" r="r" b="b"/>
+            <a:pathLst>
+              <a:path w="2117146" h="3750733">
+                <a:moveTo>
+                  <a:pt x="2108679" y="0"/>
+                </a:moveTo>
+                <a:cubicBezTo>
+                  <a:pt x="1567165" y="27164"/>
+                  <a:pt x="1025651" y="54328"/>
+                  <a:pt x="694746" y="173567"/>
+                </a:cubicBezTo>
+                <a:cubicBezTo>
+                  <a:pt x="363841" y="292806"/>
+                  <a:pt x="229785" y="239183"/>
+                  <a:pt x="123246" y="715433"/>
+                </a:cubicBezTo>
+                <a:cubicBezTo>
+                  <a:pt x="16707" y="1191683"/>
+                  <a:pt x="-55260" y="2552700"/>
+                  <a:pt x="55512" y="3031067"/>
+                </a:cubicBezTo>
+                <a:cubicBezTo>
+                  <a:pt x="166284" y="3509434"/>
+                  <a:pt x="444273" y="3465689"/>
+                  <a:pt x="787879" y="3585633"/>
+                </a:cubicBezTo>
+                <a:cubicBezTo>
+                  <a:pt x="1131485" y="3705577"/>
+                  <a:pt x="1624315" y="3728155"/>
+                  <a:pt x="2117146" y="3750733"/>
+                </a:cubicBezTo>
+              </a:path>
+            </a:pathLst>
+          </a:custGeom>
+          <a:noFill/>
+          <a:ln w="31750">
+            <a:tailEnd type="triangle"/>
+          </a:ln>
+        </p:spPr>
+        <p:style>
+          <a:lnRef idx="2">
+            <a:schemeClr val="accent1">
+              <a:shade val="50000"/>
+            </a:schemeClr>
+          </a:lnRef>
+          <a:fillRef idx="1">
+            <a:schemeClr val="accent1"/>
+          </a:fillRef>
+          <a:effectRef idx="0">
+            <a:schemeClr val="accent1"/>
+          </a:effectRef>
+          <a:fontRef idx="minor">
+            <a:schemeClr val="lt1"/>
+          </a:fontRef>
+        </p:style>
+        <p:txBody>
+          <a:bodyPr rtlCol="0" anchor="ctr"/>
+          <a:lstStyle/>
+          <a:p>
+            <a:pPr algn="ctr"/>
+            <a:endParaRPr lang="en-US" sz="1350"/>
+          </a:p>
+        </p:txBody>
+      </p:sp>
+      <p:sp>
+        <p:nvSpPr>
+          <p:cNvPr id="71" name="Freeform: Shape 70">
+            <a:extLst>
+              <a:ext uri="{FF2B5EF4-FFF2-40B4-BE49-F238E27FC236}">
+                <a16:creationId xmlns:a16="http://schemas.microsoft.com/office/drawing/2014/main" id="{0815CB88-60C6-4500-BFBB-AA4E88D3E5DB}"/>
+              </a:ext>
+            </a:extLst>
+          </p:cNvPr>
+          <p:cNvSpPr/>
+          <p:nvPr/>
+        </p:nvSpPr>
+        <p:spPr>
+          <a:xfrm>
+            <a:off x="2787406" y="855980"/>
+            <a:ext cx="478400" cy="579120"/>
+          </a:xfrm>
+          <a:custGeom>
+            <a:avLst/>
+            <a:gdLst>
+              <a:gd name="connsiteX0" fmla="*/ 2108679 w 2117146"/>
+              <a:gd name="connsiteY0" fmla="*/ 0 h 3750733"/>
+              <a:gd name="connsiteX1" fmla="*/ 694746 w 2117146"/>
+              <a:gd name="connsiteY1" fmla="*/ 173567 h 3750733"/>
+              <a:gd name="connsiteX2" fmla="*/ 123246 w 2117146"/>
+              <a:gd name="connsiteY2" fmla="*/ 715433 h 3750733"/>
+              <a:gd name="connsiteX3" fmla="*/ 55512 w 2117146"/>
+              <a:gd name="connsiteY3" fmla="*/ 3031067 h 3750733"/>
+              <a:gd name="connsiteX4" fmla="*/ 787879 w 2117146"/>
+              <a:gd name="connsiteY4" fmla="*/ 3585633 h 3750733"/>
+              <a:gd name="connsiteX5" fmla="*/ 2117146 w 2117146"/>
+              <a:gd name="connsiteY5" fmla="*/ 3750733 h 3750733"/>
+            </a:gdLst>
+            <a:ahLst/>
+            <a:cxnLst>
+              <a:cxn ang="0">
+                <a:pos x="connsiteX0" y="connsiteY0"/>
+              </a:cxn>
+              <a:cxn ang="0">
+                <a:pos x="connsiteX1" y="connsiteY1"/>
+              </a:cxn>
+              <a:cxn ang="0">
+                <a:pos x="connsiteX2" y="connsiteY2"/>
+              </a:cxn>
+              <a:cxn ang="0">
+                <a:pos x="connsiteX3" y="connsiteY3"/>
+              </a:cxn>
+              <a:cxn ang="0">
+                <a:pos x="connsiteX4" y="connsiteY4"/>
+              </a:cxn>
+              <a:cxn ang="0">
+                <a:pos x="connsiteX5" y="connsiteY5"/>
+              </a:cxn>
+            </a:cxnLst>
+            <a:rect l="l" t="t" r="r" b="b"/>
+            <a:pathLst>
+              <a:path w="2117146" h="3750733">
+                <a:moveTo>
+                  <a:pt x="2108679" y="0"/>
+                </a:moveTo>
+                <a:cubicBezTo>
+                  <a:pt x="1567165" y="27164"/>
+                  <a:pt x="1025651" y="54328"/>
+                  <a:pt x="694746" y="173567"/>
+                </a:cubicBezTo>
+                <a:cubicBezTo>
+                  <a:pt x="363841" y="292806"/>
+                  <a:pt x="229785" y="239183"/>
+                  <a:pt x="123246" y="715433"/>
+                </a:cubicBezTo>
+                <a:cubicBezTo>
+                  <a:pt x="16707" y="1191683"/>
+                  <a:pt x="-55260" y="2552700"/>
+                  <a:pt x="55512" y="3031067"/>
+                </a:cubicBezTo>
+                <a:cubicBezTo>
+                  <a:pt x="166284" y="3509434"/>
+                  <a:pt x="444273" y="3465689"/>
+                  <a:pt x="787879" y="3585633"/>
+                </a:cubicBezTo>
+                <a:cubicBezTo>
+                  <a:pt x="1131485" y="3705577"/>
+                  <a:pt x="1624315" y="3728155"/>
+                  <a:pt x="2117146" y="3750733"/>
+                </a:cubicBezTo>
+              </a:path>
+            </a:pathLst>
+          </a:custGeom>
+          <a:noFill/>
+          <a:ln w="31750">
+            <a:tailEnd type="triangle"/>
+          </a:ln>
+        </p:spPr>
+        <p:style>
+          <a:lnRef idx="2">
+            <a:schemeClr val="accent1">
+              <a:shade val="50000"/>
+            </a:schemeClr>
+          </a:lnRef>
+          <a:fillRef idx="1">
+            <a:schemeClr val="accent1"/>
+          </a:fillRef>
+          <a:effectRef idx="0">
+            <a:schemeClr val="accent1"/>
+          </a:effectRef>
+          <a:fontRef idx="minor">
+            <a:schemeClr val="lt1"/>
+          </a:fontRef>
+        </p:style>
+        <p:txBody>
+          <a:bodyPr rtlCol="0" anchor="ctr"/>
+          <a:lstStyle/>
+          <a:p>
+            <a:pPr algn="ctr"/>
+            <a:endParaRPr lang="en-US" sz="1350"/>
+          </a:p>
+        </p:txBody>
+      </p:sp>
+      <p:sp>
+        <p:nvSpPr>
+          <p:cNvPr id="6" name="TextBox 5">
+            <a:extLst>
+              <a:ext uri="{FF2B5EF4-FFF2-40B4-BE49-F238E27FC236}">
+                <a16:creationId xmlns:a16="http://schemas.microsoft.com/office/drawing/2014/main" id="{0C808ADB-2C45-4FE1-AC83-37C96760BE33}"/>
+              </a:ext>
+            </a:extLst>
+          </p:cNvPr>
+          <p:cNvSpPr txBox="1"/>
+          <p:nvPr/>
+        </p:nvSpPr>
+        <p:spPr>
+          <a:xfrm>
+            <a:off x="2802572" y="992009"/>
+            <a:ext cx="331470" cy="300082"/>
+          </a:xfrm>
+          <a:prstGeom prst="rect">
+            <a:avLst/>
+          </a:prstGeom>
+          <a:noFill/>
+        </p:spPr>
+        <p:txBody>
+          <a:bodyPr wrap="square" rtlCol="0">
+            <a:spAutoFit/>
+          </a:bodyPr>
+          <a:lstStyle/>
+          <a:p>
+            <a:r>
+              <a:rPr lang="en-US" sz="1350" b="1" dirty="0"/>
+              <a:t>s</a:t>
+            </a:r>
+            <a:r>
+              <a:rPr lang="en-US" sz="1350" b="1" baseline="-25000" dirty="0"/>
+              <a:t>1</a:t>
+            </a:r>
+          </a:p>
+        </p:txBody>
+      </p:sp>
+      <p:sp>
+        <p:nvSpPr>
+          <p:cNvPr id="72" name="TextBox 71">
+            <a:extLst>
+              <a:ext uri="{FF2B5EF4-FFF2-40B4-BE49-F238E27FC236}">
+                <a16:creationId xmlns:a16="http://schemas.microsoft.com/office/drawing/2014/main" id="{73F6D3A7-4FA1-427A-8D09-2B49EA05253F}"/>
+              </a:ext>
+            </a:extLst>
+          </p:cNvPr>
+          <p:cNvSpPr txBox="1"/>
+          <p:nvPr/>
+        </p:nvSpPr>
+        <p:spPr>
+          <a:xfrm>
+            <a:off x="2413212" y="1302316"/>
+            <a:ext cx="331470" cy="300082"/>
+          </a:xfrm>
+          <a:prstGeom prst="rect">
+            <a:avLst/>
+          </a:prstGeom>
+          <a:noFill/>
+        </p:spPr>
+        <p:txBody>
+          <a:bodyPr wrap="square" rtlCol="0">
+            <a:spAutoFit/>
+          </a:bodyPr>
+          <a:lstStyle/>
+          <a:p>
+            <a:r>
+              <a:rPr lang="en-US" sz="1350" b="1" dirty="0"/>
+              <a:t>s</a:t>
+            </a:r>
+            <a:r>
+              <a:rPr lang="en-US" sz="1350" b="1" baseline="-25000" dirty="0"/>
+              <a:t>2</a:t>
+            </a:r>
+          </a:p>
+        </p:txBody>
+      </p:sp>
+      <p:sp>
+        <p:nvSpPr>
+          <p:cNvPr id="73" name="TextBox 72">
+            <a:extLst>
+              <a:ext uri="{FF2B5EF4-FFF2-40B4-BE49-F238E27FC236}">
+                <a16:creationId xmlns:a16="http://schemas.microsoft.com/office/drawing/2014/main" id="{2152A0A3-64FF-4E11-8896-355837A6B8B5}"/>
+              </a:ext>
+            </a:extLst>
+          </p:cNvPr>
+          <p:cNvSpPr txBox="1"/>
+          <p:nvPr/>
+        </p:nvSpPr>
+        <p:spPr>
+          <a:xfrm>
+            <a:off x="2074937" y="1665962"/>
+            <a:ext cx="331470" cy="300082"/>
+          </a:xfrm>
+          <a:prstGeom prst="rect">
+            <a:avLst/>
+          </a:prstGeom>
+          <a:noFill/>
+        </p:spPr>
+        <p:txBody>
+          <a:bodyPr wrap="square" rtlCol="0">
+            <a:spAutoFit/>
+          </a:bodyPr>
+          <a:lstStyle/>
+          <a:p>
+            <a:r>
+              <a:rPr lang="en-US" sz="1350" b="1" dirty="0"/>
+              <a:t>s</a:t>
+            </a:r>
+            <a:r>
+              <a:rPr lang="en-US" sz="1350" b="1" baseline="-25000" dirty="0"/>
+              <a:t>3</a:t>
+            </a:r>
+          </a:p>
+        </p:txBody>
+      </p:sp>
+      <p:sp>
+        <p:nvSpPr>
+          <p:cNvPr id="74" name="TextBox 73">
+            <a:extLst>
+              <a:ext uri="{FF2B5EF4-FFF2-40B4-BE49-F238E27FC236}">
+                <a16:creationId xmlns:a16="http://schemas.microsoft.com/office/drawing/2014/main" id="{6D953CD0-61E7-4949-99E7-25FA6650F121}"/>
+              </a:ext>
+            </a:extLst>
+          </p:cNvPr>
+          <p:cNvSpPr txBox="1"/>
+          <p:nvPr/>
+        </p:nvSpPr>
+        <p:spPr>
+          <a:xfrm>
+            <a:off x="1679923" y="2120195"/>
+            <a:ext cx="331470" cy="300082"/>
+          </a:xfrm>
+          <a:prstGeom prst="rect">
+            <a:avLst/>
+          </a:prstGeom>
+          <a:noFill/>
+        </p:spPr>
+        <p:txBody>
+          <a:bodyPr wrap="square" rtlCol="0">
+            <a:spAutoFit/>
+          </a:bodyPr>
+          <a:lstStyle/>
+          <a:p>
+            <a:r>
+              <a:rPr lang="en-US" sz="1350" b="1" dirty="0"/>
+              <a:t>s</a:t>
+            </a:r>
+            <a:r>
+              <a:rPr lang="en-US" sz="1350" b="1" baseline="-25000" dirty="0"/>
+              <a:t>b</a:t>
+            </a:r>
+          </a:p>
+        </p:txBody>
+      </p:sp>
+      <p:sp>
+        <p:nvSpPr>
+          <p:cNvPr id="7" name="Left Brace 6">
+            <a:extLst>
+              <a:ext uri="{FF2B5EF4-FFF2-40B4-BE49-F238E27FC236}">
+                <a16:creationId xmlns:a16="http://schemas.microsoft.com/office/drawing/2014/main" id="{E178D8A6-3CFA-48E1-8F1D-620454ACF21A}"/>
+              </a:ext>
+            </a:extLst>
+          </p:cNvPr>
+          <p:cNvSpPr/>
+          <p:nvPr/>
+        </p:nvSpPr>
+        <p:spPr>
+          <a:xfrm>
+            <a:off x="1388864" y="852170"/>
+            <a:ext cx="361951" cy="2987040"/>
+          </a:xfrm>
+          <a:prstGeom prst="leftBrace">
+            <a:avLst/>
+          </a:prstGeom>
+          <a:ln w="22225">
+            <a:solidFill>
+              <a:schemeClr val="tx1"/>
+            </a:solidFill>
+          </a:ln>
+        </p:spPr>
+        <p:style>
+          <a:lnRef idx="1">
+            <a:schemeClr val="accent1"/>
+          </a:lnRef>
+          <a:fillRef idx="0">
+            <a:schemeClr val="accent1"/>
+          </a:fillRef>
+          <a:effectRef idx="0">
+            <a:schemeClr val="accent1"/>
+          </a:effectRef>
+          <a:fontRef idx="minor">
+            <a:schemeClr val="tx1"/>
+          </a:fontRef>
+        </p:style>
+        <p:txBody>
+          <a:bodyPr rtlCol="0" anchor="ctr"/>
+          <a:lstStyle/>
+          <a:p>
+            <a:pPr algn="ctr"/>
+            <a:endParaRPr lang="en-US" sz="1350"/>
+          </a:p>
+        </p:txBody>
+      </p:sp>
+      <p:sp>
+        <p:nvSpPr>
+          <p:cNvPr id="75" name="TextBox 74">
+            <a:extLst>
+              <a:ext uri="{FF2B5EF4-FFF2-40B4-BE49-F238E27FC236}">
+                <a16:creationId xmlns:a16="http://schemas.microsoft.com/office/drawing/2014/main" id="{F667568C-2F80-4FB8-A4A8-3AAB5565430B}"/>
+              </a:ext>
+            </a:extLst>
+          </p:cNvPr>
+          <p:cNvSpPr txBox="1"/>
+          <p:nvPr/>
+        </p:nvSpPr>
+        <p:spPr>
+          <a:xfrm>
+            <a:off x="7681405" y="1910030"/>
+            <a:ext cx="1416053" cy="1323439"/>
+          </a:xfrm>
+          <a:prstGeom prst="rect">
+            <a:avLst/>
+          </a:prstGeom>
+          <a:noFill/>
+        </p:spPr>
+        <p:txBody>
+          <a:bodyPr wrap="square" rtlCol="0">
+            <a:spAutoFit/>
+          </a:bodyPr>
+          <a:lstStyle/>
+          <a:p>
+            <a:r>
+              <a:rPr lang="en-US" sz="1600" b="1" dirty="0"/>
+              <a:t>b Mean</a:t>
+            </a:r>
+          </a:p>
+          <a:p>
+            <a:r>
+              <a:rPr lang="en-US" sz="1600" b="1" dirty="0"/>
+              <a:t>Estimates, x</a:t>
+            </a:r>
+            <a:r>
+              <a:rPr lang="en-US" sz="1600" b="1" baseline="-25000" dirty="0"/>
+              <a:t>i</a:t>
+            </a:r>
+            <a:r>
+              <a:rPr lang="en-US" sz="1600" b="1" dirty="0"/>
+              <a:t>, form bootstrap distribution</a:t>
+            </a:r>
+          </a:p>
+        </p:txBody>
+      </p:sp>
+      <p:sp>
+        <p:nvSpPr>
+          <p:cNvPr id="76" name="TextBox 75">
+            <a:extLst>
+              <a:ext uri="{FF2B5EF4-FFF2-40B4-BE49-F238E27FC236}">
+                <a16:creationId xmlns:a16="http://schemas.microsoft.com/office/drawing/2014/main" id="{2A284035-BAA5-4DA2-9BAF-BDFAE6545430}"/>
+              </a:ext>
+            </a:extLst>
+          </p:cNvPr>
+          <p:cNvSpPr txBox="1"/>
+          <p:nvPr/>
+        </p:nvSpPr>
+        <p:spPr>
+          <a:xfrm>
+            <a:off x="132648" y="1665962"/>
+            <a:ext cx="1311321" cy="1323439"/>
+          </a:xfrm>
+          <a:prstGeom prst="rect">
+            <a:avLst/>
+          </a:prstGeom>
+          <a:noFill/>
+        </p:spPr>
+        <p:txBody>
+          <a:bodyPr wrap="square" rtlCol="0">
+            <a:spAutoFit/>
+          </a:bodyPr>
+          <a:lstStyle/>
+          <a:p>
+            <a:r>
+              <a:rPr lang="en-US" sz="1600" b="1" dirty="0"/>
+              <a:t>b Bootstrap</a:t>
+            </a:r>
+          </a:p>
+          <a:p>
+            <a:r>
+              <a:rPr lang="en-US" sz="1600" b="1" dirty="0"/>
+              <a:t>Resamples with replacement, </a:t>
+            </a:r>
+            <a:r>
+              <a:rPr lang="en-US" sz="1600" b="1" dirty="0" err="1"/>
+              <a:t>s</a:t>
+            </a:r>
+            <a:r>
+              <a:rPr lang="en-US" sz="1600" b="1" baseline="-25000" dirty="0" err="1"/>
+              <a:t>i</a:t>
+            </a:r>
+            <a:endParaRPr lang="en-US" sz="1600" b="1" baseline="-25000" dirty="0"/>
+          </a:p>
+        </p:txBody>
+      </p:sp>
+      <p:sp>
+        <p:nvSpPr>
+          <p:cNvPr id="77" name="Left Brace 76">
+            <a:extLst>
+              <a:ext uri="{FF2B5EF4-FFF2-40B4-BE49-F238E27FC236}">
+                <a16:creationId xmlns:a16="http://schemas.microsoft.com/office/drawing/2014/main" id="{F1BF909A-F5B2-4195-97A7-F034BCAFD0A9}"/>
+              </a:ext>
+            </a:extLst>
+          </p:cNvPr>
+          <p:cNvSpPr/>
+          <p:nvPr/>
+        </p:nvSpPr>
+        <p:spPr>
+          <a:xfrm flipH="1">
+            <a:off x="7172557" y="1214901"/>
+            <a:ext cx="479936" cy="2697480"/>
+          </a:xfrm>
+          <a:prstGeom prst="leftBrace">
+            <a:avLst/>
+          </a:prstGeom>
+          <a:ln w="22225">
+            <a:solidFill>
+              <a:schemeClr val="tx1"/>
+            </a:solidFill>
+          </a:ln>
+        </p:spPr>
+        <p:style>
+          <a:lnRef idx="1">
+            <a:schemeClr val="accent1"/>
+          </a:lnRef>
+          <a:fillRef idx="0">
+            <a:schemeClr val="accent1"/>
+          </a:fillRef>
+          <a:effectRef idx="0">
+            <a:schemeClr val="accent1"/>
+          </a:effectRef>
+          <a:fontRef idx="minor">
+            <a:schemeClr val="tx1"/>
+          </a:fontRef>
+        </p:style>
+        <p:txBody>
+          <a:bodyPr rtlCol="0" anchor="ctr"/>
+          <a:lstStyle/>
+          <a:p>
+            <a:pPr algn="ctr"/>
+            <a:endParaRPr lang="en-US" sz="1350"/>
+          </a:p>
+        </p:txBody>
+      </p:sp>
+      <p:sp>
+        <p:nvSpPr>
+          <p:cNvPr id="78" name="TextBox 77">
+            <a:extLst>
+              <a:ext uri="{FF2B5EF4-FFF2-40B4-BE49-F238E27FC236}">
+                <a16:creationId xmlns:a16="http://schemas.microsoft.com/office/drawing/2014/main" id="{46A7F4E5-AB58-46C8-9890-D9B8011C7312}"/>
+              </a:ext>
+            </a:extLst>
+          </p:cNvPr>
+          <p:cNvSpPr txBox="1"/>
+          <p:nvPr/>
+        </p:nvSpPr>
+        <p:spPr>
+          <a:xfrm>
+            <a:off x="3646804" y="4022986"/>
+            <a:ext cx="1493520" cy="830997"/>
+          </a:xfrm>
+          <a:prstGeom prst="rect">
+            <a:avLst/>
+          </a:prstGeom>
+          <a:noFill/>
+        </p:spPr>
+        <p:txBody>
+          <a:bodyPr wrap="square" rtlCol="0">
+            <a:spAutoFit/>
+          </a:bodyPr>
+          <a:lstStyle/>
+          <a:p>
+            <a:r>
+              <a:rPr lang="en-US" sz="1600" b="1" dirty="0"/>
+              <a:t>Bootstrap Mean Point Estimate</a:t>
+            </a:r>
+          </a:p>
+        </p:txBody>
+      </p:sp>
+      <p:sp>
+        <p:nvSpPr>
+          <p:cNvPr id="2" name="Title 1">
+            <a:extLst>
+              <a:ext uri="{FF2B5EF4-FFF2-40B4-BE49-F238E27FC236}">
+                <a16:creationId xmlns:a16="http://schemas.microsoft.com/office/drawing/2014/main" id="{98C1756C-9BF9-9602-9575-36D18A6B2676}"/>
+              </a:ext>
+            </a:extLst>
+          </p:cNvPr>
+          <p:cNvSpPr txBox="1">
+            <a:spLocks/>
           </p:cNvSpPr>
-          <p:nvPr>
-            <p:ph type="title"/>
-          </p:nvPr>
-        </p:nvSpPr>
-        <p:spPr/>
+          <p:nvPr/>
+        </p:nvSpPr>
+        <p:spPr>
+          <a:xfrm>
+            <a:off x="457200" y="52571"/>
+            <a:ext cx="8229600" cy="615277"/>
+          </a:xfrm>
+          <a:prstGeom prst="rect">
+            <a:avLst/>
+          </a:prstGeom>
+        </p:spPr>
         <p:txBody>
           <a:bodyPr/>
-          <a:lstStyle/>
-          <a:p>
-            <a:pPr marL="0" lvl="0" indent="0">
+          <a:lstStyle>
+            <a:lvl1pPr algn="ctr" defTabSz="342900" rtl="0" eaLnBrk="1" latinLnBrk="0" hangingPunct="1">
+              <a:spcBef>
+                <a:spcPct val="0"/>
+              </a:spcBef>
+              <a:buNone/>
+              <a:defRPr sz="3300" kern="1200">
+                <a:solidFill>
+                  <a:schemeClr val="tx1"/>
+                </a:solidFill>
+                <a:latin typeface="+mj-lt"/>
+                <a:ea typeface="+mj-ea"/>
+                <a:cs typeface="+mj-cs"/>
+              </a:defRPr>
+            </a:lvl1pPr>
+          </a:lstStyle>
+          <a:p>
+            <a:r>
+              <a:rPr lang="en-US" dirty="0"/>
+              <a:t>One Sample Bootstrap Algorithm</a:t>
+            </a:r>
+          </a:p>
+        </p:txBody>
+      </p:sp>
+      <p:sp>
+        <p:nvSpPr>
+          <p:cNvPr id="3" name="TextBox 2">
+            <a:extLst>
+              <a:ext uri="{FF2B5EF4-FFF2-40B4-BE49-F238E27FC236}">
+                <a16:creationId xmlns:a16="http://schemas.microsoft.com/office/drawing/2014/main" id="{99D1ED38-93C5-1256-812E-5C40067FF7D0}"/>
+              </a:ext>
+            </a:extLst>
+          </p:cNvPr>
+          <p:cNvSpPr txBox="1"/>
+          <p:nvPr/>
+        </p:nvSpPr>
+        <p:spPr>
+          <a:xfrm>
+            <a:off x="595086" y="4765040"/>
+            <a:ext cx="8229600" cy="378460"/>
+          </a:xfrm>
+          <a:prstGeom prst="rect">
+            <a:avLst/>
+          </a:prstGeom>
+          <a:noFill/>
+        </p:spPr>
+        <p:txBody>
+          <a:bodyPr/>
+          <a:lstStyle/>
+          <a:p>
+            <a:pPr marL="0" lvl="0" indent="0" algn="ctr">
               <a:buNone/>
             </a:pPr>
             <a:r>
-              <a:t>Overview of the Bootstrap Algorithm</a:t>
-            </a:r>
-          </a:p>
-        </p:txBody>
-      </p:sp>
-      <p:sp>
-        <p:nvSpPr>
-          <p:cNvPr id="3" name="Content Placeholder 2"/>
-          <p:cNvSpPr>
-            <a:spLocks noGrp="1"/>
-          </p:cNvSpPr>
-          <p:nvPr>
-            <p:ph idx="1"/>
-          </p:nvPr>
-        </p:nvSpPr>
-        <p:spPr/>
-        <p:txBody>
-          <a:bodyPr/>
-          <a:lstStyle/>
-          <a:p>
-            <a:pPr marL="0" lvl="0" indent="0">
-              <a:buNone/>
-            </a:pPr>
-            <a:r>
               <a:rPr dirty="0"/>
-              <a:t>Properties of the nonparametric bootstrap</a:t>
-            </a:r>
-          </a:p>
-          <a:p>
-            <a:pPr lvl="0"/>
-            <a:r>
-              <a:rPr dirty="0"/>
-              <a:t>By law of large numbers, bootstrap point estimate converges</a:t>
-            </a:r>
-          </a:p>
-          <a:p>
-            <a:pPr lvl="0"/>
-            <a:r>
-              <a:rPr dirty="0"/>
-              <a:t>Larger number of resamples lower variance of estimate</a:t>
-            </a:r>
-          </a:p>
-          <a:p>
-            <a:pPr lvl="0"/>
-            <a:r>
-              <a:rPr dirty="0" err="1"/>
-              <a:t>Efrom</a:t>
-            </a:r>
-            <a:r>
-              <a:rPr dirty="0"/>
-              <a:t> and </a:t>
-            </a:r>
-            <a:r>
-              <a:rPr dirty="0" err="1"/>
-              <a:t>Tibshirani</a:t>
-            </a:r>
-            <a:r>
-              <a:rPr dirty="0"/>
-              <a:t> (1993) and Efron and </a:t>
-            </a:r>
-            <a:r>
-              <a:rPr dirty="0" err="1"/>
-              <a:t>Hasti</a:t>
-            </a:r>
-            <a:r>
-              <a:rPr dirty="0"/>
-              <a:t> (2016) recommend using at least 200 bootstrap samples for point estimates</a:t>
-            </a:r>
-          </a:p>
-          <a:p>
-            <a:pPr lvl="0"/>
-            <a:r>
-              <a:rPr lang="en-US" dirty="0"/>
-              <a:t>More recently</a:t>
-            </a:r>
-            <a:r>
-              <a:rPr dirty="0"/>
-              <a:t> authors recommend a larger number (e.g. 1,000-</a:t>
-            </a:r>
-            <a:r>
-              <a:rPr lang="en-US" dirty="0"/>
-              <a:t>10</a:t>
-            </a:r>
-            <a:r>
-              <a:rPr dirty="0"/>
-              <a:t>,000) of resamples given low computer cost</a:t>
+              <a:t>Outline of bootstrap resampling algorithm to compute mean</a:t>
             </a:r>
           </a:p>
         </p:txBody>
       </p:sp>
     </p:spTree>
+    <p:extLst>
+      <p:ext uri="{BB962C8B-B14F-4D97-AF65-F5344CB8AC3E}">
+        <p14:creationId xmlns:p14="http://schemas.microsoft.com/office/powerpoint/2010/main" val="4122226854"/>
+      </p:ext>
+    </p:extLst>
   </p:cSld>
   <p:clrMapOvr>
     <a:masterClrMapping/>
@@ -3794,67 +8930,117 @@
               <a:buNone/>
             </a:pPr>
             <a:r>
-              <a:t>Overview of the Bootstrap Algorithm</a:t>
-            </a:r>
-          </a:p>
-        </p:txBody>
-      </p:sp>
-      <p:pic>
-        <p:nvPicPr>
-          <p:cNvPr id="3" name="Picture 1" descr="../images/BootstrapMean.png"/>
-          <p:cNvPicPr>
-            <a:picLocks noGrp="1" noChangeAspect="1"/>
-          </p:cNvPicPr>
-          <p:nvPr/>
-        </p:nvPicPr>
-        <p:blipFill>
-          <a:blip r:embed="rId2"/>
-          <a:stretch>
-            <a:fillRect/>
-          </a:stretch>
-        </p:blipFill>
-        <p:spPr bwMode="auto">
-          <a:xfrm>
-            <a:off x="665842" y="1044437"/>
-            <a:ext cx="7603672" cy="3649120"/>
-          </a:xfrm>
-          <a:prstGeom prst="rect">
-            <a:avLst/>
-          </a:prstGeom>
-          <a:noFill/>
-          <a:ln w="9525">
-            <a:noFill/>
-            <a:headEnd/>
-            <a:tailEnd/>
-          </a:ln>
-        </p:spPr>
-      </p:pic>
-      <p:sp>
-        <p:nvSpPr>
-          <p:cNvPr id="4" name="TextBox 3"/>
-          <p:cNvSpPr txBox="1"/>
-          <p:nvPr/>
-        </p:nvSpPr>
-        <p:spPr>
-          <a:xfrm>
-            <a:off x="595086" y="4635500"/>
-            <a:ext cx="8229600" cy="508000"/>
-          </a:xfrm>
-          <a:prstGeom prst="rect">
-            <a:avLst/>
-          </a:prstGeom>
-          <a:noFill/>
-        </p:spPr>
-        <p:txBody>
-          <a:bodyPr/>
-          <a:lstStyle/>
-          <a:p>
-            <a:pPr marL="0" lvl="0" indent="0" algn="ctr">
+              <a:rPr lang="en-US" dirty="0" err="1"/>
+              <a:t>Propoerties</a:t>
+            </a:r>
+            <a:r>
+              <a:rPr dirty="0"/>
+              <a:t> of the Bootstrap Algorithm</a:t>
+            </a:r>
+          </a:p>
+        </p:txBody>
+      </p:sp>
+      <p:sp>
+        <p:nvSpPr>
+          <p:cNvPr id="3" name="Content Placeholder 2"/>
+          <p:cNvSpPr>
+            <a:spLocks noGrp="1"/>
+          </p:cNvSpPr>
+          <p:nvPr>
+            <p:ph idx="1"/>
+          </p:nvPr>
+        </p:nvSpPr>
+        <p:spPr/>
+        <p:txBody>
+          <a:bodyPr>
+            <a:normAutofit fontScale="92500"/>
+          </a:bodyPr>
+          <a:lstStyle/>
+          <a:p>
+            <a:pPr marL="0" lvl="0" indent="0">
               <a:buNone/>
             </a:pPr>
             <a:r>
               <a:rPr dirty="0"/>
-              <a:t>Outline of bootstrap resampling algorithm to compute mean</a:t>
+              <a:t>Properties of the nonparametric bootstrap</a:t>
+            </a:r>
+          </a:p>
+          <a:p>
+            <a:pPr lvl="0"/>
+            <a:r>
+              <a:rPr dirty="0"/>
+              <a:t>By law of large numbers, bootstrap point estimate</a:t>
+            </a:r>
+            <a:r>
+              <a:rPr lang="en-US" dirty="0"/>
+              <a:t> of a statistic</a:t>
+            </a:r>
+            <a:r>
+              <a:rPr dirty="0"/>
+              <a:t> converges</a:t>
+            </a:r>
+            <a:r>
+              <a:rPr lang="en-US" dirty="0"/>
+              <a:t> to the population value</a:t>
+            </a:r>
+            <a:endParaRPr dirty="0"/>
+          </a:p>
+          <a:p>
+            <a:pPr lvl="0"/>
+            <a:r>
+              <a:rPr dirty="0"/>
+              <a:t>Larger number of resamples </a:t>
+            </a:r>
+            <a:r>
+              <a:rPr lang="en-US" dirty="0"/>
+              <a:t>gives better estimate of bootstrap distribution</a:t>
+            </a:r>
+            <a:endParaRPr dirty="0"/>
+          </a:p>
+          <a:p>
+            <a:pPr lvl="0"/>
+            <a:r>
+              <a:rPr dirty="0" err="1"/>
+              <a:t>Efrom</a:t>
+            </a:r>
+            <a:r>
+              <a:rPr dirty="0"/>
+              <a:t> and </a:t>
+            </a:r>
+            <a:r>
+              <a:rPr dirty="0" err="1"/>
+              <a:t>Tibshirani</a:t>
+            </a:r>
+            <a:r>
+              <a:rPr dirty="0"/>
+              <a:t> (1993) and Efron and </a:t>
+            </a:r>
+            <a:r>
+              <a:rPr dirty="0" err="1"/>
+              <a:t>Hasti</a:t>
+            </a:r>
+            <a:r>
+              <a:rPr dirty="0"/>
+              <a:t> (2016) recommend using at least 200 bootstrap samples for point estimates</a:t>
+            </a:r>
+          </a:p>
+          <a:p>
+            <a:pPr lvl="0"/>
+            <a:r>
+              <a:rPr lang="en-US" dirty="0"/>
+              <a:t>More recently</a:t>
+            </a:r>
+            <a:r>
+              <a:rPr dirty="0"/>
+              <a:t> authors recommend a larger number (e.g. 1,000-</a:t>
+            </a:r>
+            <a:r>
+              <a:rPr lang="en-US" dirty="0"/>
+              <a:t>10</a:t>
+            </a:r>
+            <a:r>
+              <a:rPr dirty="0"/>
+              <a:t>,000) of resamples given low computer cost</a:t>
             </a:r>
           </a:p>
         </p:txBody>
@@ -3922,7 +9108,7 @@
         <p:spPr>
           <a:xfrm>
             <a:off x="457199" y="1200150"/>
-            <a:ext cx="8581571" cy="3487964"/>
+            <a:ext cx="8581571" cy="3778250"/>
           </a:xfrm>
         </p:spPr>
         <p:txBody>
@@ -3936,7 +9122,29 @@
             </a:pPr>
             <a:r>
               <a:rPr sz="1600" dirty="0"/>
-              <a:t>Use sample of standardized scores of high school students from UCLA Statistical Consulting</a:t>
+              <a:t>Use sample of standardized scores of high school students </a:t>
+            </a:r>
+            <a:endParaRPr lang="en-US" sz="1600" dirty="0"/>
+          </a:p>
+          <a:p>
+            <a:pPr marL="0" lvl="0" indent="0">
+              <a:buNone/>
+            </a:pPr>
+            <a:r>
+              <a:rPr lang="en-US" sz="1600" dirty="0">
+                <a:hlinkClick r:id="rId2"/>
+              </a:rPr>
+              <a:t>Dataset HSB2 is from the </a:t>
+            </a:r>
+            <a:r>
+              <a:rPr lang="en-US" sz="1600" b="0" i="0" dirty="0">
+                <a:solidFill>
+                  <a:srgbClr val="3C4858"/>
+                </a:solidFill>
+                <a:effectLst/>
+                <a:hlinkClick r:id="rId2"/>
+              </a:rPr>
+              <a:t>UCLA Institute for Digital Research &amp; Education - Statistical Consulting</a:t>
             </a:r>
             <a:r>
               <a:rPr sz="1400" dirty="0">
@@ -4027,35 +9235,6 @@
       </p:grpSpPr>
       <p:sp>
         <p:nvSpPr>
-          <p:cNvPr id="2" name="Title 1"/>
-          <p:cNvSpPr>
-            <a:spLocks noGrp="1"/>
-          </p:cNvSpPr>
-          <p:nvPr>
-            <p:ph type="title"/>
-          </p:nvPr>
-        </p:nvSpPr>
-        <p:spPr>
-          <a:xfrm>
-            <a:off x="457201" y="204787"/>
-            <a:ext cx="3008313" cy="871538"/>
-          </a:xfrm>
-        </p:spPr>
-        <p:txBody>
-          <a:bodyPr/>
-          <a:lstStyle/>
-          <a:p>
-            <a:pPr marL="0" lvl="0" indent="0">
-              <a:buNone/>
-            </a:pPr>
-            <a:r>
-              <a:t>Example; One Sample Bootstrap</a:t>
-            </a:r>
-          </a:p>
-        </p:txBody>
-      </p:sp>
-      <p:sp>
-        <p:nvSpPr>
           <p:cNvPr id="4" name="Text Placeholder 3"/>
           <p:cNvSpPr>
             <a:spLocks noGrp="1"/>
@@ -4064,25 +9243,77 @@
             <p:ph type="body" sz="half" idx="2"/>
           </p:nvPr>
         </p:nvSpPr>
-        <p:spPr/>
-        <p:txBody>
-          <a:bodyPr/>
-          <a:lstStyle/>
-          <a:p>
-            <a:pPr marL="0" lvl="0" indent="0">
+        <p:spPr>
+          <a:xfrm>
+            <a:off x="2304143" y="4720772"/>
+            <a:ext cx="5275944" cy="307919"/>
+          </a:xfrm>
+        </p:spPr>
+        <p:txBody>
+          <a:bodyPr>
+            <a:noAutofit/>
+          </a:bodyPr>
+          <a:lstStyle/>
+          <a:p>
+            <a:pPr marL="0" lvl="0" indent="0" algn="ctr">
               <a:buNone/>
             </a:pPr>
             <a:r>
+              <a:rPr sz="2000" dirty="0"/>
               <a:t>Histogram of the math scores</a:t>
+            </a:r>
+          </a:p>
+        </p:txBody>
+      </p:sp>
+      <p:sp>
+        <p:nvSpPr>
+          <p:cNvPr id="7" name="Title 1">
+            <a:extLst>
+              <a:ext uri="{FF2B5EF4-FFF2-40B4-BE49-F238E27FC236}">
+                <a16:creationId xmlns:a16="http://schemas.microsoft.com/office/drawing/2014/main" id="{209237DC-10F1-62B7-1EF8-600ABC3A3359}"/>
+              </a:ext>
+            </a:extLst>
+          </p:cNvPr>
+          <p:cNvSpPr>
+            <a:spLocks noGrp="1"/>
+          </p:cNvSpPr>
+          <p:nvPr>
+            <p:ph type="title"/>
+          </p:nvPr>
+        </p:nvSpPr>
+        <p:spPr>
+          <a:xfrm>
+            <a:off x="457200" y="205979"/>
+            <a:ext cx="8229600" cy="621335"/>
+          </a:xfrm>
+        </p:spPr>
+        <p:txBody>
+          <a:bodyPr>
+            <a:normAutofit/>
+          </a:bodyPr>
+          <a:lstStyle/>
+          <a:p>
+            <a:pPr marL="0" lvl="0" indent="0" algn="ctr">
+              <a:buNone/>
+            </a:pPr>
+            <a:r>
+              <a:rPr sz="3200" dirty="0"/>
+              <a:t>Example; One Sample Bootstrap</a:t>
             </a:r>
           </a:p>
         </p:txBody>
       </p:sp>
       <p:pic>
         <p:nvPicPr>
-          <p:cNvPr id="3" name="Picture 1" descr="06b_IntroductionToBootstrap_files/figure-pptx/unnamed-chunk-2-1.png"/>
+          <p:cNvPr id="9" name="Picture 8">
+            <a:extLst>
+              <a:ext uri="{FF2B5EF4-FFF2-40B4-BE49-F238E27FC236}">
+                <a16:creationId xmlns:a16="http://schemas.microsoft.com/office/drawing/2014/main" id="{18D8748F-FBBE-5882-F545-170CF77723F2}"/>
+              </a:ext>
+            </a:extLst>
+          </p:cNvPr>
           <p:cNvPicPr>
-            <a:picLocks noGrp="1" noChangeAspect="1"/>
+            <a:picLocks noChangeAspect="1"/>
           </p:cNvPicPr>
           <p:nvPr/>
         </p:nvPicPr>
@@ -4092,20 +9323,14 @@
             <a:fillRect/>
           </a:stretch>
         </p:blipFill>
-        <p:spPr bwMode="auto">
+        <p:spPr>
           <a:xfrm>
-            <a:off x="3568700" y="571500"/>
-            <a:ext cx="5105400" cy="3644900"/>
+            <a:off x="2013858" y="995387"/>
+            <a:ext cx="5408318" cy="3680174"/>
           </a:xfrm>
           <a:prstGeom prst="rect">
             <a:avLst/>
           </a:prstGeom>
-          <a:noFill/>
-          <a:ln w="9525">
-            <a:noFill/>
-            <a:headEnd/>
-            <a:tailEnd/>
-          </a:ln>
         </p:spPr>
       </p:pic>
     </p:spTree>
@@ -4167,7 +9392,12 @@
             <p:ph idx="1"/>
           </p:nvPr>
         </p:nvSpPr>
-        <p:spPr/>
+        <p:spPr>
+          <a:xfrm>
+            <a:off x="457200" y="1023258"/>
+            <a:ext cx="8229600" cy="3853542"/>
+          </a:xfrm>
+        </p:spPr>
         <p:txBody>
           <a:bodyPr>
             <a:normAutofit fontScale="55000" lnSpcReduction="20000"/>
@@ -4178,6 +9408,7 @@
               <a:buNone/>
             </a:pPr>
             <a:r>
+              <a:rPr sz="3300" dirty="0"/>
               <a:t>Function to compute single sample bootstrap estimate of statistic</a:t>
             </a:r>
           </a:p>
@@ -4186,7 +9417,7 @@
               <a:buNone/>
             </a:pPr>
             <a:r>
-              <a:rPr b="1">
+              <a:rPr sz="2500" b="1" dirty="0">
                 <a:solidFill>
                   <a:srgbClr val="007020"/>
                 </a:solidFill>
@@ -4195,20 +9426,34 @@
               <a:t>def</a:t>
             </a:r>
             <a:r>
-              <a:rPr>
-                <a:latin typeface="Courier"/>
-              </a:rPr>
-              <a:t> bootstrap_statistic(x, b, statistic):</a:t>
-            </a:r>
-            <a:br/>
-            <a:r>
-              <a:rPr>
+              <a:rPr sz="2500" dirty="0">
+                <a:latin typeface="Courier"/>
+              </a:rPr>
+              <a:t> </a:t>
+            </a:r>
+            <a:r>
+              <a:rPr sz="2500" dirty="0" err="1">
+                <a:latin typeface="Courier"/>
+              </a:rPr>
+              <a:t>bootstrap_statistic</a:t>
+            </a:r>
+            <a:r>
+              <a:rPr sz="2500" dirty="0">
+                <a:latin typeface="Courier"/>
+              </a:rPr>
+              <a:t>(x, b, statistic):</a:t>
+            </a:r>
+            <a:br>
+              <a:rPr sz="2500" dirty="0"/>
+            </a:br>
+            <a:r>
+              <a:rPr sz="2500" dirty="0">
                 <a:latin typeface="Courier"/>
               </a:rPr>
               <a:t>    </a:t>
             </a:r>
             <a:r>
-              <a:rPr i="1">
+              <a:rPr sz="2500" i="1" dirty="0">
                 <a:solidFill>
                   <a:srgbClr val="60A0B0"/>
                 </a:solidFill>
@@ -4216,9 +9461,11 @@
               </a:rPr>
               <a:t>'''</a:t>
             </a:r>
-            <a:br/>
-            <a:r>
-              <a:rPr i="1">
+            <a:br>
+              <a:rPr sz="2500" dirty="0"/>
+            </a:br>
+            <a:r>
+              <a:rPr sz="2500" i="1" dirty="0">
                 <a:solidFill>
                   <a:srgbClr val="60A0B0"/>
                 </a:solidFill>
@@ -4226,9 +9473,11 @@
               </a:rPr>
               <a:t>    Function Computes b one-sample bootstrap estimates of data x</a:t>
             </a:r>
-            <a:br/>
-            <a:r>
-              <a:rPr i="1">
+            <a:br>
+              <a:rPr sz="2500" dirty="0"/>
+            </a:br>
+            <a:r>
+              <a:rPr sz="2500" i="1" dirty="0">
                 <a:solidFill>
                   <a:srgbClr val="60A0B0"/>
                 </a:solidFill>
@@ -4236,9 +9485,11 @@
               </a:rPr>
               <a:t>    using statistic function.  </a:t>
             </a:r>
-            <a:br/>
-            <a:r>
-              <a:rPr i="1">
+            <a:br>
+              <a:rPr sz="2500" dirty="0"/>
+            </a:br>
+            <a:r>
+              <a:rPr sz="2500" i="1" dirty="0">
                 <a:solidFill>
                   <a:srgbClr val="60A0B0"/>
                 </a:solidFill>
@@ -4246,15 +9497,29 @@
               </a:rPr>
               <a:t>    '''</a:t>
             </a:r>
-            <a:br/>
-            <a:r>
-              <a:rPr>
-                <a:latin typeface="Courier"/>
-              </a:rPr>
-              <a:t>    n_samps </a:t>
-            </a:r>
-            <a:r>
-              <a:rPr>
+            <a:br>
+              <a:rPr sz="2500" dirty="0"/>
+            </a:br>
+            <a:r>
+              <a:rPr sz="2500" dirty="0">
+                <a:latin typeface="Courier"/>
+              </a:rPr>
+              <a:t>    </a:t>
+            </a:r>
+            <a:r>
+              <a:rPr sz="2500" dirty="0" err="1">
+                <a:latin typeface="Courier"/>
+              </a:rPr>
+              <a:t>n_samps</a:t>
+            </a:r>
+            <a:r>
+              <a:rPr sz="2500" dirty="0">
+                <a:latin typeface="Courier"/>
+              </a:rPr>
+              <a:t> </a:t>
+            </a:r>
+            <a:r>
+              <a:rPr sz="2500" dirty="0">
                 <a:solidFill>
                   <a:srgbClr val="666666"/>
                 </a:solidFill>
@@ -4263,13 +9528,13 @@
               <a:t>=</a:t>
             </a:r>
             <a:r>
-              <a:rPr>
+              <a:rPr sz="2500" dirty="0">
                 <a:latin typeface="Courier"/>
               </a:rPr>
               <a:t> </a:t>
             </a:r>
             <a:r>
-              <a:rPr>
+              <a:rPr sz="2500" dirty="0" err="1">
                 <a:solidFill>
                   <a:srgbClr val="008000"/>
                 </a:solidFill>
@@ -4278,20 +9543,34 @@
               <a:t>len</a:t>
             </a:r>
             <a:r>
-              <a:rPr>
+              <a:rPr sz="2500" dirty="0">
                 <a:latin typeface="Courier"/>
               </a:rPr>
               <a:t>(x)</a:t>
             </a:r>
-            <a:br/>
-            <a:r>
-              <a:rPr>
-                <a:latin typeface="Courier"/>
-              </a:rPr>
-              <a:t>    boot_vals </a:t>
-            </a:r>
-            <a:r>
-              <a:rPr>
+            <a:br>
+              <a:rPr sz="2500" dirty="0"/>
+            </a:br>
+            <a:r>
+              <a:rPr sz="2500" dirty="0">
+                <a:latin typeface="Courier"/>
+              </a:rPr>
+              <a:t>    </a:t>
+            </a:r>
+            <a:r>
+              <a:rPr sz="2500" dirty="0" err="1">
+                <a:latin typeface="Courier"/>
+              </a:rPr>
+              <a:t>boot_vals</a:t>
+            </a:r>
+            <a:r>
+              <a:rPr sz="2500" dirty="0">
+                <a:latin typeface="Courier"/>
+              </a:rPr>
+              <a:t> </a:t>
+            </a:r>
+            <a:r>
+              <a:rPr sz="2500" dirty="0">
                 <a:solidFill>
                   <a:srgbClr val="666666"/>
                 </a:solidFill>
@@ -4300,20 +9579,22 @@
               <a:t>=</a:t>
             </a:r>
             <a:r>
-              <a:rPr>
+              <a:rPr sz="2500" dirty="0">
                 <a:latin typeface="Courier"/>
               </a:rPr>
               <a:t> []</a:t>
             </a:r>
-            <a:br/>
-            <a:r>
-              <a:rPr>
+            <a:br>
+              <a:rPr sz="2500" dirty="0"/>
+            </a:br>
+            <a:r>
+              <a:rPr sz="2500" dirty="0">
                 <a:latin typeface="Courier"/>
               </a:rPr>
               <a:t>    </a:t>
             </a:r>
             <a:r>
-              <a:rPr b="1">
+              <a:rPr sz="2500" b="1" dirty="0">
                 <a:solidFill>
                   <a:srgbClr val="007020"/>
                 </a:solidFill>
@@ -4322,13 +9603,13 @@
               <a:t>for</a:t>
             </a:r>
             <a:r>
-              <a:rPr>
+              <a:rPr sz="2500" dirty="0">
                 <a:latin typeface="Courier"/>
               </a:rPr>
               <a:t> _ </a:t>
             </a:r>
             <a:r>
-              <a:rPr b="1">
+              <a:rPr sz="2500" b="1" dirty="0">
                 <a:solidFill>
                   <a:srgbClr val="007020"/>
                 </a:solidFill>
@@ -4337,13 +9618,13 @@
               <a:t>in</a:t>
             </a:r>
             <a:r>
-              <a:rPr>
+              <a:rPr sz="2500" dirty="0">
                 <a:latin typeface="Courier"/>
               </a:rPr>
               <a:t> </a:t>
             </a:r>
             <a:r>
-              <a:rPr>
+              <a:rPr sz="2500" dirty="0">
                 <a:solidFill>
                   <a:srgbClr val="008000"/>
                 </a:solidFill>
@@ -4352,20 +9633,22 @@
               <a:t>range</a:t>
             </a:r>
             <a:r>
-              <a:rPr>
+              <a:rPr sz="2500" dirty="0">
                 <a:latin typeface="Courier"/>
               </a:rPr>
               <a:t>(b):</a:t>
             </a:r>
-            <a:br/>
-            <a:r>
-              <a:rPr>
+            <a:br>
+              <a:rPr sz="2500" dirty="0"/>
+            </a:br>
+            <a:r>
+              <a:rPr sz="2500" dirty="0">
                 <a:latin typeface="Courier"/>
               </a:rPr>
               <a:t>        </a:t>
             </a:r>
             <a:r>
-              <a:rPr i="1">
+              <a:rPr sz="2500" i="1" dirty="0">
                 <a:solidFill>
                   <a:srgbClr val="60A0B0"/>
                 </a:solidFill>
@@ -4373,15 +9656,17 @@
               </a:rPr>
               <a:t>## The heavy work is done here. The statistic is computed </a:t>
             </a:r>
-            <a:br/>
-            <a:r>
-              <a:rPr>
+            <a:br>
+              <a:rPr sz="2500" dirty="0"/>
+            </a:br>
+            <a:r>
+              <a:rPr sz="2500" dirty="0">
                 <a:latin typeface="Courier"/>
               </a:rPr>
               <a:t>        </a:t>
             </a:r>
             <a:r>
-              <a:rPr i="1">
+              <a:rPr sz="2500" i="1" dirty="0">
                 <a:solidFill>
                   <a:srgbClr val="60A0B0"/>
                 </a:solidFill>
@@ -4389,15 +9674,41 @@
               </a:rPr>
               <a:t>## using the bootstrap sample of the observations </a:t>
             </a:r>
-            <a:br/>
-            <a:r>
-              <a:rPr>
-                <a:latin typeface="Courier"/>
-              </a:rPr>
-              <a:t>        boot_vals.append(statistic(nr.choice(x, size</a:t>
-            </a:r>
-            <a:r>
-              <a:rPr>
+            <a:br>
+              <a:rPr sz="2500" dirty="0"/>
+            </a:br>
+            <a:r>
+              <a:rPr sz="2500" dirty="0">
+                <a:latin typeface="Courier"/>
+              </a:rPr>
+              <a:t>        </a:t>
+            </a:r>
+            <a:r>
+              <a:rPr sz="2500" dirty="0" err="1">
+                <a:latin typeface="Courier"/>
+              </a:rPr>
+              <a:t>boot_vals.append</a:t>
+            </a:r>
+            <a:r>
+              <a:rPr sz="2500" dirty="0">
+                <a:latin typeface="Courier"/>
+              </a:rPr>
+              <a:t>(statistic(</a:t>
+            </a:r>
+            <a:r>
+              <a:rPr sz="2500" dirty="0" err="1">
+                <a:latin typeface="Courier"/>
+              </a:rPr>
+              <a:t>nr.choice</a:t>
+            </a:r>
+            <a:r>
+              <a:rPr sz="2500" dirty="0">
+                <a:latin typeface="Courier"/>
+              </a:rPr>
+              <a:t>(x, size</a:t>
+            </a:r>
+            <a:r>
+              <a:rPr sz="2500" dirty="0">
                 <a:solidFill>
                   <a:srgbClr val="666666"/>
                 </a:solidFill>
@@ -4406,13 +9717,19 @@
               <a:t>=</a:t>
             </a:r>
             <a:r>
-              <a:rPr>
-                <a:latin typeface="Courier"/>
-              </a:rPr>
-              <a:t>n_samps, replace</a:t>
-            </a:r>
-            <a:r>
-              <a:rPr>
+              <a:rPr sz="2500" dirty="0" err="1">
+                <a:latin typeface="Courier"/>
+              </a:rPr>
+              <a:t>n_samps</a:t>
+            </a:r>
+            <a:r>
+              <a:rPr sz="2500" dirty="0">
+                <a:latin typeface="Courier"/>
+              </a:rPr>
+              <a:t>, replace</a:t>
+            </a:r>
+            <a:r>
+              <a:rPr sz="2500" dirty="0">
                 <a:solidFill>
                   <a:srgbClr val="666666"/>
                 </a:solidFill>
@@ -4421,7 +9738,7 @@
               <a:t>=</a:t>
             </a:r>
             <a:r>
-              <a:rPr>
+              <a:rPr sz="2500" dirty="0">
                 <a:solidFill>
                   <a:srgbClr val="19177C"/>
                 </a:solidFill>
@@ -4430,20 +9747,34 @@
               <a:t>True</a:t>
             </a:r>
             <a:r>
-              <a:rPr>
+              <a:rPr sz="2500" dirty="0">
                 <a:latin typeface="Courier"/>
               </a:rPr>
               <a:t>)))</a:t>
             </a:r>
-            <a:br/>
-            <a:r>
-              <a:rPr>
-                <a:latin typeface="Courier"/>
-              </a:rPr>
-              <a:t>    boot_estimate </a:t>
-            </a:r>
-            <a:r>
-              <a:rPr>
+            <a:br>
+              <a:rPr sz="2500" dirty="0"/>
+            </a:br>
+            <a:r>
+              <a:rPr sz="2500" dirty="0">
+                <a:latin typeface="Courier"/>
+              </a:rPr>
+              <a:t>    </a:t>
+            </a:r>
+            <a:r>
+              <a:rPr sz="2500" dirty="0" err="1">
+                <a:latin typeface="Courier"/>
+              </a:rPr>
+              <a:t>boot_estimate</a:t>
+            </a:r>
+            <a:r>
+              <a:rPr sz="2500" dirty="0">
+                <a:latin typeface="Courier"/>
+              </a:rPr>
+              <a:t> </a:t>
+            </a:r>
+            <a:r>
+              <a:rPr sz="2500" dirty="0">
                 <a:solidFill>
                   <a:srgbClr val="666666"/>
                 </a:solidFill>
@@ -4452,20 +9783,46 @@
               <a:t>=</a:t>
             </a:r>
             <a:r>
-              <a:rPr>
-                <a:latin typeface="Courier"/>
-              </a:rPr>
-              <a:t> np.mean(boot_vals)</a:t>
-            </a:r>
-            <a:br/>
-            <a:r>
-              <a:rPr>
+              <a:rPr sz="2500" dirty="0">
+                <a:latin typeface="Courier"/>
+              </a:rPr>
+              <a:t> </a:t>
+            </a:r>
+            <a:r>
+              <a:rPr sz="2500" dirty="0" err="1">
+                <a:latin typeface="Courier"/>
+              </a:rPr>
+              <a:t>np.mean</a:t>
+            </a:r>
+            <a:r>
+              <a:rPr sz="2500" dirty="0">
+                <a:latin typeface="Courier"/>
+              </a:rPr>
+              <a:t>(</a:t>
+            </a:r>
+            <a:r>
+              <a:rPr sz="2500" dirty="0" err="1">
+                <a:latin typeface="Courier"/>
+              </a:rPr>
+              <a:t>boot_vals</a:t>
+            </a:r>
+            <a:r>
+              <a:rPr sz="2500" dirty="0">
+                <a:latin typeface="Courier"/>
+              </a:rPr>
+              <a:t>)</a:t>
+            </a:r>
+            <a:br>
+              <a:rPr sz="2500" dirty="0"/>
+            </a:br>
+            <a:r>
+              <a:rPr sz="2500" dirty="0">
                 <a:latin typeface="Courier"/>
               </a:rPr>
               <a:t>    </a:t>
             </a:r>
             <a:r>
-              <a:rPr>
+              <a:rPr sz="2500" dirty="0">
                 <a:solidFill>
                   <a:srgbClr val="008000"/>
                 </a:solidFill>
@@ -4474,13 +9831,13 @@
               <a:t>print</a:t>
             </a:r>
             <a:r>
-              <a:rPr>
+              <a:rPr sz="2500" dirty="0">
                 <a:latin typeface="Courier"/>
               </a:rPr>
               <a:t>(</a:t>
             </a:r>
             <a:r>
-              <a:rPr>
+              <a:rPr sz="2500" dirty="0">
                 <a:solidFill>
                   <a:srgbClr val="4070A0"/>
                 </a:solidFill>
@@ -4489,13 +9846,13 @@
               <a:t>'Bootstrap point estimate = {:6.2f}'</a:t>
             </a:r>
             <a:r>
-              <a:rPr>
+              <a:rPr sz="2500" dirty="0">
                 <a:latin typeface="Courier"/>
               </a:rPr>
               <a:t>.</a:t>
             </a:r>
             <a:r>
-              <a:rPr>
+              <a:rPr sz="2500" dirty="0">
                 <a:solidFill>
                   <a:srgbClr val="008000"/>
                 </a:solidFill>
@@ -4504,20 +9861,34 @@
               <a:t>format</a:t>
             </a:r>
             <a:r>
-              <a:rPr>
-                <a:latin typeface="Courier"/>
-              </a:rPr>
-              <a:t>(boot_estimate))</a:t>
-            </a:r>
-            <a:br/>
-            <a:r>
-              <a:rPr>
+              <a:rPr sz="2500" dirty="0">
+                <a:latin typeface="Courier"/>
+              </a:rPr>
+              <a:t>(</a:t>
+            </a:r>
+            <a:r>
+              <a:rPr sz="2500" dirty="0" err="1">
+                <a:latin typeface="Courier"/>
+              </a:rPr>
+              <a:t>boot_estimate</a:t>
+            </a:r>
+            <a:r>
+              <a:rPr sz="2500" dirty="0">
+                <a:latin typeface="Courier"/>
+              </a:rPr>
+              <a:t>))</a:t>
+            </a:r>
+            <a:br>
+              <a:rPr sz="2500" dirty="0"/>
+            </a:br>
+            <a:r>
+              <a:rPr sz="2500" dirty="0">
                 <a:latin typeface="Courier"/>
               </a:rPr>
               <a:t>    </a:t>
             </a:r>
             <a:r>
-              <a:rPr b="1">
+              <a:rPr sz="2500" b="1" dirty="0">
                 <a:solidFill>
                   <a:srgbClr val="007020"/>
                 </a:solidFill>
@@ -4526,27 +9897,73 @@
               <a:t>return</a:t>
             </a:r>
             <a:r>
-              <a:rPr>
-                <a:latin typeface="Courier"/>
-              </a:rPr>
-              <a:t>(boot_estimate, boot_vals)      </a:t>
-            </a:r>
-            <a:br/>
-            <a:r>
-              <a:rPr>
+              <a:rPr sz="2500" dirty="0">
+                <a:latin typeface="Courier"/>
+              </a:rPr>
+              <a:t>(</a:t>
+            </a:r>
+            <a:r>
+              <a:rPr sz="2500" dirty="0" err="1">
+                <a:latin typeface="Courier"/>
+              </a:rPr>
+              <a:t>boot_estimate</a:t>
+            </a:r>
+            <a:r>
+              <a:rPr sz="2500" dirty="0">
+                <a:latin typeface="Courier"/>
+              </a:rPr>
+              <a:t>, </a:t>
+            </a:r>
+            <a:r>
+              <a:rPr sz="2500" dirty="0" err="1">
+                <a:latin typeface="Courier"/>
+              </a:rPr>
+              <a:t>boot_vals</a:t>
+            </a:r>
+            <a:r>
+              <a:rPr sz="2500" dirty="0">
+                <a:latin typeface="Courier"/>
+              </a:rPr>
+              <a:t>)      </a:t>
+            </a:r>
+            <a:br>
+              <a:rPr sz="2500" dirty="0"/>
+            </a:br>
+            <a:r>
+              <a:rPr sz="2500" dirty="0">
                 <a:latin typeface="Courier"/>
               </a:rPr>
               <a:t>    </a:t>
             </a:r>
-            <a:br/>
-            <a:r>
-              <a:rPr>
-                <a:latin typeface="Courier"/>
-              </a:rPr>
-              <a:t>bootstrap_mean_estimate, boot_means </a:t>
-            </a:r>
-            <a:r>
-              <a:rPr>
+            <a:br>
+              <a:rPr sz="2500" dirty="0"/>
+            </a:br>
+            <a:r>
+              <a:rPr sz="2500" dirty="0" err="1">
+                <a:latin typeface="Courier"/>
+              </a:rPr>
+              <a:t>bootstrap_mean_estimate</a:t>
+            </a:r>
+            <a:r>
+              <a:rPr sz="2500" dirty="0">
+                <a:latin typeface="Courier"/>
+              </a:rPr>
+              <a:t>, </a:t>
+            </a:r>
+            <a:r>
+              <a:rPr sz="2500" dirty="0" err="1">
+                <a:latin typeface="Courier"/>
+              </a:rPr>
+              <a:t>boot_means</a:t>
+            </a:r>
+            <a:r>
+              <a:rPr sz="2500" dirty="0">
+                <a:latin typeface="Courier"/>
+              </a:rPr>
+              <a:t> </a:t>
+            </a:r>
+            <a:r>
+              <a:rPr sz="2500" dirty="0">
                 <a:solidFill>
                   <a:srgbClr val="666666"/>
                 </a:solidFill>
@@ -4555,13 +9972,25 @@
               <a:t>=</a:t>
             </a:r>
             <a:r>
-              <a:rPr>
-                <a:latin typeface="Courier"/>
-              </a:rPr>
-              <a:t> bootstrap_statistic(math, </a:t>
-            </a:r>
-            <a:r>
-              <a:rPr>
+              <a:rPr sz="2500" dirty="0">
+                <a:latin typeface="Courier"/>
+              </a:rPr>
+              <a:t> </a:t>
+            </a:r>
+            <a:r>
+              <a:rPr sz="2500" dirty="0" err="1">
+                <a:latin typeface="Courier"/>
+              </a:rPr>
+              <a:t>bootstrap_statistic</a:t>
+            </a:r>
+            <a:r>
+              <a:rPr sz="2500" dirty="0">
+                <a:latin typeface="Courier"/>
+              </a:rPr>
+              <a:t>(math, </a:t>
+            </a:r>
+            <a:r>
+              <a:rPr sz="2500" dirty="0">
                 <a:solidFill>
                   <a:srgbClr val="40A070"/>
                 </a:solidFill>
@@ -4570,10 +9999,22 @@
               <a:t>200</a:t>
             </a:r>
             <a:r>
-              <a:rPr>
-                <a:latin typeface="Courier"/>
-              </a:rPr>
-              <a:t>, np.mean)</a:t>
+              <a:rPr sz="2500" dirty="0">
+                <a:latin typeface="Courier"/>
+              </a:rPr>
+              <a:t>, </a:t>
+            </a:r>
+            <a:r>
+              <a:rPr sz="2500" dirty="0" err="1">
+                <a:latin typeface="Courier"/>
+              </a:rPr>
+              <a:t>np.mean</a:t>
+            </a:r>
+            <a:r>
+              <a:rPr sz="2500" dirty="0">
+                <a:latin typeface="Courier"/>
+              </a:rPr>
+              <a:t>)</a:t>
             </a:r>
           </a:p>
           <a:p>
@@ -4581,7 +10022,7 @@
               <a:buNone/>
             </a:pPr>
             <a:r>
-              <a:rPr>
+              <a:rPr sz="2500" dirty="0">
                 <a:latin typeface="Courier"/>
               </a:rPr>
               <a:t>## Bootstrap point estimate =  52.63</a:t>
@@ -4616,35 +10057,6 @@
       </p:grpSpPr>
       <p:sp>
         <p:nvSpPr>
-          <p:cNvPr id="2" name="Title 1"/>
-          <p:cNvSpPr>
-            <a:spLocks noGrp="1"/>
-          </p:cNvSpPr>
-          <p:nvPr>
-            <p:ph type="title"/>
-          </p:nvPr>
-        </p:nvSpPr>
-        <p:spPr>
-          <a:xfrm>
-            <a:off x="457201" y="204787"/>
-            <a:ext cx="3008313" cy="871538"/>
-          </a:xfrm>
-        </p:spPr>
-        <p:txBody>
-          <a:bodyPr/>
-          <a:lstStyle/>
-          <a:p>
-            <a:pPr marL="0" lvl="0" indent="0">
-              <a:buNone/>
-            </a:pPr>
-            <a:r>
-              <a:t>Example; One Sample Bootstrap</a:t>
-            </a:r>
-          </a:p>
-        </p:txBody>
-      </p:sp>
-      <p:sp>
-        <p:nvSpPr>
           <p:cNvPr id="4" name="Text Placeholder 3"/>
           <p:cNvSpPr>
             <a:spLocks noGrp="1"/>
@@ -4653,59 +10065,157 @@
             <p:ph type="body" sz="half" idx="2"/>
           </p:nvPr>
         </p:nvSpPr>
-        <p:spPr/>
-        <p:txBody>
-          <a:bodyPr/>
-          <a:lstStyle/>
-          <a:p>
-            <a:pPr marL="0" lvl="0" indent="0">
+        <p:spPr>
+          <a:xfrm>
+            <a:off x="335465" y="4234542"/>
+            <a:ext cx="8719457" cy="522515"/>
+          </a:xfrm>
+        </p:spPr>
+        <p:txBody>
+          <a:bodyPr>
+            <a:noAutofit/>
+          </a:bodyPr>
+          <a:lstStyle/>
+          <a:p>
+            <a:pPr marL="0" lvl="0" indent="0" algn="ctr">
               <a:buNone/>
             </a:pPr>
             <a:r>
-              <a:t>Distribution of 200 bootstrap samples of mean estimates</a:t>
-            </a:r>
-          </a:p>
-          <a:p>
-            <a:pPr lvl="0" indent="0">
+              <a:rPr sz="1800" dirty="0"/>
+              <a:t>Distribution of 200</a:t>
+            </a:r>
+            <a:r>
+              <a:rPr lang="en-US" sz="1800" dirty="0"/>
+              <a:t>0</a:t>
+            </a:r>
+            <a:r>
+              <a:rPr sz="1800" dirty="0"/>
+              <a:t> bootstrap samples of mean estimate</a:t>
+            </a:r>
+            <a:r>
+              <a:rPr lang="en-US" sz="1800" dirty="0"/>
+              <a:t> of math scores</a:t>
+            </a:r>
+            <a:endParaRPr sz="1800" dirty="0"/>
+          </a:p>
+          <a:p>
+            <a:pPr lvl="0" indent="0" algn="ctr">
               <a:buNone/>
             </a:pPr>
             <a:r>
-              <a:rPr>
-                <a:latin typeface="Courier"/>
-              </a:rPr>
-              <a:t>## bootstrap point estimate =  52.63</a:t>
+              <a:rPr sz="1800" dirty="0">
+                <a:latin typeface="Courier"/>
+              </a:rPr>
+              <a:t>## bootstrap point estimate =  52.6</a:t>
+            </a:r>
+            <a:r>
+              <a:rPr lang="en-US" sz="1800" dirty="0">
+                <a:latin typeface="Courier"/>
+              </a:rPr>
+              <a:t>4</a:t>
+            </a:r>
+            <a:endParaRPr sz="1800" dirty="0">
+              <a:latin typeface="Courier"/>
+            </a:endParaRPr>
+          </a:p>
+        </p:txBody>
+      </p:sp>
+      <p:sp>
+        <p:nvSpPr>
+          <p:cNvPr id="7" name="Title 1">
+            <a:extLst>
+              <a:ext uri="{FF2B5EF4-FFF2-40B4-BE49-F238E27FC236}">
+                <a16:creationId xmlns:a16="http://schemas.microsoft.com/office/drawing/2014/main" id="{AEB30360-01C1-D2FA-CC37-981BFFE1854C}"/>
+              </a:ext>
+            </a:extLst>
+          </p:cNvPr>
+          <p:cNvSpPr>
+            <a:spLocks noGrp="1"/>
+          </p:cNvSpPr>
+          <p:nvPr>
+            <p:ph type="title"/>
+          </p:nvPr>
+        </p:nvSpPr>
+        <p:spPr>
+          <a:xfrm>
+            <a:off x="457200" y="205979"/>
+            <a:ext cx="8229600" cy="621335"/>
+          </a:xfrm>
+        </p:spPr>
+        <p:txBody>
+          <a:bodyPr>
+            <a:normAutofit/>
+          </a:bodyPr>
+          <a:lstStyle/>
+          <a:p>
+            <a:pPr marL="0" lvl="0" indent="0" algn="ctr">
+              <a:buNone/>
+            </a:pPr>
+            <a:r>
+              <a:rPr sz="3200" dirty="0"/>
+              <a:t>Example; One Sample Bootstrap</a:t>
             </a:r>
           </a:p>
         </p:txBody>
       </p:sp>
       <p:pic>
         <p:nvPicPr>
-          <p:cNvPr id="3" name="Picture 1" descr="06b_IntroductionToBootstrap_files/figure-pptx/unnamed-chunk-4-3.png"/>
+          <p:cNvPr id="9" name="Picture 8">
+            <a:extLst>
+              <a:ext uri="{FF2B5EF4-FFF2-40B4-BE49-F238E27FC236}">
+                <a16:creationId xmlns:a16="http://schemas.microsoft.com/office/drawing/2014/main" id="{DC1EFF6F-5B50-409C-6503-98EE5F071468}"/>
+              </a:ext>
+            </a:extLst>
+          </p:cNvPr>
           <p:cNvPicPr>
-            <a:picLocks noGrp="1" noChangeAspect="1"/>
+            <a:picLocks noChangeAspect="1"/>
           </p:cNvPicPr>
           <p:nvPr/>
         </p:nvPicPr>
         <p:blipFill>
-          <a:blip r:embed="rId2"/>
+          <a:blip r:embed="rId3"/>
           <a:stretch>
             <a:fillRect/>
           </a:stretch>
         </p:blipFill>
-        <p:spPr bwMode="auto">
+        <p:spPr>
           <a:xfrm>
-            <a:off x="3568700" y="571500"/>
-            <a:ext cx="5105400" cy="3644900"/>
+            <a:off x="335465" y="1054489"/>
+            <a:ext cx="4546079" cy="3034522"/>
           </a:xfrm>
           <a:prstGeom prst="rect">
             <a:avLst/>
           </a:prstGeom>
-          <a:noFill/>
-          <a:ln w="9525">
-            <a:noFill/>
-            <a:headEnd/>
-            <a:tailEnd/>
-          </a:ln>
+        </p:spPr>
+      </p:pic>
+      <p:pic>
+        <p:nvPicPr>
+          <p:cNvPr id="11" name="Picture 10">
+            <a:extLst>
+              <a:ext uri="{FF2B5EF4-FFF2-40B4-BE49-F238E27FC236}">
+                <a16:creationId xmlns:a16="http://schemas.microsoft.com/office/drawing/2014/main" id="{50844C52-548F-D9D5-D557-60DEBE401715}"/>
+              </a:ext>
+            </a:extLst>
+          </p:cNvPr>
+          <p:cNvPicPr>
+            <a:picLocks noChangeAspect="1"/>
+          </p:cNvPicPr>
+          <p:nvPr/>
+        </p:nvPicPr>
+        <p:blipFill>
+          <a:blip r:embed="rId4"/>
+          <a:stretch>
+            <a:fillRect/>
+          </a:stretch>
+        </p:blipFill>
+        <p:spPr>
+          <a:xfrm>
+            <a:off x="5061857" y="1101597"/>
+            <a:ext cx="3957643" cy="2969660"/>
+          </a:xfrm>
+          <a:prstGeom prst="rect">
+            <a:avLst/>
+          </a:prstGeom>
         </p:spPr>
       </p:pic>
     </p:spTree>
@@ -4772,7 +10282,7 @@
             <p:spPr/>
             <p:txBody>
               <a:bodyPr>
-                <a:normAutofit fontScale="62500" lnSpcReduction="20000"/>
+                <a:normAutofit fontScale="77500" lnSpcReduction="20000"/>
               </a:bodyPr>
               <a:lstStyle/>
               <a:p>
@@ -4780,12 +10290,22 @@
                   <a:buNone/>
                 </a:pPr>
                 <a:r>
-                  <a:t>Distribution of 2000 bootstrap bootstrap confidence intervals?</a:t>
+                  <a:rPr dirty="0"/>
+                  <a:t>Distribution of 2000 bootstrap </a:t>
+                </a:r>
+                <a:r>
+                  <a:rPr dirty="0" err="1"/>
+                  <a:t>bootstrap</a:t>
+                </a:r>
+                <a:r>
+                  <a:rPr dirty="0"/>
+                  <a:t> confidence intervals?</a:t>
                 </a:r>
               </a:p>
               <a:p>
                 <a:pPr lvl="0"/>
                 <a:r>
+                  <a:rPr dirty="0"/>
                   <a:t>Two sided CI percentile method:</a:t>
                 </a:r>
               </a:p>
@@ -4794,7 +10314,16 @@
                   <a:buAutoNum type="arabicPeriod"/>
                 </a:pPr>
                 <a:r>
-                  <a:t>Define confidence level, eg. 95% or </a:t>
+                  <a:rPr dirty="0"/>
+                  <a:t>Define confidence level, </a:t>
+                </a:r>
+                <a:r>
+                  <a:rPr dirty="0" err="1"/>
+                  <a:t>eg.</a:t>
+                </a:r>
+                <a:r>
+                  <a:rPr dirty="0"/>
+                  <a:t> 95% or </a:t>
                 </a:r>
                 <a14:m>
                   <m:oMath xmlns:m="http://schemas.openxmlformats.org/officeDocument/2006/math">
@@ -4812,14 +10341,14 @@
                     </m:r>
                   </m:oMath>
                 </a14:m>
-                <a:br/>
-                <a:endParaRPr/>
+                <a:endParaRPr dirty="0"/>
               </a:p>
               <a:p>
                 <a:pPr marL="685800" lvl="1" indent="-342900">
                   <a:buAutoNum type="arabicPeriod"/>
                 </a:pPr>
                 <a:r>
+                  <a:rPr dirty="0"/>
                   <a:t>Order b bootstrap samples, </a:t>
                 </a:r>
                 <a14:m>
@@ -4852,16 +10381,16 @@
                   </m:oMath>
                 </a14:m>
                 <a:r>
+                  <a:rPr dirty="0"/>
                   <a:t>, by value</a:t>
                 </a:r>
-                <a:br/>
-                <a:endParaRPr/>
               </a:p>
               <a:p>
                 <a:pPr marL="685800" lvl="1" indent="-342900">
                   <a:buAutoNum type="arabicPeriod"/>
                 </a:pPr>
                 <a:r>
+                  <a:rPr dirty="0"/>
                   <a:t>Lower CI index; </a:t>
                 </a:r>
                 <a14:m>
@@ -4904,14 +10433,14 @@
                     </m:r>
                   </m:oMath>
                 </a14:m>
-                <a:br/>
-                <a:endParaRPr/>
+                <a:endParaRPr dirty="0"/>
               </a:p>
               <a:p>
                 <a:pPr marL="685800" lvl="1" indent="-342900">
                   <a:buAutoNum type="arabicPeriod"/>
                 </a:pPr>
                 <a:r>
+                  <a:rPr dirty="0"/>
                   <a:t>Upper CI index; </a:t>
                 </a:r>
                 <a14:m>
@@ -4971,29 +10500,53 @@
                     </m:d>
                   </m:oMath>
                 </a14:m>
-                <a:endParaRPr/>
+                <a:endParaRPr dirty="0"/>
               </a:p>
               <a:p>
                 <a:pPr lvl="0"/>
                 <a:r>
+                  <a:rPr dirty="0"/>
                   <a:t>Percentile method is know to be biased</a:t>
                 </a:r>
               </a:p>
               <a:p>
                 <a:pPr lvl="1"/>
                 <a:r>
+                  <a:rPr dirty="0"/>
                   <a:t>Bias correction methods available</a:t>
                 </a:r>
               </a:p>
               <a:p>
                 <a:pPr lvl="0"/>
                 <a:r>
-                  <a:t>Efrom and Tibshirani (1993) and Efron and Hasti (2016) recommend using at least 2,000 bootstrap samples to estimate confidence intervals</a:t>
+                  <a:rPr dirty="0" err="1"/>
+                  <a:t>Efrom</a:t>
+                </a:r>
+                <a:r>
+                  <a:rPr dirty="0"/>
+                  <a:t> and </a:t>
+                </a:r>
+                <a:r>
+                  <a:rPr dirty="0" err="1"/>
+                  <a:t>Tibshirani</a:t>
+                </a:r>
+                <a:r>
+                  <a:rPr dirty="0"/>
+                  <a:t> (1993) and Efron and </a:t>
+                </a:r>
+                <a:r>
+                  <a:rPr dirty="0" err="1"/>
+                  <a:t>Hasti</a:t>
+                </a:r>
+                <a:r>
+                  <a:rPr dirty="0"/>
+                  <a:t> (2016) recommend using at least 2,000 bootstrap samples to estimate confidence intervals</a:t>
                 </a:r>
               </a:p>
               <a:p>
                 <a:pPr lvl="0"/>
                 <a:r>
+                  <a:rPr dirty="0"/>
                   <a:t>Other authors recommend a larger number (e.g. 5,000-20,000) of resamples given low computer cost</a:t>
                 </a:r>
               </a:p>
@@ -5015,7 +10568,7 @@
               <a:blipFill>
                 <a:blip r:embed="rId2"/>
                 <a:stretch>
-                  <a:fillRect l="-296" t="-1436"/>
+                  <a:fillRect l="-667" t="-2334"/>
                 </a:stretch>
               </a:blipFill>
             </p:spPr>
@@ -5102,25 +10655,37 @@
               <a:buNone/>
             </a:pPr>
             <a:r>
+              <a:rPr dirty="0"/>
               <a:t>Bootstrap confidence intervals are known to be biased!</a:t>
             </a:r>
           </a:p>
           <a:p>
             <a:pPr lvl="0"/>
             <a:r>
+              <a:rPr dirty="0"/>
               <a:t>Often bootstrap CIs are overly optimistic</a:t>
             </a:r>
           </a:p>
           <a:p>
             <a:pPr lvl="0"/>
             <a:r>
+              <a:rPr dirty="0"/>
               <a:t>Bias can be significant for asymmetric distributions</a:t>
             </a:r>
           </a:p>
           <a:p>
             <a:pPr lvl="0"/>
             <a:r>
-              <a:t>In practice, bias corrections are applied</a:t>
+              <a:rPr dirty="0"/>
+              <a:t>In practice, bias </a:t>
+            </a:r>
+            <a:r>
+              <a:rPr lang="en-US" dirty="0"/>
+              <a:t>can be </a:t>
+            </a:r>
+            <a:r>
+              <a:rPr dirty="0"/>
+              <a:t>applied</a:t>
             </a:r>
           </a:p>
         </p:txBody>
@@ -5280,35 +10845,6 @@
       </p:grpSpPr>
       <p:sp>
         <p:nvSpPr>
-          <p:cNvPr id="2" name="Title 1"/>
-          <p:cNvSpPr>
-            <a:spLocks noGrp="1"/>
-          </p:cNvSpPr>
-          <p:nvPr>
-            <p:ph type="title"/>
-          </p:nvPr>
-        </p:nvSpPr>
-        <p:spPr>
-          <a:xfrm>
-            <a:off x="457201" y="204787"/>
-            <a:ext cx="3008313" cy="871538"/>
-          </a:xfrm>
-        </p:spPr>
-        <p:txBody>
-          <a:bodyPr/>
-          <a:lstStyle/>
-          <a:p>
-            <a:pPr marL="0" lvl="0" indent="0">
-              <a:buNone/>
-            </a:pPr>
-            <a:r>
-              <a:t>Example; One Sample Bootstrap</a:t>
-            </a:r>
-          </a:p>
-        </p:txBody>
-      </p:sp>
-      <p:sp>
-        <p:nvSpPr>
           <p:cNvPr id="4" name="Text Placeholder 3"/>
           <p:cNvSpPr>
             <a:spLocks noGrp="1"/>
@@ -5317,16 +10853,40 @@
             <p:ph type="body" sz="half" idx="2"/>
           </p:nvPr>
         </p:nvSpPr>
-        <p:spPr/>
-        <p:txBody>
-          <a:bodyPr/>
+        <p:spPr>
+          <a:xfrm>
+            <a:off x="457201" y="1076326"/>
+            <a:ext cx="3653970" cy="3518297"/>
+          </a:xfrm>
+        </p:spPr>
+        <p:txBody>
+          <a:bodyPr>
+            <a:normAutofit/>
+          </a:bodyPr>
           <a:lstStyle/>
           <a:p>
             <a:pPr marL="0" lvl="0" indent="0">
               <a:buNone/>
             </a:pPr>
             <a:r>
-              <a:t>Bootstrap distribution of 2000 of mean estimates with confidence intervals</a:t>
+              <a:rPr sz="1800" dirty="0"/>
+              <a:t>Bootstrap distribution of </a:t>
+            </a:r>
+            <a:r>
+              <a:rPr lang="en-US" sz="1800" dirty="0"/>
+              <a:t>10</a:t>
+            </a:r>
+            <a:r>
+              <a:rPr sz="1800" dirty="0"/>
+              <a:t>000 mean estimates </a:t>
+            </a:r>
+            <a:r>
+              <a:rPr lang="en-US" sz="1800" dirty="0"/>
+              <a:t>of Math score </a:t>
+            </a:r>
+            <a:r>
+              <a:rPr sz="1800" dirty="0"/>
+              <a:t>with confidence intervals</a:t>
             </a:r>
           </a:p>
           <a:p>
@@ -5334,7 +10894,7 @@
               <a:buNone/>
             </a:pPr>
             <a:r>
-              <a:rPr>
+              <a:rPr sz="1800" dirty="0">
                 <a:latin typeface="Courier"/>
               </a:rPr>
               <a:t>## bootstrap point estimate =  52.64</a:t>
@@ -5345,19 +10905,84 @@
               <a:buNone/>
             </a:pPr>
             <a:r>
-              <a:rPr>
-                <a:latin typeface="Courier"/>
-              </a:rPr>
-              <a:t>## At alpha = 0.05, lower and upper bootstrap confidence intervals =  51.27    53.98</a:t>
+              <a:rPr sz="1800" dirty="0">
+                <a:latin typeface="Courier"/>
+              </a:rPr>
+              <a:t>## At alpha = 0.05, lower and upper bootstrap confidence intervals =  51.</a:t>
+            </a:r>
+            <a:r>
+              <a:rPr lang="en-US" sz="1800" dirty="0">
+                <a:latin typeface="Courier"/>
+              </a:rPr>
+              <a:t>38</a:t>
+            </a:r>
+            <a:r>
+              <a:rPr sz="1800" dirty="0">
+                <a:latin typeface="Courier"/>
+              </a:rPr>
+              <a:t>    53.9</a:t>
+            </a:r>
+            <a:r>
+              <a:rPr lang="en-US" sz="1800" dirty="0">
+                <a:latin typeface="Courier"/>
+              </a:rPr>
+              <a:t>6</a:t>
+            </a:r>
+            <a:endParaRPr sz="1800" dirty="0">
+              <a:latin typeface="Courier"/>
+            </a:endParaRPr>
+          </a:p>
+        </p:txBody>
+      </p:sp>
+      <p:sp>
+        <p:nvSpPr>
+          <p:cNvPr id="7" name="Title 1">
+            <a:extLst>
+              <a:ext uri="{FF2B5EF4-FFF2-40B4-BE49-F238E27FC236}">
+                <a16:creationId xmlns:a16="http://schemas.microsoft.com/office/drawing/2014/main" id="{C21BD3DB-53BB-E8A7-1936-2716879E2C24}"/>
+              </a:ext>
+            </a:extLst>
+          </p:cNvPr>
+          <p:cNvSpPr>
+            <a:spLocks noGrp="1"/>
+          </p:cNvSpPr>
+          <p:nvPr>
+            <p:ph type="title"/>
+          </p:nvPr>
+        </p:nvSpPr>
+        <p:spPr>
+          <a:xfrm>
+            <a:off x="457200" y="205979"/>
+            <a:ext cx="8229600" cy="621335"/>
+          </a:xfrm>
+        </p:spPr>
+        <p:txBody>
+          <a:bodyPr>
+            <a:normAutofit/>
+          </a:bodyPr>
+          <a:lstStyle/>
+          <a:p>
+            <a:pPr marL="0" lvl="0" indent="0" algn="ctr">
+              <a:buNone/>
+            </a:pPr>
+            <a:r>
+              <a:rPr sz="3200" dirty="0"/>
+              <a:t>Example; One Sample Bootstrap</a:t>
             </a:r>
           </a:p>
         </p:txBody>
       </p:sp>
       <p:pic>
         <p:nvPicPr>
-          <p:cNvPr id="3" name="Picture 1" descr="06b_IntroductionToBootstrap_files/figure-pptx/unnamed-chunk-5-5.png"/>
+          <p:cNvPr id="9" name="Picture 8">
+            <a:extLst>
+              <a:ext uri="{FF2B5EF4-FFF2-40B4-BE49-F238E27FC236}">
+                <a16:creationId xmlns:a16="http://schemas.microsoft.com/office/drawing/2014/main" id="{D5276CF4-C540-B685-9C06-4091D3E55477}"/>
+              </a:ext>
+            </a:extLst>
+          </p:cNvPr>
           <p:cNvPicPr>
-            <a:picLocks noGrp="1" noChangeAspect="1"/>
+            <a:picLocks noChangeAspect="1"/>
           </p:cNvPicPr>
           <p:nvPr/>
         </p:nvPicPr>
@@ -5367,20 +10992,14 @@
             <a:fillRect/>
           </a:stretch>
         </p:blipFill>
-        <p:spPr bwMode="auto">
+        <p:spPr>
           <a:xfrm>
-            <a:off x="3568700" y="571500"/>
-            <a:ext cx="5105400" cy="3644900"/>
+            <a:off x="4111171" y="1371445"/>
+            <a:ext cx="4999794" cy="3285040"/>
           </a:xfrm>
           <a:prstGeom prst="rect">
             <a:avLst/>
           </a:prstGeom>
-          <a:noFill/>
-          <a:ln w="9525">
-            <a:noFill/>
-            <a:headEnd/>
-            <a:tailEnd/>
-          </a:ln>
         </p:spPr>
       </p:pic>
     </p:spTree>
@@ -5445,7 +11064,7 @@
         <p:spPr/>
         <p:txBody>
           <a:bodyPr>
-            <a:normAutofit fontScale="85000" lnSpcReduction="10000"/>
+            <a:normAutofit fontScale="92500" lnSpcReduction="20000"/>
           </a:bodyPr>
           <a:lstStyle/>
           <a:p>
@@ -5453,64 +11072,71 @@
               <a:buNone/>
             </a:pPr>
             <a:r>
+              <a:rPr dirty="0"/>
               <a:t>How can we apply the bootstrap algorithm for two-sample statistics?</a:t>
             </a:r>
           </a:p>
           <a:p>
             <a:pPr lvl="0"/>
             <a:r>
+              <a:rPr dirty="0"/>
               <a:t>Example, difference of means of two independently sampled populations</a:t>
             </a:r>
           </a:p>
           <a:p>
             <a:pPr lvl="0"/>
             <a:r>
+              <a:rPr dirty="0"/>
               <a:t>How to generate bootstrap samples?</a:t>
             </a:r>
           </a:p>
           <a:p>
             <a:pPr lvl="0"/>
             <a:r>
+              <a:rPr dirty="0"/>
               <a:t>Can we just sample the concatenation of the two samples?</a:t>
             </a:r>
           </a:p>
           <a:p>
             <a:pPr lvl="0"/>
             <a:r>
-              <a:rPr b="1"/>
+              <a:rPr b="1" dirty="0"/>
               <a:t>No!</a:t>
             </a:r>
           </a:p>
           <a:p>
             <a:pPr lvl="1"/>
             <a:r>
+              <a:rPr dirty="0"/>
               <a:t>There is no guarantee of a correct number of resamples for each group</a:t>
             </a:r>
-            <a:br/>
-            <a:endParaRPr/>
           </a:p>
           <a:p>
             <a:pPr lvl="1"/>
             <a:r>
+              <a:rPr dirty="0"/>
               <a:t>Imbalanced sampling leads to bias</a:t>
             </a:r>
           </a:p>
           <a:p>
             <a:pPr lvl="0"/>
             <a:r>
+              <a:rPr dirty="0"/>
               <a:t>Must </a:t>
             </a:r>
             <a:r>
-              <a:rPr b="1"/>
+              <a:rPr b="1" dirty="0"/>
               <a:t>independently sample the two groups</a:t>
             </a:r>
             <a:r>
+              <a:rPr dirty="0"/>
               <a:t> or populations</a:t>
             </a:r>
           </a:p>
           <a:p>
             <a:pPr lvl="0"/>
             <a:r>
+              <a:rPr dirty="0"/>
               <a:t>Compute the statistic from the two samples</a:t>
             </a:r>
           </a:p>
@@ -5560,8 +11186,14 @@
               <a:buNone/>
             </a:pPr>
             <a:r>
+              <a:rPr dirty="0"/>
               <a:t>Two Sample Bootstrap</a:t>
             </a:r>
+            <a:r>
+              <a:rPr lang="en-US" dirty="0"/>
+              <a:t> Algorithm</a:t>
+            </a:r>
+            <a:endParaRPr dirty="0"/>
           </a:p>
         </p:txBody>
       </p:sp>
@@ -5578,7 +11210,7 @@
         <p:spPr/>
         <p:txBody>
           <a:bodyPr>
-            <a:normAutofit fontScale="62500" lnSpcReduction="20000"/>
+            <a:normAutofit fontScale="92500" lnSpcReduction="10000"/>
           </a:bodyPr>
           <a:lstStyle/>
           <a:p>
@@ -5586,6 +11218,7 @@
               <a:buNone/>
             </a:pPr>
             <a:r>
+              <a:rPr dirty="0"/>
               <a:t>Example: algorithm to compute difference of means:</a:t>
             </a:r>
           </a:p>
@@ -5594,62 +11227,106 @@
               <a:buAutoNum type="arabicPeriod"/>
             </a:pPr>
             <a:r>
-              <a:t>Independently randomly </a:t>
-            </a:r>
-            <a:r>
-              <a:rPr b="1"/>
+              <a:rPr lang="en-US" dirty="0"/>
+              <a:t>From original observations of length n and m, </a:t>
+            </a:r>
+            <a:r>
+              <a:rPr b="1" dirty="0"/>
               <a:t>Bernoulli sample</a:t>
             </a:r>
             <a:r>
-              <a:t> n data </a:t>
-            </a:r>
-            <a:r>
-              <a:rPr b="1"/>
+              <a:rPr dirty="0"/>
+              <a:t> n</a:t>
+            </a:r>
+            <a:r>
+              <a:rPr lang="en-US" dirty="0"/>
+              <a:t> and m</a:t>
+            </a:r>
+            <a:r>
+              <a:rPr dirty="0"/>
+              <a:t> </a:t>
+            </a:r>
+            <a:r>
+              <a:rPr lang="en-US" dirty="0"/>
+              <a:t>values</a:t>
+            </a:r>
+            <a:r>
+              <a:rPr dirty="0"/>
+              <a:t> </a:t>
+            </a:r>
+            <a:r>
+              <a:rPr b="1" dirty="0"/>
               <a:t>with replacement</a:t>
             </a:r>
             <a:r>
-              <a:t> from each original data sample; The number of resamples for each populations is the number of samples for that population</a:t>
-            </a:r>
-            <a:br/>
-            <a:endParaRPr/>
+              <a:rPr dirty="0"/>
+              <a:t> </a:t>
+            </a:r>
+            <a:endParaRPr lang="en-US" dirty="0"/>
+          </a:p>
+          <a:p>
+            <a:pPr lvl="1"/>
+            <a:r>
+              <a:rPr dirty="0"/>
+              <a:t>The number of resamples for each </a:t>
+            </a:r>
+            <a:r>
+              <a:rPr lang="en-US" dirty="0"/>
+              <a:t>set of observations</a:t>
+            </a:r>
+            <a:r>
+              <a:rPr dirty="0"/>
+              <a:t> is the number of samples </a:t>
+            </a:r>
+            <a:r>
+              <a:rPr lang="en-US" dirty="0"/>
+              <a:t>from</a:t>
+            </a:r>
+            <a:r>
+              <a:rPr dirty="0"/>
+              <a:t> </a:t>
+            </a:r>
+            <a:r>
+              <a:rPr lang="en-US" dirty="0"/>
+              <a:t>each</a:t>
+            </a:r>
+            <a:r>
+              <a:rPr dirty="0"/>
+              <a:t> population</a:t>
+            </a:r>
           </a:p>
           <a:p>
             <a:pPr marL="342900" lvl="0" indent="-342900">
               <a:buAutoNum type="arabicPeriod"/>
             </a:pPr>
             <a:r>
+              <a:rPr dirty="0"/>
               <a:t>Compute the two-sample statistic; e.g. difference of means</a:t>
             </a:r>
-            <a:br/>
-            <a:endParaRPr/>
           </a:p>
           <a:p>
             <a:pPr marL="342900" lvl="0" indent="-342900">
               <a:buAutoNum type="arabicPeriod"/>
             </a:pPr>
             <a:r>
-              <a:t>Repeat steps 1 and 2 to accumulate the required number of bootstrap samples Accumulated bootstrap values comprise the bootstrap distribution; an estimate of the sample distribution of the statistic</a:t>
-            </a:r>
-            <a:br/>
-            <a:endParaRPr/>
+              <a:rPr lang="en-US" dirty="0"/>
+              <a:t>Repeat steps 1 and 2 to accumulate the required number of bootstrap samples</a:t>
+            </a:r>
           </a:p>
           <a:p>
             <a:pPr marL="342900" lvl="0" indent="-342900">
               <a:buAutoNum type="arabicPeriod"/>
             </a:pPr>
             <a:r>
-              <a:t>The mean of the computed statistic values is the bootstrap point estimate of the statistic; e.g. difference of means</a:t>
-            </a:r>
-            <a:br/>
-            <a:endParaRPr/>
+              <a:rPr lang="en-US" dirty="0"/>
+              <a:t>The mean of the bootstrap distribution is the bootstrap point estimate of the two-sample statistic</a:t>
+            </a:r>
           </a:p>
           <a:p>
             <a:pPr marL="342900" lvl="0" indent="-342900">
               <a:buAutoNum type="arabicPeriod"/>
             </a:pPr>
-            <a:r>
-              <a:t>Compute CIs from bootstrap distribution</a:t>
-            </a:r>
+            <a:endParaRPr dirty="0"/>
           </a:p>
         </p:txBody>
       </p:sp>
@@ -5747,7 +11424,7 @@
         </p:blipFill>
         <p:spPr bwMode="auto">
           <a:xfrm>
-            <a:off x="4483100" y="203200"/>
+            <a:off x="5183413" y="598714"/>
             <a:ext cx="3289300" cy="4381500"/>
           </a:xfrm>
           <a:prstGeom prst="rect">
@@ -7755,8 +13432,8 @@
           </a:p>
         </p:txBody>
       </p:sp>
-      <mc:AlternateContent xmlns:mc="http://schemas.openxmlformats.org/markup-compatibility/2006">
-        <mc:Choice xmlns:a14="http://schemas.microsoft.com/office/drawing/2010/main" Requires="a14">
+      <mc:AlternateContent xmlns:mc="http://schemas.openxmlformats.org/markup-compatibility/2006" xmlns:a14="http://schemas.microsoft.com/office/drawing/2010/main">
+        <mc:Choice Requires="a14">
           <p:sp>
             <p:nvSpPr>
               <p:cNvPr id="3" name="Content Placeholder 2"/>
@@ -7775,7 +13452,7 @@
             </p:spPr>
             <p:txBody>
               <a:bodyPr>
-                <a:normAutofit fontScale="85000" lnSpcReduction="20000"/>
+                <a:normAutofit fontScale="92500" lnSpcReduction="20000"/>
               </a:bodyPr>
               <a:lstStyle/>
               <a:p>
@@ -7784,14 +13461,22 @@
                 </a:pPr>
                 <a:r>
                   <a:rPr dirty="0"/>
-                  <a:t>Re-sampling methods are general and powerful but, there is no magic involved! There are pitfalls!</a:t>
+                  <a:t>Re-sampling methods are general and powerful but, there is no magic</a:t>
+                </a:r>
+                <a:r>
+                  <a:rPr lang="en-US" dirty="0"/>
+                  <a:t> and t</a:t>
+                </a:r>
+                <a:r>
+                  <a:rPr dirty="0"/>
+                  <a:t>here are pitfalls!</a:t>
                 </a:r>
               </a:p>
               <a:p>
                 <a:pPr lvl="0"/>
                 <a:r>
                   <a:rPr dirty="0"/>
-                  <a:t>If a sample is biased, the resampled statistic estimate based on that sample will be biased</a:t>
+                  <a:t>If a sample is biased, the resampled statistic estimate will be biased</a:t>
                 </a:r>
               </a:p>
               <a:p>
@@ -7877,6 +13562,10 @@
               <a:p>
                 <a:pPr lvl="1"/>
                 <a:r>
+                  <a:rPr lang="en-US" dirty="0"/>
+                  <a:t>Nonparametric bootstrap </a:t>
+                </a:r>
+                <a:r>
                   <a:rPr dirty="0"/>
                   <a:t>CIs can be optimistically biased</a:t>
                 </a:r>
@@ -7891,7 +13580,7 @@
             </p:txBody>
           </p:sp>
         </mc:Choice>
-        <mc:Fallback>
+        <mc:Fallback xmlns="">
           <p:sp>
             <p:nvSpPr>
               <p:cNvPr id="3" name="Content Placeholder 2"/>
@@ -7910,7 +13599,7 @@
               <a:blipFill>
                 <a:blip r:embed="rId2"/>
                 <a:stretch>
-                  <a:fillRect l="-741" t="-2479" r="-963"/>
+                  <a:fillRect l="-963" t="-2810" r="-74" b="-661"/>
                 </a:stretch>
               </a:blipFill>
             </p:spPr>
@@ -8006,8 +13695,12 @@
           <a:p>
             <a:pPr lvl="0"/>
             <a:r>
+              <a:rPr b="1" dirty="0"/>
+              <a:t>Point estimate </a:t>
+            </a:r>
+            <a:r>
               <a:rPr dirty="0"/>
-              <a:t>Point estimate is the single most likely value for a statistic</a:t>
+              <a:t>is the single most likely value for a statistic</a:t>
             </a:r>
           </a:p>
           <a:p>
@@ -8020,8 +13713,24 @@
           <a:p>
             <a:pPr lvl="0"/>
             <a:r>
+              <a:rPr b="1" dirty="0"/>
+              <a:t>Parametric confidence interval</a:t>
+            </a:r>
+            <a:r>
+              <a:rPr lang="en-US" b="1" dirty="0"/>
+              <a:t>s</a:t>
+            </a:r>
+            <a:r>
+              <a:rPr b="1" dirty="0"/>
+              <a:t> </a:t>
+            </a:r>
+            <a:r>
+              <a:rPr lang="en-US" dirty="0"/>
+              <a:t>are </a:t>
+            </a:r>
+            <a:r>
               <a:rPr dirty="0"/>
-              <a:t>Parametric confidence interval based on the properties of some assumed probability distribution</a:t>
+              <a:t>based on the properties of some assumed probability distribution</a:t>
             </a:r>
           </a:p>
           <a:p>
@@ -8035,7 +13744,27 @@
             <a:pPr lvl="1"/>
             <a:r>
               <a:rPr dirty="0"/>
-              <a:t>Here we focus on bootstrap methods which do not require explicit probability model</a:t>
+              <a:t>Here we focus on </a:t>
+            </a:r>
+            <a:r>
+              <a:rPr lang="en-US" b="1" dirty="0"/>
+              <a:t>nonparametric </a:t>
+            </a:r>
+            <a:r>
+              <a:rPr b="1" dirty="0"/>
+              <a:t>bootstrap </a:t>
+            </a:r>
+            <a:r>
+              <a:rPr dirty="0"/>
+              <a:t>methods which </a:t>
+            </a:r>
+            <a:r>
+              <a:rPr lang="en-US" dirty="0"/>
+              <a:t>have no</a:t>
+            </a:r>
+            <a:r>
+              <a:rPr dirty="0"/>
+              <a:t> explicit probability model</a:t>
             </a:r>
           </a:p>
         </p:txBody>
@@ -8116,15 +13845,40 @@
             </a:pPr>
             <a:r>
               <a:rPr dirty="0"/>
-              <a:t>Rather than computing a point estimate directly, bootstrap methods compute a bootstrap distribution of a statistic</a:t>
+              <a:t>Rather than computing a point estimate directly, bootstrap methods compute a bootstrap distribution of </a:t>
+            </a:r>
+            <a:r>
+              <a:rPr lang="en-US" dirty="0"/>
+              <a:t>a</a:t>
+            </a:r>
+            <a:r>
+              <a:rPr dirty="0"/>
+              <a:t> statistic</a:t>
             </a:r>
           </a:p>
           <a:p>
             <a:pPr lvl="0"/>
             <a:r>
               <a:rPr dirty="0"/>
-              <a:t>Bootstrap distribution is comprised of values of the statistic computed from bootstrap resamples of the original observations (data sample)</a:t>
-            </a:r>
+              <a:t>Bootstrap distribution comprise</a:t>
+            </a:r>
+            <a:r>
+              <a:rPr lang="en-US" dirty="0"/>
+              <a:t>s</a:t>
+            </a:r>
+            <a:r>
+              <a:rPr dirty="0"/>
+              <a:t> values of </a:t>
+            </a:r>
+            <a:r>
+              <a:rPr lang="en-US" dirty="0"/>
+              <a:t>a</a:t>
+            </a:r>
+            <a:r>
+              <a:rPr dirty="0"/>
+              <a:t> statistic computed from bootstrap resamples of the original observations </a:t>
+            </a:r>
+            <a:endParaRPr lang="en-US" dirty="0"/>
           </a:p>
           <a:p>
             <a:pPr lvl="0"/>
@@ -8501,4 +14255,299 @@
   </a:objectDefaults>
   <a:extraClrSchemeLst/>
 </a:theme>
+</file>
+
+<file path=ppt/theme/theme2.xml><?xml version="1.0" encoding="utf-8"?>
+<a:theme xmlns:a="http://schemas.openxmlformats.org/drawingml/2006/main" name="Office Theme">
+  <a:themeElements>
+    <a:clrScheme name="Office">
+      <a:dk1>
+        <a:sysClr val="windowText" lastClr="000000"/>
+      </a:dk1>
+      <a:lt1>
+        <a:sysClr val="window" lastClr="FFFFFF"/>
+      </a:lt1>
+      <a:dk2>
+        <a:srgbClr val="44546A"/>
+      </a:dk2>
+      <a:lt2>
+        <a:srgbClr val="E7E6E6"/>
+      </a:lt2>
+      <a:accent1>
+        <a:srgbClr val="4472C4"/>
+      </a:accent1>
+      <a:accent2>
+        <a:srgbClr val="ED7D31"/>
+      </a:accent2>
+      <a:accent3>
+        <a:srgbClr val="A5A5A5"/>
+      </a:accent3>
+      <a:accent4>
+        <a:srgbClr val="FFC000"/>
+      </a:accent4>
+      <a:accent5>
+        <a:srgbClr val="5B9BD5"/>
+      </a:accent5>
+      <a:accent6>
+        <a:srgbClr val="70AD47"/>
+      </a:accent6>
+      <a:hlink>
+        <a:srgbClr val="0563C1"/>
+      </a:hlink>
+      <a:folHlink>
+        <a:srgbClr val="954F72"/>
+      </a:folHlink>
+    </a:clrScheme>
+    <a:fontScheme name="Office">
+      <a:majorFont>
+        <a:latin typeface="Calibri Light" panose="020F0302020204030204"/>
+        <a:ea typeface=""/>
+        <a:cs typeface=""/>
+        <a:font script="Jpan" typeface="游ゴシック Light"/>
+        <a:font script="Hang" typeface="맑은 고딕"/>
+        <a:font script="Hans" typeface="等线 Light"/>
+        <a:font script="Hant" typeface="新細明體"/>
+        <a:font script="Arab" typeface="Times New Roman"/>
+        <a:font script="Hebr" typeface="Times New Roman"/>
+        <a:font script="Thai" typeface="Angsana New"/>
+        <a:font script="Ethi" typeface="Nyala"/>
+        <a:font script="Beng" typeface="Vrinda"/>
+        <a:font script="Gujr" typeface="Shruti"/>
+        <a:font script="Khmr" typeface="MoolBoran"/>
+        <a:font script="Knda" typeface="Tunga"/>
+        <a:font script="Guru" typeface="Raavi"/>
+        <a:font script="Cans" typeface="Euphemia"/>
+        <a:font script="Cher" typeface="Plantagenet Cherokee"/>
+        <a:font script="Yiii" typeface="Microsoft Yi Baiti"/>
+        <a:font script="Tibt" typeface="Microsoft Himalaya"/>
+        <a:font script="Thaa" typeface="MV Boli"/>
+        <a:font script="Deva" typeface="Mangal"/>
+        <a:font script="Telu" typeface="Gautami"/>
+        <a:font script="Taml" typeface="Latha"/>
+        <a:font script="Syrc" typeface="Estrangelo Edessa"/>
+        <a:font script="Orya" typeface="Kalinga"/>
+        <a:font script="Mlym" typeface="Kartika"/>
+        <a:font script="Laoo" typeface="DokChampa"/>
+        <a:font script="Sinh" typeface="Iskoola Pota"/>
+        <a:font script="Mong" typeface="Mongolian Baiti"/>
+        <a:font script="Viet" typeface="Times New Roman"/>
+        <a:font script="Uigh" typeface="Microsoft Uighur"/>
+        <a:font script="Geor" typeface="Sylfaen"/>
+        <a:font script="Armn" typeface="Arial"/>
+        <a:font script="Bugi" typeface="Leelawadee UI"/>
+        <a:font script="Bopo" typeface="Microsoft JhengHei"/>
+        <a:font script="Java" typeface="Javanese Text"/>
+        <a:font script="Lisu" typeface="Segoe UI"/>
+        <a:font script="Mymr" typeface="Myanmar Text"/>
+        <a:font script="Nkoo" typeface="Ebrima"/>
+        <a:font script="Olck" typeface="Nirmala UI"/>
+        <a:font script="Osma" typeface="Ebrima"/>
+        <a:font script="Phag" typeface="Phagspa"/>
+        <a:font script="Syrn" typeface="Estrangelo Edessa"/>
+        <a:font script="Syrj" typeface="Estrangelo Edessa"/>
+        <a:font script="Syre" typeface="Estrangelo Edessa"/>
+        <a:font script="Sora" typeface="Nirmala UI"/>
+        <a:font script="Tale" typeface="Microsoft Tai Le"/>
+        <a:font script="Talu" typeface="Microsoft New Tai Lue"/>
+        <a:font script="Tfng" typeface="Ebrima"/>
+      </a:majorFont>
+      <a:minorFont>
+        <a:latin typeface="Calibri" panose="020F0502020204030204"/>
+        <a:ea typeface=""/>
+        <a:cs typeface=""/>
+        <a:font script="Jpan" typeface="游ゴシック"/>
+        <a:font script="Hang" typeface="맑은 고딕"/>
+        <a:font script="Hans" typeface="等线"/>
+        <a:font script="Hant" typeface="新細明體"/>
+        <a:font script="Arab" typeface="Arial"/>
+        <a:font script="Hebr" typeface="Arial"/>
+        <a:font script="Thai" typeface="Cordia New"/>
+        <a:font script="Ethi" typeface="Nyala"/>
+        <a:font script="Beng" typeface="Vrinda"/>
+        <a:font script="Gujr" typeface="Shruti"/>
+        <a:font script="Khmr" typeface="DaunPenh"/>
+        <a:font script="Knda" typeface="Tunga"/>
+        <a:font script="Guru" typeface="Raavi"/>
+        <a:font script="Cans" typeface="Euphemia"/>
+        <a:font script="Cher" typeface="Plantagenet Cherokee"/>
+        <a:font script="Yiii" typeface="Microsoft Yi Baiti"/>
+        <a:font script="Tibt" typeface="Microsoft Himalaya"/>
+        <a:font script="Thaa" typeface="MV Boli"/>
+        <a:font script="Deva" typeface="Mangal"/>
+        <a:font script="Telu" typeface="Gautami"/>
+        <a:font script="Taml" typeface="Latha"/>
+        <a:font script="Syrc" typeface="Estrangelo Edessa"/>
+        <a:font script="Orya" typeface="Kalinga"/>
+        <a:font script="Mlym" typeface="Kartika"/>
+        <a:font script="Laoo" typeface="DokChampa"/>
+        <a:font script="Sinh" typeface="Iskoola Pota"/>
+        <a:font script="Mong" typeface="Mongolian Baiti"/>
+        <a:font script="Viet" typeface="Arial"/>
+        <a:font script="Uigh" typeface="Microsoft Uighur"/>
+        <a:font script="Geor" typeface="Sylfaen"/>
+        <a:font script="Armn" typeface="Arial"/>
+        <a:font script="Bugi" typeface="Leelawadee UI"/>
+        <a:font script="Bopo" typeface="Microsoft JhengHei"/>
+        <a:font script="Java" typeface="Javanese Text"/>
+        <a:font script="Lisu" typeface="Segoe UI"/>
+        <a:font script="Mymr" typeface="Myanmar Text"/>
+        <a:font script="Nkoo" typeface="Ebrima"/>
+        <a:font script="Olck" typeface="Nirmala UI"/>
+        <a:font script="Osma" typeface="Ebrima"/>
+        <a:font script="Phag" typeface="Phagspa"/>
+        <a:font script="Syrn" typeface="Estrangelo Edessa"/>
+        <a:font script="Syrj" typeface="Estrangelo Edessa"/>
+        <a:font script="Syre" typeface="Estrangelo Edessa"/>
+        <a:font script="Sora" typeface="Nirmala UI"/>
+        <a:font script="Tale" typeface="Microsoft Tai Le"/>
+        <a:font script="Talu" typeface="Microsoft New Tai Lue"/>
+        <a:font script="Tfng" typeface="Ebrima"/>
+      </a:minorFont>
+    </a:fontScheme>
+    <a:fmtScheme name="Office">
+      <a:fillStyleLst>
+        <a:solidFill>
+          <a:schemeClr val="phClr"/>
+        </a:solidFill>
+        <a:gradFill rotWithShape="1">
+          <a:gsLst>
+            <a:gs pos="0">
+              <a:schemeClr val="phClr">
+                <a:lumMod val="110000"/>
+                <a:satMod val="105000"/>
+                <a:tint val="67000"/>
+              </a:schemeClr>
+            </a:gs>
+            <a:gs pos="50000">
+              <a:schemeClr val="phClr">
+                <a:lumMod val="105000"/>
+                <a:satMod val="103000"/>
+                <a:tint val="73000"/>
+              </a:schemeClr>
+            </a:gs>
+            <a:gs pos="100000">
+              <a:schemeClr val="phClr">
+                <a:lumMod val="105000"/>
+                <a:satMod val="109000"/>
+                <a:tint val="81000"/>
+              </a:schemeClr>
+            </a:gs>
+          </a:gsLst>
+          <a:lin ang="5400000" scaled="0"/>
+        </a:gradFill>
+        <a:gradFill rotWithShape="1">
+          <a:gsLst>
+            <a:gs pos="0">
+              <a:schemeClr val="phClr">
+                <a:satMod val="103000"/>
+                <a:lumMod val="102000"/>
+                <a:tint val="94000"/>
+              </a:schemeClr>
+            </a:gs>
+            <a:gs pos="50000">
+              <a:schemeClr val="phClr">
+                <a:satMod val="110000"/>
+                <a:lumMod val="100000"/>
+                <a:shade val="100000"/>
+              </a:schemeClr>
+            </a:gs>
+            <a:gs pos="100000">
+              <a:schemeClr val="phClr">
+                <a:lumMod val="99000"/>
+                <a:satMod val="120000"/>
+                <a:shade val="78000"/>
+              </a:schemeClr>
+            </a:gs>
+          </a:gsLst>
+          <a:lin ang="5400000" scaled="0"/>
+        </a:gradFill>
+      </a:fillStyleLst>
+      <a:lnStyleLst>
+        <a:ln w="6350" cap="flat" cmpd="sng" algn="ctr">
+          <a:solidFill>
+            <a:schemeClr val="phClr"/>
+          </a:solidFill>
+          <a:prstDash val="solid"/>
+          <a:miter lim="800000"/>
+        </a:ln>
+        <a:ln w="12700" cap="flat" cmpd="sng" algn="ctr">
+          <a:solidFill>
+            <a:schemeClr val="phClr"/>
+          </a:solidFill>
+          <a:prstDash val="solid"/>
+          <a:miter lim="800000"/>
+        </a:ln>
+        <a:ln w="19050" cap="flat" cmpd="sng" algn="ctr">
+          <a:solidFill>
+            <a:schemeClr val="phClr"/>
+          </a:solidFill>
+          <a:prstDash val="solid"/>
+          <a:miter lim="800000"/>
+        </a:ln>
+      </a:lnStyleLst>
+      <a:effectStyleLst>
+        <a:effectStyle>
+          <a:effectLst/>
+        </a:effectStyle>
+        <a:effectStyle>
+          <a:effectLst/>
+        </a:effectStyle>
+        <a:effectStyle>
+          <a:effectLst>
+            <a:outerShdw blurRad="57150" dist="19050" dir="5400000" algn="ctr" rotWithShape="0">
+              <a:srgbClr val="000000">
+                <a:alpha val="63000"/>
+              </a:srgbClr>
+            </a:outerShdw>
+          </a:effectLst>
+        </a:effectStyle>
+      </a:effectStyleLst>
+      <a:bgFillStyleLst>
+        <a:solidFill>
+          <a:schemeClr val="phClr"/>
+        </a:solidFill>
+        <a:solidFill>
+          <a:schemeClr val="phClr">
+            <a:tint val="95000"/>
+            <a:satMod val="170000"/>
+          </a:schemeClr>
+        </a:solidFill>
+        <a:gradFill rotWithShape="1">
+          <a:gsLst>
+            <a:gs pos="0">
+              <a:schemeClr val="phClr">
+                <a:tint val="93000"/>
+                <a:satMod val="150000"/>
+                <a:shade val="98000"/>
+                <a:lumMod val="102000"/>
+              </a:schemeClr>
+            </a:gs>
+            <a:gs pos="50000">
+              <a:schemeClr val="phClr">
+                <a:tint val="98000"/>
+                <a:satMod val="130000"/>
+                <a:shade val="90000"/>
+                <a:lumMod val="103000"/>
+              </a:schemeClr>
+            </a:gs>
+            <a:gs pos="100000">
+              <a:schemeClr val="phClr">
+                <a:shade val="63000"/>
+                <a:satMod val="120000"/>
+              </a:schemeClr>
+            </a:gs>
+          </a:gsLst>
+          <a:lin ang="5400000" scaled="0"/>
+        </a:gradFill>
+      </a:bgFillStyleLst>
+    </a:fmtScheme>
+  </a:themeElements>
+  <a:objectDefaults/>
+  <a:extraClrSchemeLst/>
+  <a:extLst>
+    <a:ext uri="{05A4C25C-085E-4340-85A3-A5531E510DB2}">
+      <thm15:themeFamily xmlns:thm15="http://schemas.microsoft.com/office/thememl/2012/main" name="Office Theme" id="{62F939B6-93AF-4DB8-9C6B-D6C7DFDC589F}" vid="{4A3C46E8-61CC-4603-A589-7422A47A8E4A}"/>
+    </a:ext>
+  </a:extLst>
+</a:theme>
 </file>
--- a/LectureSlides/06b_IntroductionToBootstrap.pptx
+++ b/LectureSlides/06b_IntroductionToBootstrap.pptx
@@ -235,7 +235,7 @@
           <a:p>
             <a:fld id="{04109FAC-1BEC-4087-B676-5D9DDF25C61E}" type="datetimeFigureOut">
               <a:rPr lang="en-US" smtClean="0"/>
-              <a:t>9/15/2024</a:t>
+              <a:t>9/17/2024</a:t>
             </a:fld>
             <a:endParaRPr lang="en-US"/>
           </a:p>
@@ -768,7 +768,7 @@
           <a:p>
             <a:fld id="{241EB5C9-1307-BA42-ABA2-0BC069CD8E7F}" type="datetimeFigureOut">
               <a:rPr lang="en-US" smtClean="0"/>
-              <a:t>9/15/2024</a:t>
+              <a:t>9/17/2024</a:t>
             </a:fld>
             <a:endParaRPr lang="en-US"/>
           </a:p>
@@ -936,7 +936,7 @@
           <a:p>
             <a:fld id="{241EB5C9-1307-BA42-ABA2-0BC069CD8E7F}" type="datetimeFigureOut">
               <a:rPr lang="en-US" smtClean="0"/>
-              <a:t>9/15/2024</a:t>
+              <a:t>9/17/2024</a:t>
             </a:fld>
             <a:endParaRPr lang="en-US"/>
           </a:p>
@@ -1114,7 +1114,7 @@
           <a:p>
             <a:fld id="{241EB5C9-1307-BA42-ABA2-0BC069CD8E7F}" type="datetimeFigureOut">
               <a:rPr lang="en-US" smtClean="0"/>
-              <a:t>9/15/2024</a:t>
+              <a:t>9/17/2024</a:t>
             </a:fld>
             <a:endParaRPr lang="en-US"/>
           </a:p>
@@ -1282,7 +1282,7 @@
           <a:p>
             <a:fld id="{241EB5C9-1307-BA42-ABA2-0BC069CD8E7F}" type="datetimeFigureOut">
               <a:rPr lang="en-US" smtClean="0"/>
-              <a:t>9/15/2024</a:t>
+              <a:t>9/17/2024</a:t>
             </a:fld>
             <a:endParaRPr lang="en-US"/>
           </a:p>
@@ -1527,7 +1527,7 @@
           <a:p>
             <a:fld id="{241EB5C9-1307-BA42-ABA2-0BC069CD8E7F}" type="datetimeFigureOut">
               <a:rPr lang="en-US" smtClean="0"/>
-              <a:t>9/15/2024</a:t>
+              <a:t>9/17/2024</a:t>
             </a:fld>
             <a:endParaRPr lang="en-US"/>
           </a:p>
@@ -1812,7 +1812,7 @@
           <a:p>
             <a:fld id="{241EB5C9-1307-BA42-ABA2-0BC069CD8E7F}" type="datetimeFigureOut">
               <a:rPr lang="en-US" smtClean="0"/>
-              <a:t>9/15/2024</a:t>
+              <a:t>9/17/2024</a:t>
             </a:fld>
             <a:endParaRPr lang="en-US"/>
           </a:p>
@@ -2231,7 +2231,7 @@
           <a:p>
             <a:fld id="{241EB5C9-1307-BA42-ABA2-0BC069CD8E7F}" type="datetimeFigureOut">
               <a:rPr lang="en-US" smtClean="0"/>
-              <a:t>9/15/2024</a:t>
+              <a:t>9/17/2024</a:t>
             </a:fld>
             <a:endParaRPr lang="en-US"/>
           </a:p>
@@ -2348,7 +2348,7 @@
           <a:p>
             <a:fld id="{241EB5C9-1307-BA42-ABA2-0BC069CD8E7F}" type="datetimeFigureOut">
               <a:rPr lang="en-US" smtClean="0"/>
-              <a:t>9/15/2024</a:t>
+              <a:t>9/17/2024</a:t>
             </a:fld>
             <a:endParaRPr lang="en-US"/>
           </a:p>
@@ -2443,7 +2443,7 @@
           <a:p>
             <a:fld id="{241EB5C9-1307-BA42-ABA2-0BC069CD8E7F}" type="datetimeFigureOut">
               <a:rPr lang="en-US" smtClean="0"/>
-              <a:t>9/15/2024</a:t>
+              <a:t>9/17/2024</a:t>
             </a:fld>
             <a:endParaRPr lang="en-US"/>
           </a:p>
@@ -2718,7 +2718,7 @@
           <a:p>
             <a:fld id="{241EB5C9-1307-BA42-ABA2-0BC069CD8E7F}" type="datetimeFigureOut">
               <a:rPr lang="en-US" smtClean="0"/>
-              <a:t>9/15/2024</a:t>
+              <a:t>9/17/2024</a:t>
             </a:fld>
             <a:endParaRPr lang="en-US"/>
           </a:p>
@@ -2970,7 +2970,7 @@
           <a:p>
             <a:fld id="{241EB5C9-1307-BA42-ABA2-0BC069CD8E7F}" type="datetimeFigureOut">
               <a:rPr lang="en-US" smtClean="0"/>
-              <a:t>9/15/2024</a:t>
+              <a:t>9/17/2024</a:t>
             </a:fld>
             <a:endParaRPr lang="en-US"/>
           </a:p>
@@ -3181,7 +3181,7 @@
           <a:p>
             <a:fld id="{241EB5C9-1307-BA42-ABA2-0BC069CD8E7F}" type="datetimeFigureOut">
               <a:rPr lang="en-US" smtClean="0"/>
-              <a:t>9/15/2024</a:t>
+              <a:t>9/17/2024</a:t>
             </a:fld>
             <a:endParaRPr lang="en-US"/>
           </a:p>
@@ -10267,8 +10267,8 @@
           </a:p>
         </p:txBody>
       </p:sp>
-      <mc:AlternateContent xmlns:mc="http://schemas.openxmlformats.org/markup-compatibility/2006" xmlns:a14="http://schemas.microsoft.com/office/drawing/2010/main">
-        <mc:Choice Requires="a14">
+      <mc:AlternateContent xmlns:mc="http://schemas.openxmlformats.org/markup-compatibility/2006">
+        <mc:Choice xmlns:a14="http://schemas.microsoft.com/office/drawing/2010/main" Requires="a14">
           <p:sp>
             <p:nvSpPr>
               <p:cNvPr id="3" name="Content Placeholder 2"/>
@@ -10279,10 +10279,15 @@
                 <p:ph idx="1"/>
               </p:nvPr>
             </p:nvSpPr>
-            <p:spPr/>
+            <p:spPr>
+              <a:xfrm>
+                <a:off x="457200" y="1200151"/>
+                <a:ext cx="8229600" cy="3705678"/>
+              </a:xfrm>
+            </p:spPr>
             <p:txBody>
               <a:bodyPr>
-                <a:normAutofit fontScale="77500" lnSpcReduction="20000"/>
+                <a:normAutofit fontScale="85000" lnSpcReduction="20000"/>
               </a:bodyPr>
               <a:lstStyle/>
               <a:p>
@@ -10553,7 +10558,7 @@
             </p:txBody>
           </p:sp>
         </mc:Choice>
-        <mc:Fallback xmlns="">
+        <mc:Fallback>
           <p:sp>
             <p:nvSpPr>
               <p:cNvPr id="3" name="Content Placeholder 2"/>
@@ -10565,10 +10570,14 @@
               </p:nvPr>
             </p:nvSpPr>
             <p:spPr>
+              <a:xfrm>
+                <a:off x="457200" y="1200151"/>
+                <a:ext cx="8229600" cy="3705678"/>
+              </a:xfrm>
               <a:blipFill>
                 <a:blip r:embed="rId2"/>
                 <a:stretch>
-                  <a:fillRect l="-667" t="-2334"/>
+                  <a:fillRect l="-741" t="-2467"/>
                 </a:stretch>
               </a:blipFill>
             </p:spPr>
@@ -10994,7 +11003,7 @@
         </p:blipFill>
         <p:spPr>
           <a:xfrm>
-            <a:off x="4111171" y="1371445"/>
+            <a:off x="4144206" y="1371445"/>
             <a:ext cx="4999794" cy="3285040"/>
           </a:xfrm>
           <a:prstGeom prst="rect">
@@ -11368,17 +11377,24 @@
         <p:spPr>
           <a:xfrm>
             <a:off x="457201" y="204787"/>
-            <a:ext cx="3008313" cy="871538"/>
+            <a:ext cx="8483599" cy="871538"/>
           </a:xfrm>
         </p:spPr>
         <p:txBody>
-          <a:bodyPr/>
-          <a:lstStyle/>
-          <a:p>
-            <a:pPr marL="0" lvl="0" indent="0">
+          <a:bodyPr>
+            <a:normAutofit/>
+          </a:bodyPr>
+          <a:lstStyle/>
+          <a:p>
+            <a:pPr marL="0" lvl="0" indent="0" algn="ctr">
               <a:buNone/>
             </a:pPr>
             <a:r>
+              <a:rPr lang="en-US" sz="3200" b="0" dirty="0"/>
+              <a:t>Example, </a:t>
+            </a:r>
+            <a:r>
+              <a:rPr sz="3200" b="0" dirty="0"/>
               <a:t>Two Sample Bootstrap</a:t>
             </a:r>
           </a:p>
@@ -11394,25 +11410,59 @@
             <p:ph type="body" sz="half" idx="2"/>
           </p:nvPr>
         </p:nvSpPr>
-        <p:spPr/>
-        <p:txBody>
-          <a:bodyPr/>
+        <p:spPr>
+          <a:xfrm>
+            <a:off x="457201" y="1135743"/>
+            <a:ext cx="8519885" cy="1204686"/>
+          </a:xfrm>
+        </p:spPr>
+        <p:txBody>
+          <a:bodyPr>
+            <a:normAutofit/>
+          </a:bodyPr>
           <a:lstStyle/>
           <a:p>
             <a:pPr marL="0" lvl="0" indent="0">
               <a:buNone/>
             </a:pPr>
             <a:r>
-              <a:t>Example; find the bootstrap distribution of the difference in math scores between low and middle SES students.</a:t>
-            </a:r>
+              <a:rPr sz="2200" dirty="0"/>
+              <a:t>Example; find the bootstrap distribution of the difference in math scores </a:t>
+            </a:r>
+            <a:r>
+              <a:rPr lang="en-US" sz="2200" dirty="0"/>
+              <a:t>of different </a:t>
+            </a:r>
+            <a:r>
+              <a:rPr sz="2200" dirty="0"/>
+              <a:t>SES students</a:t>
+            </a:r>
+            <a:endParaRPr lang="en-US" sz="2200" dirty="0"/>
+          </a:p>
+          <a:p>
+            <a:pPr marL="342900" lvl="0" indent="-342900">
+              <a:buFont typeface="Arial" panose="020B0604020202020204" pitchFamily="34" charset="0"/>
+              <a:buChar char="•"/>
+            </a:pPr>
+            <a:r>
+              <a:rPr lang="en-US" sz="2200" dirty="0"/>
+              <a:t>Is this difference statistically significant?  </a:t>
+            </a:r>
+            <a:endParaRPr sz="2200" dirty="0"/>
           </a:p>
         </p:txBody>
       </p:sp>
       <p:pic>
         <p:nvPicPr>
-          <p:cNvPr id="3" name="Picture 1" descr="06b_IntroductionToBootstrap_files/figure-pptx/unnamed-chunk-6-7.png"/>
+          <p:cNvPr id="6" name="Picture 5">
+            <a:extLst>
+              <a:ext uri="{FF2B5EF4-FFF2-40B4-BE49-F238E27FC236}">
+                <a16:creationId xmlns:a16="http://schemas.microsoft.com/office/drawing/2014/main" id="{0431D218-1BBF-B9AB-8E37-64ADD45DF1F7}"/>
+              </a:ext>
+            </a:extLst>
+          </p:cNvPr>
           <p:cNvPicPr>
-            <a:picLocks noGrp="1" noChangeAspect="1"/>
+            <a:picLocks noChangeAspect="1"/>
           </p:cNvPicPr>
           <p:nvPr/>
         </p:nvPicPr>
@@ -11422,20 +11472,14 @@
             <a:fillRect/>
           </a:stretch>
         </p:blipFill>
-        <p:spPr bwMode="auto">
+        <p:spPr>
           <a:xfrm>
-            <a:off x="5183413" y="598714"/>
-            <a:ext cx="3289300" cy="4381500"/>
+            <a:off x="682171" y="2495550"/>
+            <a:ext cx="7779657" cy="2500177"/>
           </a:xfrm>
           <a:prstGeom prst="rect">
             <a:avLst/>
           </a:prstGeom>
-          <a:noFill/>
-          <a:ln w="9525">
-            <a:noFill/>
-            <a:headEnd/>
-            <a:tailEnd/>
-          </a:ln>
         </p:spPr>
       </p:pic>
     </p:spTree>
@@ -11482,6 +11526,7 @@
               <a:buNone/>
             </a:pPr>
             <a:r>
+              <a:rPr dirty="0"/>
               <a:t>Example, Two Sample Bootstrap</a:t>
             </a:r>
           </a:p>
@@ -11497,10 +11542,15 @@
             <p:ph idx="1"/>
           </p:nvPr>
         </p:nvSpPr>
-        <p:spPr/>
+        <p:spPr>
+          <a:xfrm>
+            <a:off x="457200" y="932542"/>
+            <a:ext cx="8229600" cy="4172857"/>
+          </a:xfrm>
+        </p:spPr>
         <p:txBody>
           <a:bodyPr>
-            <a:normAutofit fontScale="40000" lnSpcReduction="20000"/>
+            <a:noAutofit/>
           </a:bodyPr>
           <a:lstStyle/>
           <a:p>
@@ -11508,7 +11558,7 @@
               <a:buNone/>
             </a:pPr>
             <a:r>
-              <a:rPr b="1">
+              <a:rPr sz="1100" b="1" dirty="0">
                 <a:solidFill>
                   <a:srgbClr val="007020"/>
                 </a:solidFill>
@@ -11517,20 +11567,46 @@
               <a:t>def</a:t>
             </a:r>
             <a:r>
-              <a:rPr>
-                <a:latin typeface="Courier"/>
-              </a:rPr>
-              <a:t> two_boot_two_stat(sample_1, sample_2, b, statistic_1, two_samp_statistic):</a:t>
-            </a:r>
-            <a:br/>
-            <a:r>
-              <a:rPr>
+              <a:rPr sz="1100" dirty="0">
+                <a:latin typeface="Courier"/>
+              </a:rPr>
+              <a:t> </a:t>
+            </a:r>
+            <a:r>
+              <a:rPr sz="1100" dirty="0" err="1">
+                <a:latin typeface="Courier"/>
+              </a:rPr>
+              <a:t>two_boot_two_stat</a:t>
+            </a:r>
+            <a:r>
+              <a:rPr sz="1100" dirty="0">
+                <a:latin typeface="Courier"/>
+              </a:rPr>
+              <a:t>(sample_1, sample_2, b, statistic_1, </a:t>
+            </a:r>
+            <a:r>
+              <a:rPr sz="1100" dirty="0" err="1">
+                <a:latin typeface="Courier"/>
+              </a:rPr>
+              <a:t>two_samp_statistic</a:t>
+            </a:r>
+            <a:r>
+              <a:rPr sz="1100" dirty="0">
+                <a:latin typeface="Courier"/>
+              </a:rPr>
+              <a:t>):</a:t>
+            </a:r>
+            <a:br>
+              <a:rPr sz="1100" dirty="0"/>
+            </a:br>
+            <a:r>
+              <a:rPr sz="1100" dirty="0">
                 <a:latin typeface="Courier"/>
               </a:rPr>
               <a:t>    </a:t>
             </a:r>
             <a:r>
-              <a:rPr i="1">
+              <a:rPr sz="1100" i="1" dirty="0">
                 <a:solidFill>
                   <a:srgbClr val="60A0B0"/>
                 </a:solidFill>
@@ -11538,9 +11614,11 @@
               </a:rPr>
               <a:t>'''</a:t>
             </a:r>
-            <a:br/>
-            <a:r>
-              <a:rPr i="1">
+            <a:br>
+              <a:rPr sz="1100" dirty="0"/>
+            </a:br>
+            <a:r>
+              <a:rPr sz="1100" i="1" dirty="0">
                 <a:solidFill>
                   <a:srgbClr val="60A0B0"/>
                 </a:solidFill>
@@ -11548,65 +11626,125 @@
               </a:rPr>
               <a:t>    Function computes two sample and two statistic bootstrap estimate.   </a:t>
             </a:r>
-            <a:br/>
-            <a:r>
-              <a:rPr i="1">
+            <a:br>
+              <a:rPr sz="1100" dirty="0"/>
+            </a:br>
+            <a:r>
+              <a:rPr sz="1100" i="1" dirty="0">
                 <a:solidFill>
                   <a:srgbClr val="60A0B0"/>
                 </a:solidFill>
                 <a:latin typeface="Courier"/>
               </a:rPr>
-              <a:t>    - sample_1 and sample_2, independent obervation vectors   </a:t>
-            </a:r>
-            <a:br/>
-            <a:r>
-              <a:rPr i="1">
+              <a:t>    - sample_1 and sample_2, independent </a:t>
+            </a:r>
+            <a:r>
+              <a:rPr sz="1100" i="1" dirty="0" err="1">
                 <a:solidFill>
                   <a:srgbClr val="60A0B0"/>
                 </a:solidFill>
                 <a:latin typeface="Courier"/>
               </a:rPr>
-              <a:t>    - b, number of bootstrap samples to compute</a:t>
-            </a:r>
-            <a:br/>
-            <a:r>
-              <a:rPr i="1">
+              <a:t>obervation</a:t>
+            </a:r>
+            <a:r>
+              <a:rPr sz="1100" i="1" dirty="0">
                 <a:solidFill>
                   <a:srgbClr val="60A0B0"/>
                 </a:solidFill>
                 <a:latin typeface="Courier"/>
               </a:rPr>
-              <a:t>    - statistic 1, statistic applied to the two independent bootstrap samples</a:t>
-            </a:r>
-            <a:br/>
-            <a:r>
-              <a:rPr i="1">
+              <a:t> vectors   </a:t>
+            </a:r>
+            <a:br>
+              <a:rPr sz="1100" dirty="0"/>
+            </a:br>
+            <a:r>
+              <a:rPr sz="1100" i="1" dirty="0">
                 <a:solidFill>
                   <a:srgbClr val="60A0B0"/>
                 </a:solidFill>
                 <a:latin typeface="Courier"/>
               </a:rPr>
-              <a:t>    - two_sample_statistic, statistic applied to the independent bootstrap statistics</a:t>
-            </a:r>
-            <a:br/>
-            <a:r>
-              <a:rPr i="1">
+              <a:t>    - b, number of bootstrap samples to compute</a:t>
+            </a:r>
+            <a:br>
+              <a:rPr sz="1100" dirty="0"/>
+            </a:br>
+            <a:r>
+              <a:rPr sz="1100" i="1" dirty="0">
                 <a:solidFill>
                   <a:srgbClr val="60A0B0"/>
                 </a:solidFill>
                 <a:latin typeface="Courier"/>
               </a:rPr>
+              <a:t>    - statistic 1, statistic applied to the two independent bootstrap samples</a:t>
+            </a:r>
+            <a:br>
+              <a:rPr sz="1100" dirty="0"/>
+            </a:br>
+            <a:r>
+              <a:rPr sz="1100" i="1" dirty="0">
+                <a:solidFill>
+                  <a:srgbClr val="60A0B0"/>
+                </a:solidFill>
+                <a:latin typeface="Courier"/>
+              </a:rPr>
+              <a:t>    - </a:t>
+            </a:r>
+            <a:r>
+              <a:rPr sz="1100" i="1" dirty="0" err="1">
+                <a:solidFill>
+                  <a:srgbClr val="60A0B0"/>
+                </a:solidFill>
+                <a:latin typeface="Courier"/>
+              </a:rPr>
+              <a:t>two_sample_statistic</a:t>
+            </a:r>
+            <a:r>
+              <a:rPr sz="1100" i="1" dirty="0">
+                <a:solidFill>
+                  <a:srgbClr val="60A0B0"/>
+                </a:solidFill>
+                <a:latin typeface="Courier"/>
+              </a:rPr>
+              <a:t>, statistic applied to the independent bootstrap statistics</a:t>
+            </a:r>
+            <a:br>
+              <a:rPr sz="1100" dirty="0"/>
+            </a:br>
+            <a:r>
+              <a:rPr sz="1100" i="1" dirty="0">
+                <a:solidFill>
+                  <a:srgbClr val="60A0B0"/>
+                </a:solidFill>
+                <a:latin typeface="Courier"/>
+              </a:rPr>
               <a:t>    '''</a:t>
             </a:r>
-            <a:br/>
-            <a:r>
-              <a:rPr>
-                <a:latin typeface="Courier"/>
-              </a:rPr>
-              <a:t>    two_boot_values </a:t>
-            </a:r>
-            <a:r>
-              <a:rPr>
+            <a:br>
+              <a:rPr sz="1100" dirty="0"/>
+            </a:br>
+            <a:r>
+              <a:rPr sz="1100" dirty="0">
+                <a:latin typeface="Courier"/>
+              </a:rPr>
+              <a:t>    </a:t>
+            </a:r>
+            <a:r>
+              <a:rPr sz="1100" dirty="0" err="1">
+                <a:latin typeface="Courier"/>
+              </a:rPr>
+              <a:t>two_boot_values</a:t>
+            </a:r>
+            <a:r>
+              <a:rPr sz="1100" dirty="0">
+                <a:latin typeface="Courier"/>
+              </a:rPr>
+              <a:t> </a:t>
+            </a:r>
+            <a:r>
+              <a:rPr sz="1100" dirty="0">
                 <a:solidFill>
                   <a:srgbClr val="666666"/>
                 </a:solidFill>
@@ -11615,20 +11753,22 @@
               <a:t>=</a:t>
             </a:r>
             <a:r>
-              <a:rPr>
+              <a:rPr sz="1100" dirty="0">
                 <a:latin typeface="Courier"/>
               </a:rPr>
               <a:t> []</a:t>
             </a:r>
-            <a:br/>
-            <a:r>
-              <a:rPr>
+            <a:br>
+              <a:rPr sz="1100" dirty="0"/>
+            </a:br>
+            <a:r>
+              <a:rPr sz="1100" dirty="0">
                 <a:latin typeface="Courier"/>
               </a:rPr>
               <a:t>    n_samps_1 </a:t>
             </a:r>
             <a:r>
-              <a:rPr>
+              <a:rPr sz="1100" dirty="0">
                 <a:solidFill>
                   <a:srgbClr val="666666"/>
                 </a:solidFill>
@@ -11637,13 +11777,13 @@
               <a:t>=</a:t>
             </a:r>
             <a:r>
-              <a:rPr>
+              <a:rPr sz="1100" dirty="0">
                 <a:latin typeface="Courier"/>
               </a:rPr>
               <a:t> </a:t>
             </a:r>
             <a:r>
-              <a:rPr>
+              <a:rPr sz="1100" dirty="0" err="1">
                 <a:solidFill>
                   <a:srgbClr val="008000"/>
                 </a:solidFill>
@@ -11652,20 +11792,22 @@
               <a:t>len</a:t>
             </a:r>
             <a:r>
-              <a:rPr>
+              <a:rPr sz="1100" dirty="0">
                 <a:latin typeface="Courier"/>
               </a:rPr>
               <a:t>(sample_1)</a:t>
             </a:r>
-            <a:br/>
-            <a:r>
-              <a:rPr>
+            <a:br>
+              <a:rPr sz="1100" dirty="0"/>
+            </a:br>
+            <a:r>
+              <a:rPr sz="1100" dirty="0">
                 <a:latin typeface="Courier"/>
               </a:rPr>
               <a:t>    n_samps_2 </a:t>
             </a:r>
             <a:r>
-              <a:rPr>
+              <a:rPr sz="1100" dirty="0">
                 <a:solidFill>
                   <a:srgbClr val="666666"/>
                 </a:solidFill>
@@ -11674,13 +11816,13 @@
               <a:t>=</a:t>
             </a:r>
             <a:r>
-              <a:rPr>
+              <a:rPr sz="1100" dirty="0">
                 <a:latin typeface="Courier"/>
               </a:rPr>
               <a:t> </a:t>
             </a:r>
             <a:r>
-              <a:rPr>
+              <a:rPr sz="1100" dirty="0" err="1">
                 <a:solidFill>
                   <a:srgbClr val="008000"/>
                 </a:solidFill>
@@ -11689,20 +11831,22 @@
               <a:t>len</a:t>
             </a:r>
             <a:r>
-              <a:rPr>
+              <a:rPr sz="1100" dirty="0">
                 <a:latin typeface="Courier"/>
               </a:rPr>
               <a:t>(sample_2)</a:t>
             </a:r>
-            <a:br/>
-            <a:r>
-              <a:rPr>
+            <a:br>
+              <a:rPr sz="1100" dirty="0"/>
+            </a:br>
+            <a:r>
+              <a:rPr sz="1100" dirty="0">
                 <a:latin typeface="Courier"/>
               </a:rPr>
               <a:t>    </a:t>
             </a:r>
             <a:r>
-              <a:rPr b="1">
+              <a:rPr sz="1100" b="1" dirty="0">
                 <a:solidFill>
                   <a:srgbClr val="007020"/>
                 </a:solidFill>
@@ -11711,13 +11855,13 @@
               <a:t>for</a:t>
             </a:r>
             <a:r>
-              <a:rPr>
+              <a:rPr sz="1100" dirty="0">
                 <a:latin typeface="Courier"/>
               </a:rPr>
               <a:t> _ </a:t>
             </a:r>
             <a:r>
-              <a:rPr b="1">
+              <a:rPr sz="1100" b="1" dirty="0">
                 <a:solidFill>
                   <a:srgbClr val="007020"/>
                 </a:solidFill>
@@ -11726,13 +11870,13 @@
               <a:t>in</a:t>
             </a:r>
             <a:r>
-              <a:rPr>
+              <a:rPr sz="1100" dirty="0">
                 <a:latin typeface="Courier"/>
               </a:rPr>
               <a:t> </a:t>
             </a:r>
             <a:r>
-              <a:rPr>
+              <a:rPr sz="1100" dirty="0">
                 <a:solidFill>
                   <a:srgbClr val="008000"/>
                 </a:solidFill>
@@ -11741,68 +11885,94 @@
               <a:t>range</a:t>
             </a:r>
             <a:r>
-              <a:rPr>
+              <a:rPr sz="1100" dirty="0">
                 <a:latin typeface="Courier"/>
               </a:rPr>
               <a:t>(b):  </a:t>
             </a:r>
-            <a:br/>
-            <a:r>
-              <a:rPr>
+            <a:br>
+              <a:rPr sz="1100" dirty="0"/>
+            </a:br>
+            <a:r>
+              <a:rPr sz="1100" dirty="0">
                 <a:latin typeface="Courier"/>
               </a:rPr>
               <a:t>        </a:t>
             </a:r>
             <a:r>
-              <a:rPr i="1">
+              <a:rPr sz="1100" i="1" dirty="0">
                 <a:solidFill>
                   <a:srgbClr val="60A0B0"/>
                 </a:solidFill>
                 <a:latin typeface="Courier"/>
               </a:rPr>
-              <a:t>## Heavy lisfting is done here. First, the two independent bootstrap estimates</a:t>
-            </a:r>
-            <a:br/>
-            <a:r>
-              <a:rPr>
-                <a:latin typeface="Courier"/>
-              </a:rPr>
-              <a:t>        </a:t>
-            </a:r>
-            <a:r>
-              <a:rPr i="1">
+              <a:t>## Heavy </a:t>
+            </a:r>
+            <a:r>
+              <a:rPr sz="1100" i="1" dirty="0" err="1">
                 <a:solidFill>
                   <a:srgbClr val="60A0B0"/>
                 </a:solidFill>
                 <a:latin typeface="Courier"/>
               </a:rPr>
-              <a:t>## are computed from independent bootstrap resamples. Second, the statistic </a:t>
-            </a:r>
-            <a:br/>
-            <a:r>
-              <a:rPr>
-                <a:latin typeface="Courier"/>
-              </a:rPr>
-              <a:t>        </a:t>
-            </a:r>
-            <a:r>
-              <a:rPr i="1">
+              <a:t>lisfting</a:t>
+            </a:r>
+            <a:r>
+              <a:rPr sz="1100" i="1" dirty="0">
                 <a:solidFill>
                   <a:srgbClr val="60A0B0"/>
                 </a:solidFill>
                 <a:latin typeface="Courier"/>
               </a:rPr>
+              <a:t> is done here. First, the two independent bootstrap estimates</a:t>
+            </a:r>
+            <a:br>
+              <a:rPr sz="1100" dirty="0"/>
+            </a:br>
+            <a:r>
+              <a:rPr sz="1100" dirty="0">
+                <a:latin typeface="Courier"/>
+              </a:rPr>
+              <a:t>        </a:t>
+            </a:r>
+            <a:r>
+              <a:rPr sz="1100" i="1" dirty="0">
+                <a:solidFill>
+                  <a:srgbClr val="60A0B0"/>
+                </a:solidFill>
+                <a:latin typeface="Courier"/>
+              </a:rPr>
+              <a:t>## are computed from independent bootstrap resamples. Second, the statistic </a:t>
+            </a:r>
+            <a:br>
+              <a:rPr sz="1100" dirty="0"/>
+            </a:br>
+            <a:r>
+              <a:rPr sz="1100" dirty="0">
+                <a:latin typeface="Courier"/>
+              </a:rPr>
+              <a:t>        </a:t>
+            </a:r>
+            <a:r>
+              <a:rPr sz="1100" i="1" dirty="0">
+                <a:solidFill>
+                  <a:srgbClr val="60A0B0"/>
+                </a:solidFill>
+                <a:latin typeface="Courier"/>
+              </a:rPr>
               <a:t>## of the two bootstrap estimates is computed.  </a:t>
             </a:r>
-            <a:br/>
-            <a:r>
-              <a:rPr>
+            <a:br>
+              <a:rPr sz="1100" dirty="0"/>
+            </a:br>
+            <a:r>
+              <a:rPr sz="1100" dirty="0">
                 <a:latin typeface="Courier"/>
               </a:rPr>
               <a:t>        boot_estimate_1 </a:t>
             </a:r>
             <a:r>
-              <a:rPr>
+              <a:rPr sz="1100" dirty="0">
                 <a:solidFill>
                   <a:srgbClr val="666666"/>
                 </a:solidFill>
@@ -11811,13 +11981,25 @@
               <a:t>=</a:t>
             </a:r>
             <a:r>
-              <a:rPr>
-                <a:latin typeface="Courier"/>
-              </a:rPr>
-              <a:t> statistic_1(nr.choice(sample_1, size</a:t>
-            </a:r>
-            <a:r>
-              <a:rPr>
+              <a:rPr sz="1100" dirty="0">
+                <a:latin typeface="Courier"/>
+              </a:rPr>
+              <a:t> statistic_1(</a:t>
+            </a:r>
+            <a:r>
+              <a:rPr sz="1100" dirty="0" err="1">
+                <a:latin typeface="Courier"/>
+              </a:rPr>
+              <a:t>nr.choice</a:t>
+            </a:r>
+            <a:r>
+              <a:rPr sz="1100" dirty="0">
+                <a:latin typeface="Courier"/>
+              </a:rPr>
+              <a:t>(sample_1, size</a:t>
+            </a:r>
+            <a:r>
+              <a:rPr sz="1100" dirty="0">
                 <a:solidFill>
                   <a:srgbClr val="666666"/>
                 </a:solidFill>
@@ -11826,13 +12008,13 @@
               <a:t>=</a:t>
             </a:r>
             <a:r>
-              <a:rPr>
+              <a:rPr sz="1100" dirty="0">
                 <a:latin typeface="Courier"/>
               </a:rPr>
               <a:t>n_samps_1, replace</a:t>
             </a:r>
             <a:r>
-              <a:rPr>
+              <a:rPr sz="1100" dirty="0">
                 <a:solidFill>
                   <a:srgbClr val="666666"/>
                 </a:solidFill>
@@ -11841,7 +12023,7 @@
               <a:t>=</a:t>
             </a:r>
             <a:r>
-              <a:rPr>
+              <a:rPr sz="1100" dirty="0">
                 <a:solidFill>
                   <a:srgbClr val="19177C"/>
                 </a:solidFill>
@@ -11850,20 +12032,22 @@
               <a:t>True</a:t>
             </a:r>
             <a:r>
-              <a:rPr>
+              <a:rPr sz="1100" dirty="0">
                 <a:latin typeface="Courier"/>
               </a:rPr>
               <a:t>))</a:t>
             </a:r>
-            <a:br/>
-            <a:r>
-              <a:rPr>
+            <a:br>
+              <a:rPr sz="1100" dirty="0"/>
+            </a:br>
+            <a:r>
+              <a:rPr sz="1100" dirty="0">
                 <a:latin typeface="Courier"/>
               </a:rPr>
               <a:t>        boot_estimate_2 </a:t>
             </a:r>
             <a:r>
-              <a:rPr>
+              <a:rPr sz="1100" dirty="0">
                 <a:solidFill>
                   <a:srgbClr val="666666"/>
                 </a:solidFill>
@@ -11872,13 +12056,25 @@
               <a:t>=</a:t>
             </a:r>
             <a:r>
-              <a:rPr>
-                <a:latin typeface="Courier"/>
-              </a:rPr>
-              <a:t> statistic_1(nr.choice(sample_2, size</a:t>
-            </a:r>
-            <a:r>
-              <a:rPr>
+              <a:rPr sz="1100" dirty="0">
+                <a:latin typeface="Courier"/>
+              </a:rPr>
+              <a:t> statistic_1(</a:t>
+            </a:r>
+            <a:r>
+              <a:rPr sz="1100" dirty="0" err="1">
+                <a:latin typeface="Courier"/>
+              </a:rPr>
+              <a:t>nr.choice</a:t>
+            </a:r>
+            <a:r>
+              <a:rPr sz="1100" dirty="0">
+                <a:latin typeface="Courier"/>
+              </a:rPr>
+              <a:t>(sample_2, size</a:t>
+            </a:r>
+            <a:r>
+              <a:rPr sz="1100" dirty="0">
                 <a:solidFill>
                   <a:srgbClr val="666666"/>
                 </a:solidFill>
@@ -11887,13 +12083,13 @@
               <a:t>=</a:t>
             </a:r>
             <a:r>
-              <a:rPr>
+              <a:rPr sz="1100" dirty="0">
                 <a:latin typeface="Courier"/>
               </a:rPr>
               <a:t>n_samps_2, replace</a:t>
             </a:r>
             <a:r>
-              <a:rPr>
+              <a:rPr sz="1100" dirty="0">
                 <a:solidFill>
                   <a:srgbClr val="666666"/>
                 </a:solidFill>
@@ -11902,7 +12098,7 @@
               <a:t>=</a:t>
             </a:r>
             <a:r>
-              <a:rPr>
+              <a:rPr sz="1100" dirty="0">
                 <a:solidFill>
                   <a:srgbClr val="19177C"/>
                 </a:solidFill>
@@ -11911,27 +12107,67 @@
               <a:t>True</a:t>
             </a:r>
             <a:r>
-              <a:rPr>
+              <a:rPr sz="1100" dirty="0">
                 <a:latin typeface="Courier"/>
               </a:rPr>
               <a:t>))</a:t>
             </a:r>
-            <a:br/>
-            <a:r>
-              <a:rPr>
-                <a:latin typeface="Courier"/>
-              </a:rPr>
-              <a:t>        two_boot_values.append(two_samp_statistic(boot_estimate_1, boot_estimate_2))</a:t>
-            </a:r>
-            <a:br/>
-            <a:r>
-              <a:rPr>
-                <a:latin typeface="Courier"/>
-              </a:rPr>
-              <a:t>    boot_estimate </a:t>
-            </a:r>
-            <a:r>
-              <a:rPr>
+            <a:br>
+              <a:rPr sz="1100" dirty="0"/>
+            </a:br>
+            <a:r>
+              <a:rPr sz="1100" dirty="0">
+                <a:latin typeface="Courier"/>
+              </a:rPr>
+              <a:t>        </a:t>
+            </a:r>
+            <a:r>
+              <a:rPr sz="1100" dirty="0" err="1">
+                <a:latin typeface="Courier"/>
+              </a:rPr>
+              <a:t>two_boot_values.append</a:t>
+            </a:r>
+            <a:r>
+              <a:rPr sz="1100" dirty="0">
+                <a:latin typeface="Courier"/>
+              </a:rPr>
+              <a:t>(</a:t>
+            </a:r>
+            <a:r>
+              <a:rPr sz="1100" dirty="0" err="1">
+                <a:latin typeface="Courier"/>
+              </a:rPr>
+              <a:t>two_samp_statistic</a:t>
+            </a:r>
+            <a:r>
+              <a:rPr sz="1100" dirty="0">
+                <a:latin typeface="Courier"/>
+              </a:rPr>
+              <a:t>(boot_estimate_1, boot_estimate_2))</a:t>
+            </a:r>
+            <a:br>
+              <a:rPr sz="1100" dirty="0"/>
+            </a:br>
+            <a:r>
+              <a:rPr sz="1100" dirty="0">
+                <a:latin typeface="Courier"/>
+              </a:rPr>
+              <a:t>    </a:t>
+            </a:r>
+            <a:r>
+              <a:rPr sz="1100" dirty="0" err="1">
+                <a:latin typeface="Courier"/>
+              </a:rPr>
+              <a:t>boot_estimate</a:t>
+            </a:r>
+            <a:r>
+              <a:rPr sz="1100" dirty="0">
+                <a:latin typeface="Courier"/>
+              </a:rPr>
+              <a:t> </a:t>
+            </a:r>
+            <a:r>
+              <a:rPr sz="1100" dirty="0">
                 <a:solidFill>
                   <a:srgbClr val="666666"/>
                 </a:solidFill>
@@ -11940,20 +12176,46 @@
               <a:t>=</a:t>
             </a:r>
             <a:r>
-              <a:rPr>
-                <a:latin typeface="Courier"/>
-              </a:rPr>
-              <a:t> np.mean(two_boot_values)</a:t>
-            </a:r>
-            <a:br/>
-            <a:r>
-              <a:rPr>
+              <a:rPr sz="1100" dirty="0">
+                <a:latin typeface="Courier"/>
+              </a:rPr>
+              <a:t> </a:t>
+            </a:r>
+            <a:r>
+              <a:rPr sz="1100" dirty="0" err="1">
+                <a:latin typeface="Courier"/>
+              </a:rPr>
+              <a:t>np.mean</a:t>
+            </a:r>
+            <a:r>
+              <a:rPr sz="1100" dirty="0">
+                <a:latin typeface="Courier"/>
+              </a:rPr>
+              <a:t>(</a:t>
+            </a:r>
+            <a:r>
+              <a:rPr sz="1100" dirty="0" err="1">
+                <a:latin typeface="Courier"/>
+              </a:rPr>
+              <a:t>two_boot_values</a:t>
+            </a:r>
+            <a:r>
+              <a:rPr sz="1100" dirty="0">
+                <a:latin typeface="Courier"/>
+              </a:rPr>
+              <a:t>)</a:t>
+            </a:r>
+            <a:br>
+              <a:rPr sz="1100" dirty="0"/>
+            </a:br>
+            <a:r>
+              <a:rPr sz="1100" dirty="0">
                 <a:latin typeface="Courier"/>
               </a:rPr>
               <a:t>    </a:t>
             </a:r>
             <a:r>
-              <a:rPr>
+              <a:rPr sz="1100" dirty="0">
                 <a:solidFill>
                   <a:srgbClr val="008000"/>
                 </a:solidFill>
@@ -11962,13 +12224,13 @@
               <a:t>print</a:t>
             </a:r>
             <a:r>
-              <a:rPr>
+              <a:rPr sz="1100" dirty="0">
                 <a:latin typeface="Courier"/>
               </a:rPr>
               <a:t>(</a:t>
             </a:r>
             <a:r>
-              <a:rPr>
+              <a:rPr sz="1100" dirty="0">
                 <a:solidFill>
                   <a:srgbClr val="4070A0"/>
                 </a:solidFill>
@@ -11977,13 +12239,13 @@
               <a:t>'bootstrap point estimate = {:6.2f}'</a:t>
             </a:r>
             <a:r>
-              <a:rPr>
+              <a:rPr sz="1100" dirty="0">
                 <a:latin typeface="Courier"/>
               </a:rPr>
               <a:t>.</a:t>
             </a:r>
             <a:r>
-              <a:rPr>
+              <a:rPr sz="1100" dirty="0">
                 <a:solidFill>
                   <a:srgbClr val="008000"/>
                 </a:solidFill>
@@ -11992,20 +12254,34 @@
               <a:t>format</a:t>
             </a:r>
             <a:r>
-              <a:rPr>
-                <a:latin typeface="Courier"/>
-              </a:rPr>
-              <a:t>(boot_estimate))</a:t>
-            </a:r>
-            <a:br/>
-            <a:r>
-              <a:rPr>
+              <a:rPr sz="1100" dirty="0">
+                <a:latin typeface="Courier"/>
+              </a:rPr>
+              <a:t>(</a:t>
+            </a:r>
+            <a:r>
+              <a:rPr sz="1100" dirty="0" err="1">
+                <a:latin typeface="Courier"/>
+              </a:rPr>
+              <a:t>boot_estimate</a:t>
+            </a:r>
+            <a:r>
+              <a:rPr sz="1100" dirty="0">
+                <a:latin typeface="Courier"/>
+              </a:rPr>
+              <a:t>))</a:t>
+            </a:r>
+            <a:br>
+              <a:rPr sz="1100" dirty="0"/>
+            </a:br>
+            <a:r>
+              <a:rPr sz="1100" dirty="0">
                 <a:latin typeface="Courier"/>
               </a:rPr>
               <a:t>    </a:t>
             </a:r>
             <a:r>
-              <a:rPr b="1">
+              <a:rPr sz="1100" b="1" dirty="0">
                 <a:solidFill>
                   <a:srgbClr val="007020"/>
                 </a:solidFill>
@@ -12014,230 +12290,34 @@
               <a:t>return</a:t>
             </a:r>
             <a:r>
-              <a:rPr>
-                <a:latin typeface="Courier"/>
-              </a:rPr>
-              <a:t>(boot_estimate, two_boot_values)    </a:t>
-            </a:r>
-            <a:br/>
-            <a:br/>
-            <a:r>
-              <a:rPr>
-                <a:latin typeface="Courier"/>
-              </a:rPr>
-              <a:t>math_low_ses </a:t>
-            </a:r>
-            <a:r>
-              <a:rPr>
-                <a:solidFill>
-                  <a:srgbClr val="666666"/>
-                </a:solidFill>
-                <a:latin typeface="Courier"/>
-              </a:rPr>
-              <a:t>=</a:t>
-            </a:r>
-            <a:r>
-              <a:rPr>
-                <a:latin typeface="Courier"/>
-              </a:rPr>
-              <a:t> test_scores.loc[test_scores.loc[:,</a:t>
-            </a:r>
-            <a:r>
-              <a:rPr>
-                <a:solidFill>
-                  <a:srgbClr val="4070A0"/>
-                </a:solidFill>
-                <a:latin typeface="Courier"/>
-              </a:rPr>
-              <a:t>'ses'</a:t>
-            </a:r>
-            <a:r>
-              <a:rPr>
-                <a:latin typeface="Courier"/>
-              </a:rPr>
-              <a:t>]</a:t>
-            </a:r>
-            <a:r>
-              <a:rPr>
-                <a:solidFill>
-                  <a:srgbClr val="666666"/>
-                </a:solidFill>
-                <a:latin typeface="Courier"/>
-              </a:rPr>
-              <a:t>==</a:t>
-            </a:r>
-            <a:r>
-              <a:rPr>
-                <a:solidFill>
-                  <a:srgbClr val="40A070"/>
-                </a:solidFill>
-                <a:latin typeface="Courier"/>
-              </a:rPr>
-              <a:t>1</a:t>
-            </a:r>
-            <a:r>
-              <a:rPr>
-                <a:latin typeface="Courier"/>
-              </a:rPr>
-              <a:t>,</a:t>
-            </a:r>
-            <a:r>
-              <a:rPr>
-                <a:solidFill>
-                  <a:srgbClr val="4070A0"/>
-                </a:solidFill>
-                <a:latin typeface="Courier"/>
-              </a:rPr>
-              <a:t>'math'</a:t>
-            </a:r>
-            <a:r>
-              <a:rPr>
-                <a:latin typeface="Courier"/>
-              </a:rPr>
-              <a:t>] </a:t>
-            </a:r>
-            <a:br/>
-            <a:r>
-              <a:rPr>
-                <a:latin typeface="Courier"/>
-              </a:rPr>
-              <a:t>math_mid_ses </a:t>
-            </a:r>
-            <a:r>
-              <a:rPr>
-                <a:solidFill>
-                  <a:srgbClr val="666666"/>
-                </a:solidFill>
-                <a:latin typeface="Courier"/>
-              </a:rPr>
-              <a:t>=</a:t>
-            </a:r>
-            <a:r>
-              <a:rPr>
-                <a:latin typeface="Courier"/>
-              </a:rPr>
-              <a:t> test_scores.loc[test_scores.loc[:,</a:t>
-            </a:r>
-            <a:r>
-              <a:rPr>
-                <a:solidFill>
-                  <a:srgbClr val="4070A0"/>
-                </a:solidFill>
-                <a:latin typeface="Courier"/>
-              </a:rPr>
-              <a:t>'ses'</a:t>
-            </a:r>
-            <a:r>
-              <a:rPr>
-                <a:latin typeface="Courier"/>
-              </a:rPr>
-              <a:t>]</a:t>
-            </a:r>
-            <a:r>
-              <a:rPr>
-                <a:solidFill>
-                  <a:srgbClr val="666666"/>
-                </a:solidFill>
-                <a:latin typeface="Courier"/>
-              </a:rPr>
-              <a:t>==</a:t>
-            </a:r>
-            <a:r>
-              <a:rPr>
-                <a:solidFill>
-                  <a:srgbClr val="40A070"/>
-                </a:solidFill>
-                <a:latin typeface="Courier"/>
-              </a:rPr>
-              <a:t>2</a:t>
-            </a:r>
-            <a:r>
-              <a:rPr>
-                <a:latin typeface="Courier"/>
-              </a:rPr>
-              <a:t>,</a:t>
-            </a:r>
-            <a:r>
-              <a:rPr>
-                <a:solidFill>
-                  <a:srgbClr val="4070A0"/>
-                </a:solidFill>
-                <a:latin typeface="Courier"/>
-              </a:rPr>
-              <a:t>'math'</a:t>
-            </a:r>
-            <a:r>
-              <a:rPr>
-                <a:latin typeface="Courier"/>
-              </a:rPr>
-              <a:t>]</a:t>
-            </a:r>
-            <a:br/>
-            <a:r>
-              <a:rPr>
-                <a:latin typeface="Courier"/>
-              </a:rPr>
-              <a:t>bootstrap_diff_of_mean, boot_diffs </a:t>
-            </a:r>
-            <a:r>
-              <a:rPr>
-                <a:solidFill>
-                  <a:srgbClr val="666666"/>
-                </a:solidFill>
-                <a:latin typeface="Courier"/>
-              </a:rPr>
-              <a:t>=</a:t>
-            </a:r>
-            <a:r>
-              <a:rPr>
-                <a:latin typeface="Courier"/>
-              </a:rPr>
-              <a:t> two_boot_two_stat(math_low_ses, math_mid_ses, </a:t>
-            </a:r>
-            <a:r>
-              <a:rPr>
-                <a:solidFill>
-                  <a:srgbClr val="40A070"/>
-                </a:solidFill>
-                <a:latin typeface="Courier"/>
-              </a:rPr>
-              <a:t>2000</a:t>
-            </a:r>
-            <a:r>
-              <a:rPr>
-                <a:latin typeface="Courier"/>
-              </a:rPr>
-              <a:t>, np.mean, </a:t>
-            </a:r>
-            <a:r>
-              <a:rPr b="1">
-                <a:solidFill>
-                  <a:srgbClr val="007020"/>
-                </a:solidFill>
-                <a:latin typeface="Courier"/>
-              </a:rPr>
-              <a:t>lambda</a:t>
-            </a:r>
-            <a:r>
-              <a:rPr>
-                <a:latin typeface="Courier"/>
-              </a:rPr>
-              <a:t> x,y: x</a:t>
-            </a:r>
-            <a:r>
-              <a:rPr>
-                <a:solidFill>
-                  <a:srgbClr val="666666"/>
-                </a:solidFill>
-                <a:latin typeface="Courier"/>
-              </a:rPr>
-              <a:t>-</a:t>
-            </a:r>
-            <a:r>
-              <a:rPr>
-                <a:latin typeface="Courier"/>
-              </a:rPr>
-              <a:t>y)</a:t>
+              <a:rPr sz="1100" dirty="0">
+                <a:latin typeface="Courier"/>
+              </a:rPr>
+              <a:t>(</a:t>
+            </a:r>
+            <a:r>
+              <a:rPr sz="1100" dirty="0" err="1">
+                <a:latin typeface="Courier"/>
+              </a:rPr>
+              <a:t>boot_estimate</a:t>
+            </a:r>
+            <a:r>
+              <a:rPr sz="1100" dirty="0">
+                <a:latin typeface="Courier"/>
+              </a:rPr>
+              <a:t>, </a:t>
+            </a:r>
+            <a:r>
+              <a:rPr sz="1100" dirty="0" err="1">
+                <a:latin typeface="Courier"/>
+              </a:rPr>
+              <a:t>two_boot_values</a:t>
+            </a:r>
+            <a:r>
+              <a:rPr sz="1100" dirty="0">
+                <a:latin typeface="Courier"/>
+              </a:rPr>
+              <a:t>)    </a:t>
             </a:r>
           </a:p>
         </p:txBody>
@@ -12280,17 +12360,20 @@
         <p:spPr>
           <a:xfrm>
             <a:off x="457201" y="204787"/>
-            <a:ext cx="3008313" cy="871538"/>
+            <a:ext cx="8258628" cy="510042"/>
           </a:xfrm>
         </p:spPr>
         <p:txBody>
-          <a:bodyPr/>
-          <a:lstStyle/>
-          <a:p>
-            <a:pPr marL="0" lvl="0" indent="0">
+          <a:bodyPr>
+            <a:noAutofit/>
+          </a:bodyPr>
+          <a:lstStyle/>
+          <a:p>
+            <a:pPr marL="0" lvl="0" indent="0" algn="ctr">
               <a:buNone/>
             </a:pPr>
             <a:r>
+              <a:rPr sz="3300" b="0" dirty="0"/>
               <a:t>Example, Two Sample Bootstrap</a:t>
             </a:r>
           </a:p>
@@ -12306,47 +12389,116 @@
             <p:ph type="body" sz="half" idx="2"/>
           </p:nvPr>
         </p:nvSpPr>
-        <p:spPr/>
-        <p:txBody>
-          <a:bodyPr/>
+        <p:spPr>
+          <a:xfrm>
+            <a:off x="457202" y="1076326"/>
+            <a:ext cx="5439228" cy="3518297"/>
+          </a:xfrm>
+        </p:spPr>
+        <p:txBody>
+          <a:bodyPr>
+            <a:noAutofit/>
+          </a:bodyPr>
           <a:lstStyle/>
           <a:p>
             <a:pPr marL="0" lvl="0" indent="0">
               <a:buNone/>
             </a:pPr>
             <a:r>
-              <a:t>Compute and display the bootstrap distribution of the difference of student scores</a:t>
-            </a:r>
+              <a:rPr sz="2000" dirty="0"/>
+              <a:t>Compute and display the bootstrap distribution of the difference </a:t>
+            </a:r>
+            <a:r>
+              <a:rPr lang="en-US" sz="2000" dirty="0"/>
+              <a:t>of means</a:t>
+            </a:r>
+          </a:p>
+          <a:p>
+            <a:pPr marL="285750" lvl="0" indent="-285750">
+              <a:buFont typeface="Arial" panose="020B0604020202020204" pitchFamily="34" charset="0"/>
+              <a:buChar char="•"/>
+            </a:pPr>
+            <a:r>
+              <a:rPr lang="en-US" sz="2000" dirty="0"/>
+              <a:t>Test significance of Math scores for low and medium SES students</a:t>
+            </a:r>
+          </a:p>
+          <a:p>
+            <a:pPr marL="285750" lvl="0" indent="-285750">
+              <a:buFont typeface="Arial" panose="020B0604020202020204" pitchFamily="34" charset="0"/>
+              <a:buChar char="•"/>
+            </a:pPr>
+            <a:r>
+              <a:rPr lang="en-US" sz="2000" dirty="0"/>
+              <a:t>10000 bootstrap samples of difference of means</a:t>
+            </a:r>
+            <a:endParaRPr sz="2000" dirty="0"/>
           </a:p>
           <a:p>
             <a:pPr lvl="0" indent="0">
               <a:buNone/>
             </a:pPr>
             <a:r>
-              <a:rPr>
-                <a:latin typeface="Courier"/>
-              </a:rPr>
-              <a:t>## bootstrap point estimate =  -3.03</a:t>
-            </a:r>
+              <a:rPr sz="2000" dirty="0">
+                <a:latin typeface="Courier"/>
+              </a:rPr>
+              <a:t>## bootstrap point estimate =  -3.0</a:t>
+            </a:r>
+            <a:r>
+              <a:rPr lang="en-US" sz="2000" dirty="0">
+                <a:latin typeface="Courier"/>
+              </a:rPr>
+              <a:t>1</a:t>
+            </a:r>
+            <a:endParaRPr sz="2000" dirty="0">
+              <a:latin typeface="Courier"/>
+            </a:endParaRPr>
           </a:p>
           <a:p>
             <a:pPr lvl="0" indent="0">
               <a:buNone/>
             </a:pPr>
             <a:r>
-              <a:rPr>
-                <a:latin typeface="Courier"/>
-              </a:rPr>
-              <a:t>## At alpha = 0.05, lower and upper bootstrap confidence intervals =  -6.19     0.30</a:t>
-            </a:r>
+              <a:rPr sz="2000" dirty="0">
+                <a:latin typeface="Courier"/>
+              </a:rPr>
+              <a:t>## At alpha = 0.05, lower and upper bootstrap confidence intervals =  -6.</a:t>
+            </a:r>
+            <a:r>
+              <a:rPr lang="en-US" sz="2000" dirty="0">
+                <a:latin typeface="Courier"/>
+              </a:rPr>
+              <a:t>08</a:t>
+            </a:r>
+            <a:r>
+              <a:rPr sz="2000" dirty="0">
+                <a:latin typeface="Courier"/>
+              </a:rPr>
+              <a:t>     0.</a:t>
+            </a:r>
+            <a:r>
+              <a:rPr lang="en-US" sz="2000" dirty="0">
+                <a:latin typeface="Courier"/>
+              </a:rPr>
+              <a:t>18</a:t>
+            </a:r>
+            <a:endParaRPr sz="2000" dirty="0">
+              <a:latin typeface="Courier"/>
+            </a:endParaRPr>
           </a:p>
         </p:txBody>
       </p:sp>
       <p:pic>
         <p:nvPicPr>
-          <p:cNvPr id="3" name="Picture 1" descr="06b_IntroductionToBootstrap_files/figure-pptx/unnamed-chunk-8-9.png"/>
+          <p:cNvPr id="6" name="Picture 5">
+            <a:extLst>
+              <a:ext uri="{FF2B5EF4-FFF2-40B4-BE49-F238E27FC236}">
+                <a16:creationId xmlns:a16="http://schemas.microsoft.com/office/drawing/2014/main" id="{EBC90591-F254-F8B0-D316-053670C8034F}"/>
+              </a:ext>
+            </a:extLst>
+          </p:cNvPr>
           <p:cNvPicPr>
-            <a:picLocks noGrp="1" noChangeAspect="1"/>
+            <a:picLocks noChangeAspect="1"/>
           </p:cNvPicPr>
           <p:nvPr/>
         </p:nvPicPr>
@@ -12356,20 +12508,14 @@
             <a:fillRect/>
           </a:stretch>
         </p:blipFill>
-        <p:spPr bwMode="auto">
+        <p:spPr>
           <a:xfrm>
-            <a:off x="3568700" y="571500"/>
-            <a:ext cx="5105400" cy="3644900"/>
+            <a:off x="6273036" y="841829"/>
+            <a:ext cx="2831050" cy="4276271"/>
           </a:xfrm>
           <a:prstGeom prst="rect">
             <a:avLst/>
           </a:prstGeom>
-          <a:noFill/>
-          <a:ln w="9525">
-            <a:noFill/>
-            <a:headEnd/>
-            <a:tailEnd/>
-          </a:ln>
         </p:spPr>
       </p:pic>
     </p:spTree>
@@ -12431,10 +12577,15 @@
             <p:ph idx="1"/>
           </p:nvPr>
         </p:nvSpPr>
-        <p:spPr/>
+        <p:spPr>
+          <a:xfrm>
+            <a:off x="457200" y="1063229"/>
+            <a:ext cx="8229600" cy="3643028"/>
+          </a:xfrm>
+        </p:spPr>
         <p:txBody>
           <a:bodyPr>
-            <a:normAutofit fontScale="85000" lnSpcReduction="10000"/>
+            <a:normAutofit fontScale="92500" lnSpcReduction="20000"/>
           </a:bodyPr>
           <a:lstStyle/>
           <a:p>
@@ -12442,56 +12593,82 @@
               <a:buNone/>
             </a:pPr>
             <a:r>
+              <a:rPr dirty="0"/>
               <a:t>Bootstrap estimation is widely useful and requires minimal assumption</a:t>
             </a:r>
           </a:p>
           <a:p>
             <a:pPr lvl="0"/>
             <a:r>
-              <a:t>Bootstrap distribution is comprised of values of the statistic computed from bootstrap resamples of the original observations (data sample)</a:t>
+              <a:rPr dirty="0"/>
+              <a:t>Bootstrap distribution comprise</a:t>
+            </a:r>
+            <a:r>
+              <a:rPr lang="en-US" dirty="0"/>
+              <a:t>s</a:t>
+            </a:r>
+            <a:r>
+              <a:rPr dirty="0"/>
+              <a:t> values of </a:t>
+            </a:r>
+            <a:r>
+              <a:rPr lang="en-US" dirty="0"/>
+              <a:t>a</a:t>
+            </a:r>
+            <a:r>
+              <a:rPr dirty="0"/>
+              <a:t> statistic computed from bootstrap resamples of the original observations (data sample)</a:t>
             </a:r>
           </a:p>
           <a:p>
             <a:pPr lvl="0"/>
             <a:r>
+              <a:rPr dirty="0"/>
               <a:t>Computing bootstrap distribution requires </a:t>
             </a:r>
             <a:r>
-              <a:rPr b="1"/>
+              <a:rPr b="1" dirty="0"/>
               <a:t>no assumptions about population distribution!</a:t>
             </a:r>
           </a:p>
           <a:p>
             <a:pPr lvl="1"/>
             <a:r>
+              <a:rPr dirty="0"/>
               <a:t>Bootstrap resampling substitutes computer power for paper and pencil statistician power</a:t>
             </a:r>
           </a:p>
           <a:p>
             <a:pPr lvl="0"/>
             <a:r>
+              <a:rPr dirty="0"/>
               <a:t>Bootstrap resampling estimates the </a:t>
             </a:r>
             <a:r>
-              <a:rPr b="1"/>
+              <a:rPr b="1" dirty="0"/>
               <a:t>bootstrap distribution</a:t>
             </a:r>
             <a:r>
+              <a:rPr dirty="0"/>
               <a:t> of a statistic</a:t>
             </a:r>
           </a:p>
           <a:p>
             <a:pPr lvl="1"/>
             <a:r>
-              <a:t>Compute mostly likely point estimate of the statistic, or bootstrap estimate</a:t>
-            </a:r>
-            <a:br/>
-            <a:endParaRPr/>
+              <a:rPr dirty="0"/>
+              <a:t>Compute point estimate of the statistic, or bootstrap estimate</a:t>
+            </a:r>
           </a:p>
           <a:p>
             <a:pPr lvl="1"/>
             <a:r>
-              <a:t>The bootstrap confidence interval is computed from the bootstrap distribution</a:t>
+              <a:rPr lang="en-US" dirty="0"/>
+              <a:t>Compute </a:t>
+            </a:r>
+            <a:r>
+              <a:rPr dirty="0"/>
+              <a:t>bootstrap confidence interval from the bootstrap distribution</a:t>
             </a:r>
           </a:p>
         </p:txBody>
@@ -12555,51 +12732,91 @@
             <p:ph idx="1"/>
           </p:nvPr>
         </p:nvSpPr>
-        <p:spPr/>
-        <p:txBody>
-          <a:bodyPr/>
+        <p:spPr>
+          <a:xfrm>
+            <a:off x="457200" y="1106714"/>
+            <a:ext cx="8229600" cy="3693885"/>
+          </a:xfrm>
+        </p:spPr>
+        <p:txBody>
+          <a:bodyPr>
+            <a:normAutofit fontScale="92500" lnSpcReduction="10000"/>
+          </a:bodyPr>
           <a:lstStyle/>
           <a:p>
             <a:pPr marL="0" lvl="0" indent="0">
               <a:buNone/>
             </a:pPr>
             <a:r>
-              <a:t>There are several variations of the basi nonparametric bootstrap algorithm</a:t>
+              <a:rPr dirty="0"/>
+              <a:t>There are several variations of the basi</a:t>
+            </a:r>
+            <a:r>
+              <a:rPr lang="en-US" dirty="0"/>
+              <a:t>c</a:t>
+            </a:r>
+            <a:r>
+              <a:rPr dirty="0"/>
+              <a:t> nonparametric bootstrap algorithm</a:t>
             </a:r>
           </a:p>
           <a:p>
             <a:pPr lvl="0"/>
             <a:r>
+              <a:rPr dirty="0"/>
               <a:t>One sample bootstrap</a:t>
             </a:r>
           </a:p>
           <a:p>
             <a:pPr lvl="1"/>
             <a:r>
-              <a:t>Inference on single populations</a:t>
-            </a:r>
+              <a:rPr dirty="0"/>
+              <a:t>Inference on single population</a:t>
+            </a:r>
+            <a:endParaRPr lang="en-US" dirty="0"/>
+          </a:p>
+          <a:p>
+            <a:pPr lvl="1"/>
+            <a:r>
+              <a:rPr lang="en-US" dirty="0"/>
+              <a:t>One sample statistics</a:t>
+            </a:r>
+            <a:endParaRPr dirty="0"/>
           </a:p>
           <a:p>
             <a:pPr lvl="0"/>
             <a:r>
+              <a:rPr dirty="0"/>
               <a:t>Two sample bootstrap</a:t>
             </a:r>
           </a:p>
           <a:p>
             <a:pPr lvl="1"/>
             <a:r>
+              <a:rPr dirty="0"/>
               <a:t>Inference on different populations</a:t>
             </a:r>
+            <a:endParaRPr lang="en-US" dirty="0"/>
+          </a:p>
+          <a:p>
+            <a:pPr lvl="1"/>
+            <a:r>
+              <a:rPr lang="en-US" dirty="0"/>
+              <a:t>Two sample statistics</a:t>
+            </a:r>
+            <a:endParaRPr dirty="0"/>
           </a:p>
           <a:p>
             <a:pPr lvl="0"/>
             <a:r>
+              <a:rPr dirty="0"/>
               <a:t>Special cases</a:t>
             </a:r>
           </a:p>
           <a:p>
             <a:pPr lvl="1"/>
             <a:r>
+              <a:rPr dirty="0"/>
               <a:t>Correlation coefficients - part of your assignment</a:t>
             </a:r>
           </a:p>
@@ -12654,8 +12871,8 @@
           </a:p>
         </p:txBody>
       </p:sp>
-      <mc:AlternateContent xmlns:mc="http://schemas.openxmlformats.org/markup-compatibility/2006" xmlns:a14="http://schemas.microsoft.com/office/drawing/2010/main">
-        <mc:Choice Requires="a14">
+      <mc:AlternateContent xmlns:mc="http://schemas.openxmlformats.org/markup-compatibility/2006">
+        <mc:Choice xmlns:a14="http://schemas.microsoft.com/office/drawing/2010/main" Requires="a14">
           <p:sp>
             <p:nvSpPr>
               <p:cNvPr id="3" name="Content Placeholder 2"/>
@@ -12669,7 +12886,7 @@
             <p:spPr/>
             <p:txBody>
               <a:bodyPr>
-                <a:normAutofit fontScale="70000" lnSpcReduction="20000"/>
+                <a:normAutofit fontScale="92500" lnSpcReduction="10000"/>
               </a:bodyPr>
               <a:lstStyle/>
               <a:p>
@@ -12677,26 +12894,36 @@
                   <a:buNone/>
                 </a:pPr>
                 <a:r>
+                  <a:rPr dirty="0"/>
                   <a:t>Re-sampling methods are general and powerful but, there is no magic involved! There are pitfalls!</a:t>
                 </a:r>
               </a:p>
               <a:p>
                 <a:pPr lvl="0"/>
                 <a:r>
-                  <a:t>If a sample is biased, the resampled statistic estimate based on that sample will be biased</a:t>
+                  <a:rPr dirty="0"/>
+                  <a:t>If a sample is biased, the resampled statistic estimate </a:t>
+                </a:r>
+                <a:r>
+                  <a:rPr lang="en-US" dirty="0"/>
+                  <a:t>is</a:t>
+                </a:r>
+                <a:r>
+                  <a:rPr dirty="0"/>
+                  <a:t> biased</a:t>
                 </a:r>
               </a:p>
               <a:p>
                 <a:pPr lvl="1"/>
                 <a:r>
+                  <a:rPr dirty="0"/>
                   <a:t>Results can be no better than the sample you start with</a:t>
                 </a:r>
-                <a:br/>
-                <a:endParaRPr/>
               </a:p>
               <a:p>
                 <a:pPr lvl="1"/>
                 <a:r>
+                  <a:rPr dirty="0"/>
                   <a:t>Example; the bootstrap estimate of mean is the unbiased sample estimate, </a:t>
                 </a:r>
                 <a14:m>
@@ -12722,6 +12949,7 @@
                   </m:oMath>
                 </a14:m>
                 <a:r>
+                  <a:rPr dirty="0"/>
                   <a:t>, not the population parameter, </a:t>
                 </a:r>
                 <a14:m>
@@ -12734,38 +12962,41 @@
                     </m:r>
                   </m:oMath>
                 </a14:m>
-                <a:endParaRPr/>
+                <a:endParaRPr dirty="0"/>
               </a:p>
               <a:p>
                 <a:pPr lvl="0"/>
                 <a:r>
-                  <a:t>The sample variance and Cis can be no better than the sample distribution allows</a:t>
+                  <a:rPr dirty="0"/>
+                  <a:t>The sample variance and C</a:t>
+                </a:r>
+                <a:r>
+                  <a:rPr lang="en-US" dirty="0"/>
+                  <a:t>I</a:t>
+                </a:r>
+                <a:r>
+                  <a:rPr dirty="0"/>
+                  <a:t>s can be no better than the sample distribution allows</a:t>
                 </a:r>
               </a:p>
               <a:p>
                 <a:pPr lvl="1"/>
                 <a:r>
+                  <a:rPr dirty="0"/>
                   <a:t>Be suspicious of overly optimistic confidence intervals</a:t>
-                </a:r>
-                <a:br/>
-                <a:endParaRPr/>
-              </a:p>
-              <a:p>
-                <a:pPr lvl="1"/>
-                <a:r>
-                  <a:t>CIs can be optimistically biased</a:t>
                 </a:r>
               </a:p>
               <a:p>
                 <a:pPr lvl="0"/>
                 <a:r>
+                  <a:rPr dirty="0"/>
                   <a:t>Are computationally intensive, but often highly parallelizable</a:t>
                 </a:r>
               </a:p>
             </p:txBody>
           </p:sp>
         </mc:Choice>
-        <mc:Fallback xmlns="">
+        <mc:Fallback>
           <p:sp>
             <p:nvSpPr>
               <p:cNvPr id="3" name="Content Placeholder 2"/>
@@ -12780,7 +13011,7 @@
               <a:blipFill>
                 <a:blip r:embed="rId2"/>
                 <a:stretch>
-                  <a:fillRect l="-444" t="-1975"/>
+                  <a:fillRect l="-963" t="-2334" r="-815" b="-1257"/>
                 </a:stretch>
               </a:blipFill>
             </p:spPr>

--- a/LectureSlides/06b_IntroductionToBootstrap.pptx
+++ b/LectureSlides/06b_IntroductionToBootstrap.pptx
@@ -235,7 +235,7 @@
           <a:p>
             <a:fld id="{04109FAC-1BEC-4087-B676-5D9DDF25C61E}" type="datetimeFigureOut">
               <a:rPr lang="en-US" smtClean="0"/>
-              <a:t>9/17/2024</a:t>
+              <a:t>9/24/2024</a:t>
             </a:fld>
             <a:endParaRPr lang="en-US"/>
           </a:p>
@@ -768,7 +768,7 @@
           <a:p>
             <a:fld id="{241EB5C9-1307-BA42-ABA2-0BC069CD8E7F}" type="datetimeFigureOut">
               <a:rPr lang="en-US" smtClean="0"/>
-              <a:t>9/17/2024</a:t>
+              <a:t>9/24/2024</a:t>
             </a:fld>
             <a:endParaRPr lang="en-US"/>
           </a:p>
@@ -936,7 +936,7 @@
           <a:p>
             <a:fld id="{241EB5C9-1307-BA42-ABA2-0BC069CD8E7F}" type="datetimeFigureOut">
               <a:rPr lang="en-US" smtClean="0"/>
-              <a:t>9/17/2024</a:t>
+              <a:t>9/24/2024</a:t>
             </a:fld>
             <a:endParaRPr lang="en-US"/>
           </a:p>
@@ -1114,7 +1114,7 @@
           <a:p>
             <a:fld id="{241EB5C9-1307-BA42-ABA2-0BC069CD8E7F}" type="datetimeFigureOut">
               <a:rPr lang="en-US" smtClean="0"/>
-              <a:t>9/17/2024</a:t>
+              <a:t>9/24/2024</a:t>
             </a:fld>
             <a:endParaRPr lang="en-US"/>
           </a:p>
@@ -1282,7 +1282,7 @@
           <a:p>
             <a:fld id="{241EB5C9-1307-BA42-ABA2-0BC069CD8E7F}" type="datetimeFigureOut">
               <a:rPr lang="en-US" smtClean="0"/>
-              <a:t>9/17/2024</a:t>
+              <a:t>9/24/2024</a:t>
             </a:fld>
             <a:endParaRPr lang="en-US"/>
           </a:p>
@@ -1527,7 +1527,7 @@
           <a:p>
             <a:fld id="{241EB5C9-1307-BA42-ABA2-0BC069CD8E7F}" type="datetimeFigureOut">
               <a:rPr lang="en-US" smtClean="0"/>
-              <a:t>9/17/2024</a:t>
+              <a:t>9/24/2024</a:t>
             </a:fld>
             <a:endParaRPr lang="en-US"/>
           </a:p>
@@ -1812,7 +1812,7 @@
           <a:p>
             <a:fld id="{241EB5C9-1307-BA42-ABA2-0BC069CD8E7F}" type="datetimeFigureOut">
               <a:rPr lang="en-US" smtClean="0"/>
-              <a:t>9/17/2024</a:t>
+              <a:t>9/24/2024</a:t>
             </a:fld>
             <a:endParaRPr lang="en-US"/>
           </a:p>
@@ -2231,7 +2231,7 @@
           <a:p>
             <a:fld id="{241EB5C9-1307-BA42-ABA2-0BC069CD8E7F}" type="datetimeFigureOut">
               <a:rPr lang="en-US" smtClean="0"/>
-              <a:t>9/17/2024</a:t>
+              <a:t>9/24/2024</a:t>
             </a:fld>
             <a:endParaRPr lang="en-US"/>
           </a:p>
@@ -2348,7 +2348,7 @@
           <a:p>
             <a:fld id="{241EB5C9-1307-BA42-ABA2-0BC069CD8E7F}" type="datetimeFigureOut">
               <a:rPr lang="en-US" smtClean="0"/>
-              <a:t>9/17/2024</a:t>
+              <a:t>9/24/2024</a:t>
             </a:fld>
             <a:endParaRPr lang="en-US"/>
           </a:p>
@@ -2443,7 +2443,7 @@
           <a:p>
             <a:fld id="{241EB5C9-1307-BA42-ABA2-0BC069CD8E7F}" type="datetimeFigureOut">
               <a:rPr lang="en-US" smtClean="0"/>
-              <a:t>9/17/2024</a:t>
+              <a:t>9/24/2024</a:t>
             </a:fld>
             <a:endParaRPr lang="en-US"/>
           </a:p>
@@ -2718,7 +2718,7 @@
           <a:p>
             <a:fld id="{241EB5C9-1307-BA42-ABA2-0BC069CD8E7F}" type="datetimeFigureOut">
               <a:rPr lang="en-US" smtClean="0"/>
-              <a:t>9/17/2024</a:t>
+              <a:t>9/24/2024</a:t>
             </a:fld>
             <a:endParaRPr lang="en-US"/>
           </a:p>
@@ -2970,7 +2970,7 @@
           <a:p>
             <a:fld id="{241EB5C9-1307-BA42-ABA2-0BC069CD8E7F}" type="datetimeFigureOut">
               <a:rPr lang="en-US" smtClean="0"/>
-              <a:t>9/17/2024</a:t>
+              <a:t>9/24/2024</a:t>
             </a:fld>
             <a:endParaRPr lang="en-US"/>
           </a:p>
@@ -3181,7 +3181,7 @@
           <a:p>
             <a:fld id="{241EB5C9-1307-BA42-ABA2-0BC069CD8E7F}" type="datetimeFigureOut">
               <a:rPr lang="en-US" smtClean="0"/>
-              <a:t>9/17/2024</a:t>
+              <a:t>9/24/2024</a:t>
             </a:fld>
             <a:endParaRPr lang="en-US"/>
           </a:p>
@@ -8969,7 +8969,15 @@
             <a:pPr lvl="0"/>
             <a:r>
               <a:rPr dirty="0"/>
-              <a:t>By law of large numbers, bootstrap point estimate</a:t>
+              <a:t>By </a:t>
+            </a:r>
+            <a:r>
+              <a:rPr b="1" dirty="0"/>
+              <a:t>law of large numbers</a:t>
+            </a:r>
+            <a:r>
+              <a:rPr dirty="0"/>
+              <a:t>, bootstrap point estimate</a:t>
             </a:r>
             <a:r>
               <a:rPr lang="en-US" dirty="0"/>
@@ -10267,8 +10275,8 @@
           </a:p>
         </p:txBody>
       </p:sp>
-      <mc:AlternateContent xmlns:mc="http://schemas.openxmlformats.org/markup-compatibility/2006">
-        <mc:Choice xmlns:a14="http://schemas.microsoft.com/office/drawing/2010/main" Requires="a14">
+      <mc:AlternateContent xmlns:mc="http://schemas.openxmlformats.org/markup-compatibility/2006" xmlns:a14="http://schemas.microsoft.com/office/drawing/2010/main">
+        <mc:Choice Requires="a14">
           <p:sp>
             <p:nvSpPr>
               <p:cNvPr id="3" name="Content Placeholder 2"/>
@@ -10558,7 +10566,7 @@
             </p:txBody>
           </p:sp>
         </mc:Choice>
-        <mc:Fallback>
+        <mc:Fallback xmlns="">
           <p:sp>
             <p:nvSpPr>
               <p:cNvPr id="3" name="Content Placeholder 2"/>
@@ -12871,8 +12879,8 @@
           </a:p>
         </p:txBody>
       </p:sp>
-      <mc:AlternateContent xmlns:mc="http://schemas.openxmlformats.org/markup-compatibility/2006">
-        <mc:Choice xmlns:a14="http://schemas.microsoft.com/office/drawing/2010/main" Requires="a14">
+      <mc:AlternateContent xmlns:mc="http://schemas.openxmlformats.org/markup-compatibility/2006" xmlns:a14="http://schemas.microsoft.com/office/drawing/2010/main">
+        <mc:Choice Requires="a14">
           <p:sp>
             <p:nvSpPr>
               <p:cNvPr id="3" name="Content Placeholder 2"/>
@@ -12996,7 +13004,7 @@
             </p:txBody>
           </p:sp>
         </mc:Choice>
-        <mc:Fallback>
+        <mc:Fallback xmlns="">
           <p:sp>
             <p:nvSpPr>
               <p:cNvPr id="3" name="Content Placeholder 2"/>
@@ -13336,7 +13344,7 @@
             <a:pPr lvl="1"/>
             <a:r>
               <a:rPr dirty="0"/>
-              <a:t>Parameters which must be estimated</a:t>
+              <a:t>Parameters must be estimated</a:t>
             </a:r>
           </a:p>
           <a:p>
@@ -13465,6 +13473,13 @@
           <a:p>
             <a:pPr lvl="1"/>
             <a:r>
+              <a:rPr lang="en-US" dirty="0"/>
+              <a:t>Example, mean and variance estimates</a:t>
+            </a:r>
+          </a:p>
+          <a:p>
+            <a:pPr lvl="1"/>
+            <a:r>
               <a:rPr dirty="0"/>
               <a:t>Potentially high variance estimates</a:t>
             </a:r>
@@ -13477,13 +13492,6 @@
             </a:r>
           </a:p>
           <a:p>
-            <a:pPr lvl="1"/>
-            <a:r>
-              <a:rPr dirty="0"/>
-              <a:t>Example, mean and variance estimates</a:t>
-            </a:r>
-          </a:p>
-          <a:p>
             <a:pPr lvl="0"/>
             <a:r>
               <a:rPr dirty="0"/>
@@ -13507,9 +13515,14 @@
           <a:p>
             <a:pPr lvl="1"/>
             <a:r>
-              <a:rPr dirty="0"/>
+              <a:rPr b="1" dirty="0"/>
               <a:t>Nonparametric bootstrap</a:t>
             </a:r>
+            <a:r>
+              <a:rPr lang="en-US" dirty="0"/>
+              <a:t> – today’s topic</a:t>
+            </a:r>
+            <a:endParaRPr b="1" dirty="0"/>
           </a:p>
         </p:txBody>
       </p:sp>
@@ -13577,7 +13590,7 @@
         <p:spPr/>
         <p:txBody>
           <a:bodyPr>
-            <a:normAutofit fontScale="92500"/>
+            <a:normAutofit/>
           </a:bodyPr>
           <a:lstStyle/>
           <a:p>
@@ -13585,30 +13598,64 @@
               <a:buNone/>
             </a:pPr>
             <a:r>
-              <a:t>General characteristics of nonparametric resampling methods include</a:t>
+              <a:rPr lang="en-US" dirty="0"/>
+              <a:t>Compute</a:t>
+            </a:r>
+            <a:r>
+              <a:rPr dirty="0"/>
+              <a:t> statistics</a:t>
+            </a:r>
+            <a:r>
+              <a:rPr lang="en-US" dirty="0"/>
+              <a:t> with </a:t>
+            </a:r>
+            <a:r>
+              <a:rPr lang="en-US" b="1" dirty="0"/>
+              <a:t>continuous derivatives</a:t>
+            </a:r>
+            <a:r>
+              <a:rPr b="1" dirty="0"/>
+              <a:t> </a:t>
+            </a:r>
+            <a:r>
+              <a:rPr dirty="0"/>
+              <a:t>from data samples</a:t>
             </a:r>
           </a:p>
           <a:p>
             <a:pPr lvl="0"/>
             <a:r>
-              <a:t>Allow computation of statistics from data samples for statistics with continuous derivatives</a:t>
+              <a:rPr dirty="0"/>
+              <a:t>Repeatedly compute statistics from </a:t>
+            </a:r>
+            <a:r>
+              <a:rPr b="1" dirty="0"/>
+              <a:t>multiple resamples </a:t>
+            </a:r>
+            <a:r>
+              <a:rPr dirty="0"/>
+              <a:t>of dataset</a:t>
             </a:r>
           </a:p>
           <a:p>
             <a:pPr lvl="0"/>
             <a:r>
-              <a:t>Repeatedly compute statistics from multiple resamples of dataset</a:t>
+              <a:rPr dirty="0"/>
+              <a:t>The result converges to the </a:t>
+            </a:r>
+            <a:r>
+              <a:rPr b="1" dirty="0"/>
+              <a:t>sample distribution </a:t>
+            </a:r>
+            <a:r>
+              <a:rPr dirty="0"/>
+              <a:t>of the statistic being computed</a:t>
             </a:r>
           </a:p>
           <a:p>
             <a:pPr lvl="0"/>
             <a:r>
-              <a:t>The result converges to the sample distribution of the statistic being computed</a:t>
-            </a:r>
-          </a:p>
-          <a:p>
-            <a:pPr lvl="0"/>
-            <a:r>
+              <a:rPr dirty="0"/>
               <a:t>Make minimal distributional assumptions, when compared to classical frequentist statistics</a:t>
             </a:r>
           </a:p>
@@ -14090,8 +14137,12 @@
           <a:p>
             <a:pPr lvl="0"/>
             <a:r>
+              <a:rPr b="1" dirty="0"/>
+              <a:t>Bootstrap distribution </a:t>
+            </a:r>
+            <a:r>
               <a:rPr dirty="0"/>
-              <a:t>Bootstrap distribution comprise</a:t>
+              <a:t>comprise</a:t>
             </a:r>
             <a:r>
               <a:rPr lang="en-US" dirty="0"/>
@@ -14148,14 +14199,26 @@
             <a:pPr lvl="1"/>
             <a:r>
               <a:rPr dirty="0"/>
-              <a:t>Compute mostly likely point estimate of the statistic, or bootstrap estimate</a:t>
+              <a:t>Compute mostly likely point estimate of the statistic, or </a:t>
+            </a:r>
+            <a:r>
+              <a:rPr b="1" dirty="0"/>
+              <a:t>bootstrap estimate</a:t>
             </a:r>
           </a:p>
           <a:p>
             <a:pPr lvl="1"/>
             <a:r>
               <a:rPr dirty="0"/>
-              <a:t>The bootstrap confidence interval is computed from the bootstrap distribution</a:t>
+              <a:t>The </a:t>
+            </a:r>
+            <a:r>
+              <a:rPr b="1" dirty="0"/>
+              <a:t>bootstrap confidence interval </a:t>
+            </a:r>
+            <a:r>
+              <a:rPr dirty="0"/>
+              <a:t>is computed from the bootstrap distribution</a:t>
             </a:r>
           </a:p>
         </p:txBody>

--- a/LectureSlides/06b_IntroductionToBootstrap.pptx
+++ b/LectureSlides/06b_IntroductionToBootstrap.pptx
@@ -5,7 +5,7 @@
     <p:sldMasterId id="2147483648" r:id="rId1"/>
   </p:sldMasterIdLst>
   <p:notesMasterIdLst>
-    <p:notesMasterId r:id="rId30"/>
+    <p:notesMasterId r:id="rId31"/>
   </p:notesMasterIdLst>
   <p:sldIdLst>
     <p:sldId id="299" r:id="rId2"/>
@@ -33,9 +33,10 @@
     <p:sldId id="278" r:id="rId24"/>
     <p:sldId id="279" r:id="rId25"/>
     <p:sldId id="280" r:id="rId26"/>
-    <p:sldId id="281" r:id="rId27"/>
-    <p:sldId id="282" r:id="rId28"/>
-    <p:sldId id="283" r:id="rId29"/>
+    <p:sldId id="300" r:id="rId27"/>
+    <p:sldId id="281" r:id="rId28"/>
+    <p:sldId id="282" r:id="rId29"/>
+    <p:sldId id="283" r:id="rId30"/>
   </p:sldIdLst>
   <p:sldSz cx="9144000" cy="5143500" type="screen16x9"/>
   <p:notesSz cx="6858000" cy="9144000"/>
@@ -235,7 +236,7 @@
           <a:p>
             <a:fld id="{04109FAC-1BEC-4087-B676-5D9DDF25C61E}" type="datetimeFigureOut">
               <a:rPr lang="en-US" smtClean="0"/>
-              <a:t>9/24/2024</a:t>
+              <a:t>9/25/2024</a:t>
             </a:fld>
             <a:endParaRPr lang="en-US"/>
           </a:p>
@@ -768,7 +769,7 @@
           <a:p>
             <a:fld id="{241EB5C9-1307-BA42-ABA2-0BC069CD8E7F}" type="datetimeFigureOut">
               <a:rPr lang="en-US" smtClean="0"/>
-              <a:t>9/24/2024</a:t>
+              <a:t>9/25/2024</a:t>
             </a:fld>
             <a:endParaRPr lang="en-US"/>
           </a:p>
@@ -936,7 +937,7 @@
           <a:p>
             <a:fld id="{241EB5C9-1307-BA42-ABA2-0BC069CD8E7F}" type="datetimeFigureOut">
               <a:rPr lang="en-US" smtClean="0"/>
-              <a:t>9/24/2024</a:t>
+              <a:t>9/25/2024</a:t>
             </a:fld>
             <a:endParaRPr lang="en-US"/>
           </a:p>
@@ -1114,7 +1115,7 @@
           <a:p>
             <a:fld id="{241EB5C9-1307-BA42-ABA2-0BC069CD8E7F}" type="datetimeFigureOut">
               <a:rPr lang="en-US" smtClean="0"/>
-              <a:t>9/24/2024</a:t>
+              <a:t>9/25/2024</a:t>
             </a:fld>
             <a:endParaRPr lang="en-US"/>
           </a:p>
@@ -1282,7 +1283,7 @@
           <a:p>
             <a:fld id="{241EB5C9-1307-BA42-ABA2-0BC069CD8E7F}" type="datetimeFigureOut">
               <a:rPr lang="en-US" smtClean="0"/>
-              <a:t>9/24/2024</a:t>
+              <a:t>9/25/2024</a:t>
             </a:fld>
             <a:endParaRPr lang="en-US"/>
           </a:p>
@@ -1527,7 +1528,7 @@
           <a:p>
             <a:fld id="{241EB5C9-1307-BA42-ABA2-0BC069CD8E7F}" type="datetimeFigureOut">
               <a:rPr lang="en-US" smtClean="0"/>
-              <a:t>9/24/2024</a:t>
+              <a:t>9/25/2024</a:t>
             </a:fld>
             <a:endParaRPr lang="en-US"/>
           </a:p>
@@ -1812,7 +1813,7 @@
           <a:p>
             <a:fld id="{241EB5C9-1307-BA42-ABA2-0BC069CD8E7F}" type="datetimeFigureOut">
               <a:rPr lang="en-US" smtClean="0"/>
-              <a:t>9/24/2024</a:t>
+              <a:t>9/25/2024</a:t>
             </a:fld>
             <a:endParaRPr lang="en-US"/>
           </a:p>
@@ -2231,7 +2232,7 @@
           <a:p>
             <a:fld id="{241EB5C9-1307-BA42-ABA2-0BC069CD8E7F}" type="datetimeFigureOut">
               <a:rPr lang="en-US" smtClean="0"/>
-              <a:t>9/24/2024</a:t>
+              <a:t>9/25/2024</a:t>
             </a:fld>
             <a:endParaRPr lang="en-US"/>
           </a:p>
@@ -2348,7 +2349,7 @@
           <a:p>
             <a:fld id="{241EB5C9-1307-BA42-ABA2-0BC069CD8E7F}" type="datetimeFigureOut">
               <a:rPr lang="en-US" smtClean="0"/>
-              <a:t>9/24/2024</a:t>
+              <a:t>9/25/2024</a:t>
             </a:fld>
             <a:endParaRPr lang="en-US"/>
           </a:p>
@@ -2443,7 +2444,7 @@
           <a:p>
             <a:fld id="{241EB5C9-1307-BA42-ABA2-0BC069CD8E7F}" type="datetimeFigureOut">
               <a:rPr lang="en-US" smtClean="0"/>
-              <a:t>9/24/2024</a:t>
+              <a:t>9/25/2024</a:t>
             </a:fld>
             <a:endParaRPr lang="en-US"/>
           </a:p>
@@ -2718,7 +2719,7 @@
           <a:p>
             <a:fld id="{241EB5C9-1307-BA42-ABA2-0BC069CD8E7F}" type="datetimeFigureOut">
               <a:rPr lang="en-US" smtClean="0"/>
-              <a:t>9/24/2024</a:t>
+              <a:t>9/25/2024</a:t>
             </a:fld>
             <a:endParaRPr lang="en-US"/>
           </a:p>
@@ -2970,7 +2971,7 @@
           <a:p>
             <a:fld id="{241EB5C9-1307-BA42-ABA2-0BC069CD8E7F}" type="datetimeFigureOut">
               <a:rPr lang="en-US" smtClean="0"/>
-              <a:t>9/24/2024</a:t>
+              <a:t>9/25/2024</a:t>
             </a:fld>
             <a:endParaRPr lang="en-US"/>
           </a:p>
@@ -3181,7 +3182,7 @@
           <a:p>
             <a:fld id="{241EB5C9-1307-BA42-ABA2-0BC069CD8E7F}" type="datetimeFigureOut">
               <a:rPr lang="en-US" smtClean="0"/>
-              <a:t>9/24/2024</a:t>
+              <a:t>9/25/2024</a:t>
             </a:fld>
             <a:endParaRPr lang="en-US"/>
           </a:p>
@@ -10350,7 +10351,25 @@
                       <a:rPr>
                         <a:latin typeface="Cambria Math" panose="02040503050406030204" pitchFamily="18" charset="0"/>
                       </a:rPr>
-                      <m:t>=0.05</m:t>
+                      <m:t>=</m:t>
+                    </m:r>
+                    <m:r>
+                      <a:rPr>
+                        <a:latin typeface="Cambria Math" panose="02040503050406030204" pitchFamily="18" charset="0"/>
+                      </a:rPr>
+                      <m:t>0</m:t>
+                    </m:r>
+                    <m:r>
+                      <a:rPr>
+                        <a:latin typeface="Cambria Math" panose="02040503050406030204" pitchFamily="18" charset="0"/>
+                      </a:rPr>
+                      <m:t>.</m:t>
+                    </m:r>
+                    <m:r>
+                      <a:rPr>
+                        <a:latin typeface="Cambria Math" panose="02040503050406030204" pitchFamily="18" charset="0"/>
+                      </a:rPr>
+                      <m:t>05</m:t>
                     </m:r>
                   </m:oMath>
                 </a14:m>
@@ -10442,7 +10461,13 @@
                       <a:rPr>
                         <a:latin typeface="Cambria Math" panose="02040503050406030204" pitchFamily="18" charset="0"/>
                       </a:rPr>
-                      <m:t>/2</m:t>
+                      <m:t>/</m:t>
+                    </m:r>
+                    <m:r>
+                      <a:rPr>
+                        <a:latin typeface="Cambria Math" panose="02040503050406030204" pitchFamily="18" charset="0"/>
+                      </a:rPr>
+                      <m:t>2</m:t>
                     </m:r>
                   </m:oMath>
                 </a14:m>
@@ -10495,7 +10520,13 @@
                           <a:rPr>
                             <a:latin typeface="Cambria Math" panose="02040503050406030204" pitchFamily="18" charset="0"/>
                           </a:rPr>
-                          <m:t>1−</m:t>
+                          <m:t>1</m:t>
+                        </m:r>
+                        <m:r>
+                          <a:rPr>
+                            <a:latin typeface="Cambria Math" panose="02040503050406030204" pitchFamily="18" charset="0"/>
+                          </a:rPr>
+                          <m:t>−</m:t>
                         </m:r>
                         <m:r>
                           <a:rPr>
@@ -10507,7 +10538,13 @@
                           <a:rPr>
                             <a:latin typeface="Cambria Math" panose="02040503050406030204" pitchFamily="18" charset="0"/>
                           </a:rPr>
-                          <m:t>/2</m:t>
+                          <m:t>/</m:t>
+                        </m:r>
+                        <m:r>
+                          <a:rPr>
+                            <a:latin typeface="Cambria Math" panose="02040503050406030204" pitchFamily="18" charset="0"/>
+                          </a:rPr>
+                          <m:t>2</m:t>
                         </m:r>
                       </m:e>
                     </m:d>
@@ -12561,39 +12598,47 @@
             <p:ph type="title"/>
           </p:nvPr>
         </p:nvSpPr>
-        <p:spPr/>
-        <p:txBody>
-          <a:bodyPr/>
-          <a:lstStyle/>
-          <a:p>
-            <a:pPr marL="0" lvl="0" indent="0">
+        <p:spPr>
+          <a:xfrm>
+            <a:off x="457201" y="204787"/>
+            <a:ext cx="8258628" cy="510042"/>
+          </a:xfrm>
+        </p:spPr>
+        <p:txBody>
+          <a:bodyPr>
+            <a:noAutofit/>
+          </a:bodyPr>
+          <a:lstStyle/>
+          <a:p>
+            <a:pPr marL="0" lvl="0" indent="0" algn="ctr">
               <a:buNone/>
             </a:pPr>
             <a:r>
-              <a:t>Summary</a:t>
-            </a:r>
-          </a:p>
-        </p:txBody>
-      </p:sp>
-      <p:sp>
-        <p:nvSpPr>
-          <p:cNvPr id="3" name="Content Placeholder 2"/>
+              <a:rPr sz="3300" b="0" dirty="0"/>
+              <a:t>Example, Two Sample Bootstrap</a:t>
+            </a:r>
+          </a:p>
+        </p:txBody>
+      </p:sp>
+      <p:sp>
+        <p:nvSpPr>
+          <p:cNvPr id="4" name="Text Placeholder 3"/>
           <p:cNvSpPr>
             <a:spLocks noGrp="1"/>
           </p:cNvSpPr>
           <p:nvPr>
-            <p:ph idx="1"/>
+            <p:ph type="body" sz="half" idx="2"/>
           </p:nvPr>
         </p:nvSpPr>
         <p:spPr>
           <a:xfrm>
-            <a:off x="457200" y="1063229"/>
-            <a:ext cx="8229600" cy="3643028"/>
+            <a:off x="457202" y="1076326"/>
+            <a:ext cx="5439228" cy="3518297"/>
           </a:xfrm>
         </p:spPr>
         <p:txBody>
           <a:bodyPr>
-            <a:normAutofit fontScale="92500" lnSpcReduction="20000"/>
+            <a:noAutofit/>
           </a:bodyPr>
           <a:lstStyle/>
           <a:p>
@@ -12601,87 +12646,136 @@
               <a:buNone/>
             </a:pPr>
             <a:r>
-              <a:rPr dirty="0"/>
-              <a:t>Bootstrap estimation is widely useful and requires minimal assumption</a:t>
-            </a:r>
-          </a:p>
-          <a:p>
-            <a:pPr lvl="0"/>
-            <a:r>
-              <a:rPr dirty="0"/>
-              <a:t>Bootstrap distribution comprise</a:t>
-            </a:r>
-            <a:r>
-              <a:rPr lang="en-US" dirty="0"/>
-              <a:t>s</a:t>
-            </a:r>
-            <a:r>
-              <a:rPr dirty="0"/>
-              <a:t> values of </a:t>
-            </a:r>
-            <a:r>
-              <a:rPr lang="en-US" dirty="0"/>
-              <a:t>a</a:t>
-            </a:r>
-            <a:r>
-              <a:rPr dirty="0"/>
-              <a:t> statistic computed from bootstrap resamples of the original observations (data sample)</a:t>
-            </a:r>
-          </a:p>
-          <a:p>
-            <a:pPr lvl="0"/>
-            <a:r>
-              <a:rPr dirty="0"/>
-              <a:t>Computing bootstrap distribution requires </a:t>
-            </a:r>
-            <a:r>
-              <a:rPr b="1" dirty="0"/>
-              <a:t>no assumptions about population distribution!</a:t>
-            </a:r>
-          </a:p>
-          <a:p>
-            <a:pPr lvl="1"/>
-            <a:r>
-              <a:rPr dirty="0"/>
-              <a:t>Bootstrap resampling substitutes computer power for paper and pencil statistician power</a:t>
-            </a:r>
-          </a:p>
-          <a:p>
-            <a:pPr lvl="0"/>
-            <a:r>
-              <a:rPr dirty="0"/>
-              <a:t>Bootstrap resampling estimates the </a:t>
-            </a:r>
-            <a:r>
-              <a:rPr b="1" dirty="0"/>
-              <a:t>bootstrap distribution</a:t>
-            </a:r>
-            <a:r>
-              <a:rPr dirty="0"/>
-              <a:t> of a statistic</a:t>
-            </a:r>
-          </a:p>
-          <a:p>
-            <a:pPr lvl="1"/>
-            <a:r>
-              <a:rPr dirty="0"/>
-              <a:t>Compute point estimate of the statistic, or bootstrap estimate</a:t>
-            </a:r>
-          </a:p>
-          <a:p>
-            <a:pPr lvl="1"/>
-            <a:r>
-              <a:rPr lang="en-US" dirty="0"/>
-              <a:t>Compute </a:t>
-            </a:r>
-            <a:r>
-              <a:rPr dirty="0"/>
-              <a:t>bootstrap confidence interval from the bootstrap distribution</a:t>
-            </a:r>
-          </a:p>
-        </p:txBody>
-      </p:sp>
+              <a:rPr lang="en-US" sz="2000" dirty="0"/>
+              <a:t>How can we interpret this result? </a:t>
+            </a:r>
+          </a:p>
+          <a:p>
+            <a:pPr lvl="0" indent="0">
+              <a:buNone/>
+            </a:pPr>
+            <a:r>
+              <a:rPr sz="2000" dirty="0">
+                <a:latin typeface="Courier"/>
+              </a:rPr>
+              <a:t>## bootstrap point estimate =  -3.0</a:t>
+            </a:r>
+            <a:r>
+              <a:rPr lang="en-US" sz="2000" dirty="0">
+                <a:latin typeface="Courier"/>
+              </a:rPr>
+              <a:t>1</a:t>
+            </a:r>
+            <a:endParaRPr sz="2000" dirty="0">
+              <a:latin typeface="Courier"/>
+            </a:endParaRPr>
+          </a:p>
+          <a:p>
+            <a:pPr lvl="0" indent="0">
+              <a:buNone/>
+            </a:pPr>
+            <a:r>
+              <a:rPr sz="2000" dirty="0">
+                <a:latin typeface="Courier"/>
+              </a:rPr>
+              <a:t>## At alpha = 0.05, lower and upper bootstrap confidence intervals =  -6.</a:t>
+            </a:r>
+            <a:r>
+              <a:rPr lang="en-US" sz="2000" dirty="0">
+                <a:latin typeface="Courier"/>
+              </a:rPr>
+              <a:t>08</a:t>
+            </a:r>
+            <a:r>
+              <a:rPr sz="2000" dirty="0">
+                <a:latin typeface="Courier"/>
+              </a:rPr>
+              <a:t>     0.</a:t>
+            </a:r>
+            <a:r>
+              <a:rPr lang="en-US" sz="2000" dirty="0">
+                <a:latin typeface="Courier"/>
+              </a:rPr>
+              <a:t>18</a:t>
+            </a:r>
+          </a:p>
+          <a:p>
+            <a:pPr marL="342900" lvl="0" indent="-342900">
+              <a:buFont typeface="Arial" panose="020B0604020202020204" pitchFamily="34" charset="0"/>
+              <a:buChar char="•"/>
+            </a:pPr>
+            <a:r>
+              <a:rPr lang="en-US" sz="2000" dirty="0"/>
+              <a:t>The CI limits have opposite signs and the CI includes 0 </a:t>
+            </a:r>
+          </a:p>
+          <a:p>
+            <a:pPr marL="342900" lvl="0" indent="-342900">
+              <a:buFont typeface="Arial" panose="020B0604020202020204" pitchFamily="34" charset="0"/>
+              <a:buChar char="•"/>
+            </a:pPr>
+            <a:r>
+              <a:rPr lang="en-US" sz="2000" dirty="0"/>
+              <a:t>Within 95% confidence we cannot say there is a significant difference in means </a:t>
+            </a:r>
+          </a:p>
+          <a:p>
+            <a:pPr marL="342900" lvl="0" indent="-342900">
+              <a:buFont typeface="Arial" panose="020B0604020202020204" pitchFamily="34" charset="0"/>
+              <a:buChar char="•"/>
+            </a:pPr>
+            <a:r>
+              <a:rPr lang="en-US" sz="2000" dirty="0"/>
+              <a:t>We </a:t>
+            </a:r>
+            <a:r>
+              <a:rPr lang="en-US" sz="2000" b="1" dirty="0"/>
+              <a:t>cannot reject the </a:t>
+            </a:r>
+            <a:r>
+              <a:rPr lang="en-US" sz="2000" b="1"/>
+              <a:t>null hypothesis! </a:t>
+            </a:r>
+            <a:endParaRPr sz="2000" b="1" dirty="0"/>
+          </a:p>
+        </p:txBody>
+      </p:sp>
+      <p:pic>
+        <p:nvPicPr>
+          <p:cNvPr id="6" name="Picture 5">
+            <a:extLst>
+              <a:ext uri="{FF2B5EF4-FFF2-40B4-BE49-F238E27FC236}">
+                <a16:creationId xmlns:a16="http://schemas.microsoft.com/office/drawing/2014/main" id="{EBC90591-F254-F8B0-D316-053670C8034F}"/>
+              </a:ext>
+            </a:extLst>
+          </p:cNvPr>
+          <p:cNvPicPr>
+            <a:picLocks noChangeAspect="1"/>
+          </p:cNvPicPr>
+          <p:nvPr/>
+        </p:nvPicPr>
+        <p:blipFill>
+          <a:blip r:embed="rId2"/>
+          <a:stretch>
+            <a:fillRect/>
+          </a:stretch>
+        </p:blipFill>
+        <p:spPr>
+          <a:xfrm>
+            <a:off x="6273036" y="841829"/>
+            <a:ext cx="2831050" cy="4276271"/>
+          </a:xfrm>
+          <a:prstGeom prst="rect">
+            <a:avLst/>
+          </a:prstGeom>
+        </p:spPr>
+      </p:pic>
     </p:spTree>
+    <p:extLst>
+      <p:ext uri="{BB962C8B-B14F-4D97-AF65-F5344CB8AC3E}">
+        <p14:creationId xmlns:p14="http://schemas.microsoft.com/office/powerpoint/2010/main" val="85583088"/>
+      </p:ext>
+    </p:extLst>
   </p:cSld>
   <p:clrMapOvr>
     <a:masterClrMapping/>
@@ -12742,13 +12836,13 @@
         </p:nvSpPr>
         <p:spPr>
           <a:xfrm>
-            <a:off x="457200" y="1106714"/>
-            <a:ext cx="8229600" cy="3693885"/>
+            <a:off x="457200" y="1063229"/>
+            <a:ext cx="8229600" cy="3643028"/>
           </a:xfrm>
         </p:spPr>
         <p:txBody>
           <a:bodyPr>
-            <a:normAutofit fontScale="92500" lnSpcReduction="10000"/>
+            <a:normAutofit fontScale="92500" lnSpcReduction="20000"/>
           </a:bodyPr>
           <a:lstStyle/>
           <a:p>
@@ -12757,75 +12851,81 @@
             </a:pPr>
             <a:r>
               <a:rPr dirty="0"/>
-              <a:t>There are several variations of the basi</a:t>
+              <a:t>Bootstrap estimation is widely useful and requires minimal assumption</a:t>
+            </a:r>
+          </a:p>
+          <a:p>
+            <a:pPr lvl="0"/>
+            <a:r>
+              <a:rPr dirty="0"/>
+              <a:t>Bootstrap distribution comprise</a:t>
             </a:r>
             <a:r>
               <a:rPr lang="en-US" dirty="0"/>
-              <a:t>c</a:t>
+              <a:t>s</a:t>
             </a:r>
             <a:r>
               <a:rPr dirty="0"/>
-              <a:t> nonparametric bootstrap algorithm</a:t>
+              <a:t> values of </a:t>
+            </a:r>
+            <a:r>
+              <a:rPr lang="en-US" dirty="0"/>
+              <a:t>a</a:t>
+            </a:r>
+            <a:r>
+              <a:rPr dirty="0"/>
+              <a:t> statistic computed from bootstrap resamples of the original observations (data sample)</a:t>
             </a:r>
           </a:p>
           <a:p>
             <a:pPr lvl="0"/>
             <a:r>
               <a:rPr dirty="0"/>
-              <a:t>One sample bootstrap</a:t>
+              <a:t>Computing bootstrap distribution requires </a:t>
+            </a:r>
+            <a:r>
+              <a:rPr b="1" dirty="0"/>
+              <a:t>no assumptions about population distribution!</a:t>
             </a:r>
           </a:p>
           <a:p>
             <a:pPr lvl="1"/>
             <a:r>
               <a:rPr dirty="0"/>
-              <a:t>Inference on single population</a:t>
-            </a:r>
-            <a:endParaRPr lang="en-US" dirty="0"/>
+              <a:t>Bootstrap resampling substitutes computer power for paper and pencil statistician power</a:t>
+            </a:r>
+          </a:p>
+          <a:p>
+            <a:pPr lvl="0"/>
+            <a:r>
+              <a:rPr dirty="0"/>
+              <a:t>Bootstrap resampling estimates the </a:t>
+            </a:r>
+            <a:r>
+              <a:rPr b="1" dirty="0"/>
+              <a:t>bootstrap distribution</a:t>
+            </a:r>
+            <a:r>
+              <a:rPr dirty="0"/>
+              <a:t> of a statistic</a:t>
+            </a:r>
           </a:p>
           <a:p>
             <a:pPr lvl="1"/>
             <a:r>
+              <a:rPr dirty="0"/>
+              <a:t>Compute point estimate of the statistic, or bootstrap estimate</a:t>
+            </a:r>
+          </a:p>
+          <a:p>
+            <a:pPr lvl="1"/>
+            <a:r>
               <a:rPr lang="en-US" dirty="0"/>
-              <a:t>One sample statistics</a:t>
-            </a:r>
-            <a:endParaRPr dirty="0"/>
-          </a:p>
-          <a:p>
-            <a:pPr lvl="0"/>
+              <a:t>Compute </a:t>
+            </a:r>
             <a:r>
               <a:rPr dirty="0"/>
-              <a:t>Two sample bootstrap</a:t>
-            </a:r>
-          </a:p>
-          <a:p>
-            <a:pPr lvl="1"/>
-            <a:r>
-              <a:rPr dirty="0"/>
-              <a:t>Inference on different populations</a:t>
-            </a:r>
-            <a:endParaRPr lang="en-US" dirty="0"/>
-          </a:p>
-          <a:p>
-            <a:pPr lvl="1"/>
-            <a:r>
-              <a:rPr lang="en-US" dirty="0"/>
-              <a:t>Two sample statistics</a:t>
-            </a:r>
-            <a:endParaRPr dirty="0"/>
-          </a:p>
-          <a:p>
-            <a:pPr lvl="0"/>
-            <a:r>
-              <a:rPr dirty="0"/>
-              <a:t>Special cases</a:t>
-            </a:r>
-          </a:p>
-          <a:p>
-            <a:pPr lvl="1"/>
-            <a:r>
-              <a:rPr dirty="0"/>
-              <a:t>Correlation coefficients - part of your assignment</a:t>
+              <a:t>bootstrap confidence interval from the bootstrap distribution</a:t>
             </a:r>
           </a:p>
         </p:txBody>
@@ -12839,6 +12939,155 @@
 </file>
 
 <file path=ppt/slides/slide28.xml><?xml version="1.0" encoding="utf-8"?>
+<p:sld xmlns:a="http://schemas.openxmlformats.org/drawingml/2006/main" xmlns:r="http://schemas.openxmlformats.org/officeDocument/2006/relationships" xmlns:p="http://schemas.openxmlformats.org/presentationml/2006/main">
+  <p:cSld>
+    <p:spTree>
+      <p:nvGrpSpPr>
+        <p:cNvPr id="1" name=""/>
+        <p:cNvGrpSpPr/>
+        <p:nvPr/>
+      </p:nvGrpSpPr>
+      <p:grpSpPr>
+        <a:xfrm>
+          <a:off x="0" y="0"/>
+          <a:ext cx="0" cy="0"/>
+          <a:chOff x="0" y="0"/>
+          <a:chExt cx="0" cy="0"/>
+        </a:xfrm>
+      </p:grpSpPr>
+      <p:sp>
+        <p:nvSpPr>
+          <p:cNvPr id="2" name="Title 1"/>
+          <p:cNvSpPr>
+            <a:spLocks noGrp="1"/>
+          </p:cNvSpPr>
+          <p:nvPr>
+            <p:ph type="title"/>
+          </p:nvPr>
+        </p:nvSpPr>
+        <p:spPr/>
+        <p:txBody>
+          <a:bodyPr/>
+          <a:lstStyle/>
+          <a:p>
+            <a:pPr marL="0" lvl="0" indent="0">
+              <a:buNone/>
+            </a:pPr>
+            <a:r>
+              <a:t>Summary</a:t>
+            </a:r>
+          </a:p>
+        </p:txBody>
+      </p:sp>
+      <p:sp>
+        <p:nvSpPr>
+          <p:cNvPr id="3" name="Content Placeholder 2"/>
+          <p:cNvSpPr>
+            <a:spLocks noGrp="1"/>
+          </p:cNvSpPr>
+          <p:nvPr>
+            <p:ph idx="1"/>
+          </p:nvPr>
+        </p:nvSpPr>
+        <p:spPr>
+          <a:xfrm>
+            <a:off x="457200" y="1106714"/>
+            <a:ext cx="8229600" cy="3693885"/>
+          </a:xfrm>
+        </p:spPr>
+        <p:txBody>
+          <a:bodyPr>
+            <a:normAutofit fontScale="92500" lnSpcReduction="10000"/>
+          </a:bodyPr>
+          <a:lstStyle/>
+          <a:p>
+            <a:pPr marL="0" lvl="0" indent="0">
+              <a:buNone/>
+            </a:pPr>
+            <a:r>
+              <a:rPr dirty="0"/>
+              <a:t>There are several variations of the basi</a:t>
+            </a:r>
+            <a:r>
+              <a:rPr lang="en-US" dirty="0"/>
+              <a:t>c</a:t>
+            </a:r>
+            <a:r>
+              <a:rPr dirty="0"/>
+              <a:t> nonparametric bootstrap algorithm</a:t>
+            </a:r>
+          </a:p>
+          <a:p>
+            <a:pPr lvl="0"/>
+            <a:r>
+              <a:rPr dirty="0"/>
+              <a:t>One sample bootstrap</a:t>
+            </a:r>
+          </a:p>
+          <a:p>
+            <a:pPr lvl="1"/>
+            <a:r>
+              <a:rPr dirty="0"/>
+              <a:t>Inference on single population</a:t>
+            </a:r>
+            <a:endParaRPr lang="en-US" dirty="0"/>
+          </a:p>
+          <a:p>
+            <a:pPr lvl="1"/>
+            <a:r>
+              <a:rPr lang="en-US" dirty="0"/>
+              <a:t>One sample statistics</a:t>
+            </a:r>
+            <a:endParaRPr dirty="0"/>
+          </a:p>
+          <a:p>
+            <a:pPr lvl="0"/>
+            <a:r>
+              <a:rPr dirty="0"/>
+              <a:t>Two sample bootstrap</a:t>
+            </a:r>
+          </a:p>
+          <a:p>
+            <a:pPr lvl="1"/>
+            <a:r>
+              <a:rPr dirty="0"/>
+              <a:t>Inference on different populations</a:t>
+            </a:r>
+            <a:endParaRPr lang="en-US" dirty="0"/>
+          </a:p>
+          <a:p>
+            <a:pPr lvl="1"/>
+            <a:r>
+              <a:rPr lang="en-US" dirty="0"/>
+              <a:t>Two sample statistics</a:t>
+            </a:r>
+            <a:endParaRPr dirty="0"/>
+          </a:p>
+          <a:p>
+            <a:pPr lvl="0"/>
+            <a:r>
+              <a:rPr dirty="0"/>
+              <a:t>Special cases</a:t>
+            </a:r>
+          </a:p>
+          <a:p>
+            <a:pPr lvl="1"/>
+            <a:r>
+              <a:rPr dirty="0"/>
+              <a:t>Correlation coefficients - part of your assignment</a:t>
+            </a:r>
+          </a:p>
+        </p:txBody>
+      </p:sp>
+    </p:spTree>
+  </p:cSld>
+  <p:clrMapOvr>
+    <a:masterClrMapping/>
+  </p:clrMapOvr>
+</p:sld>
+</file>
+
+<file path=ppt/slides/slide29.xml><?xml version="1.0" encoding="utf-8"?>
 <p:sld xmlns:a="http://schemas.openxmlformats.org/drawingml/2006/main" xmlns:r="http://schemas.openxmlformats.org/officeDocument/2006/relationships" xmlns:p="http://schemas.openxmlformats.org/presentationml/2006/main">
   <p:cSld>
     <p:spTree>

--- a/LectureSlides/06b_IntroductionToBootstrap.pptx
+++ b/LectureSlides/06b_IntroductionToBootstrap.pptx
@@ -5,7 +5,7 @@
     <p:sldMasterId id="2147483648" r:id="rId1"/>
   </p:sldMasterIdLst>
   <p:notesMasterIdLst>
-    <p:notesMasterId r:id="rId31"/>
+    <p:notesMasterId r:id="rId32"/>
   </p:notesMasterIdLst>
   <p:sldIdLst>
     <p:sldId id="299" r:id="rId2"/>
@@ -28,15 +28,16 @@
     <p:sldId id="273" r:id="rId19"/>
     <p:sldId id="274" r:id="rId20"/>
     <p:sldId id="275" r:id="rId21"/>
-    <p:sldId id="276" r:id="rId22"/>
-    <p:sldId id="277" r:id="rId23"/>
-    <p:sldId id="278" r:id="rId24"/>
-    <p:sldId id="279" r:id="rId25"/>
-    <p:sldId id="280" r:id="rId26"/>
-    <p:sldId id="300" r:id="rId27"/>
-    <p:sldId id="281" r:id="rId28"/>
-    <p:sldId id="282" r:id="rId29"/>
-    <p:sldId id="283" r:id="rId30"/>
+    <p:sldId id="301" r:id="rId22"/>
+    <p:sldId id="276" r:id="rId23"/>
+    <p:sldId id="277" r:id="rId24"/>
+    <p:sldId id="278" r:id="rId25"/>
+    <p:sldId id="279" r:id="rId26"/>
+    <p:sldId id="280" r:id="rId27"/>
+    <p:sldId id="300" r:id="rId28"/>
+    <p:sldId id="281" r:id="rId29"/>
+    <p:sldId id="282" r:id="rId30"/>
+    <p:sldId id="283" r:id="rId31"/>
   </p:sldIdLst>
   <p:sldSz cx="9144000" cy="5143500" type="screen16x9"/>
   <p:notesSz cx="6858000" cy="9144000"/>
@@ -11083,7 +11084,129 @@
       </p:grpSpPr>
       <p:sp>
         <p:nvSpPr>
-          <p:cNvPr id="2" name="Title 1"/>
+          <p:cNvPr id="4" name="Text Placeholder 3"/>
+          <p:cNvSpPr>
+            <a:spLocks noGrp="1"/>
+          </p:cNvSpPr>
+          <p:nvPr>
+            <p:ph type="body" sz="half" idx="2"/>
+          </p:nvPr>
+        </p:nvSpPr>
+        <p:spPr>
+          <a:xfrm>
+            <a:off x="457201" y="1076326"/>
+            <a:ext cx="3653970" cy="3861195"/>
+          </a:xfrm>
+        </p:spPr>
+        <p:txBody>
+          <a:bodyPr>
+            <a:normAutofit fontScale="92500" lnSpcReduction="10000"/>
+          </a:bodyPr>
+          <a:lstStyle/>
+          <a:p>
+            <a:pPr marL="0" lvl="0" indent="0">
+              <a:buNone/>
+            </a:pPr>
+            <a:r>
+              <a:rPr lang="en-US" sz="1800" dirty="0"/>
+              <a:t>How can we interpret this result? </a:t>
+            </a:r>
+            <a:endParaRPr sz="1800" dirty="0"/>
+          </a:p>
+          <a:p>
+            <a:pPr lvl="0" indent="0">
+              <a:buNone/>
+            </a:pPr>
+            <a:r>
+              <a:rPr sz="1800" dirty="0">
+                <a:latin typeface="Courier"/>
+              </a:rPr>
+              <a:t>## bootstrap point estimate =  52.64</a:t>
+            </a:r>
+          </a:p>
+          <a:p>
+            <a:pPr lvl="0" indent="0">
+              <a:buNone/>
+            </a:pPr>
+            <a:r>
+              <a:rPr sz="1800" dirty="0">
+                <a:latin typeface="Courier"/>
+              </a:rPr>
+              <a:t>## At alpha = 0.05, lower and upper bootstrap confidence intervals =  51.</a:t>
+            </a:r>
+            <a:r>
+              <a:rPr lang="en-US" sz="1800" dirty="0">
+                <a:latin typeface="Courier"/>
+              </a:rPr>
+              <a:t>38</a:t>
+            </a:r>
+            <a:r>
+              <a:rPr sz="1800" dirty="0">
+                <a:latin typeface="Courier"/>
+              </a:rPr>
+              <a:t>    53.9</a:t>
+            </a:r>
+            <a:r>
+              <a:rPr lang="en-US" sz="1800" dirty="0">
+                <a:latin typeface="Courier"/>
+              </a:rPr>
+              <a:t>6</a:t>
+            </a:r>
+          </a:p>
+          <a:p>
+            <a:pPr marL="285750" lvl="0" indent="-285750">
+              <a:buFont typeface="Arial" panose="020B0604020202020204" pitchFamily="34" charset="0"/>
+              <a:buChar char="•"/>
+            </a:pPr>
+            <a:r>
+              <a:rPr lang="en-US" sz="1800" dirty="0"/>
+              <a:t>The limits of the CI has the same sign and the CI does not include 0</a:t>
+            </a:r>
+          </a:p>
+          <a:p>
+            <a:pPr marL="285750" lvl="0" indent="-285750">
+              <a:buFont typeface="Arial" panose="020B0604020202020204" pitchFamily="34" charset="0"/>
+              <a:buChar char="•"/>
+            </a:pPr>
+            <a:r>
+              <a:rPr lang="en-US" sz="1800" dirty="0"/>
+              <a:t>With 95% confidence we can say the </a:t>
+            </a:r>
+            <a:r>
+              <a:rPr lang="en-US" sz="1800" b="1" dirty="0"/>
+              <a:t>mean is significantly different from 0 </a:t>
+            </a:r>
+          </a:p>
+          <a:p>
+            <a:pPr marL="285750" lvl="0" indent="-285750">
+              <a:buFont typeface="Arial" panose="020B0604020202020204" pitchFamily="34" charset="0"/>
+              <a:buChar char="•"/>
+            </a:pPr>
+            <a:r>
+              <a:rPr lang="en-US" sz="1800" dirty="0"/>
+              <a:t>We can </a:t>
+            </a:r>
+            <a:r>
+              <a:rPr lang="en-US" sz="1800" b="1" dirty="0"/>
+              <a:t>reject the null hypothesis </a:t>
+            </a:r>
+            <a:r>
+              <a:rPr lang="en-US" sz="1800" dirty="0"/>
+              <a:t>that the mean is 0</a:t>
+            </a:r>
+            <a:endParaRPr sz="1800" dirty="0"/>
+          </a:p>
+        </p:txBody>
+      </p:sp>
+      <p:sp>
+        <p:nvSpPr>
+          <p:cNvPr id="7" name="Title 1">
+            <a:extLst>
+              <a:ext uri="{FF2B5EF4-FFF2-40B4-BE49-F238E27FC236}">
+                <a16:creationId xmlns:a16="http://schemas.microsoft.com/office/drawing/2014/main" id="{C21BD3DB-53BB-E8A7-1936-2716879E2C24}"/>
+              </a:ext>
+            </a:extLst>
+          </p:cNvPr>
           <p:cNvSpPr>
             <a:spLocks noGrp="1"/>
           </p:cNvSpPr>
@@ -11091,112 +11214,64 @@
             <p:ph type="title"/>
           </p:nvPr>
         </p:nvSpPr>
-        <p:spPr/>
-        <p:txBody>
-          <a:bodyPr/>
-          <a:lstStyle/>
-          <a:p>
-            <a:pPr marL="0" lvl="0" indent="0">
+        <p:spPr>
+          <a:xfrm>
+            <a:off x="457200" y="205979"/>
+            <a:ext cx="8229600" cy="621335"/>
+          </a:xfrm>
+        </p:spPr>
+        <p:txBody>
+          <a:bodyPr>
+            <a:normAutofit/>
+          </a:bodyPr>
+          <a:lstStyle/>
+          <a:p>
+            <a:pPr marL="0" lvl="0" indent="0" algn="ctr">
               <a:buNone/>
             </a:pPr>
             <a:r>
-              <a:t>Two Sample Bootstrap</a:t>
-            </a:r>
-          </a:p>
-        </p:txBody>
-      </p:sp>
-      <p:sp>
-        <p:nvSpPr>
-          <p:cNvPr id="3" name="Content Placeholder 2"/>
-          <p:cNvSpPr>
-            <a:spLocks noGrp="1"/>
-          </p:cNvSpPr>
-          <p:nvPr>
-            <p:ph idx="1"/>
-          </p:nvPr>
-        </p:nvSpPr>
-        <p:spPr/>
-        <p:txBody>
-          <a:bodyPr>
-            <a:normAutofit fontScale="92500" lnSpcReduction="20000"/>
-          </a:bodyPr>
-          <a:lstStyle/>
-          <a:p>
-            <a:pPr marL="0" lvl="0" indent="0">
-              <a:buNone/>
-            </a:pPr>
-            <a:r>
-              <a:rPr dirty="0"/>
-              <a:t>How can we apply the bootstrap algorithm for two-sample statistics?</a:t>
-            </a:r>
-          </a:p>
-          <a:p>
-            <a:pPr lvl="0"/>
-            <a:r>
-              <a:rPr dirty="0"/>
-              <a:t>Example, difference of means of two independently sampled populations</a:t>
-            </a:r>
-          </a:p>
-          <a:p>
-            <a:pPr lvl="0"/>
-            <a:r>
-              <a:rPr dirty="0"/>
-              <a:t>How to generate bootstrap samples?</a:t>
-            </a:r>
-          </a:p>
-          <a:p>
-            <a:pPr lvl="0"/>
-            <a:r>
-              <a:rPr dirty="0"/>
-              <a:t>Can we just sample the concatenation of the two samples?</a:t>
-            </a:r>
-          </a:p>
-          <a:p>
-            <a:pPr lvl="0"/>
-            <a:r>
-              <a:rPr b="1" dirty="0"/>
-              <a:t>No!</a:t>
-            </a:r>
-          </a:p>
-          <a:p>
-            <a:pPr lvl="1"/>
-            <a:r>
-              <a:rPr dirty="0"/>
-              <a:t>There is no guarantee of a correct number of resamples for each group</a:t>
-            </a:r>
-          </a:p>
-          <a:p>
-            <a:pPr lvl="1"/>
-            <a:r>
-              <a:rPr dirty="0"/>
-              <a:t>Imbalanced sampling leads to bias</a:t>
-            </a:r>
-          </a:p>
-          <a:p>
-            <a:pPr lvl="0"/>
-            <a:r>
-              <a:rPr dirty="0"/>
-              <a:t>Must </a:t>
-            </a:r>
-            <a:r>
-              <a:rPr b="1" dirty="0"/>
-              <a:t>independently sample the two groups</a:t>
-            </a:r>
-            <a:r>
-              <a:rPr dirty="0"/>
-              <a:t> or populations</a:t>
-            </a:r>
-          </a:p>
-          <a:p>
-            <a:pPr lvl="0"/>
-            <a:r>
-              <a:rPr dirty="0"/>
-              <a:t>Compute the statistic from the two samples</a:t>
-            </a:r>
-          </a:p>
-        </p:txBody>
-      </p:sp>
+              <a:rPr sz="3200" dirty="0"/>
+              <a:t>Example; One Sample Bootstrap</a:t>
+            </a:r>
+          </a:p>
+        </p:txBody>
+      </p:sp>
+      <p:pic>
+        <p:nvPicPr>
+          <p:cNvPr id="9" name="Picture 8">
+            <a:extLst>
+              <a:ext uri="{FF2B5EF4-FFF2-40B4-BE49-F238E27FC236}">
+                <a16:creationId xmlns:a16="http://schemas.microsoft.com/office/drawing/2014/main" id="{D5276CF4-C540-B685-9C06-4091D3E55477}"/>
+              </a:ext>
+            </a:extLst>
+          </p:cNvPr>
+          <p:cNvPicPr>
+            <a:picLocks noChangeAspect="1"/>
+          </p:cNvPicPr>
+          <p:nvPr/>
+        </p:nvPicPr>
+        <p:blipFill>
+          <a:blip r:embed="rId2"/>
+          <a:stretch>
+            <a:fillRect/>
+          </a:stretch>
+        </p:blipFill>
+        <p:spPr>
+          <a:xfrm>
+            <a:off x="4144206" y="1371445"/>
+            <a:ext cx="4999794" cy="3285040"/>
+          </a:xfrm>
+          <a:prstGeom prst="rect">
+            <a:avLst/>
+          </a:prstGeom>
+        </p:spPr>
+      </p:pic>
     </p:spTree>
+    <p:extLst>
+      <p:ext uri="{BB962C8B-B14F-4D97-AF65-F5344CB8AC3E}">
+        <p14:creationId xmlns:p14="http://schemas.microsoft.com/office/powerpoint/2010/main" val="2373946948"/>
+      </p:ext>
+    </p:extLst>
   </p:cSld>
   <p:clrMapOvr>
     <a:masterClrMapping/>
@@ -11240,14 +11315,8 @@
               <a:buNone/>
             </a:pPr>
             <a:r>
-              <a:rPr dirty="0"/>
               <a:t>Two Sample Bootstrap</a:t>
             </a:r>
-            <a:r>
-              <a:rPr lang="en-US" dirty="0"/>
-              <a:t> Algorithm</a:t>
-            </a:r>
-            <a:endParaRPr dirty="0"/>
           </a:p>
         </p:txBody>
       </p:sp>
@@ -11264,7 +11333,7 @@
         <p:spPr/>
         <p:txBody>
           <a:bodyPr>
-            <a:normAutofit fontScale="92500" lnSpcReduction="10000"/>
+            <a:normAutofit fontScale="92500" lnSpcReduction="20000"/>
           </a:bodyPr>
           <a:lstStyle/>
           <a:p>
@@ -11273,114 +11342,72 @@
             </a:pPr>
             <a:r>
               <a:rPr dirty="0"/>
-              <a:t>Example: algorithm to compute difference of means:</a:t>
-            </a:r>
-          </a:p>
-          <a:p>
-            <a:pPr marL="342900" lvl="0" indent="-342900">
-              <a:buAutoNum type="arabicPeriod"/>
-            </a:pPr>
-            <a:r>
-              <a:rPr lang="en-US" dirty="0"/>
-              <a:t>From original observations of length n and m, </a:t>
-            </a:r>
+              <a:t>How can we apply the bootstrap algorithm for two-sample statistics?</a:t>
+            </a:r>
+          </a:p>
+          <a:p>
+            <a:pPr lvl="0"/>
+            <a:r>
+              <a:rPr dirty="0"/>
+              <a:t>Example, difference of means of two independently sampled populations</a:t>
+            </a:r>
+          </a:p>
+          <a:p>
+            <a:pPr lvl="0"/>
+            <a:r>
+              <a:rPr dirty="0"/>
+              <a:t>How to generate bootstrap samples?</a:t>
+            </a:r>
+          </a:p>
+          <a:p>
+            <a:pPr lvl="0"/>
+            <a:r>
+              <a:rPr dirty="0"/>
+              <a:t>Can we just sample the concatenation of the two samples?</a:t>
+            </a:r>
+          </a:p>
+          <a:p>
+            <a:pPr lvl="0"/>
             <a:r>
               <a:rPr b="1" dirty="0"/>
-              <a:t>Bernoulli sample</a:t>
-            </a:r>
+              <a:t>No!</a:t>
+            </a:r>
+          </a:p>
+          <a:p>
+            <a:pPr lvl="1"/>
             <a:r>
               <a:rPr dirty="0"/>
-              <a:t> n</a:t>
-            </a:r>
-            <a:r>
-              <a:rPr lang="en-US" dirty="0"/>
-              <a:t> and m</a:t>
-            </a:r>
+              <a:t>There is no guarantee of a correct number of resamples for each group</a:t>
+            </a:r>
+          </a:p>
+          <a:p>
+            <a:pPr lvl="1"/>
             <a:r>
               <a:rPr dirty="0"/>
-              <a:t> </a:t>
-            </a:r>
-            <a:r>
-              <a:rPr lang="en-US" dirty="0"/>
-              <a:t>values</a:t>
-            </a:r>
+              <a:t>Imbalanced sampling leads to bias</a:t>
+            </a:r>
+          </a:p>
+          <a:p>
+            <a:pPr lvl="0"/>
             <a:r>
               <a:rPr dirty="0"/>
-              <a:t> </a:t>
+              <a:t>Must </a:t>
             </a:r>
             <a:r>
               <a:rPr b="1" dirty="0"/>
-              <a:t>with replacement</a:t>
+              <a:t>independently sample the two groups</a:t>
             </a:r>
             <a:r>
               <a:rPr dirty="0"/>
-              <a:t> </a:t>
-            </a:r>
-            <a:endParaRPr lang="en-US" dirty="0"/>
-          </a:p>
-          <a:p>
-            <a:pPr lvl="1"/>
+              <a:t> or populations</a:t>
+            </a:r>
+          </a:p>
+          <a:p>
+            <a:pPr lvl="0"/>
             <a:r>
               <a:rPr dirty="0"/>
-              <a:t>The number of resamples for each </a:t>
-            </a:r>
-            <a:r>
-              <a:rPr lang="en-US" dirty="0"/>
-              <a:t>set of observations</a:t>
-            </a:r>
-            <a:r>
-              <a:rPr dirty="0"/>
-              <a:t> is the number of samples </a:t>
-            </a:r>
-            <a:r>
-              <a:rPr lang="en-US" dirty="0"/>
-              <a:t>from</a:t>
-            </a:r>
-            <a:r>
-              <a:rPr dirty="0"/>
-              <a:t> </a:t>
-            </a:r>
-            <a:r>
-              <a:rPr lang="en-US" dirty="0"/>
-              <a:t>each</a:t>
-            </a:r>
-            <a:r>
-              <a:rPr dirty="0"/>
-              <a:t> population</a:t>
-            </a:r>
-          </a:p>
-          <a:p>
-            <a:pPr marL="342900" lvl="0" indent="-342900">
-              <a:buAutoNum type="arabicPeriod"/>
-            </a:pPr>
-            <a:r>
-              <a:rPr dirty="0"/>
-              <a:t>Compute the two-sample statistic; e.g. difference of means</a:t>
-            </a:r>
-          </a:p>
-          <a:p>
-            <a:pPr marL="342900" lvl="0" indent="-342900">
-              <a:buAutoNum type="arabicPeriod"/>
-            </a:pPr>
-            <a:r>
-              <a:rPr lang="en-US" dirty="0"/>
-              <a:t>Repeat steps 1 and 2 to accumulate the required number of bootstrap samples</a:t>
-            </a:r>
-          </a:p>
-          <a:p>
-            <a:pPr marL="342900" lvl="0" indent="-342900">
-              <a:buAutoNum type="arabicPeriod"/>
-            </a:pPr>
-            <a:r>
-              <a:rPr lang="en-US" dirty="0"/>
-              <a:t>The mean of the bootstrap distribution is the bootstrap point estimate of the two-sample statistic</a:t>
-            </a:r>
-          </a:p>
-          <a:p>
-            <a:pPr marL="342900" lvl="0" indent="-342900">
-              <a:buAutoNum type="arabicPeriod"/>
-            </a:pPr>
-            <a:endParaRPr dirty="0"/>
+              <a:t>Compute the statistic from the two samples</a:t>
+            </a:r>
           </a:p>
         </p:txBody>
       </p:sp>
@@ -11393,6 +11420,194 @@
 </file>
 
 <file path=ppt/slides/slide23.xml><?xml version="1.0" encoding="utf-8"?>
+<p:sld xmlns:a="http://schemas.openxmlformats.org/drawingml/2006/main" xmlns:r="http://schemas.openxmlformats.org/officeDocument/2006/relationships" xmlns:p="http://schemas.openxmlformats.org/presentationml/2006/main">
+  <p:cSld>
+    <p:spTree>
+      <p:nvGrpSpPr>
+        <p:cNvPr id="1" name=""/>
+        <p:cNvGrpSpPr/>
+        <p:nvPr/>
+      </p:nvGrpSpPr>
+      <p:grpSpPr>
+        <a:xfrm>
+          <a:off x="0" y="0"/>
+          <a:ext cx="0" cy="0"/>
+          <a:chOff x="0" y="0"/>
+          <a:chExt cx="0" cy="0"/>
+        </a:xfrm>
+      </p:grpSpPr>
+      <p:sp>
+        <p:nvSpPr>
+          <p:cNvPr id="2" name="Title 1"/>
+          <p:cNvSpPr>
+            <a:spLocks noGrp="1"/>
+          </p:cNvSpPr>
+          <p:nvPr>
+            <p:ph type="title"/>
+          </p:nvPr>
+        </p:nvSpPr>
+        <p:spPr/>
+        <p:txBody>
+          <a:bodyPr/>
+          <a:lstStyle/>
+          <a:p>
+            <a:pPr marL="0" lvl="0" indent="0">
+              <a:buNone/>
+            </a:pPr>
+            <a:r>
+              <a:rPr dirty="0"/>
+              <a:t>Two Sample Bootstrap</a:t>
+            </a:r>
+            <a:r>
+              <a:rPr lang="en-US" dirty="0"/>
+              <a:t> Algorithm</a:t>
+            </a:r>
+            <a:endParaRPr dirty="0"/>
+          </a:p>
+        </p:txBody>
+      </p:sp>
+      <p:sp>
+        <p:nvSpPr>
+          <p:cNvPr id="3" name="Content Placeholder 2"/>
+          <p:cNvSpPr>
+            <a:spLocks noGrp="1"/>
+          </p:cNvSpPr>
+          <p:nvPr>
+            <p:ph idx="1"/>
+          </p:nvPr>
+        </p:nvSpPr>
+        <p:spPr/>
+        <p:txBody>
+          <a:bodyPr>
+            <a:normAutofit fontScale="92500" lnSpcReduction="10000"/>
+          </a:bodyPr>
+          <a:lstStyle/>
+          <a:p>
+            <a:pPr marL="0" lvl="0" indent="0">
+              <a:buNone/>
+            </a:pPr>
+            <a:r>
+              <a:rPr dirty="0"/>
+              <a:t>Example: algorithm to compute difference of means:</a:t>
+            </a:r>
+          </a:p>
+          <a:p>
+            <a:pPr marL="342900" lvl="0" indent="-342900">
+              <a:buAutoNum type="arabicPeriod"/>
+            </a:pPr>
+            <a:r>
+              <a:rPr lang="en-US" dirty="0"/>
+              <a:t>From original observations of length n and m, </a:t>
+            </a:r>
+            <a:r>
+              <a:rPr b="1" dirty="0"/>
+              <a:t>Bernoulli sample</a:t>
+            </a:r>
+            <a:r>
+              <a:rPr dirty="0"/>
+              <a:t> n</a:t>
+            </a:r>
+            <a:r>
+              <a:rPr lang="en-US" dirty="0"/>
+              <a:t> and m</a:t>
+            </a:r>
+            <a:r>
+              <a:rPr dirty="0"/>
+              <a:t> </a:t>
+            </a:r>
+            <a:r>
+              <a:rPr lang="en-US" dirty="0"/>
+              <a:t>values</a:t>
+            </a:r>
+            <a:r>
+              <a:rPr dirty="0"/>
+              <a:t> </a:t>
+            </a:r>
+            <a:r>
+              <a:rPr b="1" dirty="0"/>
+              <a:t>with replacement</a:t>
+            </a:r>
+            <a:r>
+              <a:rPr dirty="0"/>
+              <a:t> </a:t>
+            </a:r>
+            <a:endParaRPr lang="en-US" dirty="0"/>
+          </a:p>
+          <a:p>
+            <a:pPr lvl="1"/>
+            <a:r>
+              <a:rPr dirty="0"/>
+              <a:t>The number of resamples for each </a:t>
+            </a:r>
+            <a:r>
+              <a:rPr lang="en-US" dirty="0"/>
+              <a:t>set of observations</a:t>
+            </a:r>
+            <a:r>
+              <a:rPr dirty="0"/>
+              <a:t> is the number of samples </a:t>
+            </a:r>
+            <a:r>
+              <a:rPr lang="en-US" dirty="0"/>
+              <a:t>from</a:t>
+            </a:r>
+            <a:r>
+              <a:rPr dirty="0"/>
+              <a:t> </a:t>
+            </a:r>
+            <a:r>
+              <a:rPr lang="en-US" dirty="0"/>
+              <a:t>each</a:t>
+            </a:r>
+            <a:r>
+              <a:rPr dirty="0"/>
+              <a:t> population</a:t>
+            </a:r>
+          </a:p>
+          <a:p>
+            <a:pPr marL="342900" lvl="0" indent="-342900">
+              <a:buAutoNum type="arabicPeriod"/>
+            </a:pPr>
+            <a:r>
+              <a:rPr dirty="0"/>
+              <a:t>Compute the two-sample statistic; e.g. difference of means</a:t>
+            </a:r>
+          </a:p>
+          <a:p>
+            <a:pPr marL="342900" lvl="0" indent="-342900">
+              <a:buAutoNum type="arabicPeriod"/>
+            </a:pPr>
+            <a:r>
+              <a:rPr lang="en-US" dirty="0"/>
+              <a:t>Repeat steps 1 and 2 to accumulate the required number of bootstrap samples</a:t>
+            </a:r>
+          </a:p>
+          <a:p>
+            <a:pPr marL="342900" lvl="0" indent="-342900">
+              <a:buAutoNum type="arabicPeriod"/>
+            </a:pPr>
+            <a:r>
+              <a:rPr lang="en-US" dirty="0"/>
+              <a:t>The mean of the bootstrap distribution is the bootstrap point estimate of the two-sample statistic</a:t>
+            </a:r>
+          </a:p>
+          <a:p>
+            <a:pPr marL="342900" lvl="0" indent="-342900">
+              <a:buAutoNum type="arabicPeriod"/>
+            </a:pPr>
+            <a:endParaRPr dirty="0"/>
+          </a:p>
+        </p:txBody>
+      </p:sp>
+    </p:spTree>
+  </p:cSld>
+  <p:clrMapOvr>
+    <a:masterClrMapping/>
+  </p:clrMapOvr>
+</p:sld>
+</file>
+
+<file path=ppt/slides/slide24.xml><?xml version="1.0" encoding="utf-8"?>
 <p:sld xmlns:a="http://schemas.openxmlformats.org/drawingml/2006/main" xmlns:r="http://schemas.openxmlformats.org/officeDocument/2006/relationships" xmlns:p="http://schemas.openxmlformats.org/presentationml/2006/main">
   <p:cSld>
     <p:spTree>
@@ -11535,7 +11750,7 @@
 </p:sld>
 </file>
 
-<file path=ppt/slides/slide24.xml><?xml version="1.0" encoding="utf-8"?>
+<file path=ppt/slides/slide25.xml><?xml version="1.0" encoding="utf-8"?>
 <p:sld xmlns:a="http://schemas.openxmlformats.org/drawingml/2006/main" xmlns:r="http://schemas.openxmlformats.org/officeDocument/2006/relationships" xmlns:p="http://schemas.openxmlformats.org/presentationml/2006/main">
   <p:cSld>
     <p:spTree>
@@ -12375,7 +12590,7 @@
 </p:sld>
 </file>
 
-<file path=ppt/slides/slide25.xml><?xml version="1.0" encoding="utf-8"?>
+<file path=ppt/slides/slide26.xml><?xml version="1.0" encoding="utf-8"?>
 <p:sld xmlns:a="http://schemas.openxmlformats.org/drawingml/2006/main" xmlns:r="http://schemas.openxmlformats.org/officeDocument/2006/relationships" xmlns:p="http://schemas.openxmlformats.org/presentationml/2006/main">
   <p:cSld>
     <p:spTree>
@@ -12571,7 +12786,7 @@
 </p:sld>
 </file>
 
-<file path=ppt/slides/slide26.xml><?xml version="1.0" encoding="utf-8"?>
+<file path=ppt/slides/slide27.xml><?xml version="1.0" encoding="utf-8"?>
 <p:sld xmlns:a="http://schemas.openxmlformats.org/drawingml/2006/main" xmlns:r="http://schemas.openxmlformats.org/officeDocument/2006/relationships" xmlns:p="http://schemas.openxmlformats.org/presentationml/2006/main">
   <p:cSld>
     <p:spTree>
@@ -12730,11 +12945,7 @@
             </a:r>
             <a:r>
               <a:rPr lang="en-US" sz="2000" b="1" dirty="0"/>
-              <a:t>cannot reject the </a:t>
-            </a:r>
-            <a:r>
-              <a:rPr lang="en-US" sz="2000" b="1"/>
-              <a:t>null hypothesis! </a:t>
+              <a:t>cannot reject the null hypothesis! </a:t>
             </a:r>
             <a:endParaRPr sz="2000" b="1" dirty="0"/>
           </a:p>
@@ -12783,161 +12994,6 @@
 </p:sld>
 </file>
 
-<file path=ppt/slides/slide27.xml><?xml version="1.0" encoding="utf-8"?>
-<p:sld xmlns:a="http://schemas.openxmlformats.org/drawingml/2006/main" xmlns:r="http://schemas.openxmlformats.org/officeDocument/2006/relationships" xmlns:p="http://schemas.openxmlformats.org/presentationml/2006/main">
-  <p:cSld>
-    <p:spTree>
-      <p:nvGrpSpPr>
-        <p:cNvPr id="1" name=""/>
-        <p:cNvGrpSpPr/>
-        <p:nvPr/>
-      </p:nvGrpSpPr>
-      <p:grpSpPr>
-        <a:xfrm>
-          <a:off x="0" y="0"/>
-          <a:ext cx="0" cy="0"/>
-          <a:chOff x="0" y="0"/>
-          <a:chExt cx="0" cy="0"/>
-        </a:xfrm>
-      </p:grpSpPr>
-      <p:sp>
-        <p:nvSpPr>
-          <p:cNvPr id="2" name="Title 1"/>
-          <p:cNvSpPr>
-            <a:spLocks noGrp="1"/>
-          </p:cNvSpPr>
-          <p:nvPr>
-            <p:ph type="title"/>
-          </p:nvPr>
-        </p:nvSpPr>
-        <p:spPr/>
-        <p:txBody>
-          <a:bodyPr/>
-          <a:lstStyle/>
-          <a:p>
-            <a:pPr marL="0" lvl="0" indent="0">
-              <a:buNone/>
-            </a:pPr>
-            <a:r>
-              <a:t>Summary</a:t>
-            </a:r>
-          </a:p>
-        </p:txBody>
-      </p:sp>
-      <p:sp>
-        <p:nvSpPr>
-          <p:cNvPr id="3" name="Content Placeholder 2"/>
-          <p:cNvSpPr>
-            <a:spLocks noGrp="1"/>
-          </p:cNvSpPr>
-          <p:nvPr>
-            <p:ph idx="1"/>
-          </p:nvPr>
-        </p:nvSpPr>
-        <p:spPr>
-          <a:xfrm>
-            <a:off x="457200" y="1063229"/>
-            <a:ext cx="8229600" cy="3643028"/>
-          </a:xfrm>
-        </p:spPr>
-        <p:txBody>
-          <a:bodyPr>
-            <a:normAutofit fontScale="92500" lnSpcReduction="20000"/>
-          </a:bodyPr>
-          <a:lstStyle/>
-          <a:p>
-            <a:pPr marL="0" lvl="0" indent="0">
-              <a:buNone/>
-            </a:pPr>
-            <a:r>
-              <a:rPr dirty="0"/>
-              <a:t>Bootstrap estimation is widely useful and requires minimal assumption</a:t>
-            </a:r>
-          </a:p>
-          <a:p>
-            <a:pPr lvl="0"/>
-            <a:r>
-              <a:rPr dirty="0"/>
-              <a:t>Bootstrap distribution comprise</a:t>
-            </a:r>
-            <a:r>
-              <a:rPr lang="en-US" dirty="0"/>
-              <a:t>s</a:t>
-            </a:r>
-            <a:r>
-              <a:rPr dirty="0"/>
-              <a:t> values of </a:t>
-            </a:r>
-            <a:r>
-              <a:rPr lang="en-US" dirty="0"/>
-              <a:t>a</a:t>
-            </a:r>
-            <a:r>
-              <a:rPr dirty="0"/>
-              <a:t> statistic computed from bootstrap resamples of the original observations (data sample)</a:t>
-            </a:r>
-          </a:p>
-          <a:p>
-            <a:pPr lvl="0"/>
-            <a:r>
-              <a:rPr dirty="0"/>
-              <a:t>Computing bootstrap distribution requires </a:t>
-            </a:r>
-            <a:r>
-              <a:rPr b="1" dirty="0"/>
-              <a:t>no assumptions about population distribution!</a:t>
-            </a:r>
-          </a:p>
-          <a:p>
-            <a:pPr lvl="1"/>
-            <a:r>
-              <a:rPr dirty="0"/>
-              <a:t>Bootstrap resampling substitutes computer power for paper and pencil statistician power</a:t>
-            </a:r>
-          </a:p>
-          <a:p>
-            <a:pPr lvl="0"/>
-            <a:r>
-              <a:rPr dirty="0"/>
-              <a:t>Bootstrap resampling estimates the </a:t>
-            </a:r>
-            <a:r>
-              <a:rPr b="1" dirty="0"/>
-              <a:t>bootstrap distribution</a:t>
-            </a:r>
-            <a:r>
-              <a:rPr dirty="0"/>
-              <a:t> of a statistic</a:t>
-            </a:r>
-          </a:p>
-          <a:p>
-            <a:pPr lvl="1"/>
-            <a:r>
-              <a:rPr dirty="0"/>
-              <a:t>Compute point estimate of the statistic, or bootstrap estimate</a:t>
-            </a:r>
-          </a:p>
-          <a:p>
-            <a:pPr lvl="1"/>
-            <a:r>
-              <a:rPr lang="en-US" dirty="0"/>
-              <a:t>Compute </a:t>
-            </a:r>
-            <a:r>
-              <a:rPr dirty="0"/>
-              <a:t>bootstrap confidence interval from the bootstrap distribution</a:t>
-            </a:r>
-          </a:p>
-        </p:txBody>
-      </p:sp>
-    </p:spTree>
-  </p:cSld>
-  <p:clrMapOvr>
-    <a:masterClrMapping/>
-  </p:clrMapOvr>
-</p:sld>
-</file>
-
 <file path=ppt/slides/slide28.xml><?xml version="1.0" encoding="utf-8"?>
 <p:sld xmlns:a="http://schemas.openxmlformats.org/drawingml/2006/main" xmlns:r="http://schemas.openxmlformats.org/officeDocument/2006/relationships" xmlns:p="http://schemas.openxmlformats.org/presentationml/2006/main">
   <p:cSld>
@@ -12991,13 +13047,13 @@
         </p:nvSpPr>
         <p:spPr>
           <a:xfrm>
-            <a:off x="457200" y="1106714"/>
-            <a:ext cx="8229600" cy="3693885"/>
+            <a:off x="457200" y="1063229"/>
+            <a:ext cx="8229600" cy="3643028"/>
           </a:xfrm>
         </p:spPr>
         <p:txBody>
           <a:bodyPr>
-            <a:normAutofit fontScale="92500" lnSpcReduction="10000"/>
+            <a:normAutofit fontScale="92500" lnSpcReduction="20000"/>
           </a:bodyPr>
           <a:lstStyle/>
           <a:p>
@@ -13006,75 +13062,81 @@
             </a:pPr>
             <a:r>
               <a:rPr dirty="0"/>
-              <a:t>There are several variations of the basi</a:t>
+              <a:t>Bootstrap estimation is widely useful and requires minimal assumption</a:t>
+            </a:r>
+          </a:p>
+          <a:p>
+            <a:pPr lvl="0"/>
+            <a:r>
+              <a:rPr dirty="0"/>
+              <a:t>Bootstrap distribution comprise</a:t>
             </a:r>
             <a:r>
               <a:rPr lang="en-US" dirty="0"/>
-              <a:t>c</a:t>
+              <a:t>s</a:t>
             </a:r>
             <a:r>
               <a:rPr dirty="0"/>
-              <a:t> nonparametric bootstrap algorithm</a:t>
+              <a:t> values of </a:t>
+            </a:r>
+            <a:r>
+              <a:rPr lang="en-US" dirty="0"/>
+              <a:t>a</a:t>
+            </a:r>
+            <a:r>
+              <a:rPr dirty="0"/>
+              <a:t> statistic computed from bootstrap resamples of the original observations (data sample)</a:t>
             </a:r>
           </a:p>
           <a:p>
             <a:pPr lvl="0"/>
             <a:r>
               <a:rPr dirty="0"/>
-              <a:t>One sample bootstrap</a:t>
+              <a:t>Computing bootstrap distribution requires </a:t>
+            </a:r>
+            <a:r>
+              <a:rPr b="1" dirty="0"/>
+              <a:t>no assumptions about population distribution!</a:t>
             </a:r>
           </a:p>
           <a:p>
             <a:pPr lvl="1"/>
             <a:r>
               <a:rPr dirty="0"/>
-              <a:t>Inference on single population</a:t>
-            </a:r>
-            <a:endParaRPr lang="en-US" dirty="0"/>
+              <a:t>Bootstrap resampling substitutes computer power for paper and pencil statistician power</a:t>
+            </a:r>
+          </a:p>
+          <a:p>
+            <a:pPr lvl="0"/>
+            <a:r>
+              <a:rPr dirty="0"/>
+              <a:t>Bootstrap resampling estimates the </a:t>
+            </a:r>
+            <a:r>
+              <a:rPr b="1" dirty="0"/>
+              <a:t>bootstrap distribution</a:t>
+            </a:r>
+            <a:r>
+              <a:rPr dirty="0"/>
+              <a:t> of a statistic</a:t>
+            </a:r>
           </a:p>
           <a:p>
             <a:pPr lvl="1"/>
             <a:r>
+              <a:rPr dirty="0"/>
+              <a:t>Compute point estimate of the statistic, or bootstrap estimate</a:t>
+            </a:r>
+          </a:p>
+          <a:p>
+            <a:pPr lvl="1"/>
+            <a:r>
               <a:rPr lang="en-US" dirty="0"/>
-              <a:t>One sample statistics</a:t>
-            </a:r>
-            <a:endParaRPr dirty="0"/>
-          </a:p>
-          <a:p>
-            <a:pPr lvl="0"/>
+              <a:t>Compute </a:t>
+            </a:r>
             <a:r>
               <a:rPr dirty="0"/>
-              <a:t>Two sample bootstrap</a:t>
-            </a:r>
-          </a:p>
-          <a:p>
-            <a:pPr lvl="1"/>
-            <a:r>
-              <a:rPr dirty="0"/>
-              <a:t>Inference on different populations</a:t>
-            </a:r>
-            <a:endParaRPr lang="en-US" dirty="0"/>
-          </a:p>
-          <a:p>
-            <a:pPr lvl="1"/>
-            <a:r>
-              <a:rPr lang="en-US" dirty="0"/>
-              <a:t>Two sample statistics</a:t>
-            </a:r>
-            <a:endParaRPr dirty="0"/>
-          </a:p>
-          <a:p>
-            <a:pPr lvl="0"/>
-            <a:r>
-              <a:rPr dirty="0"/>
-              <a:t>Special cases</a:t>
-            </a:r>
-          </a:p>
-          <a:p>
-            <a:pPr lvl="1"/>
-            <a:r>
-              <a:rPr dirty="0"/>
-              <a:t>Correlation coefficients - part of your assignment</a:t>
+              <a:t>bootstrap confidence interval from the bootstrap distribution</a:t>
             </a:r>
           </a:p>
         </p:txBody>
@@ -13088,6 +13150,343 @@
 </file>
 
 <file path=ppt/slides/slide29.xml><?xml version="1.0" encoding="utf-8"?>
+<p:sld xmlns:a="http://schemas.openxmlformats.org/drawingml/2006/main" xmlns:r="http://schemas.openxmlformats.org/officeDocument/2006/relationships" xmlns:p="http://schemas.openxmlformats.org/presentationml/2006/main">
+  <p:cSld>
+    <p:spTree>
+      <p:nvGrpSpPr>
+        <p:cNvPr id="1" name=""/>
+        <p:cNvGrpSpPr/>
+        <p:nvPr/>
+      </p:nvGrpSpPr>
+      <p:grpSpPr>
+        <a:xfrm>
+          <a:off x="0" y="0"/>
+          <a:ext cx="0" cy="0"/>
+          <a:chOff x="0" y="0"/>
+          <a:chExt cx="0" cy="0"/>
+        </a:xfrm>
+      </p:grpSpPr>
+      <p:sp>
+        <p:nvSpPr>
+          <p:cNvPr id="2" name="Title 1"/>
+          <p:cNvSpPr>
+            <a:spLocks noGrp="1"/>
+          </p:cNvSpPr>
+          <p:nvPr>
+            <p:ph type="title"/>
+          </p:nvPr>
+        </p:nvSpPr>
+        <p:spPr/>
+        <p:txBody>
+          <a:bodyPr/>
+          <a:lstStyle/>
+          <a:p>
+            <a:pPr marL="0" lvl="0" indent="0">
+              <a:buNone/>
+            </a:pPr>
+            <a:r>
+              <a:t>Summary</a:t>
+            </a:r>
+          </a:p>
+        </p:txBody>
+      </p:sp>
+      <p:sp>
+        <p:nvSpPr>
+          <p:cNvPr id="3" name="Content Placeholder 2"/>
+          <p:cNvSpPr>
+            <a:spLocks noGrp="1"/>
+          </p:cNvSpPr>
+          <p:nvPr>
+            <p:ph idx="1"/>
+          </p:nvPr>
+        </p:nvSpPr>
+        <p:spPr>
+          <a:xfrm>
+            <a:off x="457200" y="1106714"/>
+            <a:ext cx="8229600" cy="3693885"/>
+          </a:xfrm>
+        </p:spPr>
+        <p:txBody>
+          <a:bodyPr>
+            <a:normAutofit fontScale="92500" lnSpcReduction="10000"/>
+          </a:bodyPr>
+          <a:lstStyle/>
+          <a:p>
+            <a:pPr marL="0" lvl="0" indent="0">
+              <a:buNone/>
+            </a:pPr>
+            <a:r>
+              <a:rPr dirty="0"/>
+              <a:t>There are several variations of the basi</a:t>
+            </a:r>
+            <a:r>
+              <a:rPr lang="en-US" dirty="0"/>
+              <a:t>c</a:t>
+            </a:r>
+            <a:r>
+              <a:rPr dirty="0"/>
+              <a:t> nonparametric bootstrap algorithm</a:t>
+            </a:r>
+          </a:p>
+          <a:p>
+            <a:pPr lvl="0"/>
+            <a:r>
+              <a:rPr dirty="0"/>
+              <a:t>One sample bootstrap</a:t>
+            </a:r>
+          </a:p>
+          <a:p>
+            <a:pPr lvl="1"/>
+            <a:r>
+              <a:rPr dirty="0"/>
+              <a:t>Inference on single population</a:t>
+            </a:r>
+            <a:endParaRPr lang="en-US" dirty="0"/>
+          </a:p>
+          <a:p>
+            <a:pPr lvl="1"/>
+            <a:r>
+              <a:rPr lang="en-US" dirty="0"/>
+              <a:t>One sample statistics</a:t>
+            </a:r>
+            <a:endParaRPr dirty="0"/>
+          </a:p>
+          <a:p>
+            <a:pPr lvl="0"/>
+            <a:r>
+              <a:rPr dirty="0"/>
+              <a:t>Two sample bootstrap</a:t>
+            </a:r>
+          </a:p>
+          <a:p>
+            <a:pPr lvl="1"/>
+            <a:r>
+              <a:rPr dirty="0"/>
+              <a:t>Inference on different populations</a:t>
+            </a:r>
+            <a:endParaRPr lang="en-US" dirty="0"/>
+          </a:p>
+          <a:p>
+            <a:pPr lvl="1"/>
+            <a:r>
+              <a:rPr lang="en-US" dirty="0"/>
+              <a:t>Two sample statistics</a:t>
+            </a:r>
+            <a:endParaRPr dirty="0"/>
+          </a:p>
+          <a:p>
+            <a:pPr lvl="0"/>
+            <a:r>
+              <a:rPr dirty="0"/>
+              <a:t>Special cases</a:t>
+            </a:r>
+          </a:p>
+          <a:p>
+            <a:pPr lvl="1"/>
+            <a:r>
+              <a:rPr dirty="0"/>
+              <a:t>Correlation coefficients - part of your assignment</a:t>
+            </a:r>
+          </a:p>
+        </p:txBody>
+      </p:sp>
+    </p:spTree>
+  </p:cSld>
+  <p:clrMapOvr>
+    <a:masterClrMapping/>
+  </p:clrMapOvr>
+</p:sld>
+</file>
+
+<file path=ppt/slides/slide3.xml><?xml version="1.0" encoding="utf-8"?>
+<p:sld xmlns:a="http://schemas.openxmlformats.org/drawingml/2006/main" xmlns:r="http://schemas.openxmlformats.org/officeDocument/2006/relationships" xmlns:p="http://schemas.openxmlformats.org/presentationml/2006/main">
+  <p:cSld>
+    <p:spTree>
+      <p:nvGrpSpPr>
+        <p:cNvPr id="1" name=""/>
+        <p:cNvGrpSpPr/>
+        <p:nvPr/>
+      </p:nvGrpSpPr>
+      <p:grpSpPr>
+        <a:xfrm>
+          <a:off x="0" y="0"/>
+          <a:ext cx="0" cy="0"/>
+          <a:chOff x="0" y="0"/>
+          <a:chExt cx="0" cy="0"/>
+        </a:xfrm>
+      </p:grpSpPr>
+      <p:sp>
+        <p:nvSpPr>
+          <p:cNvPr id="2" name="Title 1"/>
+          <p:cNvSpPr>
+            <a:spLocks noGrp="1"/>
+          </p:cNvSpPr>
+          <p:nvPr>
+            <p:ph type="title"/>
+          </p:nvPr>
+        </p:nvSpPr>
+        <p:spPr/>
+        <p:txBody>
+          <a:bodyPr/>
+          <a:lstStyle/>
+          <a:p>
+            <a:pPr marL="0" lvl="0" indent="0">
+              <a:buNone/>
+            </a:pPr>
+            <a:r>
+              <a:t>Types of Resampling Methods</a:t>
+            </a:r>
+          </a:p>
+        </p:txBody>
+      </p:sp>
+      <p:sp>
+        <p:nvSpPr>
+          <p:cNvPr id="3" name="Content Placeholder 2"/>
+          <p:cNvSpPr>
+            <a:spLocks noGrp="1"/>
+          </p:cNvSpPr>
+          <p:nvPr>
+            <p:ph idx="1"/>
+          </p:nvPr>
+        </p:nvSpPr>
+        <p:spPr>
+          <a:xfrm>
+            <a:off x="457200" y="1139371"/>
+            <a:ext cx="8229600" cy="3715658"/>
+          </a:xfrm>
+        </p:spPr>
+        <p:txBody>
+          <a:bodyPr>
+            <a:normAutofit fontScale="70000" lnSpcReduction="20000"/>
+          </a:bodyPr>
+          <a:lstStyle/>
+          <a:p>
+            <a:pPr marL="0" lvl="0" indent="0">
+              <a:buNone/>
+            </a:pPr>
+            <a:r>
+              <a:rPr dirty="0"/>
+              <a:t>Commonly used re-sampling methods include:</a:t>
+            </a:r>
+          </a:p>
+          <a:p>
+            <a:pPr lvl="0"/>
+            <a:r>
+              <a:rPr b="1" dirty="0"/>
+              <a:t>Randomization or Permutation methods:</a:t>
+            </a:r>
+            <a:r>
+              <a:rPr dirty="0"/>
+              <a:t> aka exact tests</a:t>
+            </a:r>
+          </a:p>
+          <a:p>
+            <a:pPr lvl="1"/>
+            <a:r>
+              <a:rPr dirty="0"/>
+              <a:t>Have a long history; e.g. Fisher’s exact test (1922)</a:t>
+            </a:r>
+          </a:p>
+          <a:p>
+            <a:pPr lvl="1"/>
+            <a:r>
+              <a:rPr dirty="0"/>
+              <a:t>Practical approximate algorithms for larger data sets in computer era</a:t>
+            </a:r>
+          </a:p>
+          <a:p>
+            <a:pPr lvl="0"/>
+            <a:r>
+              <a:rPr b="1" dirty="0"/>
+              <a:t>Cross validation:</a:t>
+            </a:r>
+            <a:r>
+              <a:rPr dirty="0"/>
+              <a:t> resample into multiple folds without replacement</a:t>
+            </a:r>
+          </a:p>
+          <a:p>
+            <a:pPr lvl="1"/>
+            <a:r>
+              <a:rPr dirty="0"/>
+              <a:t>Leave n out method</a:t>
+            </a:r>
+          </a:p>
+          <a:p>
+            <a:pPr lvl="1"/>
+            <a:r>
+              <a:rPr dirty="0"/>
+              <a:t>Has origins in the 1950s</a:t>
+            </a:r>
+          </a:p>
+          <a:p>
+            <a:pPr lvl="1"/>
+            <a:r>
+              <a:rPr dirty="0"/>
+              <a:t>Widely used to evaluate machine learning (ML) models</a:t>
+            </a:r>
+          </a:p>
+          <a:p>
+            <a:pPr lvl="0"/>
+            <a:r>
+              <a:rPr b="1" dirty="0"/>
+              <a:t>Jackknife:</a:t>
+            </a:r>
+            <a:r>
+              <a:rPr dirty="0"/>
+              <a:t> leave one out re-sampling</a:t>
+            </a:r>
+          </a:p>
+          <a:p>
+            <a:pPr lvl="1"/>
+            <a:r>
+              <a:rPr dirty="0"/>
+              <a:t>Leave one out method</a:t>
+            </a:r>
+          </a:p>
+          <a:p>
+            <a:pPr lvl="1"/>
+            <a:r>
+              <a:rPr dirty="0"/>
+              <a:t>Early general purpose resampling method</a:t>
+            </a:r>
+          </a:p>
+          <a:p>
+            <a:pPr lvl="1"/>
+            <a:r>
+              <a:rPr dirty="0"/>
+              <a:t>Has origins in the 1950s</a:t>
+            </a:r>
+          </a:p>
+          <a:p>
+            <a:pPr lvl="0"/>
+            <a:r>
+              <a:rPr b="1" dirty="0"/>
+              <a:t>Nonparametric Bootstrap:</a:t>
+            </a:r>
+            <a:r>
+              <a:rPr dirty="0"/>
+              <a:t> resample with equivalent size and replacement - our focus here</a:t>
+            </a:r>
+          </a:p>
+          <a:p>
+            <a:pPr lvl="1"/>
+            <a:r>
+              <a:rPr dirty="0"/>
+              <a:t>Published by Prof Brad Efron in 1979</a:t>
+            </a:r>
+          </a:p>
+        </p:txBody>
+      </p:sp>
+    </p:spTree>
+  </p:cSld>
+  <p:clrMapOvr>
+    <a:masterClrMapping/>
+  </p:clrMapOvr>
+</p:sld>
+</file>
+
+<file path=ppt/slides/slide30.xml><?xml version="1.0" encoding="utf-8"?>
 <p:sld xmlns:a="http://schemas.openxmlformats.org/drawingml/2006/main" xmlns:r="http://schemas.openxmlformats.org/officeDocument/2006/relationships" xmlns:p="http://schemas.openxmlformats.org/presentationml/2006/main">
   <p:cSld>
     <p:spTree>
@@ -13287,194 +13686,6 @@
           </p:sp>
         </mc:Fallback>
       </mc:AlternateContent>
-    </p:spTree>
-  </p:cSld>
-  <p:clrMapOvr>
-    <a:masterClrMapping/>
-  </p:clrMapOvr>
-</p:sld>
-</file>
-
-<file path=ppt/slides/slide3.xml><?xml version="1.0" encoding="utf-8"?>
-<p:sld xmlns:a="http://schemas.openxmlformats.org/drawingml/2006/main" xmlns:r="http://schemas.openxmlformats.org/officeDocument/2006/relationships" xmlns:p="http://schemas.openxmlformats.org/presentationml/2006/main">
-  <p:cSld>
-    <p:spTree>
-      <p:nvGrpSpPr>
-        <p:cNvPr id="1" name=""/>
-        <p:cNvGrpSpPr/>
-        <p:nvPr/>
-      </p:nvGrpSpPr>
-      <p:grpSpPr>
-        <a:xfrm>
-          <a:off x="0" y="0"/>
-          <a:ext cx="0" cy="0"/>
-          <a:chOff x="0" y="0"/>
-          <a:chExt cx="0" cy="0"/>
-        </a:xfrm>
-      </p:grpSpPr>
-      <p:sp>
-        <p:nvSpPr>
-          <p:cNvPr id="2" name="Title 1"/>
-          <p:cNvSpPr>
-            <a:spLocks noGrp="1"/>
-          </p:cNvSpPr>
-          <p:nvPr>
-            <p:ph type="title"/>
-          </p:nvPr>
-        </p:nvSpPr>
-        <p:spPr/>
-        <p:txBody>
-          <a:bodyPr/>
-          <a:lstStyle/>
-          <a:p>
-            <a:pPr marL="0" lvl="0" indent="0">
-              <a:buNone/>
-            </a:pPr>
-            <a:r>
-              <a:t>Types of Resampling Methods</a:t>
-            </a:r>
-          </a:p>
-        </p:txBody>
-      </p:sp>
-      <p:sp>
-        <p:nvSpPr>
-          <p:cNvPr id="3" name="Content Placeholder 2"/>
-          <p:cNvSpPr>
-            <a:spLocks noGrp="1"/>
-          </p:cNvSpPr>
-          <p:nvPr>
-            <p:ph idx="1"/>
-          </p:nvPr>
-        </p:nvSpPr>
-        <p:spPr>
-          <a:xfrm>
-            <a:off x="457200" y="1139371"/>
-            <a:ext cx="8229600" cy="3715658"/>
-          </a:xfrm>
-        </p:spPr>
-        <p:txBody>
-          <a:bodyPr>
-            <a:normAutofit fontScale="70000" lnSpcReduction="20000"/>
-          </a:bodyPr>
-          <a:lstStyle/>
-          <a:p>
-            <a:pPr marL="0" lvl="0" indent="0">
-              <a:buNone/>
-            </a:pPr>
-            <a:r>
-              <a:rPr dirty="0"/>
-              <a:t>Commonly used re-sampling methods include:</a:t>
-            </a:r>
-          </a:p>
-          <a:p>
-            <a:pPr lvl="0"/>
-            <a:r>
-              <a:rPr b="1" dirty="0"/>
-              <a:t>Randomization or Permutation methods:</a:t>
-            </a:r>
-            <a:r>
-              <a:rPr dirty="0"/>
-              <a:t> aka exact tests</a:t>
-            </a:r>
-          </a:p>
-          <a:p>
-            <a:pPr lvl="1"/>
-            <a:r>
-              <a:rPr dirty="0"/>
-              <a:t>Have a long history; e.g. Fisher’s exact test (1922)</a:t>
-            </a:r>
-          </a:p>
-          <a:p>
-            <a:pPr lvl="1"/>
-            <a:r>
-              <a:rPr dirty="0"/>
-              <a:t>Practical approximate algorithms for larger data sets in computer era</a:t>
-            </a:r>
-          </a:p>
-          <a:p>
-            <a:pPr lvl="0"/>
-            <a:r>
-              <a:rPr b="1" dirty="0"/>
-              <a:t>Cross validation:</a:t>
-            </a:r>
-            <a:r>
-              <a:rPr dirty="0"/>
-              <a:t> resample into multiple folds without replacement</a:t>
-            </a:r>
-          </a:p>
-          <a:p>
-            <a:pPr lvl="1"/>
-            <a:r>
-              <a:rPr dirty="0"/>
-              <a:t>Leave n out method</a:t>
-            </a:r>
-          </a:p>
-          <a:p>
-            <a:pPr lvl="1"/>
-            <a:r>
-              <a:rPr dirty="0"/>
-              <a:t>Has origins in the 1950s</a:t>
-            </a:r>
-          </a:p>
-          <a:p>
-            <a:pPr lvl="1"/>
-            <a:r>
-              <a:rPr dirty="0"/>
-              <a:t>Widely used to evaluate machine learning (ML) models</a:t>
-            </a:r>
-          </a:p>
-          <a:p>
-            <a:pPr lvl="0"/>
-            <a:r>
-              <a:rPr b="1" dirty="0"/>
-              <a:t>Jackknife:</a:t>
-            </a:r>
-            <a:r>
-              <a:rPr dirty="0"/>
-              <a:t> leave one out re-sampling</a:t>
-            </a:r>
-          </a:p>
-          <a:p>
-            <a:pPr lvl="1"/>
-            <a:r>
-              <a:rPr dirty="0"/>
-              <a:t>Leave one out method</a:t>
-            </a:r>
-          </a:p>
-          <a:p>
-            <a:pPr lvl="1"/>
-            <a:r>
-              <a:rPr dirty="0"/>
-              <a:t>Early general purpose resampling method</a:t>
-            </a:r>
-          </a:p>
-          <a:p>
-            <a:pPr lvl="1"/>
-            <a:r>
-              <a:rPr dirty="0"/>
-              <a:t>Has origins in the 1950s</a:t>
-            </a:r>
-          </a:p>
-          <a:p>
-            <a:pPr lvl="0"/>
-            <a:r>
-              <a:rPr b="1" dirty="0"/>
-              <a:t>Nonparametric Bootstrap:</a:t>
-            </a:r>
-            <a:r>
-              <a:rPr dirty="0"/>
-              <a:t> resample with equivalent size and replacement - our focus here</a:t>
-            </a:r>
-          </a:p>
-          <a:p>
-            <a:pPr lvl="1"/>
-            <a:r>
-              <a:rPr dirty="0"/>
-              <a:t>Published by Prof Brad Efron in 1979</a:t>
-            </a:r>
-          </a:p>
-        </p:txBody>
-      </p:sp>
     </p:spTree>
   </p:cSld>
   <p:clrMapOvr>

--- a/LectureSlides/06b_IntroductionToBootstrap.pptx
+++ b/LectureSlides/06b_IntroductionToBootstrap.pptx
@@ -5,7 +5,7 @@
     <p:sldMasterId id="2147483648" r:id="rId1"/>
   </p:sldMasterIdLst>
   <p:notesMasterIdLst>
-    <p:notesMasterId r:id="rId32"/>
+    <p:notesMasterId r:id="rId34"/>
   </p:notesMasterIdLst>
   <p:sldIdLst>
     <p:sldId id="299" r:id="rId2"/>
@@ -30,14 +30,16 @@
     <p:sldId id="275" r:id="rId21"/>
     <p:sldId id="301" r:id="rId22"/>
     <p:sldId id="276" r:id="rId23"/>
-    <p:sldId id="277" r:id="rId24"/>
-    <p:sldId id="278" r:id="rId25"/>
-    <p:sldId id="279" r:id="rId26"/>
-    <p:sldId id="280" r:id="rId27"/>
-    <p:sldId id="300" r:id="rId28"/>
-    <p:sldId id="281" r:id="rId29"/>
-    <p:sldId id="282" r:id="rId30"/>
-    <p:sldId id="283" r:id="rId31"/>
+    <p:sldId id="302" r:id="rId24"/>
+    <p:sldId id="277" r:id="rId25"/>
+    <p:sldId id="278" r:id="rId26"/>
+    <p:sldId id="279" r:id="rId27"/>
+    <p:sldId id="280" r:id="rId28"/>
+    <p:sldId id="300" r:id="rId29"/>
+    <p:sldId id="303" r:id="rId30"/>
+    <p:sldId id="281" r:id="rId31"/>
+    <p:sldId id="282" r:id="rId32"/>
+    <p:sldId id="283" r:id="rId33"/>
   </p:sldIdLst>
   <p:sldSz cx="9144000" cy="5143500" type="screen16x9"/>
   <p:notesSz cx="6858000" cy="9144000"/>
@@ -10352,25 +10354,7 @@
                       <a:rPr>
                         <a:latin typeface="Cambria Math" panose="02040503050406030204" pitchFamily="18" charset="0"/>
                       </a:rPr>
-                      <m:t>=</m:t>
-                    </m:r>
-                    <m:r>
-                      <a:rPr>
-                        <a:latin typeface="Cambria Math" panose="02040503050406030204" pitchFamily="18" charset="0"/>
-                      </a:rPr>
-                      <m:t>0</m:t>
-                    </m:r>
-                    <m:r>
-                      <a:rPr>
-                        <a:latin typeface="Cambria Math" panose="02040503050406030204" pitchFamily="18" charset="0"/>
-                      </a:rPr>
-                      <m:t>.</m:t>
-                    </m:r>
-                    <m:r>
-                      <a:rPr>
-                        <a:latin typeface="Cambria Math" panose="02040503050406030204" pitchFamily="18" charset="0"/>
-                      </a:rPr>
-                      <m:t>05</m:t>
+                      <m:t>=0.05</m:t>
                     </m:r>
                   </m:oMath>
                 </a14:m>
@@ -10462,13 +10446,7 @@
                       <a:rPr>
                         <a:latin typeface="Cambria Math" panose="02040503050406030204" pitchFamily="18" charset="0"/>
                       </a:rPr>
-                      <m:t>/</m:t>
-                    </m:r>
-                    <m:r>
-                      <a:rPr>
-                        <a:latin typeface="Cambria Math" panose="02040503050406030204" pitchFamily="18" charset="0"/>
-                      </a:rPr>
-                      <m:t>2</m:t>
+                      <m:t>/2</m:t>
                     </m:r>
                   </m:oMath>
                 </a14:m>
@@ -10521,13 +10499,7 @@
                           <a:rPr>
                             <a:latin typeface="Cambria Math" panose="02040503050406030204" pitchFamily="18" charset="0"/>
                           </a:rPr>
-                          <m:t>1</m:t>
-                        </m:r>
-                        <m:r>
-                          <a:rPr>
-                            <a:latin typeface="Cambria Math" panose="02040503050406030204" pitchFamily="18" charset="0"/>
-                          </a:rPr>
-                          <m:t>−</m:t>
+                          <m:t>1−</m:t>
                         </m:r>
                         <m:r>
                           <a:rPr>
@@ -10539,13 +10511,7 @@
                           <a:rPr>
                             <a:latin typeface="Cambria Math" panose="02040503050406030204" pitchFamily="18" charset="0"/>
                           </a:rPr>
-                          <m:t>/</m:t>
-                        </m:r>
-                        <m:r>
-                          <a:rPr>
-                            <a:latin typeface="Cambria Math" panose="02040503050406030204" pitchFamily="18" charset="0"/>
-                          </a:rPr>
-                          <m:t>2</m:t>
+                          <m:t>/2</m:t>
                         </m:r>
                       </m:e>
                     </m:d>
@@ -11308,15 +11274,19 @@
         </p:nvSpPr>
         <p:spPr/>
         <p:txBody>
-          <a:bodyPr/>
+          <a:bodyPr>
+            <a:normAutofit/>
+          </a:bodyPr>
           <a:lstStyle/>
           <a:p>
             <a:pPr marL="0" lvl="0" indent="0">
               <a:buNone/>
             </a:pPr>
             <a:r>
-              <a:t>Two Sample Bootstrap</a:t>
-            </a:r>
+              <a:rPr lang="en-US" dirty="0"/>
+              <a:t>Why Not Just Use a One-Sample t-test?</a:t>
+            </a:r>
+            <a:endParaRPr dirty="0"/>
           </a:p>
         </p:txBody>
       </p:sp>
@@ -11330,10 +11300,15 @@
             <p:ph idx="1"/>
           </p:nvPr>
         </p:nvSpPr>
-        <p:spPr/>
+        <p:spPr>
+          <a:xfrm>
+            <a:off x="457200" y="1200151"/>
+            <a:ext cx="4789424" cy="3394472"/>
+          </a:xfrm>
+        </p:spPr>
         <p:txBody>
           <a:bodyPr>
-            <a:normAutofit fontScale="92500" lnSpcReduction="20000"/>
+            <a:normAutofit/>
           </a:bodyPr>
           <a:lstStyle/>
           <a:p>
@@ -11341,76 +11316,61 @@
               <a:buNone/>
             </a:pPr>
             <a:r>
-              <a:rPr dirty="0"/>
-              <a:t>How can we apply the bootstrap algorithm for two-sample statistics?</a:t>
-            </a:r>
-          </a:p>
-          <a:p>
-            <a:pPr lvl="0"/>
-            <a:r>
-              <a:rPr dirty="0"/>
-              <a:t>Example, difference of means of two independently sampled populations</a:t>
-            </a:r>
-          </a:p>
-          <a:p>
-            <a:pPr lvl="0"/>
-            <a:r>
-              <a:rPr dirty="0"/>
-              <a:t>How to generate bootstrap samples?</a:t>
-            </a:r>
-          </a:p>
-          <a:p>
-            <a:pPr lvl="0"/>
-            <a:r>
-              <a:rPr dirty="0"/>
-              <a:t>Can we just sample the concatenation of the two samples?</a:t>
-            </a:r>
-          </a:p>
-          <a:p>
-            <a:pPr lvl="0"/>
-            <a:r>
-              <a:rPr b="1" dirty="0"/>
-              <a:t>No!</a:t>
-            </a:r>
-          </a:p>
-          <a:p>
-            <a:pPr lvl="1"/>
-            <a:r>
-              <a:rPr dirty="0"/>
-              <a:t>There is no guarantee of a correct number of resamples for each group</a:t>
-            </a:r>
-          </a:p>
-          <a:p>
-            <a:pPr lvl="1"/>
-            <a:r>
-              <a:rPr dirty="0"/>
-              <a:t>Imbalanced sampling leads to bias</a:t>
-            </a:r>
-          </a:p>
-          <a:p>
-            <a:pPr lvl="0"/>
-            <a:r>
-              <a:rPr dirty="0"/>
-              <a:t>Must </a:t>
-            </a:r>
-            <a:r>
-              <a:rPr b="1" dirty="0"/>
-              <a:t>independently sample the two groups</a:t>
-            </a:r>
-            <a:r>
-              <a:rPr dirty="0"/>
-              <a:t> or populations</a:t>
-            </a:r>
-          </a:p>
-          <a:p>
-            <a:pPr lvl="0"/>
-            <a:r>
-              <a:rPr dirty="0"/>
-              <a:t>Compute the statistic from the two samples</a:t>
-            </a:r>
-          </a:p>
-        </p:txBody>
-      </p:sp>
+              <a:rPr lang="en-US" dirty="0"/>
+              <a:t>A one-sample t-test is strictly valid for Normal distributions</a:t>
+            </a:r>
+          </a:p>
+          <a:p>
+            <a:r>
+              <a:rPr lang="en-US" dirty="0"/>
+              <a:t>One-sample t-test can be run quickly and with little code</a:t>
+            </a:r>
+          </a:p>
+          <a:p>
+            <a:r>
+              <a:rPr lang="en-US" dirty="0"/>
+              <a:t>But, is this distribution Normal? </a:t>
+            </a:r>
+          </a:p>
+          <a:p>
+            <a:r>
+              <a:rPr lang="en-US" dirty="0"/>
+              <a:t>This distribution is close to Normal, but perhaps not </a:t>
+            </a:r>
+            <a:endParaRPr dirty="0"/>
+          </a:p>
+        </p:txBody>
+      </p:sp>
+      <p:pic>
+        <p:nvPicPr>
+          <p:cNvPr id="4" name="Picture 3">
+            <a:extLst>
+              <a:ext uri="{FF2B5EF4-FFF2-40B4-BE49-F238E27FC236}">
+                <a16:creationId xmlns:a16="http://schemas.microsoft.com/office/drawing/2014/main" id="{AED9DDF4-5E33-D3CE-9CA2-C35CEDDC0785}"/>
+              </a:ext>
+            </a:extLst>
+          </p:cNvPr>
+          <p:cNvPicPr>
+            <a:picLocks noChangeAspect="1"/>
+          </p:cNvPicPr>
+          <p:nvPr/>
+        </p:nvPicPr>
+        <p:blipFill>
+          <a:blip r:embed="rId2"/>
+          <a:stretch>
+            <a:fillRect/>
+          </a:stretch>
+        </p:blipFill>
+        <p:spPr>
+          <a:xfrm>
+            <a:off x="5319778" y="1821351"/>
+            <a:ext cx="3779520" cy="2571833"/>
+          </a:xfrm>
+          <a:prstGeom prst="rect">
+            <a:avLst/>
+          </a:prstGeom>
+        </p:spPr>
+      </p:pic>
     </p:spTree>
   </p:cSld>
   <p:clrMapOvr>
@@ -11455,6 +11415,151 @@
               <a:buNone/>
             </a:pPr>
             <a:r>
+              <a:t>Two Sample Bootstrap</a:t>
+            </a:r>
+          </a:p>
+        </p:txBody>
+      </p:sp>
+      <p:sp>
+        <p:nvSpPr>
+          <p:cNvPr id="3" name="Content Placeholder 2"/>
+          <p:cNvSpPr>
+            <a:spLocks noGrp="1"/>
+          </p:cNvSpPr>
+          <p:nvPr>
+            <p:ph idx="1"/>
+          </p:nvPr>
+        </p:nvSpPr>
+        <p:spPr/>
+        <p:txBody>
+          <a:bodyPr>
+            <a:normAutofit fontScale="92500" lnSpcReduction="20000"/>
+          </a:bodyPr>
+          <a:lstStyle/>
+          <a:p>
+            <a:pPr marL="0" lvl="0" indent="0">
+              <a:buNone/>
+            </a:pPr>
+            <a:r>
+              <a:rPr dirty="0"/>
+              <a:t>How can we apply the bootstrap algorithm for two-sample statistics?</a:t>
+            </a:r>
+          </a:p>
+          <a:p>
+            <a:pPr lvl="0"/>
+            <a:r>
+              <a:rPr dirty="0"/>
+              <a:t>Example, difference of means of two independently sampled populations</a:t>
+            </a:r>
+          </a:p>
+          <a:p>
+            <a:pPr lvl="0"/>
+            <a:r>
+              <a:rPr dirty="0"/>
+              <a:t>How to generate bootstrap samples?</a:t>
+            </a:r>
+          </a:p>
+          <a:p>
+            <a:pPr lvl="0"/>
+            <a:r>
+              <a:rPr dirty="0"/>
+              <a:t>Can we just sample the concatenation of the two samples?</a:t>
+            </a:r>
+          </a:p>
+          <a:p>
+            <a:pPr lvl="0"/>
+            <a:r>
+              <a:rPr b="1" dirty="0"/>
+              <a:t>No!</a:t>
+            </a:r>
+          </a:p>
+          <a:p>
+            <a:pPr lvl="1"/>
+            <a:r>
+              <a:rPr dirty="0"/>
+              <a:t>There is no guarantee of a correct number of resamples for each group</a:t>
+            </a:r>
+          </a:p>
+          <a:p>
+            <a:pPr lvl="1"/>
+            <a:r>
+              <a:rPr dirty="0"/>
+              <a:t>Imbalanced sampling leads to bias</a:t>
+            </a:r>
+          </a:p>
+          <a:p>
+            <a:pPr lvl="0"/>
+            <a:r>
+              <a:rPr dirty="0"/>
+              <a:t>Must </a:t>
+            </a:r>
+            <a:r>
+              <a:rPr b="1" dirty="0"/>
+              <a:t>independently sample the two groups</a:t>
+            </a:r>
+            <a:r>
+              <a:rPr dirty="0"/>
+              <a:t> or populations</a:t>
+            </a:r>
+          </a:p>
+          <a:p>
+            <a:pPr lvl="0"/>
+            <a:r>
+              <a:rPr dirty="0"/>
+              <a:t>Compute the statistic from the two samples</a:t>
+            </a:r>
+          </a:p>
+        </p:txBody>
+      </p:sp>
+    </p:spTree>
+    <p:extLst>
+      <p:ext uri="{BB962C8B-B14F-4D97-AF65-F5344CB8AC3E}">
+        <p14:creationId xmlns:p14="http://schemas.microsoft.com/office/powerpoint/2010/main" val="2183649705"/>
+      </p:ext>
+    </p:extLst>
+  </p:cSld>
+  <p:clrMapOvr>
+    <a:masterClrMapping/>
+  </p:clrMapOvr>
+</p:sld>
+</file>
+
+<file path=ppt/slides/slide24.xml><?xml version="1.0" encoding="utf-8"?>
+<p:sld xmlns:a="http://schemas.openxmlformats.org/drawingml/2006/main" xmlns:r="http://schemas.openxmlformats.org/officeDocument/2006/relationships" xmlns:p="http://schemas.openxmlformats.org/presentationml/2006/main">
+  <p:cSld>
+    <p:spTree>
+      <p:nvGrpSpPr>
+        <p:cNvPr id="1" name=""/>
+        <p:cNvGrpSpPr/>
+        <p:nvPr/>
+      </p:nvGrpSpPr>
+      <p:grpSpPr>
+        <a:xfrm>
+          <a:off x="0" y="0"/>
+          <a:ext cx="0" cy="0"/>
+          <a:chOff x="0" y="0"/>
+          <a:chExt cx="0" cy="0"/>
+        </a:xfrm>
+      </p:grpSpPr>
+      <p:sp>
+        <p:nvSpPr>
+          <p:cNvPr id="2" name="Title 1"/>
+          <p:cNvSpPr>
+            <a:spLocks noGrp="1"/>
+          </p:cNvSpPr>
+          <p:nvPr>
+            <p:ph type="title"/>
+          </p:nvPr>
+        </p:nvSpPr>
+        <p:spPr/>
+        <p:txBody>
+          <a:bodyPr/>
+          <a:lstStyle/>
+          <a:p>
+            <a:pPr marL="0" lvl="0" indent="0">
+              <a:buNone/>
+            </a:pPr>
+            <a:r>
               <a:rPr dirty="0"/>
               <a:t>Two Sample Bootstrap</a:t>
             </a:r>
@@ -11607,7 +11712,7 @@
 </p:sld>
 </file>
 
-<file path=ppt/slides/slide24.xml><?xml version="1.0" encoding="utf-8"?>
+<file path=ppt/slides/slide25.xml><?xml version="1.0" encoding="utf-8"?>
 <p:sld xmlns:a="http://schemas.openxmlformats.org/drawingml/2006/main" xmlns:r="http://schemas.openxmlformats.org/officeDocument/2006/relationships" xmlns:p="http://schemas.openxmlformats.org/presentationml/2006/main">
   <p:cSld>
     <p:spTree>
@@ -11750,7 +11855,7 @@
 </p:sld>
 </file>
 
-<file path=ppt/slides/slide25.xml><?xml version="1.0" encoding="utf-8"?>
+<file path=ppt/slides/slide26.xml><?xml version="1.0" encoding="utf-8"?>
 <p:sld xmlns:a="http://schemas.openxmlformats.org/drawingml/2006/main" xmlns:r="http://schemas.openxmlformats.org/officeDocument/2006/relationships" xmlns:p="http://schemas.openxmlformats.org/presentationml/2006/main">
   <p:cSld>
     <p:spTree>
@@ -12590,7 +12695,7 @@
 </p:sld>
 </file>
 
-<file path=ppt/slides/slide26.xml><?xml version="1.0" encoding="utf-8"?>
+<file path=ppt/slides/slide27.xml><?xml version="1.0" encoding="utf-8"?>
 <p:sld xmlns:a="http://schemas.openxmlformats.org/drawingml/2006/main" xmlns:r="http://schemas.openxmlformats.org/officeDocument/2006/relationships" xmlns:p="http://schemas.openxmlformats.org/presentationml/2006/main">
   <p:cSld>
     <p:spTree>
@@ -12786,7 +12891,7 @@
 </p:sld>
 </file>
 
-<file path=ppt/slides/slide27.xml><?xml version="1.0" encoding="utf-8"?>
+<file path=ppt/slides/slide28.xml><?xml version="1.0" encoding="utf-8"?>
 <p:sld xmlns:a="http://schemas.openxmlformats.org/drawingml/2006/main" xmlns:r="http://schemas.openxmlformats.org/officeDocument/2006/relationships" xmlns:p="http://schemas.openxmlformats.org/presentationml/2006/main">
   <p:cSld>
     <p:spTree>
@@ -12994,161 +13099,6 @@
 </p:sld>
 </file>
 
-<file path=ppt/slides/slide28.xml><?xml version="1.0" encoding="utf-8"?>
-<p:sld xmlns:a="http://schemas.openxmlformats.org/drawingml/2006/main" xmlns:r="http://schemas.openxmlformats.org/officeDocument/2006/relationships" xmlns:p="http://schemas.openxmlformats.org/presentationml/2006/main">
-  <p:cSld>
-    <p:spTree>
-      <p:nvGrpSpPr>
-        <p:cNvPr id="1" name=""/>
-        <p:cNvGrpSpPr/>
-        <p:nvPr/>
-      </p:nvGrpSpPr>
-      <p:grpSpPr>
-        <a:xfrm>
-          <a:off x="0" y="0"/>
-          <a:ext cx="0" cy="0"/>
-          <a:chOff x="0" y="0"/>
-          <a:chExt cx="0" cy="0"/>
-        </a:xfrm>
-      </p:grpSpPr>
-      <p:sp>
-        <p:nvSpPr>
-          <p:cNvPr id="2" name="Title 1"/>
-          <p:cNvSpPr>
-            <a:spLocks noGrp="1"/>
-          </p:cNvSpPr>
-          <p:nvPr>
-            <p:ph type="title"/>
-          </p:nvPr>
-        </p:nvSpPr>
-        <p:spPr/>
-        <p:txBody>
-          <a:bodyPr/>
-          <a:lstStyle/>
-          <a:p>
-            <a:pPr marL="0" lvl="0" indent="0">
-              <a:buNone/>
-            </a:pPr>
-            <a:r>
-              <a:t>Summary</a:t>
-            </a:r>
-          </a:p>
-        </p:txBody>
-      </p:sp>
-      <p:sp>
-        <p:nvSpPr>
-          <p:cNvPr id="3" name="Content Placeholder 2"/>
-          <p:cNvSpPr>
-            <a:spLocks noGrp="1"/>
-          </p:cNvSpPr>
-          <p:nvPr>
-            <p:ph idx="1"/>
-          </p:nvPr>
-        </p:nvSpPr>
-        <p:spPr>
-          <a:xfrm>
-            <a:off x="457200" y="1063229"/>
-            <a:ext cx="8229600" cy="3643028"/>
-          </a:xfrm>
-        </p:spPr>
-        <p:txBody>
-          <a:bodyPr>
-            <a:normAutofit fontScale="92500" lnSpcReduction="20000"/>
-          </a:bodyPr>
-          <a:lstStyle/>
-          <a:p>
-            <a:pPr marL="0" lvl="0" indent="0">
-              <a:buNone/>
-            </a:pPr>
-            <a:r>
-              <a:rPr dirty="0"/>
-              <a:t>Bootstrap estimation is widely useful and requires minimal assumption</a:t>
-            </a:r>
-          </a:p>
-          <a:p>
-            <a:pPr lvl="0"/>
-            <a:r>
-              <a:rPr dirty="0"/>
-              <a:t>Bootstrap distribution comprise</a:t>
-            </a:r>
-            <a:r>
-              <a:rPr lang="en-US" dirty="0"/>
-              <a:t>s</a:t>
-            </a:r>
-            <a:r>
-              <a:rPr dirty="0"/>
-              <a:t> values of </a:t>
-            </a:r>
-            <a:r>
-              <a:rPr lang="en-US" dirty="0"/>
-              <a:t>a</a:t>
-            </a:r>
-            <a:r>
-              <a:rPr dirty="0"/>
-              <a:t> statistic computed from bootstrap resamples of the original observations (data sample)</a:t>
-            </a:r>
-          </a:p>
-          <a:p>
-            <a:pPr lvl="0"/>
-            <a:r>
-              <a:rPr dirty="0"/>
-              <a:t>Computing bootstrap distribution requires </a:t>
-            </a:r>
-            <a:r>
-              <a:rPr b="1" dirty="0"/>
-              <a:t>no assumptions about population distribution!</a:t>
-            </a:r>
-          </a:p>
-          <a:p>
-            <a:pPr lvl="1"/>
-            <a:r>
-              <a:rPr dirty="0"/>
-              <a:t>Bootstrap resampling substitutes computer power for paper and pencil statistician power</a:t>
-            </a:r>
-          </a:p>
-          <a:p>
-            <a:pPr lvl="0"/>
-            <a:r>
-              <a:rPr dirty="0"/>
-              <a:t>Bootstrap resampling estimates the </a:t>
-            </a:r>
-            <a:r>
-              <a:rPr b="1" dirty="0"/>
-              <a:t>bootstrap distribution</a:t>
-            </a:r>
-            <a:r>
-              <a:rPr dirty="0"/>
-              <a:t> of a statistic</a:t>
-            </a:r>
-          </a:p>
-          <a:p>
-            <a:pPr lvl="1"/>
-            <a:r>
-              <a:rPr dirty="0"/>
-              <a:t>Compute point estimate of the statistic, or bootstrap estimate</a:t>
-            </a:r>
-          </a:p>
-          <a:p>
-            <a:pPr lvl="1"/>
-            <a:r>
-              <a:rPr lang="en-US" dirty="0"/>
-              <a:t>Compute </a:t>
-            </a:r>
-            <a:r>
-              <a:rPr dirty="0"/>
-              <a:t>bootstrap confidence interval from the bootstrap distribution</a:t>
-            </a:r>
-          </a:p>
-        </p:txBody>
-      </p:sp>
-    </p:spTree>
-  </p:cSld>
-  <p:clrMapOvr>
-    <a:masterClrMapping/>
-  </p:clrMapOvr>
-</p:sld>
-</file>
-
 <file path=ppt/slides/slide29.xml><?xml version="1.0" encoding="utf-8"?>
 <p:sld xmlns:a="http://schemas.openxmlformats.org/drawingml/2006/main" xmlns:r="http://schemas.openxmlformats.org/officeDocument/2006/relationships" xmlns:p="http://schemas.openxmlformats.org/presentationml/2006/main">
   <p:cSld>
@@ -13178,15 +13128,19 @@
         </p:nvSpPr>
         <p:spPr/>
         <p:txBody>
-          <a:bodyPr/>
+          <a:bodyPr>
+            <a:normAutofit/>
+          </a:bodyPr>
           <a:lstStyle/>
           <a:p>
             <a:pPr marL="0" lvl="0" indent="0">
               <a:buNone/>
             </a:pPr>
             <a:r>
-              <a:t>Summary</a:t>
-            </a:r>
+              <a:rPr lang="en-US" dirty="0"/>
+              <a:t>Why Not Just Use a Two-Sample t-test?</a:t>
+            </a:r>
+            <a:endParaRPr dirty="0"/>
           </a:p>
         </p:txBody>
       </p:sp>
@@ -13202,13 +13156,13 @@
         </p:nvSpPr>
         <p:spPr>
           <a:xfrm>
-            <a:off x="457200" y="1106714"/>
-            <a:ext cx="8229600" cy="3693885"/>
+            <a:off x="457200" y="1200151"/>
+            <a:ext cx="5561584" cy="3394472"/>
           </a:xfrm>
         </p:spPr>
         <p:txBody>
           <a:bodyPr>
-            <a:normAutofit fontScale="92500" lnSpcReduction="10000"/>
+            <a:normAutofit lnSpcReduction="10000"/>
           </a:bodyPr>
           <a:lstStyle/>
           <a:p>
@@ -13216,81 +13170,75 @@
               <a:buNone/>
             </a:pPr>
             <a:r>
-              <a:rPr dirty="0"/>
-              <a:t>There are several variations of the basi</a:t>
-            </a:r>
-            <a:r>
               <a:rPr lang="en-US" dirty="0"/>
-              <a:t>c</a:t>
-            </a:r>
-            <a:r>
-              <a:rPr dirty="0"/>
-              <a:t> nonparametric bootstrap algorithm</a:t>
-            </a:r>
-          </a:p>
-          <a:p>
-            <a:pPr lvl="0"/>
-            <a:r>
-              <a:rPr dirty="0"/>
-              <a:t>One sample bootstrap</a:t>
-            </a:r>
-          </a:p>
-          <a:p>
-            <a:pPr lvl="1"/>
-            <a:r>
-              <a:rPr dirty="0"/>
-              <a:t>Inference on single population</a:t>
-            </a:r>
-            <a:endParaRPr lang="en-US" dirty="0"/>
-          </a:p>
-          <a:p>
-            <a:pPr lvl="1"/>
+              <a:t>A two-sample t-test is strictly valid for Normal distributions</a:t>
+            </a:r>
+          </a:p>
+          <a:p>
             <a:r>
               <a:rPr lang="en-US" dirty="0"/>
-              <a:t>One sample statistics</a:t>
-            </a:r>
+              <a:t>The difference of means is clearly Normally distributed, per the CLT! </a:t>
+            </a:r>
+          </a:p>
+          <a:p>
+            <a:r>
+              <a:rPr lang="en-US" dirty="0"/>
+              <a:t>But other statistics do not have Normal distributions </a:t>
+            </a:r>
+          </a:p>
+          <a:p>
+            <a:r>
+              <a:rPr lang="en-US" dirty="0"/>
+              <a:t>Can try to find specialized tests and validate assumptions</a:t>
+            </a:r>
+          </a:p>
+          <a:p>
+            <a:r>
+              <a:rPr lang="en-US" dirty="0"/>
+              <a:t>Or just bootstrap!</a:t>
+            </a:r>
+          </a:p>
+          <a:p>
             <a:endParaRPr dirty="0"/>
           </a:p>
-          <a:p>
-            <a:pPr lvl="0"/>
-            <a:r>
-              <a:rPr dirty="0"/>
-              <a:t>Two sample bootstrap</a:t>
-            </a:r>
-          </a:p>
-          <a:p>
-            <a:pPr lvl="1"/>
-            <a:r>
-              <a:rPr dirty="0"/>
-              <a:t>Inference on different populations</a:t>
-            </a:r>
-            <a:endParaRPr lang="en-US" dirty="0"/>
-          </a:p>
-          <a:p>
-            <a:pPr lvl="1"/>
-            <a:r>
-              <a:rPr lang="en-US" dirty="0"/>
-              <a:t>Two sample statistics</a:t>
-            </a:r>
-            <a:endParaRPr dirty="0"/>
-          </a:p>
-          <a:p>
-            <a:pPr lvl="0"/>
-            <a:r>
-              <a:rPr dirty="0"/>
-              <a:t>Special cases</a:t>
-            </a:r>
-          </a:p>
-          <a:p>
-            <a:pPr lvl="1"/>
-            <a:r>
-              <a:rPr dirty="0"/>
-              <a:t>Correlation coefficients - part of your assignment</a:t>
-            </a:r>
-          </a:p>
-        </p:txBody>
-      </p:sp>
+        </p:txBody>
+      </p:sp>
+      <p:pic>
+        <p:nvPicPr>
+          <p:cNvPr id="5" name="Picture 4">
+            <a:extLst>
+              <a:ext uri="{FF2B5EF4-FFF2-40B4-BE49-F238E27FC236}">
+                <a16:creationId xmlns:a16="http://schemas.microsoft.com/office/drawing/2014/main" id="{1651016B-EF06-B502-C284-1C2C0CEFEFCE}"/>
+              </a:ext>
+            </a:extLst>
+          </p:cNvPr>
+          <p:cNvPicPr>
+            <a:picLocks noChangeAspect="1"/>
+          </p:cNvPicPr>
+          <p:nvPr/>
+        </p:nvPicPr>
+        <p:blipFill>
+          <a:blip r:embed="rId2"/>
+          <a:stretch>
+            <a:fillRect/>
+          </a:stretch>
+        </p:blipFill>
+        <p:spPr>
+          <a:xfrm>
+            <a:off x="6273036" y="841829"/>
+            <a:ext cx="2831050" cy="4276271"/>
+          </a:xfrm>
+          <a:prstGeom prst="rect">
+            <a:avLst/>
+          </a:prstGeom>
+        </p:spPr>
+      </p:pic>
     </p:spTree>
+    <p:extLst>
+      <p:ext uri="{BB962C8B-B14F-4D97-AF65-F5344CB8AC3E}">
+        <p14:creationId xmlns:p14="http://schemas.microsoft.com/office/powerpoint/2010/main" val="893594797"/>
+      </p:ext>
+    </p:extLst>
   </p:cSld>
   <p:clrMapOvr>
     <a:masterClrMapping/>
@@ -13487,6 +13435,310 @@
 </file>
 
 <file path=ppt/slides/slide30.xml><?xml version="1.0" encoding="utf-8"?>
+<p:sld xmlns:a="http://schemas.openxmlformats.org/drawingml/2006/main" xmlns:r="http://schemas.openxmlformats.org/officeDocument/2006/relationships" xmlns:p="http://schemas.openxmlformats.org/presentationml/2006/main">
+  <p:cSld>
+    <p:spTree>
+      <p:nvGrpSpPr>
+        <p:cNvPr id="1" name=""/>
+        <p:cNvGrpSpPr/>
+        <p:nvPr/>
+      </p:nvGrpSpPr>
+      <p:grpSpPr>
+        <a:xfrm>
+          <a:off x="0" y="0"/>
+          <a:ext cx="0" cy="0"/>
+          <a:chOff x="0" y="0"/>
+          <a:chExt cx="0" cy="0"/>
+        </a:xfrm>
+      </p:grpSpPr>
+      <p:sp>
+        <p:nvSpPr>
+          <p:cNvPr id="2" name="Title 1"/>
+          <p:cNvSpPr>
+            <a:spLocks noGrp="1"/>
+          </p:cNvSpPr>
+          <p:nvPr>
+            <p:ph type="title"/>
+          </p:nvPr>
+        </p:nvSpPr>
+        <p:spPr/>
+        <p:txBody>
+          <a:bodyPr/>
+          <a:lstStyle/>
+          <a:p>
+            <a:pPr marL="0" lvl="0" indent="0">
+              <a:buNone/>
+            </a:pPr>
+            <a:r>
+              <a:t>Summary</a:t>
+            </a:r>
+          </a:p>
+        </p:txBody>
+      </p:sp>
+      <p:sp>
+        <p:nvSpPr>
+          <p:cNvPr id="3" name="Content Placeholder 2"/>
+          <p:cNvSpPr>
+            <a:spLocks noGrp="1"/>
+          </p:cNvSpPr>
+          <p:nvPr>
+            <p:ph idx="1"/>
+          </p:nvPr>
+        </p:nvSpPr>
+        <p:spPr>
+          <a:xfrm>
+            <a:off x="457200" y="1063229"/>
+            <a:ext cx="8229600" cy="3643028"/>
+          </a:xfrm>
+        </p:spPr>
+        <p:txBody>
+          <a:bodyPr>
+            <a:normAutofit fontScale="92500" lnSpcReduction="20000"/>
+          </a:bodyPr>
+          <a:lstStyle/>
+          <a:p>
+            <a:pPr marL="0" lvl="0" indent="0">
+              <a:buNone/>
+            </a:pPr>
+            <a:r>
+              <a:rPr dirty="0"/>
+              <a:t>Bootstrap estimation is widely useful and requires minimal assumption</a:t>
+            </a:r>
+          </a:p>
+          <a:p>
+            <a:pPr lvl="0"/>
+            <a:r>
+              <a:rPr dirty="0"/>
+              <a:t>Bootstrap distribution comprise</a:t>
+            </a:r>
+            <a:r>
+              <a:rPr lang="en-US" dirty="0"/>
+              <a:t>s</a:t>
+            </a:r>
+            <a:r>
+              <a:rPr dirty="0"/>
+              <a:t> values of </a:t>
+            </a:r>
+            <a:r>
+              <a:rPr lang="en-US" dirty="0"/>
+              <a:t>a</a:t>
+            </a:r>
+            <a:r>
+              <a:rPr dirty="0"/>
+              <a:t> statistic computed from bootstrap resamples of the original observations (data sample)</a:t>
+            </a:r>
+          </a:p>
+          <a:p>
+            <a:pPr lvl="0"/>
+            <a:r>
+              <a:rPr dirty="0"/>
+              <a:t>Computing bootstrap distribution requires </a:t>
+            </a:r>
+            <a:r>
+              <a:rPr b="1" dirty="0"/>
+              <a:t>no assumptions about population distribution!</a:t>
+            </a:r>
+          </a:p>
+          <a:p>
+            <a:pPr lvl="1"/>
+            <a:r>
+              <a:rPr dirty="0"/>
+              <a:t>Bootstrap resampling substitutes computer power for paper and pencil statistician power</a:t>
+            </a:r>
+          </a:p>
+          <a:p>
+            <a:pPr lvl="0"/>
+            <a:r>
+              <a:rPr dirty="0"/>
+              <a:t>Bootstrap resampling estimates the </a:t>
+            </a:r>
+            <a:r>
+              <a:rPr b="1" dirty="0"/>
+              <a:t>bootstrap distribution</a:t>
+            </a:r>
+            <a:r>
+              <a:rPr dirty="0"/>
+              <a:t> of a statistic</a:t>
+            </a:r>
+          </a:p>
+          <a:p>
+            <a:pPr lvl="1"/>
+            <a:r>
+              <a:rPr dirty="0"/>
+              <a:t>Compute point estimate of the statistic, or bootstrap estimate</a:t>
+            </a:r>
+          </a:p>
+          <a:p>
+            <a:pPr lvl="1"/>
+            <a:r>
+              <a:rPr lang="en-US" dirty="0"/>
+              <a:t>Compute </a:t>
+            </a:r>
+            <a:r>
+              <a:rPr dirty="0"/>
+              <a:t>bootstrap confidence interval from the bootstrap distribution</a:t>
+            </a:r>
+          </a:p>
+        </p:txBody>
+      </p:sp>
+    </p:spTree>
+  </p:cSld>
+  <p:clrMapOvr>
+    <a:masterClrMapping/>
+  </p:clrMapOvr>
+</p:sld>
+</file>
+
+<file path=ppt/slides/slide31.xml><?xml version="1.0" encoding="utf-8"?>
+<p:sld xmlns:a="http://schemas.openxmlformats.org/drawingml/2006/main" xmlns:r="http://schemas.openxmlformats.org/officeDocument/2006/relationships" xmlns:p="http://schemas.openxmlformats.org/presentationml/2006/main">
+  <p:cSld>
+    <p:spTree>
+      <p:nvGrpSpPr>
+        <p:cNvPr id="1" name=""/>
+        <p:cNvGrpSpPr/>
+        <p:nvPr/>
+      </p:nvGrpSpPr>
+      <p:grpSpPr>
+        <a:xfrm>
+          <a:off x="0" y="0"/>
+          <a:ext cx="0" cy="0"/>
+          <a:chOff x="0" y="0"/>
+          <a:chExt cx="0" cy="0"/>
+        </a:xfrm>
+      </p:grpSpPr>
+      <p:sp>
+        <p:nvSpPr>
+          <p:cNvPr id="2" name="Title 1"/>
+          <p:cNvSpPr>
+            <a:spLocks noGrp="1"/>
+          </p:cNvSpPr>
+          <p:nvPr>
+            <p:ph type="title"/>
+          </p:nvPr>
+        </p:nvSpPr>
+        <p:spPr/>
+        <p:txBody>
+          <a:bodyPr/>
+          <a:lstStyle/>
+          <a:p>
+            <a:pPr marL="0" lvl="0" indent="0">
+              <a:buNone/>
+            </a:pPr>
+            <a:r>
+              <a:t>Summary</a:t>
+            </a:r>
+          </a:p>
+        </p:txBody>
+      </p:sp>
+      <p:sp>
+        <p:nvSpPr>
+          <p:cNvPr id="3" name="Content Placeholder 2"/>
+          <p:cNvSpPr>
+            <a:spLocks noGrp="1"/>
+          </p:cNvSpPr>
+          <p:nvPr>
+            <p:ph idx="1"/>
+          </p:nvPr>
+        </p:nvSpPr>
+        <p:spPr>
+          <a:xfrm>
+            <a:off x="457200" y="1106714"/>
+            <a:ext cx="8229600" cy="3693885"/>
+          </a:xfrm>
+        </p:spPr>
+        <p:txBody>
+          <a:bodyPr>
+            <a:normAutofit fontScale="92500" lnSpcReduction="10000"/>
+          </a:bodyPr>
+          <a:lstStyle/>
+          <a:p>
+            <a:pPr marL="0" lvl="0" indent="0">
+              <a:buNone/>
+            </a:pPr>
+            <a:r>
+              <a:rPr dirty="0"/>
+              <a:t>There are several variations of the basi</a:t>
+            </a:r>
+            <a:r>
+              <a:rPr lang="en-US" dirty="0"/>
+              <a:t>c</a:t>
+            </a:r>
+            <a:r>
+              <a:rPr dirty="0"/>
+              <a:t> nonparametric bootstrap algorithm</a:t>
+            </a:r>
+          </a:p>
+          <a:p>
+            <a:pPr lvl="0"/>
+            <a:r>
+              <a:rPr dirty="0"/>
+              <a:t>One sample bootstrap</a:t>
+            </a:r>
+          </a:p>
+          <a:p>
+            <a:pPr lvl="1"/>
+            <a:r>
+              <a:rPr dirty="0"/>
+              <a:t>Inference on single population</a:t>
+            </a:r>
+            <a:endParaRPr lang="en-US" dirty="0"/>
+          </a:p>
+          <a:p>
+            <a:pPr lvl="1"/>
+            <a:r>
+              <a:rPr lang="en-US" dirty="0"/>
+              <a:t>One sample statistics</a:t>
+            </a:r>
+            <a:endParaRPr dirty="0"/>
+          </a:p>
+          <a:p>
+            <a:pPr lvl="0"/>
+            <a:r>
+              <a:rPr dirty="0"/>
+              <a:t>Two sample bootstrap</a:t>
+            </a:r>
+          </a:p>
+          <a:p>
+            <a:pPr lvl="1"/>
+            <a:r>
+              <a:rPr dirty="0"/>
+              <a:t>Inference on different populations</a:t>
+            </a:r>
+            <a:endParaRPr lang="en-US" dirty="0"/>
+          </a:p>
+          <a:p>
+            <a:pPr lvl="1"/>
+            <a:r>
+              <a:rPr lang="en-US" dirty="0"/>
+              <a:t>Two sample statistics</a:t>
+            </a:r>
+            <a:endParaRPr dirty="0"/>
+          </a:p>
+          <a:p>
+            <a:pPr lvl="0"/>
+            <a:r>
+              <a:rPr dirty="0"/>
+              <a:t>Special cases</a:t>
+            </a:r>
+          </a:p>
+          <a:p>
+            <a:pPr lvl="1"/>
+            <a:r>
+              <a:rPr dirty="0"/>
+              <a:t>Correlation coefficients - part of your assignment</a:t>
+            </a:r>
+          </a:p>
+        </p:txBody>
+      </p:sp>
+    </p:spTree>
+  </p:cSld>
+  <p:clrMapOvr>
+    <a:masterClrMapping/>
+  </p:clrMapOvr>
+</p:sld>
+</file>
+
+<file path=ppt/slides/slide32.xml><?xml version="1.0" encoding="utf-8"?>
 <p:sld xmlns:a="http://schemas.openxmlformats.org/drawingml/2006/main" xmlns:r="http://schemas.openxmlformats.org/officeDocument/2006/relationships" xmlns:p="http://schemas.openxmlformats.org/presentationml/2006/main">
   <p:cSld>
     <p:spTree>

--- a/LectureSlides/06b_IntroductionToBootstrap.pptx
+++ b/LectureSlides/06b_IntroductionToBootstrap.pptx
@@ -4059,6 +4059,11 @@
               <a:rPr dirty="0"/>
               <a:t>Repeat steps 1 and 2 to accumulate the required number of bootstrap samples</a:t>
             </a:r>
+            <a:r>
+              <a:rPr lang="en-US" dirty="0"/>
+              <a:t> of the statistic</a:t>
+            </a:r>
+            <a:endParaRPr dirty="0"/>
           </a:p>
           <a:p>
             <a:pPr marL="342900" lvl="0" indent="-342900">
@@ -10279,8 +10284,8 @@
           </a:p>
         </p:txBody>
       </p:sp>
-      <mc:AlternateContent xmlns:mc="http://schemas.openxmlformats.org/markup-compatibility/2006" xmlns:a14="http://schemas.microsoft.com/office/drawing/2010/main">
-        <mc:Choice Requires="a14">
+      <mc:AlternateContent xmlns:mc="http://schemas.openxmlformats.org/markup-compatibility/2006">
+        <mc:Choice xmlns:a14="http://schemas.microsoft.com/office/drawing/2010/main" Requires="a14">
           <p:sp>
             <p:nvSpPr>
               <p:cNvPr id="3" name="Content Placeholder 2"/>
@@ -10307,22 +10312,18 @@
                   <a:buNone/>
                 </a:pPr>
                 <a:r>
-                  <a:rPr dirty="0"/>
-                  <a:t>Distribution of 2000 bootstrap </a:t>
+                  <a:rPr lang="en-US" b="1" dirty="0"/>
+                  <a:t>Percentile method </a:t>
                 </a:r>
                 <a:r>
-                  <a:rPr dirty="0" err="1"/>
-                  <a:t>bootstrap</a:t>
-                </a:r>
-                <a:r>
-                  <a:rPr dirty="0"/>
-                  <a:t> confidence intervals?</a:t>
+                  <a:rPr lang="en-US" dirty="0"/>
+                  <a:t>is a simple algorithm for computing bootstrap CIs</a:t>
                 </a:r>
               </a:p>
               <a:p>
                 <a:pPr lvl="0"/>
                 <a:r>
-                  <a:rPr dirty="0"/>
+                  <a:rPr lang="en-US" dirty="0"/>
                   <a:t>Two sided CI percentile method:</a:t>
                 </a:r>
               </a:p>
@@ -10331,56 +10332,74 @@
                   <a:buAutoNum type="arabicPeriod"/>
                 </a:pPr>
                 <a:r>
-                  <a:rPr dirty="0"/>
+                  <a:rPr lang="en-US" dirty="0"/>
                   <a:t>Define confidence level, </a:t>
                 </a:r>
                 <a:r>
-                  <a:rPr dirty="0" err="1"/>
+                  <a:rPr lang="en-US" dirty="0" err="1"/>
                   <a:t>eg.</a:t>
                 </a:r>
                 <a:r>
-                  <a:rPr dirty="0"/>
+                  <a:rPr lang="en-US" dirty="0"/>
                   <a:t> 95% or </a:t>
                 </a:r>
                 <a14:m>
                   <m:oMath xmlns:m="http://schemas.openxmlformats.org/officeDocument/2006/math">
                     <m:r>
-                      <a:rPr>
+                      <a:rPr lang="en-US">
                         <a:latin typeface="Cambria Math" panose="02040503050406030204" pitchFamily="18" charset="0"/>
                       </a:rPr>
                       <m:t>𝛼</m:t>
                     </m:r>
                     <m:r>
-                      <a:rPr>
+                      <a:rPr lang="en-US">
                         <a:latin typeface="Cambria Math" panose="02040503050406030204" pitchFamily="18" charset="0"/>
                       </a:rPr>
-                      <m:t>=0.05</m:t>
+                      <m:t>=</m:t>
+                    </m:r>
+                    <m:r>
+                      <a:rPr lang="en-US">
+                        <a:latin typeface="Cambria Math" panose="02040503050406030204" pitchFamily="18" charset="0"/>
+                      </a:rPr>
+                      <m:t>0</m:t>
+                    </m:r>
+                    <m:r>
+                      <a:rPr lang="en-US">
+                        <a:latin typeface="Cambria Math" panose="02040503050406030204" pitchFamily="18" charset="0"/>
+                      </a:rPr>
+                      <m:t>.</m:t>
+                    </m:r>
+                    <m:r>
+                      <a:rPr lang="en-US">
+                        <a:latin typeface="Cambria Math" panose="02040503050406030204" pitchFamily="18" charset="0"/>
+                      </a:rPr>
+                      <m:t>05</m:t>
                     </m:r>
                   </m:oMath>
                 </a14:m>
-                <a:endParaRPr dirty="0"/>
+                <a:endParaRPr lang="en-US" dirty="0"/>
               </a:p>
               <a:p>
                 <a:pPr marL="685800" lvl="1" indent="-342900">
                   <a:buAutoNum type="arabicPeriod"/>
                 </a:pPr>
                 <a:r>
-                  <a:rPr dirty="0"/>
-                  <a:t>Order b bootstrap samples, </a:t>
+                  <a:rPr lang="en-US" dirty="0"/>
+                  <a:t>Sort b bootstrap samples, </a:t>
                 </a:r>
                 <a14:m>
                   <m:oMath xmlns:m="http://schemas.openxmlformats.org/officeDocument/2006/math">
                     <m:sSub>
                       <m:sSubPr>
                         <m:ctrlPr>
-                          <a:rPr i="1">
+                          <a:rPr lang="ar-AE" i="1">
                             <a:latin typeface="Cambria Math" panose="02040503050406030204" pitchFamily="18" charset="0"/>
                           </a:rPr>
                         </m:ctrlPr>
                       </m:sSubPr>
                       <m:e>
                         <m:r>
-                          <a:rPr>
+                          <a:rPr lang="ar-AE">
                             <a:latin typeface="Cambria Math" panose="02040503050406030204" pitchFamily="18" charset="0"/>
                           </a:rPr>
                           <m:t>𝑠</m:t>
@@ -10388,7 +10407,7 @@
                       </m:e>
                       <m:sub>
                         <m:r>
-                          <a:rPr>
+                          <a:rPr lang="ar-AE">
                             <a:latin typeface="Cambria Math" panose="02040503050406030204" pitchFamily="18" charset="0"/>
                           </a:rPr>
                           <m:t>𝑖</m:t>
@@ -10398,8 +10417,12 @@
                   </m:oMath>
                 </a14:m>
                 <a:r>
-                  <a:rPr dirty="0"/>
-                  <a:t>, by value</a:t>
+                  <a:rPr lang="ar-AE" dirty="0"/>
+                  <a:t>, </a:t>
+                </a:r>
+                <a:r>
+                  <a:rPr lang="en-US" dirty="0"/>
+                  <a:t>in ascending order</a:t>
                 </a:r>
               </a:p>
               <a:p>
@@ -10407,81 +10430,131 @@
                   <a:buAutoNum type="arabicPeriod"/>
                 </a:pPr>
                 <a:r>
-                  <a:rPr dirty="0"/>
+                  <a:rPr lang="en-US" dirty="0"/>
                   <a:t>Lower CI index; </a:t>
                 </a:r>
                 <a14:m>
                   <m:oMath xmlns:m="http://schemas.openxmlformats.org/officeDocument/2006/math">
+                    <m:sSub>
+                      <m:sSubPr>
+                        <m:ctrlPr>
+                          <a:rPr lang="ar-AE" i="1" smtClean="0">
+                            <a:latin typeface="Cambria Math" panose="02040503050406030204" pitchFamily="18" charset="0"/>
+                          </a:rPr>
+                        </m:ctrlPr>
+                      </m:sSubPr>
+                      <m:e>
+                        <m:r>
+                          <a:rPr lang="ar-AE" b="0" i="1" smtClean="0">
+                            <a:latin typeface="Cambria Math" panose="02040503050406030204" pitchFamily="18" charset="0"/>
+                          </a:rPr>
+                          <m:t>𝑖</m:t>
+                        </m:r>
+                      </m:e>
+                      <m:sub>
+                        <m:r>
+                          <a:rPr lang="en-US" b="0" i="1" smtClean="0">
+                            <a:latin typeface="Cambria Math" panose="02040503050406030204" pitchFamily="18" charset="0"/>
+                          </a:rPr>
+                          <m:t>𝑙𝑜𝑤𝑒𝑟</m:t>
+                        </m:r>
+                      </m:sub>
+                    </m:sSub>
                     <m:r>
-                      <a:rPr>
-                        <a:latin typeface="Cambria Math" panose="02040503050406030204" pitchFamily="18" charset="0"/>
-                      </a:rPr>
-                      <m:t>𝑖</m:t>
-                    </m:r>
-                    <m:r>
-                      <a:rPr>
+                      <a:rPr lang="ar-AE">
                         <a:latin typeface="Cambria Math" panose="02040503050406030204" pitchFamily="18" charset="0"/>
                       </a:rPr>
                       <m:t>=</m:t>
                     </m:r>
                     <m:r>
-                      <a:rPr>
+                      <a:rPr lang="ar-AE">
                         <a:latin typeface="Cambria Math" panose="02040503050406030204" pitchFamily="18" charset="0"/>
                       </a:rPr>
                       <m:t>𝑏</m:t>
                     </m:r>
                     <m:r>
-                      <a:rPr>
+                      <a:rPr lang="ar-AE">
                         <a:latin typeface="Cambria Math" panose="02040503050406030204" pitchFamily="18" charset="0"/>
                       </a:rPr>
                       <m:t>∗</m:t>
                     </m:r>
                     <m:r>
-                      <a:rPr>
+                      <a:rPr lang="ar-AE">
                         <a:latin typeface="Cambria Math" panose="02040503050406030204" pitchFamily="18" charset="0"/>
                       </a:rPr>
                       <m:t>𝛼</m:t>
                     </m:r>
                     <m:r>
-                      <a:rPr>
+                      <a:rPr lang="ar-AE">
                         <a:latin typeface="Cambria Math" panose="02040503050406030204" pitchFamily="18" charset="0"/>
                       </a:rPr>
-                      <m:t>/2</m:t>
+                      <m:t>/</m:t>
+                    </m:r>
+                    <m:r>
+                      <a:rPr lang="ar-AE">
+                        <a:latin typeface="Cambria Math" panose="02040503050406030204" pitchFamily="18" charset="0"/>
+                      </a:rPr>
+                      <m:t>2</m:t>
                     </m:r>
                   </m:oMath>
                 </a14:m>
-                <a:endParaRPr dirty="0"/>
+                <a:endParaRPr lang="ar-AE" dirty="0"/>
               </a:p>
               <a:p>
-                <a:pPr marL="685800" lvl="1" indent="-342900">
+                <a:pPr lvl="1">
                   <a:buAutoNum type="arabicPeriod"/>
                 </a:pPr>
                 <a:r>
-                  <a:rPr dirty="0"/>
+                  <a:rPr lang="en-US" dirty="0"/>
                   <a:t>Upper CI index; </a:t>
                 </a:r>
                 <a14:m>
                   <m:oMath xmlns:m="http://schemas.openxmlformats.org/officeDocument/2006/math">
+                    <m:sSub>
+                      <m:sSubPr>
+                        <m:ctrlPr>
+                          <a:rPr lang="ar-AE" i="1">
+                            <a:latin typeface="Cambria Math" panose="02040503050406030204" pitchFamily="18" charset="0"/>
+                          </a:rPr>
+                        </m:ctrlPr>
+                      </m:sSubPr>
+                      <m:e>
+                        <m:r>
+                          <a:rPr lang="ar-AE" i="1">
+                            <a:latin typeface="Cambria Math" panose="02040503050406030204" pitchFamily="18" charset="0"/>
+                          </a:rPr>
+                          <m:t>𝑖</m:t>
+                        </m:r>
+                      </m:e>
+                      <m:sub>
+                        <m:r>
+                          <a:rPr lang="en-US" b="0" i="1" smtClean="0">
+                            <a:latin typeface="Cambria Math" panose="02040503050406030204" pitchFamily="18" charset="0"/>
+                          </a:rPr>
+                          <m:t>𝑢𝑝𝑝</m:t>
+                        </m:r>
+                        <m:r>
+                          <a:rPr lang="en-US" i="1">
+                            <a:latin typeface="Cambria Math" panose="02040503050406030204" pitchFamily="18" charset="0"/>
+                          </a:rPr>
+                          <m:t>𝑒𝑟</m:t>
+                        </m:r>
+                      </m:sub>
+                    </m:sSub>
                     <m:r>
-                      <a:rPr>
-                        <a:latin typeface="Cambria Math" panose="02040503050406030204" pitchFamily="18" charset="0"/>
-                      </a:rPr>
-                      <m:t>𝑖</m:t>
-                    </m:r>
-                    <m:r>
-                      <a:rPr>
+                      <a:rPr lang="en-US">
                         <a:latin typeface="Cambria Math" panose="02040503050406030204" pitchFamily="18" charset="0"/>
                       </a:rPr>
                       <m:t>=</m:t>
                     </m:r>
                     <m:r>
-                      <a:rPr>
+                      <a:rPr lang="en-US">
                         <a:latin typeface="Cambria Math" panose="02040503050406030204" pitchFamily="18" charset="0"/>
                       </a:rPr>
                       <m:t>𝑏</m:t>
                     </m:r>
                     <m:r>
-                      <a:rPr>
+                      <a:rPr lang="en-US">
                         <a:latin typeface="Cambria Math" panose="02040503050406030204" pitchFamily="18" charset="0"/>
                       </a:rPr>
                       <m:t>∗</m:t>
@@ -10489,88 +10562,101 @@
                     <m:d>
                       <m:dPr>
                         <m:ctrlPr>
-                          <a:rPr i="1">
+                          <a:rPr lang="ar-AE" i="1">
                             <a:latin typeface="Cambria Math" panose="02040503050406030204" pitchFamily="18" charset="0"/>
                           </a:rPr>
                         </m:ctrlPr>
                       </m:dPr>
                       <m:e>
                         <m:r>
-                          <a:rPr>
+                          <a:rPr lang="ar-AE">
                             <a:latin typeface="Cambria Math" panose="02040503050406030204" pitchFamily="18" charset="0"/>
                           </a:rPr>
-                          <m:t>1−</m:t>
+                          <m:t>1</m:t>
                         </m:r>
                         <m:r>
-                          <a:rPr>
+                          <a:rPr lang="ar-AE">
+                            <a:latin typeface="Cambria Math" panose="02040503050406030204" pitchFamily="18" charset="0"/>
+                          </a:rPr>
+                          <m:t>−</m:t>
+                        </m:r>
+                        <m:r>
+                          <a:rPr lang="ar-AE">
                             <a:latin typeface="Cambria Math" panose="02040503050406030204" pitchFamily="18" charset="0"/>
                           </a:rPr>
                           <m:t>𝛼</m:t>
                         </m:r>
                         <m:r>
-                          <a:rPr>
+                          <a:rPr lang="ar-AE">
                             <a:latin typeface="Cambria Math" panose="02040503050406030204" pitchFamily="18" charset="0"/>
                           </a:rPr>
-                          <m:t>/2</m:t>
+                          <m:t>/</m:t>
+                        </m:r>
+                        <m:r>
+                          <a:rPr lang="ar-AE">
+                            <a:latin typeface="Cambria Math" panose="02040503050406030204" pitchFamily="18" charset="0"/>
+                          </a:rPr>
+                          <m:t>2</m:t>
                         </m:r>
                       </m:e>
                     </m:d>
                   </m:oMath>
                 </a14:m>
-                <a:endParaRPr dirty="0"/>
+                <a:endParaRPr lang="ar-AE" dirty="0"/>
               </a:p>
               <a:p>
                 <a:pPr lvl="0"/>
                 <a:r>
-                  <a:rPr dirty="0"/>
+                  <a:rPr lang="en-US" dirty="0"/>
                   <a:t>Percentile method is know to be biased</a:t>
                 </a:r>
               </a:p>
               <a:p>
                 <a:pPr lvl="1"/>
                 <a:r>
-                  <a:rPr dirty="0"/>
+                  <a:rPr lang="en-US" dirty="0"/>
                   <a:t>Bias correction methods available</a:t>
                 </a:r>
               </a:p>
               <a:p>
                 <a:pPr lvl="0"/>
                 <a:r>
-                  <a:rPr dirty="0" err="1"/>
+                  <a:rPr lang="en-US" dirty="0" err="1"/>
                   <a:t>Efrom</a:t>
                 </a:r>
                 <a:r>
-                  <a:rPr dirty="0"/>
+                  <a:rPr lang="en-US" dirty="0"/>
                   <a:t> and </a:t>
                 </a:r>
                 <a:r>
-                  <a:rPr dirty="0" err="1"/>
+                  <a:rPr lang="en-US" dirty="0" err="1"/>
                   <a:t>Tibshirani</a:t>
                 </a:r>
                 <a:r>
-                  <a:rPr dirty="0"/>
+                  <a:rPr lang="en-US" dirty="0"/>
                   <a:t> (1993) and Efron and </a:t>
                 </a:r>
                 <a:r>
-                  <a:rPr dirty="0" err="1"/>
+                  <a:rPr lang="en-US" dirty="0" err="1"/>
                   <a:t>Hasti</a:t>
                 </a:r>
                 <a:r>
-                  <a:rPr dirty="0"/>
+                  <a:rPr lang="en-US" dirty="0"/>
                   <a:t> (2016) recommend using at least 2,000 bootstrap samples to estimate confidence intervals</a:t>
                 </a:r>
               </a:p>
               <a:p>
                 <a:pPr lvl="0"/>
                 <a:r>
-                  <a:rPr dirty="0"/>
+                  <a:rPr lang="en-US" dirty="0"/>
                   <a:t>Other authors recommend a larger number (e.g. 5,000-20,000) of resamples given low computer cost</a:t>
                 </a:r>
+                <a:endParaRPr dirty="0"/>
               </a:p>
             </p:txBody>
           </p:sp>
         </mc:Choice>
-        <mc:Fallback xmlns="">
+        <mc:Fallback>
           <p:sp>
             <p:nvSpPr>
               <p:cNvPr id="3" name="Content Placeholder 2"/>
@@ -10698,7 +10784,15 @@
             <a:pPr lvl="0"/>
             <a:r>
               <a:rPr dirty="0"/>
-              <a:t>In practice, bias </a:t>
+              <a:t>In practice, bias</a:t>
+            </a:r>
+            <a:r>
+              <a:rPr lang="en-US" dirty="0"/>
+              <a:t> correction</a:t>
+            </a:r>
+            <a:r>
+              <a:rPr dirty="0"/>
+              <a:t> </a:t>
             </a:r>
             <a:r>
               <a:rPr lang="en-US" dirty="0"/>
@@ -10820,21 +10914,45 @@
             </a:r>
             <a:r>
               <a:rPr dirty="0"/>
-              <a:t>ble in the early 20th Century</a:t>
+              <a:t>ble </a:t>
+            </a:r>
+            <a:r>
+              <a:rPr lang="en-US" dirty="0"/>
+              <a:t>until late </a:t>
+            </a:r>
+            <a:r>
+              <a:rPr dirty="0"/>
+              <a:t>20th Century</a:t>
             </a:r>
           </a:p>
           <a:p>
             <a:pPr lvl="0"/>
             <a:r>
               <a:rPr dirty="0"/>
-              <a:t>Repeatedly re-sampling the data with nonparametric model relaxes some assumptions of classical statistical methods</a:t>
+              <a:t>Repeatedly re-sampling the data </a:t>
+            </a:r>
+            <a:r>
+              <a:rPr lang="en-US" dirty="0"/>
+              <a:t>using</a:t>
+            </a:r>
+            <a:r>
+              <a:rPr dirty="0"/>
+              <a:t> nonparametric model relaxes some assumptions of classical statistical methods</a:t>
             </a:r>
           </a:p>
           <a:p>
             <a:pPr lvl="0"/>
             <a:r>
               <a:rPr dirty="0"/>
-              <a:t>Re-sampling methods draw heavily on the law of large number and the central limit theorem</a:t>
+              <a:t>Re-sampling methods draw heavily on the law of large number</a:t>
+            </a:r>
+            <a:r>
+              <a:rPr lang="en-US" dirty="0"/>
+              <a:t>s</a:t>
+            </a:r>
+            <a:r>
+              <a:rPr dirty="0"/>
+              <a:t> and the central limit theorem</a:t>
             </a:r>
           </a:p>
         </p:txBody>
@@ -11126,7 +11244,7 @@
             </a:pPr>
             <a:r>
               <a:rPr lang="en-US" sz="1800" dirty="0"/>
-              <a:t>The limits of the CI has the same sign and the CI does not include 0</a:t>
+              <a:t>The limits of the CI have the same sign and the CI does not include 0</a:t>
             </a:r>
           </a:p>
           <a:p>
@@ -11308,7 +11426,7 @@
         </p:spPr>
         <p:txBody>
           <a:bodyPr>
-            <a:normAutofit/>
+            <a:normAutofit fontScale="85000" lnSpcReduction="10000"/>
           </a:bodyPr>
           <a:lstStyle/>
           <a:p>
@@ -11329,14 +11447,22 @@
           <a:p>
             <a:r>
               <a:rPr lang="en-US" dirty="0"/>
-              <a:t>But, is this distribution Normal? </a:t>
+              <a:t>Do we care if the distribution of the sample Normal? </a:t>
             </a:r>
           </a:p>
           <a:p>
             <a:r>
               <a:rPr lang="en-US" dirty="0"/>
-              <a:t>This distribution is close to Normal, but perhaps not </a:t>
-            </a:r>
+              <a:t>By the CLT we know the sampling distribution of the mean estimate is Normal</a:t>
+            </a:r>
+          </a:p>
+          <a:p>
+            <a:r>
+              <a:rPr lang="en-US" dirty="0"/>
+              <a:t>The bootstrap distribution works for the sample distribution of any statistic</a:t>
+            </a:r>
+          </a:p>
+          <a:p>
             <a:endParaRPr dirty="0"/>
           </a:p>
         </p:txBody>
@@ -11495,18 +11621,35 @@
             </a:r>
             <a:r>
               <a:rPr b="1" dirty="0"/>
-              <a:t>independently sample the two groups</a:t>
-            </a:r>
+              <a:t>independently </a:t>
+            </a:r>
+            <a:r>
+              <a:rPr lang="en-US" b="1" dirty="0"/>
+              <a:t>re</a:t>
+            </a:r>
+            <a:r>
+              <a:rPr b="1" dirty="0"/>
+              <a:t>sample the two </a:t>
+            </a:r>
+            <a:r>
+              <a:rPr lang="en-US" b="1" dirty="0"/>
+              <a:t>sets of observations</a:t>
+            </a:r>
+            <a:endParaRPr dirty="0"/>
+          </a:p>
+          <a:p>
+            <a:pPr lvl="0"/>
             <a:r>
               <a:rPr dirty="0"/>
-              <a:t> or populations</a:t>
-            </a:r>
-          </a:p>
-          <a:p>
-            <a:pPr lvl="0"/>
+              <a:t>Compute the statistic from the two </a:t>
+            </a:r>
+            <a:r>
+              <a:rPr lang="en-US" dirty="0"/>
+              <a:t>independent re</a:t>
+            </a:r>
             <a:r>
               <a:rPr dirty="0"/>
-              <a:t>Compute the statistic from the two samples</a:t>
+              <a:t>samples</a:t>
             </a:r>
           </a:p>
         </p:txBody>
@@ -11622,7 +11765,7 @@
             </a:r>
             <a:r>
               <a:rPr lang="en-US" dirty="0"/>
-              <a:t>values</a:t>
+              <a:t>values respectively</a:t>
             </a:r>
             <a:r>
               <a:rPr dirty="0"/>
@@ -11654,7 +11797,7 @@
             </a:r>
             <a:r>
               <a:rPr lang="en-US" dirty="0"/>
-              <a:t>from</a:t>
+              <a:t>in</a:t>
             </a:r>
             <a:r>
               <a:rPr dirty="0"/>
@@ -11666,8 +11809,13 @@
             </a:r>
             <a:r>
               <a:rPr dirty="0"/>
-              <a:t> population</a:t>
-            </a:r>
+              <a:t> </a:t>
+            </a:r>
+            <a:r>
+              <a:rPr lang="en-US" dirty="0"/>
+              <a:t>set of observations</a:t>
+            </a:r>
+            <a:endParaRPr dirty="0"/>
           </a:p>
           <a:p>
             <a:pPr marL="342900" lvl="0" indent="-342900">
@@ -14023,6 +14171,11 @@
               <a:rPr b="1" dirty="0"/>
               <a:t>likelihood</a:t>
             </a:r>
+            <a:r>
+              <a:rPr lang="en-US" b="1" dirty="0"/>
+              <a:t> model</a:t>
+            </a:r>
+            <a:endParaRPr b="1" dirty="0"/>
           </a:p>
           <a:p>
             <a:pPr lvl="0"/>
@@ -14035,7 +14188,15 @@
             <a:pPr lvl="0"/>
             <a:r>
               <a:rPr dirty="0"/>
-              <a:t>Parametric models have low variance estimates for statistics</a:t>
+              <a:t>Parametric models have low</a:t>
+            </a:r>
+            <a:r>
+              <a:rPr lang="en-US" dirty="0"/>
+              <a:t>er</a:t>
+            </a:r>
+            <a:r>
+              <a:rPr dirty="0"/>
+              <a:t> variance estimates for statistics</a:t>
             </a:r>
           </a:p>
           <a:p>
@@ -14137,7 +14298,7 @@
         <p:spPr/>
         <p:txBody>
           <a:bodyPr>
-            <a:normAutofit fontScale="85000" lnSpcReduction="20000"/>
+            <a:normAutofit fontScale="92500" lnSpcReduction="20000"/>
           </a:bodyPr>
           <a:lstStyle/>
           <a:p>
@@ -14169,13 +14330,6 @@
             </a:r>
           </a:p>
           <a:p>
-            <a:pPr lvl="1"/>
-            <a:r>
-              <a:rPr dirty="0"/>
-              <a:t>No likelihood model assumptions</a:t>
-            </a:r>
-          </a:p>
-          <a:p>
             <a:pPr lvl="0"/>
             <a:r>
               <a:rPr dirty="0"/>
@@ -14186,7 +14340,7 @@
             <a:pPr lvl="1"/>
             <a:r>
               <a:rPr lang="en-US" dirty="0"/>
-              <a:t>Example, mean and variance estimates</a:t>
+              <a:t>Example, mean, variance, correlation, and ratio estimates</a:t>
             </a:r>
           </a:p>
           <a:p>
@@ -14882,7 +15036,15 @@
             </a:r>
             <a:r>
               <a:rPr b="1" dirty="0"/>
-              <a:t>no assumptions about population distribution!</a:t>
+              <a:t>no assumptions about </a:t>
+            </a:r>
+            <a:r>
+              <a:rPr lang="en-US" b="1" dirty="0"/>
+              <a:t>sample</a:t>
+            </a:r>
+            <a:r>
+              <a:rPr b="1" dirty="0"/>
+              <a:t> distribution!</a:t>
             </a:r>
           </a:p>
           <a:p>

--- a/LectureSlides/06b_IntroductionToBootstrap.pptx
+++ b/LectureSlides/06b_IntroductionToBootstrap.pptx
@@ -10615,8 +10615,27 @@
                 <a:pPr lvl="1"/>
                 <a:r>
                   <a:rPr lang="en-US" dirty="0"/>
-                  <a:t>Bias correction methods available</a:t>
+                  <a:t>Bias correction methods available – See </a:t>
                 </a:r>
+                <a:r>
+                  <a:rPr lang="en-US" dirty="0">
+                    <a:hlinkClick r:id="rId2"/>
+                  </a:rPr>
+                  <a:t>Efron and </a:t>
+                </a:r>
+                <a:r>
+                  <a:rPr lang="en-US" dirty="0" err="1">
+                    <a:hlinkClick r:id="rId2"/>
+                  </a:rPr>
+                  <a:t>Hasti</a:t>
+                </a:r>
+                <a:r>
+                  <a:rPr lang="en-US" dirty="0">
+                    <a:hlinkClick r:id="rId2"/>
+                  </a:rPr>
+                  <a:t> (2016)</a:t>
+                </a:r>
+                <a:endParaRPr lang="en-US" dirty="0"/>
               </a:p>
               <a:p>
                 <a:pPr lvl="0"/>
@@ -10642,7 +10661,7 @@
                 </a:r>
                 <a:r>
                   <a:rPr lang="en-US" dirty="0"/>
-                  <a:t> (2016) recommend using at least 2,000 bootstrap samples to estimate confidence intervals</a:t>
+                  <a:t> (2016) using at least 2,000 bootstrap samples to estimate confidence intervals</a:t>
                 </a:r>
               </a:p>
               <a:p>
@@ -10673,9 +10692,9 @@
                 <a:ext cx="8229600" cy="3705678"/>
               </a:xfrm>
               <a:blipFill>
-                <a:blip r:embed="rId2"/>
+                <a:blip r:embed="rId3"/>
                 <a:stretch>
-                  <a:fillRect l="-741" t="-2467"/>
+                  <a:fillRect l="-741" t="-2467" r="-1333"/>
                 </a:stretch>
               </a:blipFill>
             </p:spPr>
@@ -10781,7 +10800,6 @@
             </a:r>
           </a:p>
           <a:p>
-            <a:pPr lvl="0"/>
             <a:r>
               <a:rPr dirty="0"/>
               <a:t>In practice, bias</a:t>
@@ -10802,6 +10820,33 @@
               <a:rPr dirty="0"/>
               <a:t>applied</a:t>
             </a:r>
+            <a:r>
+              <a:rPr lang="en-US" dirty="0"/>
+              <a:t> – See </a:t>
+            </a:r>
+            <a:r>
+              <a:rPr lang="en-US" dirty="0">
+                <a:hlinkClick r:id="rId2"/>
+              </a:rPr>
+              <a:t>Efron and </a:t>
+            </a:r>
+            <a:r>
+              <a:rPr lang="en-US" dirty="0" err="1">
+                <a:hlinkClick r:id="rId2"/>
+              </a:rPr>
+              <a:t>Hasti</a:t>
+            </a:r>
+            <a:r>
+              <a:rPr lang="en-US">
+                <a:hlinkClick r:id="rId2"/>
+              </a:rPr>
+              <a:t> (2016)</a:t>
+            </a:r>
+            <a:endParaRPr lang="en-US"/>
+          </a:p>
+          <a:p>
+            <a:pPr lvl="0"/>
+            <a:endParaRPr dirty="0"/>
           </a:p>
         </p:txBody>
       </p:sp>

--- a/LectureSlides/06b_IntroductionToBootstrap.pptx
+++ b/LectureSlides/06b_IntroductionToBootstrap.pptx
@@ -239,7 +239,7 @@
           <a:p>
             <a:fld id="{04109FAC-1BEC-4087-B676-5D9DDF25C61E}" type="datetimeFigureOut">
               <a:rPr lang="en-US" smtClean="0"/>
-              <a:t>9/14/2025</a:t>
+              <a:t>9/18/2025</a:t>
             </a:fld>
             <a:endParaRPr lang="en-US"/>
           </a:p>
@@ -772,7 +772,7 @@
           <a:p>
             <a:fld id="{241EB5C9-1307-BA42-ABA2-0BC069CD8E7F}" type="datetimeFigureOut">
               <a:rPr lang="en-US" smtClean="0"/>
-              <a:t>9/14/2025</a:t>
+              <a:t>9/18/2025</a:t>
             </a:fld>
             <a:endParaRPr lang="en-US"/>
           </a:p>
@@ -940,7 +940,7 @@
           <a:p>
             <a:fld id="{241EB5C9-1307-BA42-ABA2-0BC069CD8E7F}" type="datetimeFigureOut">
               <a:rPr lang="en-US" smtClean="0"/>
-              <a:t>9/14/2025</a:t>
+              <a:t>9/18/2025</a:t>
             </a:fld>
             <a:endParaRPr lang="en-US"/>
           </a:p>
@@ -1118,7 +1118,7 @@
           <a:p>
             <a:fld id="{241EB5C9-1307-BA42-ABA2-0BC069CD8E7F}" type="datetimeFigureOut">
               <a:rPr lang="en-US" smtClean="0"/>
-              <a:t>9/14/2025</a:t>
+              <a:t>9/18/2025</a:t>
             </a:fld>
             <a:endParaRPr lang="en-US"/>
           </a:p>
@@ -1286,7 +1286,7 @@
           <a:p>
             <a:fld id="{241EB5C9-1307-BA42-ABA2-0BC069CD8E7F}" type="datetimeFigureOut">
               <a:rPr lang="en-US" smtClean="0"/>
-              <a:t>9/14/2025</a:t>
+              <a:t>9/18/2025</a:t>
             </a:fld>
             <a:endParaRPr lang="en-US"/>
           </a:p>
@@ -1531,7 +1531,7 @@
           <a:p>
             <a:fld id="{241EB5C9-1307-BA42-ABA2-0BC069CD8E7F}" type="datetimeFigureOut">
               <a:rPr lang="en-US" smtClean="0"/>
-              <a:t>9/14/2025</a:t>
+              <a:t>9/18/2025</a:t>
             </a:fld>
             <a:endParaRPr lang="en-US"/>
           </a:p>
@@ -1816,7 +1816,7 @@
           <a:p>
             <a:fld id="{241EB5C9-1307-BA42-ABA2-0BC069CD8E7F}" type="datetimeFigureOut">
               <a:rPr lang="en-US" smtClean="0"/>
-              <a:t>9/14/2025</a:t>
+              <a:t>9/18/2025</a:t>
             </a:fld>
             <a:endParaRPr lang="en-US"/>
           </a:p>
@@ -2235,7 +2235,7 @@
           <a:p>
             <a:fld id="{241EB5C9-1307-BA42-ABA2-0BC069CD8E7F}" type="datetimeFigureOut">
               <a:rPr lang="en-US" smtClean="0"/>
-              <a:t>9/14/2025</a:t>
+              <a:t>9/18/2025</a:t>
             </a:fld>
             <a:endParaRPr lang="en-US"/>
           </a:p>
@@ -2352,7 +2352,7 @@
           <a:p>
             <a:fld id="{241EB5C9-1307-BA42-ABA2-0BC069CD8E7F}" type="datetimeFigureOut">
               <a:rPr lang="en-US" smtClean="0"/>
-              <a:t>9/14/2025</a:t>
+              <a:t>9/18/2025</a:t>
             </a:fld>
             <a:endParaRPr lang="en-US"/>
           </a:p>
@@ -2447,7 +2447,7 @@
           <a:p>
             <a:fld id="{241EB5C9-1307-BA42-ABA2-0BC069CD8E7F}" type="datetimeFigureOut">
               <a:rPr lang="en-US" smtClean="0"/>
-              <a:t>9/14/2025</a:t>
+              <a:t>9/18/2025</a:t>
             </a:fld>
             <a:endParaRPr lang="en-US"/>
           </a:p>
@@ -2722,7 +2722,7 @@
           <a:p>
             <a:fld id="{241EB5C9-1307-BA42-ABA2-0BC069CD8E7F}" type="datetimeFigureOut">
               <a:rPr lang="en-US" smtClean="0"/>
-              <a:t>9/14/2025</a:t>
+              <a:t>9/18/2025</a:t>
             </a:fld>
             <a:endParaRPr lang="en-US"/>
           </a:p>
@@ -2974,7 +2974,7 @@
           <a:p>
             <a:fld id="{241EB5C9-1307-BA42-ABA2-0BC069CD8E7F}" type="datetimeFigureOut">
               <a:rPr lang="en-US" smtClean="0"/>
-              <a:t>9/14/2025</a:t>
+              <a:t>9/18/2025</a:t>
             </a:fld>
             <a:endParaRPr lang="en-US"/>
           </a:p>
@@ -3185,7 +3185,7 @@
           <a:p>
             <a:fld id="{241EB5C9-1307-BA42-ABA2-0BC069CD8E7F}" type="datetimeFigureOut">
               <a:rPr lang="en-US" smtClean="0"/>
-              <a:t>9/14/2025</a:t>
+              <a:t>9/18/2025</a:t>
             </a:fld>
             <a:endParaRPr lang="en-US"/>
           </a:p>
@@ -3629,30 +3629,6 @@
           </a:p>
         </p:txBody>
       </p:sp>
-      <p:sp>
-        <p:nvSpPr>
-          <p:cNvPr id="4" name="Date Placeholder 3"/>
-          <p:cNvSpPr>
-            <a:spLocks noGrp="1"/>
-          </p:cNvSpPr>
-          <p:nvPr>
-            <p:ph type="dt" sz="half" idx="10"/>
-          </p:nvPr>
-        </p:nvSpPr>
-        <p:spPr/>
-        <p:txBody>
-          <a:bodyPr/>
-          <a:lstStyle/>
-          <a:p>
-            <a:pPr marL="0" lvl="0" indent="0">
-              <a:buNone/>
-            </a:pPr>
-            <a:r>
-              <a:t>09/04/2023</a:t>
-            </a:r>
-          </a:p>
-        </p:txBody>
-      </p:sp>
       <p:pic>
         <p:nvPicPr>
           <p:cNvPr id="5" name="Picture 2" descr="Image result for harvard extension school logo">
@@ -3731,7 +3707,7 @@
             <a:pPr algn="ctr"/>
             <a:r>
               <a:rPr lang="en-US" sz="1100" dirty="0"/>
-              <a:t>Copyright 2018, 2019, 2020, 2021, 2022, 2023 2024, Stephen F Elston. All rights reserved</a:t>
+              <a:t>Copyright 2018, 2019, 2020, 2021, 2022, 2023 2024, 2025, Stephen F Elston. All rights reserved</a:t>
             </a:r>
             <a:r>
               <a:rPr lang="en-US" dirty="0"/>
@@ -3784,6 +3760,7 @@
               <a:buNone/>
             </a:pPr>
             <a:r>
+              <a:rPr dirty="0"/>
               <a:t>Bootstrap Distribution</a:t>
             </a:r>
           </a:p>
@@ -4062,16 +4039,16 @@
                 </a:r>
                 <a:r>
                   <a:rPr lang="en-US" b="1" dirty="0"/>
-                  <a:t>single random sample </a:t>
+                  <a:t>single random sample</a:t>
                 </a:r>
                 <a:r>
                   <a:rPr lang="en-US" dirty="0"/>
-                  <a:t>from the population,</a:t>
+                  <a:t>, </a:t>
                 </a:r>
                 <a14:m>
                   <m:oMath xmlns:m="http://schemas.openxmlformats.org/officeDocument/2006/math">
                     <m:r>
-                      <a:rPr lang="en-US" smtClean="0">
+                      <a:rPr lang="en-US">
                         <a:latin typeface="Cambria Math" panose="02040503050406030204" pitchFamily="18" charset="0"/>
                       </a:rPr>
                       <m:t> </m:t>
@@ -4096,6 +4073,14 @@
                     </m:acc>
                   </m:oMath>
                 </a14:m>
+                <a:r>
+                  <a:rPr lang="en-US" b="1" dirty="0"/>
+                  <a:t>, </a:t>
+                </a:r>
+                <a:r>
+                  <a:rPr lang="en-US" dirty="0"/>
+                  <a:t>from the population</a:t>
+                </a:r>
                 <a:endParaRPr lang="ar-AE" dirty="0"/>
               </a:p>
               <a:p>
@@ -13605,7 +13590,7 @@
         <p:spPr>
           <a:xfrm>
             <a:off x="91439" y="1359923"/>
-            <a:ext cx="1724892" cy="3139321"/>
+            <a:ext cx="1724892" cy="3416320"/>
           </a:xfrm>
           <a:prstGeom prst="rect">
             <a:avLst/>
@@ -13634,7 +13619,7 @@
             </a:pPr>
             <a:r>
               <a:rPr lang="en-US" dirty="0"/>
-              <a:t>Append to list of bootstrap resamples</a:t>
+              <a:t>Append statistic to list of bootstrap resamples</a:t>
             </a:r>
           </a:p>
           <a:p>
@@ -13710,7 +13695,7 @@
         <p:spPr>
           <a:xfrm>
             <a:off x="1483822" y="3133898"/>
-            <a:ext cx="918556" cy="0"/>
+            <a:ext cx="1197033" cy="29095"/>
           </a:xfrm>
           <a:prstGeom prst="straightConnector1">
             <a:avLst/>
@@ -14276,8 +14261,8 @@
           </a:p>
         </p:txBody>
       </p:sp>
-      <mc:AlternateContent xmlns:mc="http://schemas.openxmlformats.org/markup-compatibility/2006">
-        <mc:Choice xmlns:a14="http://schemas.microsoft.com/office/drawing/2010/main" Requires="a14">
+      <mc:AlternateContent xmlns:mc="http://schemas.openxmlformats.org/markup-compatibility/2006" xmlns:a14="http://schemas.microsoft.com/office/drawing/2010/main">
+        <mc:Choice Requires="a14">
           <p:sp>
             <p:nvSpPr>
               <p:cNvPr id="3" name="Content Placeholder 2"/>
@@ -14347,25 +14332,7 @@
                       <a:rPr lang="en-US">
                         <a:latin typeface="Cambria Math" panose="02040503050406030204" pitchFamily="18" charset="0"/>
                       </a:rPr>
-                      <m:t>=</m:t>
-                    </m:r>
-                    <m:r>
-                      <a:rPr lang="en-US">
-                        <a:latin typeface="Cambria Math" panose="02040503050406030204" pitchFamily="18" charset="0"/>
-                      </a:rPr>
-                      <m:t>0</m:t>
-                    </m:r>
-                    <m:r>
-                      <a:rPr lang="en-US">
-                        <a:latin typeface="Cambria Math" panose="02040503050406030204" pitchFamily="18" charset="0"/>
-                      </a:rPr>
-                      <m:t>.</m:t>
-                    </m:r>
-                    <m:r>
-                      <a:rPr lang="en-US">
-                        <a:latin typeface="Cambria Math" panose="02040503050406030204" pitchFamily="18" charset="0"/>
-                      </a:rPr>
-                      <m:t>05</m:t>
+                      <m:t>=0.05</m:t>
                     </m:r>
                   </m:oMath>
                 </a14:m>
@@ -14667,7 +14634,7 @@
             </p:txBody>
           </p:sp>
         </mc:Choice>
-        <mc:Fallback>
+        <mc:Fallback xmlns="">
           <p:sp>
             <p:nvSpPr>
               <p:cNvPr id="3" name="Content Placeholder 2"/>
@@ -15581,7 +15548,7 @@
                                         <p:tgtEl>
                                           <p:spTgt spid="3">
                                             <p:txEl>
-                                              <p:pRg st="1" end="1"/>
+                                              <p:pRg st="2" end="2"/>
                                             </p:txEl>
                                           </p:spTgt>
                                         </p:tgtEl>
@@ -15630,7 +15597,7 @@
                                         <p:tgtEl>
                                           <p:spTgt spid="3">
                                             <p:txEl>
-                                              <p:pRg st="2" end="2"/>
+                                              <p:pRg st="3" end="3"/>
                                             </p:txEl>
                                           </p:spTgt>
                                         </p:tgtEl>
@@ -15679,7 +15646,7 @@
                                         <p:tgtEl>
                                           <p:spTgt spid="3">
                                             <p:txEl>
-                                              <p:pRg st="3" end="3"/>
+                                              <p:pRg st="4" end="4"/>
                                             </p:txEl>
                                           </p:spTgt>
                                         </p:tgtEl>
@@ -15721,55 +15688,6 @@
                                     <p:set>
                                       <p:cBhvr>
                                         <p:cTn id="18" dur="1" fill="hold">
-                                          <p:stCondLst>
-                                            <p:cond delay="0"/>
-                                          </p:stCondLst>
-                                        </p:cTn>
-                                        <p:tgtEl>
-                                          <p:spTgt spid="3">
-                                            <p:txEl>
-                                              <p:pRg st="4" end="4"/>
-                                            </p:txEl>
-                                          </p:spTgt>
-                                        </p:tgtEl>
-                                        <p:attrNameLst>
-                                          <p:attrName>style.visibility</p:attrName>
-                                        </p:attrNameLst>
-                                      </p:cBhvr>
-                                      <p:to>
-                                        <p:strVal val="visible"/>
-                                      </p:to>
-                                    </p:set>
-                                  </p:childTnLst>
-                                </p:cTn>
-                              </p:par>
-                            </p:childTnLst>
-                          </p:cTn>
-                        </p:par>
-                      </p:childTnLst>
-                    </p:cTn>
-                  </p:par>
-                  <p:par>
-                    <p:cTn id="19" fill="hold">
-                      <p:stCondLst>
-                        <p:cond delay="indefinite"/>
-                      </p:stCondLst>
-                      <p:childTnLst>
-                        <p:par>
-                          <p:cTn id="20" fill="hold">
-                            <p:stCondLst>
-                              <p:cond delay="0"/>
-                            </p:stCondLst>
-                            <p:childTnLst>
-                              <p:par>
-                                <p:cTn id="21" presetID="1" presetClass="entr" presetSubtype="0" fill="hold" nodeType="clickEffect">
-                                  <p:stCondLst>
-                                    <p:cond delay="0"/>
-                                  </p:stCondLst>
-                                  <p:childTnLst>
-                                    <p:set>
-                                      <p:cBhvr>
-                                        <p:cTn id="22" dur="1" fill="hold">
                                           <p:stCondLst>
                                             <p:cond delay="0"/>
                                           </p:stCondLst>
@@ -20834,7 +20752,15 @@
             <a:pPr lvl="1"/>
             <a:r>
               <a:rPr dirty="0"/>
-              <a:t>Practical approximate algorithms for larger data sets in computer era</a:t>
+              <a:t>Practical approximate algorithms for </a:t>
+            </a:r>
+            <a:r>
+              <a:rPr lang="en-US" dirty="0"/>
+              <a:t>medium-sized</a:t>
+            </a:r>
+            <a:r>
+              <a:rPr dirty="0"/>
+              <a:t> data sets in computer era</a:t>
             </a:r>
           </a:p>
           <a:p>
@@ -22000,7 +21926,7 @@
         <p:spPr/>
         <p:txBody>
           <a:bodyPr>
-            <a:normAutofit lnSpcReduction="10000"/>
+            <a:normAutofit fontScale="92500"/>
           </a:bodyPr>
           <a:lstStyle/>
           <a:p>
@@ -22033,14 +21959,30 @@
             <a:pPr lvl="0"/>
             <a:r>
               <a:rPr dirty="0"/>
-              <a:t>Likelihood models based on a parametric distributions</a:t>
+              <a:t>Likelihood models based on a parametric </a:t>
+            </a:r>
+            <a:r>
+              <a:rPr lang="en-US" dirty="0"/>
+              <a:t>probability </a:t>
+            </a:r>
+            <a:r>
+              <a:rPr dirty="0"/>
+              <a:t>distribution</a:t>
             </a:r>
           </a:p>
           <a:p>
             <a:pPr lvl="0"/>
             <a:r>
               <a:rPr dirty="0"/>
-              <a:t>Parametric models have low</a:t>
+              <a:t>Parametric models </a:t>
+            </a:r>
+            <a:r>
+              <a:rPr lang="en-US" dirty="0"/>
+              <a:t>provide</a:t>
+            </a:r>
+            <a:r>
+              <a:rPr dirty="0"/>
+              <a:t> low</a:t>
             </a:r>
             <a:r>
               <a:rPr lang="en-US" dirty="0"/>
@@ -22048,7 +21990,15 @@
             </a:r>
             <a:r>
               <a:rPr dirty="0"/>
-              <a:t> variance estimates for statistics</a:t>
+              <a:t> variance estimates </a:t>
+            </a:r>
+            <a:r>
+              <a:rPr lang="en-US" dirty="0"/>
+              <a:t>of</a:t>
+            </a:r>
+            <a:r>
+              <a:rPr dirty="0"/>
+              <a:t> statistics</a:t>
             </a:r>
           </a:p>
           <a:p>
@@ -23849,7 +23799,7 @@
         <p:spPr/>
         <p:txBody>
           <a:bodyPr>
-            <a:normAutofit lnSpcReduction="10000"/>
+            <a:normAutofit/>
           </a:bodyPr>
           <a:lstStyle/>
           <a:p>
@@ -23903,21 +23853,9 @@
             </a:r>
           </a:p>
           <a:p>
-            <a:pPr lvl="1"/>
-            <a:r>
-              <a:rPr dirty="0"/>
-              <a:t>Are there alternatives to this classical frequentist approach?</a:t>
-            </a:r>
-          </a:p>
-          <a:p>
-            <a:pPr lvl="1"/>
-            <a:r>
-              <a:rPr dirty="0"/>
-              <a:t>Here we focus on </a:t>
-            </a:r>
             <a:r>
               <a:rPr lang="en-US" b="1" dirty="0"/>
-              <a:t>nonparametric </a:t>
+              <a:t>Nonparametric </a:t>
             </a:r>
             <a:r>
               <a:rPr b="1" dirty="0"/>
@@ -23935,6 +23873,11 @@
               <a:rPr dirty="0"/>
               <a:t> explicit probability model</a:t>
             </a:r>
+            <a:r>
+              <a:rPr lang="en-US" dirty="0"/>
+              <a:t> are an alterative</a:t>
+            </a:r>
+            <a:endParaRPr dirty="0"/>
           </a:p>
         </p:txBody>
       </p:sp>
@@ -24074,39 +24017,26 @@
                                   </p:childTnLst>
                                 </p:cTn>
                               </p:par>
+                            </p:childTnLst>
+                          </p:cTn>
+                        </p:par>
+                      </p:childTnLst>
+                    </p:cTn>
+                  </p:par>
+                  <p:par>
+                    <p:cTn id="13" fill="hold">
+                      <p:stCondLst>
+                        <p:cond delay="indefinite"/>
+                      </p:stCondLst>
+                      <p:childTnLst>
+                        <p:par>
+                          <p:cTn id="14" fill="hold">
+                            <p:stCondLst>
+                              <p:cond delay="0"/>
+                            </p:stCondLst>
+                            <p:childTnLst>
                               <p:par>
-                                <p:cTn id="13" presetID="1" presetClass="entr" presetSubtype="0" fill="hold" nodeType="withEffect">
-                                  <p:stCondLst>
-                                    <p:cond delay="0"/>
-                                  </p:stCondLst>
-                                  <p:childTnLst>
-                                    <p:set>
-                                      <p:cBhvr>
-                                        <p:cTn id="14" dur="1" fill="hold">
-                                          <p:stCondLst>
-                                            <p:cond delay="0"/>
-                                          </p:stCondLst>
-                                        </p:cTn>
-                                        <p:tgtEl>
-                                          <p:spTgt spid="3">
-                                            <p:txEl>
-                                              <p:pRg st="4" end="4"/>
-                                            </p:txEl>
-                                          </p:spTgt>
-                                        </p:tgtEl>
-                                        <p:attrNameLst>
-                                          <p:attrName>style.visibility</p:attrName>
-                                        </p:attrNameLst>
-                                      </p:cBhvr>
-                                      <p:to>
-                                        <p:strVal val="visible"/>
-                                      </p:to>
-                                    </p:set>
-                                  </p:childTnLst>
-                                </p:cTn>
-                              </p:par>
-                              <p:par>
-                                <p:cTn id="15" presetID="1" presetClass="entr" presetSubtype="0" fill="hold" nodeType="withEffect">
+                                <p:cTn id="15" presetID="1" presetClass="entr" presetSubtype="0" fill="hold" nodeType="clickEffect">
                                   <p:stCondLst>
                                     <p:cond delay="0"/>
                                   </p:stCondLst>
@@ -24121,7 +24051,7 @@
                                         <p:tgtEl>
                                           <p:spTgt spid="3">
                                             <p:txEl>
-                                              <p:pRg st="5" end="5"/>
+                                              <p:pRg st="4" end="4"/>
                                             </p:txEl>
                                           </p:spTgt>
                                         </p:tgtEl>
